--- a/presentations/Final Presentation.pptx
+++ b/presentations/Final Presentation.pptx
@@ -11,8 +11,9 @@
     <p:sldId id="258" r:id="rId5"/>
     <p:sldId id="263" r:id="rId6"/>
     <p:sldId id="260" r:id="rId7"/>
-    <p:sldId id="261" r:id="rId8"/>
-    <p:sldId id="262" r:id="rId9"/>
+    <p:sldId id="264" r:id="rId8"/>
+    <p:sldId id="261" r:id="rId9"/>
+    <p:sldId id="262" r:id="rId10"/>
   </p:sldIdLst>
   <p:sldSz cx="12192000" cy="6858000"/>
   <p:notesSz cx="6858000" cy="9144000"/>
@@ -111,7 +112,57 @@
       </a:defRPr>
     </a:lvl9pPr>
   </p:defaultTextStyle>
+  <p:extLst>
+    <p:ext uri="{EFAFB233-063F-42B5-8137-9DF3F51BA10A}">
+      <p15:sldGuideLst xmlns:p15="http://schemas.microsoft.com/office/powerpoint/2012/main"/>
+    </p:ext>
+  </p:extLst>
 </p:presentation>
+</file>
+
+<file path=ppt/changesInfos/changesInfo1.xml><?xml version="1.0" encoding="utf-8"?>
+<pc:chgInfo xmlns:a="http://schemas.openxmlformats.org/drawingml/2006/main" xmlns:r="http://schemas.openxmlformats.org/officeDocument/2006/relationships" xmlns:ac="http://schemas.microsoft.com/office/drawing/2013/main/command" xmlns:pc="http://schemas.microsoft.com/office/powerpoint/2013/main/command">
+  <pc:docChgLst>
+    <pc:chgData name="Rebecka Fahrni" userId="54dd5cd59e7c3003" providerId="LiveId" clId="{E969ACF7-8534-4C42-BC98-DF8CFE3B1406}"/>
+    <pc:docChg chg="addSld modSld">
+      <pc:chgData name="Rebecka Fahrni" userId="54dd5cd59e7c3003" providerId="LiveId" clId="{E969ACF7-8534-4C42-BC98-DF8CFE3B1406}" dt="2023-12-18T17:33:46.336" v="56" actId="20577"/>
+      <pc:docMkLst>
+        <pc:docMk/>
+      </pc:docMkLst>
+      <pc:sldChg chg="addSp delSp modSp new mod">
+        <pc:chgData name="Rebecka Fahrni" userId="54dd5cd59e7c3003" providerId="LiveId" clId="{E969ACF7-8534-4C42-BC98-DF8CFE3B1406}" dt="2023-12-18T17:33:46.336" v="56" actId="20577"/>
+        <pc:sldMkLst>
+          <pc:docMk/>
+          <pc:sldMk cId="178666799" sldId="264"/>
+        </pc:sldMkLst>
+        <pc:spChg chg="mod">
+          <ac:chgData name="Rebecka Fahrni" userId="54dd5cd59e7c3003" providerId="LiveId" clId="{E969ACF7-8534-4C42-BC98-DF8CFE3B1406}" dt="2023-12-18T17:33:46.336" v="56" actId="20577"/>
+          <ac:spMkLst>
+            <pc:docMk/>
+            <pc:sldMk cId="178666799" sldId="264"/>
+            <ac:spMk id="2" creationId="{368C69C6-D44F-7EFE-369F-A17E00AFBD28}"/>
+          </ac:spMkLst>
+        </pc:spChg>
+        <pc:spChg chg="del">
+          <ac:chgData name="Rebecka Fahrni" userId="54dd5cd59e7c3003" providerId="LiveId" clId="{E969ACF7-8534-4C42-BC98-DF8CFE3B1406}" dt="2023-12-18T17:33:07.533" v="1" actId="22"/>
+          <ac:spMkLst>
+            <pc:docMk/>
+            <pc:sldMk cId="178666799" sldId="264"/>
+            <ac:spMk id="3" creationId="{358EC68F-CD15-C70C-D2E9-34C39ED43E0A}"/>
+          </ac:spMkLst>
+        </pc:spChg>
+        <pc:picChg chg="add mod ord">
+          <ac:chgData name="Rebecka Fahrni" userId="54dd5cd59e7c3003" providerId="LiveId" clId="{E969ACF7-8534-4C42-BC98-DF8CFE3B1406}" dt="2023-12-18T17:33:07.533" v="1" actId="22"/>
+          <ac:picMkLst>
+            <pc:docMk/>
+            <pc:sldMk cId="178666799" sldId="264"/>
+            <ac:picMk id="5" creationId="{74A68CB2-2484-65C2-2132-287DDD87CD07}"/>
+          </ac:picMkLst>
+        </pc:picChg>
+      </pc:sldChg>
+    </pc:docChg>
+  </pc:docChgLst>
+</pc:chgInfo>
 </file>
 
 <file path=ppt/slideLayouts/slideLayout1.xml><?xml version="1.0" encoding="utf-8"?>
@@ -5496,6 +5547,105 @@
           <p:cNvPr id="2" name="Titel 1">
             <a:extLst>
               <a:ext uri="{FF2B5EF4-FFF2-40B4-BE49-F238E27FC236}">
+                <a16:creationId xmlns:a16="http://schemas.microsoft.com/office/drawing/2014/main" id="{368C69C6-D44F-7EFE-369F-A17E00AFBD28}"/>
+              </a:ext>
+            </a:extLst>
+          </p:cNvPr>
+          <p:cNvSpPr>
+            <a:spLocks noGrp="1"/>
+          </p:cNvSpPr>
+          <p:nvPr>
+            <p:ph type="title"/>
+          </p:nvPr>
+        </p:nvSpPr>
+        <p:spPr/>
+        <p:txBody>
+          <a:bodyPr/>
+          <a:lstStyle/>
+          <a:p>
+            <a:r>
+              <a:rPr lang="de-CH" dirty="0"/>
+              <a:t>F1-Scores </a:t>
+            </a:r>
+            <a:r>
+              <a:rPr lang="de-CH" dirty="0" err="1"/>
+              <a:t>for</a:t>
+            </a:r>
+            <a:r>
+              <a:rPr lang="de-CH" dirty="0"/>
+              <a:t> Baseline Model </a:t>
+            </a:r>
+            <a:r>
+              <a:rPr lang="de-CH"/>
+              <a:t>(Naive Bayes) </a:t>
+            </a:r>
+          </a:p>
+        </p:txBody>
+      </p:sp>
+      <p:pic>
+        <p:nvPicPr>
+          <p:cNvPr id="5" name="Inhaltsplatzhalter 4">
+            <a:extLst>
+              <a:ext uri="{FF2B5EF4-FFF2-40B4-BE49-F238E27FC236}">
+                <a16:creationId xmlns:a16="http://schemas.microsoft.com/office/drawing/2014/main" id="{74A68CB2-2484-65C2-2132-287DDD87CD07}"/>
+              </a:ext>
+            </a:extLst>
+          </p:cNvPr>
+          <p:cNvPicPr>
+            <a:picLocks noGrp="1" noChangeAspect="1"/>
+          </p:cNvPicPr>
+          <p:nvPr>
+            <p:ph idx="1"/>
+          </p:nvPr>
+        </p:nvPicPr>
+        <p:blipFill>
+          <a:blip r:embed="rId2"/>
+          <a:stretch>
+            <a:fillRect/>
+          </a:stretch>
+        </p:blipFill>
+        <p:spPr>
+          <a:xfrm>
+            <a:off x="3481739" y="2181225"/>
+            <a:ext cx="5228521" cy="3678238"/>
+          </a:xfrm>
+        </p:spPr>
+      </p:pic>
+    </p:spTree>
+    <p:extLst>
+      <p:ext uri="{BB962C8B-B14F-4D97-AF65-F5344CB8AC3E}">
+        <p14:creationId xmlns:p14="http://schemas.microsoft.com/office/powerpoint/2010/main" val="178666799"/>
+      </p:ext>
+    </p:extLst>
+  </p:cSld>
+  <p:clrMapOvr>
+    <a:masterClrMapping/>
+  </p:clrMapOvr>
+</p:sld>
+</file>
+
+<file path=ppt/slides/slide8.xml><?xml version="1.0" encoding="utf-8"?>
+<p:sld xmlns:a="http://schemas.openxmlformats.org/drawingml/2006/main" xmlns:r="http://schemas.openxmlformats.org/officeDocument/2006/relationships" xmlns:p="http://schemas.openxmlformats.org/presentationml/2006/main">
+  <p:cSld>
+    <p:spTree>
+      <p:nvGrpSpPr>
+        <p:cNvPr id="1" name=""/>
+        <p:cNvGrpSpPr/>
+        <p:nvPr/>
+      </p:nvGrpSpPr>
+      <p:grpSpPr>
+        <a:xfrm>
+          <a:off x="0" y="0"/>
+          <a:ext cx="0" cy="0"/>
+          <a:chOff x="0" y="0"/>
+          <a:chExt cx="0" cy="0"/>
+        </a:xfrm>
+      </p:grpSpPr>
+      <p:sp>
+        <p:nvSpPr>
+          <p:cNvPr id="2" name="Titel 1">
+            <a:extLst>
+              <a:ext uri="{FF2B5EF4-FFF2-40B4-BE49-F238E27FC236}">
                 <a16:creationId xmlns:a16="http://schemas.microsoft.com/office/drawing/2014/main" id="{0F0555DC-D755-5E62-FA68-E2C671875687}"/>
               </a:ext>
             </a:extLst>
@@ -5686,7 +5836,7 @@
 </p:sld>
 </file>
 
-<file path=ppt/slides/slide8.xml><?xml version="1.0" encoding="utf-8"?>
+<file path=ppt/slides/slide9.xml><?xml version="1.0" encoding="utf-8"?>
 <p:sld xmlns:a="http://schemas.openxmlformats.org/drawingml/2006/main" xmlns:r="http://schemas.openxmlformats.org/officeDocument/2006/relationships" xmlns:p="http://schemas.openxmlformats.org/presentationml/2006/main">
   <p:cSld>
     <p:spTree>

--- a/presentations/Final Presentation.pptx
+++ b/presentations/Final Presentation.pptx
@@ -12,8 +12,11 @@
     <p:sldId id="263" r:id="rId6"/>
     <p:sldId id="260" r:id="rId7"/>
     <p:sldId id="264" r:id="rId8"/>
-    <p:sldId id="261" r:id="rId9"/>
-    <p:sldId id="262" r:id="rId10"/>
+    <p:sldId id="265" r:id="rId9"/>
+    <p:sldId id="268" r:id="rId10"/>
+    <p:sldId id="269" r:id="rId11"/>
+    <p:sldId id="261" r:id="rId12"/>
+    <p:sldId id="262" r:id="rId13"/>
   </p:sldIdLst>
   <p:sldSz cx="12192000" cy="6858000"/>
   <p:notesSz cx="6858000" cy="9144000"/>
@@ -120,23 +123,31 @@
 </p:presentation>
 </file>
 
+<file path=ppt/revisionInfo.xml><?xml version="1.0" encoding="utf-8"?>
+<p1510:revInfo xmlns:a="http://schemas.openxmlformats.org/drawingml/2006/main" xmlns:r="http://schemas.openxmlformats.org/officeDocument/2006/relationships" xmlns:p1510="http://schemas.microsoft.com/office/powerpoint/2015/10/main">
+  <p1510:revLst>
+    <p1510:client id="{E969ACF7-8534-4C42-BC98-DF8CFE3B1406}" v="6" dt="2023-12-18T18:41:24.722"/>
+  </p1510:revLst>
+</p1510:revInfo>
+</file>
+
 <file path=ppt/changesInfos/changesInfo1.xml><?xml version="1.0" encoding="utf-8"?>
 <pc:chgInfo xmlns:a="http://schemas.openxmlformats.org/drawingml/2006/main" xmlns:r="http://schemas.openxmlformats.org/officeDocument/2006/relationships" xmlns:ac="http://schemas.microsoft.com/office/drawing/2013/main/command" xmlns:pc="http://schemas.microsoft.com/office/powerpoint/2013/main/command">
   <pc:docChgLst>
     <pc:chgData name="Rebecka Fahrni" userId="54dd5cd59e7c3003" providerId="LiveId" clId="{E969ACF7-8534-4C42-BC98-DF8CFE3B1406}"/>
-    <pc:docChg chg="addSld modSld">
-      <pc:chgData name="Rebecka Fahrni" userId="54dd5cd59e7c3003" providerId="LiveId" clId="{E969ACF7-8534-4C42-BC98-DF8CFE3B1406}" dt="2023-12-18T17:33:46.336" v="56" actId="20577"/>
+    <pc:docChg chg="undo redo custSel addSld delSld modSld">
+      <pc:chgData name="Rebecka Fahrni" userId="54dd5cd59e7c3003" providerId="LiveId" clId="{E969ACF7-8534-4C42-BC98-DF8CFE3B1406}" dt="2023-12-18T19:02:48.436" v="472" actId="1076"/>
       <pc:docMkLst>
         <pc:docMk/>
       </pc:docMkLst>
       <pc:sldChg chg="addSp delSp modSp new mod">
-        <pc:chgData name="Rebecka Fahrni" userId="54dd5cd59e7c3003" providerId="LiveId" clId="{E969ACF7-8534-4C42-BC98-DF8CFE3B1406}" dt="2023-12-18T17:33:46.336" v="56" actId="20577"/>
+        <pc:chgData name="Rebecka Fahrni" userId="54dd5cd59e7c3003" providerId="LiveId" clId="{E969ACF7-8534-4C42-BC98-DF8CFE3B1406}" dt="2023-12-18T18:46:03.103" v="393" actId="20577"/>
         <pc:sldMkLst>
           <pc:docMk/>
           <pc:sldMk cId="178666799" sldId="264"/>
         </pc:sldMkLst>
         <pc:spChg chg="mod">
-          <ac:chgData name="Rebecka Fahrni" userId="54dd5cd59e7c3003" providerId="LiveId" clId="{E969ACF7-8534-4C42-BC98-DF8CFE3B1406}" dt="2023-12-18T17:33:46.336" v="56" actId="20577"/>
+          <ac:chgData name="Rebecka Fahrni" userId="54dd5cd59e7c3003" providerId="LiveId" clId="{E969ACF7-8534-4C42-BC98-DF8CFE3B1406}" dt="2023-12-18T18:46:03.103" v="393" actId="20577"/>
           <ac:spMkLst>
             <pc:docMk/>
             <pc:sldMk cId="178666799" sldId="264"/>
@@ -151,12 +162,287 @@
             <ac:spMk id="3" creationId="{358EC68F-CD15-C70C-D2E9-34C39ED43E0A}"/>
           </ac:spMkLst>
         </pc:spChg>
-        <pc:picChg chg="add mod ord">
-          <ac:chgData name="Rebecka Fahrni" userId="54dd5cd59e7c3003" providerId="LiveId" clId="{E969ACF7-8534-4C42-BC98-DF8CFE3B1406}" dt="2023-12-18T17:33:07.533" v="1" actId="22"/>
+        <pc:spChg chg="add mod">
+          <ac:chgData name="Rebecka Fahrni" userId="54dd5cd59e7c3003" providerId="LiveId" clId="{E969ACF7-8534-4C42-BC98-DF8CFE3B1406}" dt="2023-12-18T18:42:43.865" v="360" actId="20577"/>
+          <ac:spMkLst>
+            <pc:docMk/>
+            <pc:sldMk cId="178666799" sldId="264"/>
+            <ac:spMk id="6" creationId="{C7AAAE31-5A78-F298-EDB0-E52C41ABBBC7}"/>
+          </ac:spMkLst>
+        </pc:spChg>
+        <pc:spChg chg="add mod">
+          <ac:chgData name="Rebecka Fahrni" userId="54dd5cd59e7c3003" providerId="LiveId" clId="{E969ACF7-8534-4C42-BC98-DF8CFE3B1406}" dt="2023-12-18T18:19:51.909" v="134" actId="20577"/>
+          <ac:spMkLst>
+            <pc:docMk/>
+            <pc:sldMk cId="178666799" sldId="264"/>
+            <ac:spMk id="7" creationId="{AEBBC55A-36B0-9E4B-0B83-C37CBA559EB6}"/>
+          </ac:spMkLst>
+        </pc:spChg>
+        <pc:spChg chg="add del mod">
+          <ac:chgData name="Rebecka Fahrni" userId="54dd5cd59e7c3003" providerId="LiveId" clId="{E969ACF7-8534-4C42-BC98-DF8CFE3B1406}" dt="2023-12-18T18:30:44.436" v="218" actId="478"/>
+          <ac:spMkLst>
+            <pc:docMk/>
+            <pc:sldMk cId="178666799" sldId="264"/>
+            <ac:spMk id="13" creationId="{7EAAA0DD-2EE6-579C-00BE-DB2A5D0EDC6E}"/>
+          </ac:spMkLst>
+        </pc:spChg>
+        <pc:picChg chg="add del mod">
+          <ac:chgData name="Rebecka Fahrni" userId="54dd5cd59e7c3003" providerId="LiveId" clId="{E969ACF7-8534-4C42-BC98-DF8CFE3B1406}" dt="2023-12-18T18:16:36.460" v="86" actId="478"/>
+          <ac:picMkLst>
+            <pc:docMk/>
+            <pc:sldMk cId="178666799" sldId="264"/>
+            <ac:picMk id="4" creationId="{14A37455-79D1-83C8-91FB-45B9DF107E04}"/>
+          </ac:picMkLst>
+        </pc:picChg>
+        <pc:picChg chg="add del mod ord">
+          <ac:chgData name="Rebecka Fahrni" userId="54dd5cd59e7c3003" providerId="LiveId" clId="{E969ACF7-8534-4C42-BC98-DF8CFE3B1406}" dt="2023-12-18T18:30:23.134" v="214" actId="478"/>
           <ac:picMkLst>
             <pc:docMk/>
             <pc:sldMk cId="178666799" sldId="264"/>
             <ac:picMk id="5" creationId="{74A68CB2-2484-65C2-2132-287DDD87CD07}"/>
+          </ac:picMkLst>
+        </pc:picChg>
+        <pc:picChg chg="add mod">
+          <ac:chgData name="Rebecka Fahrni" userId="54dd5cd59e7c3003" providerId="LiveId" clId="{E969ACF7-8534-4C42-BC98-DF8CFE3B1406}" dt="2023-12-18T18:30:53.524" v="221" actId="14100"/>
+          <ac:picMkLst>
+            <pc:docMk/>
+            <pc:sldMk cId="178666799" sldId="264"/>
+            <ac:picMk id="9" creationId="{19AD4DC7-4969-5833-7C89-8F6028B1E5FC}"/>
+          </ac:picMkLst>
+        </pc:picChg>
+        <pc:picChg chg="add mod">
+          <ac:chgData name="Rebecka Fahrni" userId="54dd5cd59e7c3003" providerId="LiveId" clId="{E969ACF7-8534-4C42-BC98-DF8CFE3B1406}" dt="2023-12-18T18:30:46.902" v="219" actId="1076"/>
+          <ac:picMkLst>
+            <pc:docMk/>
+            <pc:sldMk cId="178666799" sldId="264"/>
+            <ac:picMk id="11" creationId="{C58A494D-290A-3FFA-0185-2BB1EC437809}"/>
+          </ac:picMkLst>
+        </pc:picChg>
+      </pc:sldChg>
+      <pc:sldChg chg="addSp delSp modSp new mod">
+        <pc:chgData name="Rebecka Fahrni" userId="54dd5cd59e7c3003" providerId="LiveId" clId="{E969ACF7-8534-4C42-BC98-DF8CFE3B1406}" dt="2023-12-18T18:46:12.863" v="396" actId="20577"/>
+        <pc:sldMkLst>
+          <pc:docMk/>
+          <pc:sldMk cId="2714113064" sldId="265"/>
+        </pc:sldMkLst>
+        <pc:spChg chg="mod">
+          <ac:chgData name="Rebecka Fahrni" userId="54dd5cd59e7c3003" providerId="LiveId" clId="{E969ACF7-8534-4C42-BC98-DF8CFE3B1406}" dt="2023-12-18T18:46:12.863" v="396" actId="20577"/>
+          <ac:spMkLst>
+            <pc:docMk/>
+            <pc:sldMk cId="2714113064" sldId="265"/>
+            <ac:spMk id="2" creationId="{50FDFC3C-7B96-F3DB-7958-45FA83152159}"/>
+          </ac:spMkLst>
+        </pc:spChg>
+        <pc:spChg chg="del">
+          <ac:chgData name="Rebecka Fahrni" userId="54dd5cd59e7c3003" providerId="LiveId" clId="{E969ACF7-8534-4C42-BC98-DF8CFE3B1406}" dt="2023-12-18T18:29:48.712" v="170"/>
+          <ac:spMkLst>
+            <pc:docMk/>
+            <pc:sldMk cId="2714113064" sldId="265"/>
+            <ac:spMk id="3" creationId="{1DB71F83-AB6D-6AF9-1CC6-652923B94D2A}"/>
+          </ac:spMkLst>
+        </pc:spChg>
+        <pc:spChg chg="add mod">
+          <ac:chgData name="Rebecka Fahrni" userId="54dd5cd59e7c3003" providerId="LiveId" clId="{E969ACF7-8534-4C42-BC98-DF8CFE3B1406}" dt="2023-12-18T18:42:59.490" v="371" actId="20577"/>
+          <ac:spMkLst>
+            <pc:docMk/>
+            <pc:sldMk cId="2714113064" sldId="265"/>
+            <ac:spMk id="5" creationId="{9DA58C8F-6915-18E7-A1E6-17402BE53BA3}"/>
+          </ac:spMkLst>
+        </pc:spChg>
+        <pc:spChg chg="add del mod">
+          <ac:chgData name="Rebecka Fahrni" userId="54dd5cd59e7c3003" providerId="LiveId" clId="{E969ACF7-8534-4C42-BC98-DF8CFE3B1406}" dt="2023-12-18T18:32:23.901" v="226" actId="478"/>
+          <ac:spMkLst>
+            <pc:docMk/>
+            <pc:sldMk cId="2714113064" sldId="265"/>
+            <ac:spMk id="9" creationId="{2DA0122B-0302-72A7-3C7A-E667F5CA6FB7}"/>
+          </ac:spMkLst>
+        </pc:spChg>
+        <pc:spChg chg="add mod">
+          <ac:chgData name="Rebecka Fahrni" userId="54dd5cd59e7c3003" providerId="LiveId" clId="{E969ACF7-8534-4C42-BC98-DF8CFE3B1406}" dt="2023-12-18T18:43:12.474" v="382" actId="20577"/>
+          <ac:spMkLst>
+            <pc:docMk/>
+            <pc:sldMk cId="2714113064" sldId="265"/>
+            <ac:spMk id="12" creationId="{12F04AFB-86C5-13EE-B2B3-34BA8C15B44F}"/>
+          </ac:spMkLst>
+        </pc:spChg>
+        <pc:spChg chg="add mod">
+          <ac:chgData name="Rebecka Fahrni" userId="54dd5cd59e7c3003" providerId="LiveId" clId="{E969ACF7-8534-4C42-BC98-DF8CFE3B1406}" dt="2023-12-18T18:42:18.869" v="319" actId="1076"/>
+          <ac:spMkLst>
+            <pc:docMk/>
+            <pc:sldMk cId="2714113064" sldId="265"/>
+            <ac:spMk id="13" creationId="{ED0EB324-1BE0-AC7E-59B8-E8BC5DDBE0D8}"/>
+          </ac:spMkLst>
+        </pc:spChg>
+        <pc:picChg chg="add del mod">
+          <ac:chgData name="Rebecka Fahrni" userId="54dd5cd59e7c3003" providerId="LiveId" clId="{E969ACF7-8534-4C42-BC98-DF8CFE3B1406}" dt="2023-12-18T18:32:19.939" v="225" actId="478"/>
+          <ac:picMkLst>
+            <pc:docMk/>
+            <pc:sldMk cId="2714113064" sldId="265"/>
+            <ac:picMk id="4" creationId="{C1DE1B12-5FCD-9C38-3A77-D862A891B547}"/>
+          </ac:picMkLst>
+        </pc:picChg>
+        <pc:picChg chg="add mod">
+          <ac:chgData name="Rebecka Fahrni" userId="54dd5cd59e7c3003" providerId="LiveId" clId="{E969ACF7-8534-4C42-BC98-DF8CFE3B1406}" dt="2023-12-18T18:42:26.743" v="321" actId="1076"/>
+          <ac:picMkLst>
+            <pc:docMk/>
+            <pc:sldMk cId="2714113064" sldId="265"/>
+            <ac:picMk id="7" creationId="{1A65BAB9-3265-C8DB-E420-54FBFDF81530}"/>
+          </ac:picMkLst>
+        </pc:picChg>
+        <pc:picChg chg="add mod">
+          <ac:chgData name="Rebecka Fahrni" userId="54dd5cd59e7c3003" providerId="LiveId" clId="{E969ACF7-8534-4C42-BC98-DF8CFE3B1406}" dt="2023-12-18T18:42:29.742" v="322" actId="1076"/>
+          <ac:picMkLst>
+            <pc:docMk/>
+            <pc:sldMk cId="2714113064" sldId="265"/>
+            <ac:picMk id="11" creationId="{0A777E58-89FD-ABB1-39C0-72F9D5B9134E}"/>
+          </ac:picMkLst>
+        </pc:picChg>
+      </pc:sldChg>
+      <pc:sldChg chg="new del">
+        <pc:chgData name="Rebecka Fahrni" userId="54dd5cd59e7c3003" providerId="LiveId" clId="{E969ACF7-8534-4C42-BC98-DF8CFE3B1406}" dt="2023-12-18T18:45:37.399" v="385" actId="47"/>
+        <pc:sldMkLst>
+          <pc:docMk/>
+          <pc:sldMk cId="520757135" sldId="266"/>
+        </pc:sldMkLst>
+      </pc:sldChg>
+      <pc:sldChg chg="new del">
+        <pc:chgData name="Rebecka Fahrni" userId="54dd5cd59e7c3003" providerId="LiveId" clId="{E969ACF7-8534-4C42-BC98-DF8CFE3B1406}" dt="2023-12-18T18:57:01.450" v="463" actId="47"/>
+        <pc:sldMkLst>
+          <pc:docMk/>
+          <pc:sldMk cId="3159993789" sldId="267"/>
+        </pc:sldMkLst>
+      </pc:sldChg>
+      <pc:sldChg chg="addSp delSp modSp add mod">
+        <pc:chgData name="Rebecka Fahrni" userId="54dd5cd59e7c3003" providerId="LiveId" clId="{E969ACF7-8534-4C42-BC98-DF8CFE3B1406}" dt="2023-12-18T18:49:20.682" v="438" actId="1076"/>
+        <pc:sldMkLst>
+          <pc:docMk/>
+          <pc:sldMk cId="3007869225" sldId="268"/>
+        </pc:sldMkLst>
+        <pc:spChg chg="mod">
+          <ac:chgData name="Rebecka Fahrni" userId="54dd5cd59e7c3003" providerId="LiveId" clId="{E969ACF7-8534-4C42-BC98-DF8CFE3B1406}" dt="2023-12-18T18:47:31.728" v="411" actId="20577"/>
+          <ac:spMkLst>
+            <pc:docMk/>
+            <pc:sldMk cId="3007869225" sldId="268"/>
+            <ac:spMk id="2" creationId="{50FDFC3C-7B96-F3DB-7958-45FA83152159}"/>
+          </ac:spMkLst>
+        </pc:spChg>
+        <pc:spChg chg="mod">
+          <ac:chgData name="Rebecka Fahrni" userId="54dd5cd59e7c3003" providerId="LiveId" clId="{E969ACF7-8534-4C42-BC98-DF8CFE3B1406}" dt="2023-12-18T18:48:38.738" v="432" actId="20577"/>
+          <ac:spMkLst>
+            <pc:docMk/>
+            <pc:sldMk cId="3007869225" sldId="268"/>
+            <ac:spMk id="5" creationId="{9DA58C8F-6915-18E7-A1E6-17402BE53BA3}"/>
+          </ac:spMkLst>
+        </pc:spChg>
+        <pc:spChg chg="mod">
+          <ac:chgData name="Rebecka Fahrni" userId="54dd5cd59e7c3003" providerId="LiveId" clId="{E969ACF7-8534-4C42-BC98-DF8CFE3B1406}" dt="2023-12-18T18:48:00.836" v="425" actId="20577"/>
+          <ac:spMkLst>
+            <pc:docMk/>
+            <pc:sldMk cId="3007869225" sldId="268"/>
+            <ac:spMk id="12" creationId="{12F04AFB-86C5-13EE-B2B3-34BA8C15B44F}"/>
+          </ac:spMkLst>
+        </pc:spChg>
+        <pc:spChg chg="del">
+          <ac:chgData name="Rebecka Fahrni" userId="54dd5cd59e7c3003" providerId="LiveId" clId="{E969ACF7-8534-4C42-BC98-DF8CFE3B1406}" dt="2023-12-18T18:47:50.326" v="418" actId="478"/>
+          <ac:spMkLst>
+            <pc:docMk/>
+            <pc:sldMk cId="3007869225" sldId="268"/>
+            <ac:spMk id="13" creationId="{ED0EB324-1BE0-AC7E-59B8-E8BC5DDBE0D8}"/>
+          </ac:spMkLst>
+        </pc:spChg>
+        <pc:picChg chg="add mod">
+          <ac:chgData name="Rebecka Fahrni" userId="54dd5cd59e7c3003" providerId="LiveId" clId="{E969ACF7-8534-4C42-BC98-DF8CFE3B1406}" dt="2023-12-18T18:47:57.207" v="421" actId="1076"/>
+          <ac:picMkLst>
+            <pc:docMk/>
+            <pc:sldMk cId="3007869225" sldId="268"/>
+            <ac:picMk id="4" creationId="{31C0DC1B-B3BF-DAA7-86BA-78730E315A64}"/>
+          </ac:picMkLst>
+        </pc:picChg>
+        <pc:picChg chg="del">
+          <ac:chgData name="Rebecka Fahrni" userId="54dd5cd59e7c3003" providerId="LiveId" clId="{E969ACF7-8534-4C42-BC98-DF8CFE3B1406}" dt="2023-12-18T18:49:09.366" v="433" actId="478"/>
+          <ac:picMkLst>
+            <pc:docMk/>
+            <pc:sldMk cId="3007869225" sldId="268"/>
+            <ac:picMk id="7" creationId="{1A65BAB9-3265-C8DB-E420-54FBFDF81530}"/>
+          </ac:picMkLst>
+        </pc:picChg>
+        <pc:picChg chg="add mod">
+          <ac:chgData name="Rebecka Fahrni" userId="54dd5cd59e7c3003" providerId="LiveId" clId="{E969ACF7-8534-4C42-BC98-DF8CFE3B1406}" dt="2023-12-18T18:49:20.682" v="438" actId="1076"/>
+          <ac:picMkLst>
+            <pc:docMk/>
+            <pc:sldMk cId="3007869225" sldId="268"/>
+            <ac:picMk id="8" creationId="{41D01C4E-A1E5-D6F7-5EF0-4B7D8BF5DF46}"/>
+          </ac:picMkLst>
+        </pc:picChg>
+        <pc:picChg chg="del">
+          <ac:chgData name="Rebecka Fahrni" userId="54dd5cd59e7c3003" providerId="LiveId" clId="{E969ACF7-8534-4C42-BC98-DF8CFE3B1406}" dt="2023-12-18T18:47:37.302" v="412" actId="478"/>
+          <ac:picMkLst>
+            <pc:docMk/>
+            <pc:sldMk cId="3007869225" sldId="268"/>
+            <ac:picMk id="11" creationId="{0A777E58-89FD-ABB1-39C0-72F9D5B9134E}"/>
+          </ac:picMkLst>
+        </pc:picChg>
+      </pc:sldChg>
+      <pc:sldChg chg="addSp delSp modSp add mod">
+        <pc:chgData name="Rebecka Fahrni" userId="54dd5cd59e7c3003" providerId="LiveId" clId="{E969ACF7-8534-4C42-BC98-DF8CFE3B1406}" dt="2023-12-18T19:02:48.436" v="472" actId="1076"/>
+        <pc:sldMkLst>
+          <pc:docMk/>
+          <pc:sldMk cId="3746944653" sldId="269"/>
+        </pc:sldMkLst>
+        <pc:spChg chg="mod">
+          <ac:chgData name="Rebecka Fahrni" userId="54dd5cd59e7c3003" providerId="LiveId" clId="{E969ACF7-8534-4C42-BC98-DF8CFE3B1406}" dt="2023-12-18T18:56:56.151" v="462" actId="20577"/>
+          <ac:spMkLst>
+            <pc:docMk/>
+            <pc:sldMk cId="3746944653" sldId="269"/>
+            <ac:spMk id="2" creationId="{50FDFC3C-7B96-F3DB-7958-45FA83152159}"/>
+          </ac:spMkLst>
+        </pc:spChg>
+        <pc:spChg chg="mod">
+          <ac:chgData name="Rebecka Fahrni" userId="54dd5cd59e7c3003" providerId="LiveId" clId="{E969ACF7-8534-4C42-BC98-DF8CFE3B1406}" dt="2023-12-18T19:02:45.829" v="471" actId="1076"/>
+          <ac:spMkLst>
+            <pc:docMk/>
+            <pc:sldMk cId="3746944653" sldId="269"/>
+            <ac:spMk id="5" creationId="{9DA58C8F-6915-18E7-A1E6-17402BE53BA3}"/>
+          </ac:spMkLst>
+        </pc:spChg>
+        <pc:spChg chg="del">
+          <ac:chgData name="Rebecka Fahrni" userId="54dd5cd59e7c3003" providerId="LiveId" clId="{E969ACF7-8534-4C42-BC98-DF8CFE3B1406}" dt="2023-12-18T19:02:36.269" v="469" actId="478"/>
+          <ac:spMkLst>
+            <pc:docMk/>
+            <pc:sldMk cId="3746944653" sldId="269"/>
+            <ac:spMk id="12" creationId="{12F04AFB-86C5-13EE-B2B3-34BA8C15B44F}"/>
+          </ac:spMkLst>
+        </pc:spChg>
+        <pc:picChg chg="del">
+          <ac:chgData name="Rebecka Fahrni" userId="54dd5cd59e7c3003" providerId="LiveId" clId="{E969ACF7-8534-4C42-BC98-DF8CFE3B1406}" dt="2023-12-18T19:02:21.836" v="464" actId="478"/>
+          <ac:picMkLst>
+            <pc:docMk/>
+            <pc:sldMk cId="3746944653" sldId="269"/>
+            <ac:picMk id="4" creationId="{31C0DC1B-B3BF-DAA7-86BA-78730E315A64}"/>
+          </ac:picMkLst>
+        </pc:picChg>
+        <pc:picChg chg="add mod">
+          <ac:chgData name="Rebecka Fahrni" userId="54dd5cd59e7c3003" providerId="LiveId" clId="{E969ACF7-8534-4C42-BC98-DF8CFE3B1406}" dt="2023-12-18T19:02:48.436" v="472" actId="1076"/>
+          <ac:picMkLst>
+            <pc:docMk/>
+            <pc:sldMk cId="3746944653" sldId="269"/>
+            <ac:picMk id="6" creationId="{0EDC7CAD-823B-BEFC-F001-25457414E73C}"/>
+          </ac:picMkLst>
+        </pc:picChg>
+        <pc:picChg chg="del">
+          <ac:chgData name="Rebecka Fahrni" userId="54dd5cd59e7c3003" providerId="LiveId" clId="{E969ACF7-8534-4C42-BC98-DF8CFE3B1406}" dt="2023-12-18T18:56:33.509" v="440" actId="478"/>
+          <ac:picMkLst>
+            <pc:docMk/>
+            <pc:sldMk cId="3746944653" sldId="269"/>
+            <ac:picMk id="8" creationId="{41D01C4E-A1E5-D6F7-5EF0-4B7D8BF5DF46}"/>
+          </ac:picMkLst>
+        </pc:picChg>
+        <pc:picChg chg="add del mod">
+          <ac:chgData name="Rebecka Fahrni" userId="54dd5cd59e7c3003" providerId="LiveId" clId="{E969ACF7-8534-4C42-BC98-DF8CFE3B1406}" dt="2023-12-18T19:02:32.330" v="468" actId="478"/>
+          <ac:picMkLst>
+            <pc:docMk/>
+            <pc:sldMk cId="3746944653" sldId="269"/>
+            <ac:picMk id="9" creationId="{B2F145EF-1823-D00F-46AE-EF32172A3A30}"/>
           </ac:picMkLst>
         </pc:picChg>
       </pc:sldChg>
@@ -3997,6 +4283,475 @@
 </p:sld>
 </file>
 
+<file path=ppt/slides/slide10.xml><?xml version="1.0" encoding="utf-8"?>
+<p:sld xmlns:a="http://schemas.openxmlformats.org/drawingml/2006/main" xmlns:r="http://schemas.openxmlformats.org/officeDocument/2006/relationships" xmlns:p="http://schemas.openxmlformats.org/presentationml/2006/main">
+  <p:cSld>
+    <p:spTree>
+      <p:nvGrpSpPr>
+        <p:cNvPr id="1" name=""/>
+        <p:cNvGrpSpPr/>
+        <p:nvPr/>
+      </p:nvGrpSpPr>
+      <p:grpSpPr>
+        <a:xfrm>
+          <a:off x="0" y="0"/>
+          <a:ext cx="0" cy="0"/>
+          <a:chOff x="0" y="0"/>
+          <a:chExt cx="0" cy="0"/>
+        </a:xfrm>
+      </p:grpSpPr>
+      <p:sp>
+        <p:nvSpPr>
+          <p:cNvPr id="2" name="Titel 1">
+            <a:extLst>
+              <a:ext uri="{FF2B5EF4-FFF2-40B4-BE49-F238E27FC236}">
+                <a16:creationId xmlns:a16="http://schemas.microsoft.com/office/drawing/2014/main" id="{50FDFC3C-7B96-F3DB-7958-45FA83152159}"/>
+              </a:ext>
+            </a:extLst>
+          </p:cNvPr>
+          <p:cNvSpPr>
+            <a:spLocks noGrp="1"/>
+          </p:cNvSpPr>
+          <p:nvPr>
+            <p:ph type="title"/>
+          </p:nvPr>
+        </p:nvSpPr>
+        <p:spPr/>
+        <p:txBody>
+          <a:bodyPr/>
+          <a:lstStyle/>
+          <a:p>
+            <a:r>
+              <a:rPr lang="de-CH" dirty="0"/>
+              <a:t>F1-Scores </a:t>
+            </a:r>
+            <a:r>
+              <a:rPr lang="de-CH" dirty="0" err="1"/>
+              <a:t>for</a:t>
+            </a:r>
+            <a:r>
+              <a:rPr lang="de-CH" dirty="0"/>
+              <a:t> Baseline Model – </a:t>
+            </a:r>
+            <a:r>
+              <a:rPr lang="de-CH" dirty="0" err="1"/>
+              <a:t>XGBoost</a:t>
+            </a:r>
+            <a:endParaRPr lang="de-CH" dirty="0"/>
+          </a:p>
+        </p:txBody>
+      </p:sp>
+      <p:sp>
+        <p:nvSpPr>
+          <p:cNvPr id="5" name="Textfeld 4">
+            <a:extLst>
+              <a:ext uri="{FF2B5EF4-FFF2-40B4-BE49-F238E27FC236}">
+                <a16:creationId xmlns:a16="http://schemas.microsoft.com/office/drawing/2014/main" id="{9DA58C8F-6915-18E7-A1E6-17402BE53BA3}"/>
+              </a:ext>
+            </a:extLst>
+          </p:cNvPr>
+          <p:cNvSpPr txBox="1"/>
+          <p:nvPr/>
+        </p:nvSpPr>
+        <p:spPr>
+          <a:xfrm>
+            <a:off x="4543619" y="1852269"/>
+            <a:ext cx="4533900" cy="371475"/>
+          </a:xfrm>
+          <a:prstGeom prst="rect">
+            <a:avLst/>
+          </a:prstGeom>
+          <a:noFill/>
+        </p:spPr>
+        <p:txBody>
+          <a:bodyPr wrap="square" rtlCol="0">
+            <a:spAutoFit/>
+          </a:bodyPr>
+          <a:lstStyle/>
+          <a:p>
+            <a:r>
+              <a:rPr lang="de-CH" dirty="0" err="1"/>
+              <a:t>XGBoost</a:t>
+            </a:r>
+            <a:r>
+              <a:rPr lang="de-CH" dirty="0"/>
+              <a:t> - </a:t>
+            </a:r>
+            <a:r>
+              <a:rPr lang="de-CH" dirty="0" err="1"/>
+              <a:t>unbalanced</a:t>
+            </a:r>
+            <a:r>
+              <a:rPr lang="de-CH" dirty="0"/>
+              <a:t> </a:t>
+            </a:r>
+            <a:r>
+              <a:rPr lang="de-CH" dirty="0" err="1"/>
+              <a:t>class</a:t>
+            </a:r>
+            <a:endParaRPr lang="de-CH" dirty="0"/>
+          </a:p>
+        </p:txBody>
+      </p:sp>
+      <p:pic>
+        <p:nvPicPr>
+          <p:cNvPr id="6" name="Grafik 5">
+            <a:extLst>
+              <a:ext uri="{FF2B5EF4-FFF2-40B4-BE49-F238E27FC236}">
+                <a16:creationId xmlns:a16="http://schemas.microsoft.com/office/drawing/2014/main" id="{0EDC7CAD-823B-BEFC-F001-25457414E73C}"/>
+              </a:ext>
+            </a:extLst>
+          </p:cNvPr>
+          <p:cNvPicPr>
+            <a:picLocks noChangeAspect="1"/>
+          </p:cNvPicPr>
+          <p:nvPr/>
+        </p:nvPicPr>
+        <p:blipFill>
+          <a:blip r:embed="rId2"/>
+          <a:stretch>
+            <a:fillRect/>
+          </a:stretch>
+        </p:blipFill>
+        <p:spPr>
+          <a:xfrm>
+            <a:off x="3010581" y="2360057"/>
+            <a:ext cx="5955257" cy="4218025"/>
+          </a:xfrm>
+          <a:prstGeom prst="rect">
+            <a:avLst/>
+          </a:prstGeom>
+        </p:spPr>
+      </p:pic>
+    </p:spTree>
+    <p:extLst>
+      <p:ext uri="{BB962C8B-B14F-4D97-AF65-F5344CB8AC3E}">
+        <p14:creationId xmlns:p14="http://schemas.microsoft.com/office/powerpoint/2010/main" val="3746944653"/>
+      </p:ext>
+    </p:extLst>
+  </p:cSld>
+  <p:clrMapOvr>
+    <a:masterClrMapping/>
+  </p:clrMapOvr>
+</p:sld>
+</file>
+
+<file path=ppt/slides/slide11.xml><?xml version="1.0" encoding="utf-8"?>
+<p:sld xmlns:a="http://schemas.openxmlformats.org/drawingml/2006/main" xmlns:r="http://schemas.openxmlformats.org/officeDocument/2006/relationships" xmlns:p="http://schemas.openxmlformats.org/presentationml/2006/main">
+  <p:cSld>
+    <p:spTree>
+      <p:nvGrpSpPr>
+        <p:cNvPr id="1" name=""/>
+        <p:cNvGrpSpPr/>
+        <p:nvPr/>
+      </p:nvGrpSpPr>
+      <p:grpSpPr>
+        <a:xfrm>
+          <a:off x="0" y="0"/>
+          <a:ext cx="0" cy="0"/>
+          <a:chOff x="0" y="0"/>
+          <a:chExt cx="0" cy="0"/>
+        </a:xfrm>
+      </p:grpSpPr>
+      <p:sp>
+        <p:nvSpPr>
+          <p:cNvPr id="2" name="Titel 1">
+            <a:extLst>
+              <a:ext uri="{FF2B5EF4-FFF2-40B4-BE49-F238E27FC236}">
+                <a16:creationId xmlns:a16="http://schemas.microsoft.com/office/drawing/2014/main" id="{0F0555DC-D755-5E62-FA68-E2C671875687}"/>
+              </a:ext>
+            </a:extLst>
+          </p:cNvPr>
+          <p:cNvSpPr>
+            <a:spLocks noGrp="1"/>
+          </p:cNvSpPr>
+          <p:nvPr>
+            <p:ph type="title"/>
+          </p:nvPr>
+        </p:nvSpPr>
+        <p:spPr/>
+        <p:txBody>
+          <a:bodyPr/>
+          <a:lstStyle/>
+          <a:p>
+            <a:r>
+              <a:rPr lang="de-CH" dirty="0" err="1"/>
+              <a:t>Advanced</a:t>
+            </a:r>
+            <a:r>
+              <a:rPr lang="de-CH" dirty="0"/>
+              <a:t> Models (Task 3) </a:t>
+            </a:r>
+          </a:p>
+        </p:txBody>
+      </p:sp>
+      <p:sp>
+        <p:nvSpPr>
+          <p:cNvPr id="3" name="Inhaltsplatzhalter 2">
+            <a:extLst>
+              <a:ext uri="{FF2B5EF4-FFF2-40B4-BE49-F238E27FC236}">
+                <a16:creationId xmlns:a16="http://schemas.microsoft.com/office/drawing/2014/main" id="{A80F4CF6-C7F1-F4F7-66B9-61891A95952B}"/>
+              </a:ext>
+            </a:extLst>
+          </p:cNvPr>
+          <p:cNvSpPr>
+            <a:spLocks noGrp="1"/>
+          </p:cNvSpPr>
+          <p:nvPr>
+            <p:ph idx="1"/>
+          </p:nvPr>
+        </p:nvSpPr>
+        <p:spPr/>
+        <p:txBody>
+          <a:bodyPr/>
+          <a:lstStyle/>
+          <a:p>
+            <a:r>
+              <a:rPr lang="de-CH" dirty="0"/>
+              <a:t>BERT and GPT </a:t>
+            </a:r>
+          </a:p>
+          <a:p>
+            <a:pPr lvl="1"/>
+            <a:r>
+              <a:rPr lang="en-US" dirty="0"/>
+              <a:t>Advanced Models: Exploring the capabilities of BERT and GPT in medical text analysis used for identifying </a:t>
+            </a:r>
+            <a:r>
+              <a:rPr lang="de-CH" dirty="0" err="1"/>
+              <a:t>complex</a:t>
+            </a:r>
+            <a:r>
+              <a:rPr lang="de-CH" dirty="0"/>
+              <a:t> </a:t>
+            </a:r>
+            <a:r>
+              <a:rPr lang="de-CH" dirty="0" err="1"/>
+              <a:t>language</a:t>
+            </a:r>
+            <a:r>
+              <a:rPr lang="de-CH" dirty="0"/>
+              <a:t> </a:t>
+            </a:r>
+            <a:r>
+              <a:rPr lang="de-CH" dirty="0" err="1"/>
+              <a:t>patterns</a:t>
+            </a:r>
+            <a:r>
+              <a:rPr lang="de-CH" dirty="0"/>
+              <a:t> </a:t>
+            </a:r>
+          </a:p>
+          <a:p>
+            <a:pPr lvl="1"/>
+            <a:r>
+              <a:rPr lang="de-CH" dirty="0" err="1"/>
+              <a:t>No</a:t>
+            </a:r>
+            <a:r>
+              <a:rPr lang="de-CH" dirty="0"/>
+              <a:t> </a:t>
+            </a:r>
+            <a:r>
+              <a:rPr lang="de-CH" dirty="0" err="1"/>
+              <a:t>preporcessing</a:t>
+            </a:r>
+            <a:r>
+              <a:rPr lang="de-CH" dirty="0"/>
+              <a:t> </a:t>
+            </a:r>
+            <a:r>
+              <a:rPr lang="de-CH" dirty="0" err="1"/>
+              <a:t>for</a:t>
+            </a:r>
+            <a:r>
+              <a:rPr lang="de-CH" dirty="0"/>
+              <a:t> BERT</a:t>
+            </a:r>
+          </a:p>
+          <a:p>
+            <a:pPr lvl="1"/>
+            <a:r>
+              <a:rPr lang="en-US" dirty="0"/>
+              <a:t>BERT Variants: Utilizing </a:t>
+            </a:r>
+            <a:r>
+              <a:rPr lang="en-US" dirty="0" err="1"/>
+              <a:t>bert</a:t>
+            </a:r>
+            <a:r>
+              <a:rPr lang="en-US" dirty="0"/>
+              <a:t>-base-uncased and </a:t>
+            </a:r>
+            <a:r>
+              <a:rPr lang="en-US" dirty="0" err="1"/>
+              <a:t>biobert</a:t>
+            </a:r>
+            <a:r>
+              <a:rPr lang="en-US" dirty="0"/>
+              <a:t> for nuanced text understanding.</a:t>
+            </a:r>
+          </a:p>
+          <a:p>
+            <a:pPr lvl="1"/>
+            <a:r>
+              <a:rPr lang="en-US" dirty="0"/>
+              <a:t>GPT Models: Implementing llama2 and </a:t>
+            </a:r>
+            <a:r>
+              <a:rPr lang="en-US" dirty="0" err="1"/>
+              <a:t>meditron</a:t>
+            </a:r>
+            <a:r>
+              <a:rPr lang="en-US" dirty="0"/>
+              <a:t> for comprehensive label prediction.</a:t>
+            </a:r>
+            <a:endParaRPr lang="de-CH" dirty="0"/>
+          </a:p>
+          <a:p>
+            <a:pPr lvl="2"/>
+            <a:r>
+              <a:rPr lang="de-CH" dirty="0"/>
+              <a:t>Experiment </a:t>
+            </a:r>
+            <a:r>
+              <a:rPr lang="de-CH" dirty="0" err="1"/>
+              <a:t>with</a:t>
+            </a:r>
+            <a:r>
+              <a:rPr lang="de-CH" dirty="0"/>
+              <a:t> MEDITRON </a:t>
+            </a:r>
+          </a:p>
+          <a:p>
+            <a:pPr lvl="2"/>
+            <a:endParaRPr lang="de-CH" dirty="0"/>
+          </a:p>
+          <a:p>
+            <a:pPr marL="324000" lvl="1" indent="0">
+              <a:buNone/>
+            </a:pPr>
+            <a:endParaRPr lang="de-CH" dirty="0"/>
+          </a:p>
+        </p:txBody>
+      </p:sp>
+    </p:spTree>
+    <p:extLst>
+      <p:ext uri="{BB962C8B-B14F-4D97-AF65-F5344CB8AC3E}">
+        <p14:creationId xmlns:p14="http://schemas.microsoft.com/office/powerpoint/2010/main" val="2701554127"/>
+      </p:ext>
+    </p:extLst>
+  </p:cSld>
+  <p:clrMapOvr>
+    <a:masterClrMapping/>
+  </p:clrMapOvr>
+</p:sld>
+</file>
+
+<file path=ppt/slides/slide12.xml><?xml version="1.0" encoding="utf-8"?>
+<p:sld xmlns:a="http://schemas.openxmlformats.org/drawingml/2006/main" xmlns:r="http://schemas.openxmlformats.org/officeDocument/2006/relationships" xmlns:p="http://schemas.openxmlformats.org/presentationml/2006/main">
+  <p:cSld>
+    <p:spTree>
+      <p:nvGrpSpPr>
+        <p:cNvPr id="1" name=""/>
+        <p:cNvGrpSpPr/>
+        <p:nvPr/>
+      </p:nvGrpSpPr>
+      <p:grpSpPr>
+        <a:xfrm>
+          <a:off x="0" y="0"/>
+          <a:ext cx="0" cy="0"/>
+          <a:chOff x="0" y="0"/>
+          <a:chExt cx="0" cy="0"/>
+        </a:xfrm>
+      </p:grpSpPr>
+      <p:sp>
+        <p:nvSpPr>
+          <p:cNvPr id="2" name="Titel 1">
+            <a:extLst>
+              <a:ext uri="{FF2B5EF4-FFF2-40B4-BE49-F238E27FC236}">
+                <a16:creationId xmlns:a16="http://schemas.microsoft.com/office/drawing/2014/main" id="{30E8CDA7-46A4-831B-2A0D-BC23D6995353}"/>
+              </a:ext>
+            </a:extLst>
+          </p:cNvPr>
+          <p:cNvSpPr>
+            <a:spLocks noGrp="1"/>
+          </p:cNvSpPr>
+          <p:nvPr>
+            <p:ph type="title"/>
+          </p:nvPr>
+        </p:nvSpPr>
+        <p:spPr/>
+        <p:txBody>
+          <a:bodyPr/>
+          <a:lstStyle/>
+          <a:p>
+            <a:r>
+              <a:rPr lang="de-CH" dirty="0"/>
+              <a:t>Evaluation </a:t>
+            </a:r>
+            <a:r>
+              <a:rPr lang="de-CH" dirty="0" err="1"/>
+              <a:t>Metrics</a:t>
+            </a:r>
+            <a:r>
+              <a:rPr lang="de-CH" dirty="0"/>
+              <a:t> </a:t>
+            </a:r>
+          </a:p>
+        </p:txBody>
+      </p:sp>
+      <p:sp>
+        <p:nvSpPr>
+          <p:cNvPr id="3" name="Inhaltsplatzhalter 2">
+            <a:extLst>
+              <a:ext uri="{FF2B5EF4-FFF2-40B4-BE49-F238E27FC236}">
+                <a16:creationId xmlns:a16="http://schemas.microsoft.com/office/drawing/2014/main" id="{473DC6F3-4AA1-94AA-3064-3C60692F60F9}"/>
+              </a:ext>
+            </a:extLst>
+          </p:cNvPr>
+          <p:cNvSpPr>
+            <a:spLocks noGrp="1"/>
+          </p:cNvSpPr>
+          <p:nvPr>
+            <p:ph idx="1"/>
+          </p:nvPr>
+        </p:nvSpPr>
+        <p:spPr/>
+        <p:txBody>
+          <a:bodyPr/>
+          <a:lstStyle/>
+          <a:p>
+            <a:r>
+              <a:rPr lang="en-US" dirty="0"/>
+              <a:t>Primary Metric:    F1-scores, balancing precision and recall for a holistic performance view</a:t>
+            </a:r>
+          </a:p>
+          <a:p>
+            <a:r>
+              <a:rPr lang="en-US" dirty="0"/>
+              <a:t>Importance:   F1-score is crucial for datasets with imbalanced classes, common in medical texts.</a:t>
+            </a:r>
+            <a:r>
+              <a:rPr lang="de-CH" dirty="0"/>
+              <a:t> </a:t>
+            </a:r>
+          </a:p>
+        </p:txBody>
+      </p:sp>
+    </p:spTree>
+    <p:extLst>
+      <p:ext uri="{BB962C8B-B14F-4D97-AF65-F5344CB8AC3E}">
+        <p14:creationId xmlns:p14="http://schemas.microsoft.com/office/powerpoint/2010/main" val="3574736117"/>
+      </p:ext>
+    </p:extLst>
+  </p:cSld>
+  <p:clrMapOvr>
+    <a:masterClrMapping/>
+  </p:clrMapOvr>
+</p:sld>
+</file>
+
 <file path=ppt/slides/slide2.xml><?xml version="1.0" encoding="utf-8"?>
 <p:sld xmlns:a="http://schemas.openxmlformats.org/drawingml/2006/main" xmlns:r="http://schemas.openxmlformats.org/officeDocument/2006/relationships" xmlns:p="http://schemas.openxmlformats.org/presentationml/2006/main">
   <p:cSld>
@@ -5573,30 +6328,147 @@
             </a:r>
             <a:r>
               <a:rPr lang="de-CH" dirty="0"/>
-              <a:t> Baseline Model </a:t>
-            </a:r>
-            <a:r>
-              <a:rPr lang="de-CH"/>
-              <a:t>(Naive Bayes) </a:t>
+              <a:t> Baseline Model - </a:t>
+            </a:r>
+            <a:r>
+              <a:rPr lang="de-CH" dirty="0" err="1"/>
+              <a:t>sVM</a:t>
+            </a:r>
+            <a:endParaRPr lang="de-CH" dirty="0"/>
+          </a:p>
+        </p:txBody>
+      </p:sp>
+      <p:sp>
+        <p:nvSpPr>
+          <p:cNvPr id="6" name="Textfeld 5">
+            <a:extLst>
+              <a:ext uri="{FF2B5EF4-FFF2-40B4-BE49-F238E27FC236}">
+                <a16:creationId xmlns:a16="http://schemas.microsoft.com/office/drawing/2014/main" id="{C7AAAE31-5A78-F298-EDB0-E52C41ABBBC7}"/>
+              </a:ext>
+            </a:extLst>
+          </p:cNvPr>
+          <p:cNvSpPr txBox="1"/>
+          <p:nvPr/>
+        </p:nvSpPr>
+        <p:spPr>
+          <a:xfrm>
+            <a:off x="371475" y="1943100"/>
+            <a:ext cx="5286375" cy="369332"/>
+          </a:xfrm>
+          <a:prstGeom prst="rect">
+            <a:avLst/>
+          </a:prstGeom>
+          <a:noFill/>
+        </p:spPr>
+        <p:txBody>
+          <a:bodyPr wrap="square" rtlCol="0">
+            <a:spAutoFit/>
+          </a:bodyPr>
+          <a:lstStyle/>
+          <a:p>
+            <a:r>
+              <a:rPr lang="de-CH" dirty="0"/>
+              <a:t>SVM – </a:t>
+            </a:r>
+            <a:r>
+              <a:rPr lang="de-CH" dirty="0" err="1"/>
+              <a:t>unbalanced</a:t>
+            </a:r>
+            <a:r>
+              <a:rPr lang="de-CH" dirty="0"/>
+              <a:t> </a:t>
+            </a:r>
+            <a:r>
+              <a:rPr lang="de-CH" dirty="0" err="1"/>
+              <a:t>class</a:t>
+            </a:r>
+            <a:r>
+              <a:rPr lang="de-CH" dirty="0"/>
+              <a:t> </a:t>
+            </a:r>
+            <a:r>
+              <a:rPr lang="de-CH" dirty="0" err="1"/>
+              <a:t>weights</a:t>
+            </a:r>
+            <a:r>
+              <a:rPr lang="de-CH" dirty="0"/>
+              <a:t> </a:t>
+            </a:r>
+          </a:p>
+        </p:txBody>
+      </p:sp>
+      <p:sp>
+        <p:nvSpPr>
+          <p:cNvPr id="7" name="Textfeld 6">
+            <a:extLst>
+              <a:ext uri="{FF2B5EF4-FFF2-40B4-BE49-F238E27FC236}">
+                <a16:creationId xmlns:a16="http://schemas.microsoft.com/office/drawing/2014/main" id="{AEBBC55A-36B0-9E4B-0B83-C37CBA559EB6}"/>
+              </a:ext>
+            </a:extLst>
+          </p:cNvPr>
+          <p:cNvSpPr txBox="1"/>
+          <p:nvPr/>
+        </p:nvSpPr>
+        <p:spPr>
+          <a:xfrm>
+            <a:off x="6534153" y="1943100"/>
+            <a:ext cx="4991098" cy="369332"/>
+          </a:xfrm>
+          <a:prstGeom prst="rect">
+            <a:avLst/>
+          </a:prstGeom>
+          <a:noFill/>
+        </p:spPr>
+        <p:txBody>
+          <a:bodyPr wrap="square" rtlCol="0">
+            <a:spAutoFit/>
+          </a:bodyPr>
+          <a:lstStyle/>
+          <a:p>
+            <a:r>
+              <a:rPr lang="de-CH" dirty="0"/>
+              <a:t>SVM – </a:t>
+            </a:r>
+            <a:r>
+              <a:rPr lang="de-CH" dirty="0" err="1"/>
+              <a:t>balanced</a:t>
+            </a:r>
+            <a:r>
+              <a:rPr lang="de-CH" dirty="0"/>
+              <a:t> </a:t>
+            </a:r>
+            <a:r>
+              <a:rPr lang="de-CH" dirty="0" err="1"/>
+              <a:t>class</a:t>
+            </a:r>
+            <a:r>
+              <a:rPr lang="de-CH" dirty="0"/>
+              <a:t> </a:t>
+            </a:r>
+            <a:r>
+              <a:rPr lang="de-CH" dirty="0" err="1"/>
+              <a:t>weights</a:t>
+            </a:r>
+            <a:r>
+              <a:rPr lang="de-CH" dirty="0"/>
+              <a:t> </a:t>
             </a:r>
           </a:p>
         </p:txBody>
       </p:sp>
       <p:pic>
         <p:nvPicPr>
-          <p:cNvPr id="5" name="Inhaltsplatzhalter 4">
+          <p:cNvPr id="9" name="Grafik 8">
             <a:extLst>
               <a:ext uri="{FF2B5EF4-FFF2-40B4-BE49-F238E27FC236}">
-                <a16:creationId xmlns:a16="http://schemas.microsoft.com/office/drawing/2014/main" id="{74A68CB2-2484-65C2-2132-287DDD87CD07}"/>
+                <a16:creationId xmlns:a16="http://schemas.microsoft.com/office/drawing/2014/main" id="{19AD4DC7-4969-5833-7C89-8F6028B1E5FC}"/>
               </a:ext>
             </a:extLst>
           </p:cNvPr>
           <p:cNvPicPr>
-            <a:picLocks noGrp="1" noChangeAspect="1"/>
+            <a:picLocks noChangeAspect="1"/>
           </p:cNvPicPr>
-          <p:nvPr>
-            <p:ph idx="1"/>
-          </p:nvPr>
+          <p:nvPr/>
         </p:nvPicPr>
         <p:blipFill>
           <a:blip r:embed="rId2"/>
@@ -5606,9 +6478,42 @@
         </p:blipFill>
         <p:spPr>
           <a:xfrm>
-            <a:off x="3481739" y="2181225"/>
-            <a:ext cx="5228521" cy="3678238"/>
-          </a:xfrm>
+            <a:off x="6457950" y="2343111"/>
+            <a:ext cx="5370820" cy="3812733"/>
+          </a:xfrm>
+          <a:prstGeom prst="rect">
+            <a:avLst/>
+          </a:prstGeom>
+        </p:spPr>
+      </p:pic>
+      <p:pic>
+        <p:nvPicPr>
+          <p:cNvPr id="11" name="Grafik 10">
+            <a:extLst>
+              <a:ext uri="{FF2B5EF4-FFF2-40B4-BE49-F238E27FC236}">
+                <a16:creationId xmlns:a16="http://schemas.microsoft.com/office/drawing/2014/main" id="{C58A494D-290A-3FFA-0185-2BB1EC437809}"/>
+              </a:ext>
+            </a:extLst>
+          </p:cNvPr>
+          <p:cNvPicPr>
+            <a:picLocks noChangeAspect="1"/>
+          </p:cNvPicPr>
+          <p:nvPr/>
+        </p:nvPicPr>
+        <p:blipFill>
+          <a:blip r:embed="rId3"/>
+          <a:stretch>
+            <a:fillRect/>
+          </a:stretch>
+        </p:blipFill>
+        <p:spPr>
+          <a:xfrm>
+            <a:off x="210949" y="2343111"/>
+            <a:ext cx="5599889" cy="3975348"/>
+          </a:xfrm>
+          <a:prstGeom prst="rect">
+            <a:avLst/>
+          </a:prstGeom>
         </p:spPr>
       </p:pic>
     </p:spTree>
@@ -5646,7 +6551,7 @@
           <p:cNvPr id="2" name="Titel 1">
             <a:extLst>
               <a:ext uri="{FF2B5EF4-FFF2-40B4-BE49-F238E27FC236}">
-                <a16:creationId xmlns:a16="http://schemas.microsoft.com/office/drawing/2014/main" id="{0F0555DC-D755-5E62-FA68-E2C671875687}"/>
+                <a16:creationId xmlns:a16="http://schemas.microsoft.com/office/drawing/2014/main" id="{50FDFC3C-7B96-F3DB-7958-45FA83152159}"/>
               </a:ext>
             </a:extLst>
           </p:cNvPr>
@@ -5663,162 +6568,230 @@
           <a:lstStyle/>
           <a:p>
             <a:r>
+              <a:rPr lang="de-CH" dirty="0"/>
+              <a:t>F1-Scores </a:t>
+            </a:r>
+            <a:r>
               <a:rPr lang="de-CH" dirty="0" err="1"/>
-              <a:t>Advanced</a:t>
-            </a:r>
-            <a:r>
-              <a:rPr lang="de-CH" dirty="0"/>
-              <a:t> Models (Task 3) </a:t>
-            </a:r>
-          </a:p>
-        </p:txBody>
-      </p:sp>
-      <p:sp>
-        <p:nvSpPr>
-          <p:cNvPr id="3" name="Inhaltsplatzhalter 2">
+              <a:t>for</a:t>
+            </a:r>
+            <a:r>
+              <a:rPr lang="de-CH" dirty="0"/>
+              <a:t> Baseline Model - Naive Bayes </a:t>
+            </a:r>
+          </a:p>
+        </p:txBody>
+      </p:sp>
+      <p:sp>
+        <p:nvSpPr>
+          <p:cNvPr id="5" name="Textfeld 4">
             <a:extLst>
               <a:ext uri="{FF2B5EF4-FFF2-40B4-BE49-F238E27FC236}">
-                <a16:creationId xmlns:a16="http://schemas.microsoft.com/office/drawing/2014/main" id="{A80F4CF6-C7F1-F4F7-66B9-61891A95952B}"/>
+                <a16:creationId xmlns:a16="http://schemas.microsoft.com/office/drawing/2014/main" id="{9DA58C8F-6915-18E7-A1E6-17402BE53BA3}"/>
               </a:ext>
             </a:extLst>
           </p:cNvPr>
-          <p:cNvSpPr>
-            <a:spLocks noGrp="1"/>
-          </p:cNvSpPr>
-          <p:nvPr>
-            <p:ph idx="1"/>
-          </p:nvPr>
-        </p:nvSpPr>
-        <p:spPr/>
-        <p:txBody>
-          <a:bodyPr/>
+          <p:cNvSpPr txBox="1"/>
+          <p:nvPr/>
+        </p:nvSpPr>
+        <p:spPr>
+          <a:xfrm>
+            <a:off x="438150" y="1990725"/>
+            <a:ext cx="4533900" cy="371475"/>
+          </a:xfrm>
+          <a:prstGeom prst="rect">
+            <a:avLst/>
+          </a:prstGeom>
+          <a:noFill/>
+        </p:spPr>
+        <p:txBody>
+          <a:bodyPr wrap="square" rtlCol="0">
+            <a:spAutoFit/>
+          </a:bodyPr>
           <a:lstStyle/>
           <a:p>
             <a:r>
               <a:rPr lang="de-CH" dirty="0"/>
-              <a:t>BERT and GPT </a:t>
-            </a:r>
-          </a:p>
-          <a:p>
-            <a:pPr lvl="1"/>
+              <a:t>NB - </a:t>
+            </a:r>
+            <a:r>
+              <a:rPr lang="de-CH" dirty="0" err="1"/>
+              <a:t>unbalanced</a:t>
+            </a:r>
+            <a:r>
+              <a:rPr lang="de-CH" dirty="0"/>
+              <a:t> </a:t>
+            </a:r>
+            <a:r>
+              <a:rPr lang="de-CH" dirty="0" err="1"/>
+              <a:t>class</a:t>
+            </a:r>
+            <a:r>
+              <a:rPr lang="de-CH" dirty="0"/>
+              <a:t> </a:t>
+            </a:r>
+            <a:r>
+              <a:rPr lang="de-CH" dirty="0" err="1"/>
+              <a:t>weights</a:t>
+            </a:r>
+            <a:r>
+              <a:rPr lang="de-CH" dirty="0"/>
+              <a:t> </a:t>
+            </a:r>
+          </a:p>
+        </p:txBody>
+      </p:sp>
+      <p:pic>
+        <p:nvPicPr>
+          <p:cNvPr id="7" name="Grafik 6">
+            <a:extLst>
+              <a:ext uri="{FF2B5EF4-FFF2-40B4-BE49-F238E27FC236}">
+                <a16:creationId xmlns:a16="http://schemas.microsoft.com/office/drawing/2014/main" id="{1A65BAB9-3265-C8DB-E420-54FBFDF81530}"/>
+              </a:ext>
+            </a:extLst>
+          </p:cNvPr>
+          <p:cNvPicPr>
+            <a:picLocks noChangeAspect="1"/>
+          </p:cNvPicPr>
+          <p:nvPr/>
+        </p:nvPicPr>
+        <p:blipFill>
+          <a:blip r:embed="rId2"/>
+          <a:stretch>
+            <a:fillRect/>
+          </a:stretch>
+        </p:blipFill>
+        <p:spPr>
+          <a:xfrm>
+            <a:off x="438150" y="2360057"/>
+            <a:ext cx="5152267" cy="3624593"/>
+          </a:xfrm>
+          <a:prstGeom prst="rect">
+            <a:avLst/>
+          </a:prstGeom>
+        </p:spPr>
+      </p:pic>
+      <p:pic>
+        <p:nvPicPr>
+          <p:cNvPr id="11" name="Grafik 10">
+            <a:extLst>
+              <a:ext uri="{FF2B5EF4-FFF2-40B4-BE49-F238E27FC236}">
+                <a16:creationId xmlns:a16="http://schemas.microsoft.com/office/drawing/2014/main" id="{0A777E58-89FD-ABB1-39C0-72F9D5B9134E}"/>
+              </a:ext>
+            </a:extLst>
+          </p:cNvPr>
+          <p:cNvPicPr>
+            <a:picLocks noChangeAspect="1"/>
+          </p:cNvPicPr>
+          <p:nvPr/>
+        </p:nvPicPr>
+        <p:blipFill>
+          <a:blip r:embed="rId3"/>
+          <a:stretch>
+            <a:fillRect/>
+          </a:stretch>
+        </p:blipFill>
+        <p:spPr>
+          <a:xfrm>
+            <a:off x="6209902" y="2402771"/>
+            <a:ext cx="5105797" cy="3624593"/>
+          </a:xfrm>
+          <a:prstGeom prst="rect">
+            <a:avLst/>
+          </a:prstGeom>
+        </p:spPr>
+      </p:pic>
+      <p:sp>
+        <p:nvSpPr>
+          <p:cNvPr id="12" name="Textfeld 11">
+            <a:extLst>
+              <a:ext uri="{FF2B5EF4-FFF2-40B4-BE49-F238E27FC236}">
+                <a16:creationId xmlns:a16="http://schemas.microsoft.com/office/drawing/2014/main" id="{12F04AFB-86C5-13EE-B2B3-34BA8C15B44F}"/>
+              </a:ext>
+            </a:extLst>
+          </p:cNvPr>
+          <p:cNvSpPr txBox="1"/>
+          <p:nvPr/>
+        </p:nvSpPr>
+        <p:spPr>
+          <a:xfrm>
+            <a:off x="6353175" y="1990725"/>
+            <a:ext cx="5257633" cy="369332"/>
+          </a:xfrm>
+          <a:prstGeom prst="rect">
+            <a:avLst/>
+          </a:prstGeom>
+          <a:noFill/>
+        </p:spPr>
+        <p:txBody>
+          <a:bodyPr wrap="square" rtlCol="0">
+            <a:spAutoFit/>
+          </a:bodyPr>
+          <a:lstStyle/>
+          <a:p>
+            <a:r>
+              <a:rPr lang="de-CH" dirty="0"/>
+              <a:t>NB - </a:t>
+            </a:r>
+            <a:r>
+              <a:rPr lang="de-CH" dirty="0" err="1"/>
+              <a:t>balanced</a:t>
+            </a:r>
+            <a:r>
+              <a:rPr lang="de-CH" dirty="0"/>
+              <a:t> </a:t>
+            </a:r>
+            <a:r>
+              <a:rPr lang="de-CH" dirty="0" err="1"/>
+              <a:t>class</a:t>
+            </a:r>
+            <a:r>
+              <a:rPr lang="de-CH" dirty="0"/>
+              <a:t> </a:t>
+            </a:r>
+            <a:r>
+              <a:rPr lang="de-CH" dirty="0" err="1"/>
+              <a:t>weights</a:t>
+            </a:r>
+            <a:r>
+              <a:rPr lang="de-CH" dirty="0"/>
+              <a:t> </a:t>
+            </a:r>
+          </a:p>
+        </p:txBody>
+      </p:sp>
+      <p:sp>
+        <p:nvSpPr>
+          <p:cNvPr id="13" name="Textfeld 12">
+            <a:extLst>
+              <a:ext uri="{FF2B5EF4-FFF2-40B4-BE49-F238E27FC236}">
+                <a16:creationId xmlns:a16="http://schemas.microsoft.com/office/drawing/2014/main" id="{ED0EB324-1BE0-AC7E-59B8-E8BC5DDBE0D8}"/>
+              </a:ext>
+            </a:extLst>
+          </p:cNvPr>
+          <p:cNvSpPr txBox="1"/>
+          <p:nvPr/>
+        </p:nvSpPr>
+        <p:spPr>
+          <a:xfrm>
+            <a:off x="623004" y="6070078"/>
+            <a:ext cx="11173797" cy="646331"/>
+          </a:xfrm>
+          <a:prstGeom prst="rect">
+            <a:avLst/>
+          </a:prstGeom>
+          <a:noFill/>
+        </p:spPr>
+        <p:txBody>
+          <a:bodyPr wrap="square" rtlCol="0">
+            <a:spAutoFit/>
+          </a:bodyPr>
+          <a:lstStyle/>
+          <a:p>
             <a:r>
               <a:rPr lang="en-US" dirty="0"/>
-              <a:t>Advanced Models: Exploring the capabilities of BERT and GPT in medical text analysis used for identifying </a:t>
-            </a:r>
-            <a:r>
-              <a:rPr lang="de-CH" dirty="0" err="1"/>
-              <a:t>complex</a:t>
-            </a:r>
-            <a:r>
-              <a:rPr lang="de-CH" dirty="0"/>
-              <a:t> </a:t>
-            </a:r>
-            <a:r>
-              <a:rPr lang="de-CH" dirty="0" err="1"/>
-              <a:t>language</a:t>
-            </a:r>
-            <a:r>
-              <a:rPr lang="de-CH" dirty="0"/>
-              <a:t> </a:t>
-            </a:r>
-            <a:r>
-              <a:rPr lang="de-CH" dirty="0" err="1"/>
-              <a:t>patterns</a:t>
-            </a:r>
-            <a:r>
-              <a:rPr lang="de-CH" dirty="0"/>
-              <a:t> </a:t>
-            </a:r>
-          </a:p>
-          <a:p>
-            <a:pPr lvl="1"/>
-            <a:r>
-              <a:rPr lang="de-CH" dirty="0" err="1"/>
-              <a:t>No</a:t>
-            </a:r>
-            <a:r>
-              <a:rPr lang="de-CH" dirty="0"/>
-              <a:t> </a:t>
-            </a:r>
-            <a:r>
-              <a:rPr lang="de-CH" dirty="0" err="1"/>
-              <a:t>preporcessing</a:t>
-            </a:r>
-            <a:r>
-              <a:rPr lang="de-CH" dirty="0"/>
-              <a:t> </a:t>
-            </a:r>
-            <a:r>
-              <a:rPr lang="de-CH" dirty="0" err="1"/>
-              <a:t>for</a:t>
-            </a:r>
-            <a:r>
-              <a:rPr lang="de-CH" dirty="0"/>
-              <a:t> BERT</a:t>
-            </a:r>
-          </a:p>
-          <a:p>
-            <a:pPr lvl="1"/>
-            <a:r>
-              <a:rPr lang="en-US" dirty="0"/>
-              <a:t>BERT Variants: Utilizing </a:t>
-            </a:r>
-            <a:r>
-              <a:rPr lang="en-US" dirty="0" err="1"/>
-              <a:t>bert</a:t>
-            </a:r>
-            <a:r>
-              <a:rPr lang="en-US" dirty="0"/>
-              <a:t>-base-uncased and </a:t>
-            </a:r>
-            <a:r>
-              <a:rPr lang="en-US" dirty="0" err="1"/>
-              <a:t>biobert</a:t>
-            </a:r>
-            <a:r>
-              <a:rPr lang="en-US" dirty="0"/>
-              <a:t> for nuanced text understanding.</a:t>
-            </a:r>
-          </a:p>
-          <a:p>
-            <a:pPr lvl="1"/>
-            <a:r>
-              <a:rPr lang="en-US" dirty="0"/>
-              <a:t>GPT Models: Implementing llama2 and </a:t>
-            </a:r>
-            <a:r>
-              <a:rPr lang="en-US" dirty="0" err="1"/>
-              <a:t>meditron</a:t>
-            </a:r>
-            <a:r>
-              <a:rPr lang="en-US" dirty="0"/>
-              <a:t> for comprehensive label prediction.</a:t>
-            </a:r>
-            <a:endParaRPr lang="de-CH" dirty="0"/>
-          </a:p>
-          <a:p>
-            <a:pPr lvl="2"/>
-            <a:r>
-              <a:rPr lang="de-CH" dirty="0"/>
-              <a:t>Experiment </a:t>
-            </a:r>
-            <a:r>
-              <a:rPr lang="de-CH" dirty="0" err="1"/>
-              <a:t>with</a:t>
-            </a:r>
-            <a:r>
-              <a:rPr lang="de-CH" dirty="0"/>
-              <a:t> MEDITRON </a:t>
-            </a:r>
-          </a:p>
-          <a:p>
-            <a:pPr lvl="2"/>
-            <a:endParaRPr lang="de-CH" dirty="0"/>
-          </a:p>
-          <a:p>
-            <a:pPr marL="324000" lvl="1" indent="0">
-              <a:buNone/>
-            </a:pPr>
+              <a:t>Other models can handle imbalanced data better. Random Forests or Gradient Boosting Machines can be more resilient to class imbalance. </a:t>
+            </a:r>
             <a:endParaRPr lang="de-CH" dirty="0"/>
           </a:p>
         </p:txBody>
@@ -5826,7 +6799,7 @@
     </p:spTree>
     <p:extLst>
       <p:ext uri="{BB962C8B-B14F-4D97-AF65-F5344CB8AC3E}">
-        <p14:creationId xmlns:p14="http://schemas.microsoft.com/office/powerpoint/2010/main" val="2701554127"/>
+        <p14:creationId xmlns:p14="http://schemas.microsoft.com/office/powerpoint/2010/main" val="2714113064"/>
       </p:ext>
     </p:extLst>
   </p:cSld>
@@ -5858,7 +6831,7 @@
           <p:cNvPr id="2" name="Titel 1">
             <a:extLst>
               <a:ext uri="{FF2B5EF4-FFF2-40B4-BE49-F238E27FC236}">
-                <a16:creationId xmlns:a16="http://schemas.microsoft.com/office/drawing/2014/main" id="{30E8CDA7-46A4-831B-2A0D-BC23D6995353}"/>
+                <a16:creationId xmlns:a16="http://schemas.microsoft.com/office/drawing/2014/main" id="{50FDFC3C-7B96-F3DB-7958-45FA83152159}"/>
               </a:ext>
             </a:extLst>
           </p:cNvPr>
@@ -5876,61 +6849,201 @@
           <a:p>
             <a:r>
               <a:rPr lang="de-CH" dirty="0"/>
-              <a:t>Evaluation </a:t>
+              <a:t>F1-Scores </a:t>
             </a:r>
             <a:r>
               <a:rPr lang="de-CH" dirty="0" err="1"/>
-              <a:t>Metrics</a:t>
-            </a:r>
-            <a:r>
-              <a:rPr lang="de-CH" dirty="0"/>
-              <a:t> </a:t>
-            </a:r>
-          </a:p>
-        </p:txBody>
-      </p:sp>
-      <p:sp>
-        <p:nvSpPr>
-          <p:cNvPr id="3" name="Inhaltsplatzhalter 2">
+              <a:t>for</a:t>
+            </a:r>
+            <a:r>
+              <a:rPr lang="de-CH" dirty="0"/>
+              <a:t> Baseline Model – Random Forest</a:t>
+            </a:r>
+          </a:p>
+        </p:txBody>
+      </p:sp>
+      <p:sp>
+        <p:nvSpPr>
+          <p:cNvPr id="5" name="Textfeld 4">
             <a:extLst>
               <a:ext uri="{FF2B5EF4-FFF2-40B4-BE49-F238E27FC236}">
-                <a16:creationId xmlns:a16="http://schemas.microsoft.com/office/drawing/2014/main" id="{473DC6F3-4AA1-94AA-3064-3C60692F60F9}"/>
+                <a16:creationId xmlns:a16="http://schemas.microsoft.com/office/drawing/2014/main" id="{9DA58C8F-6915-18E7-A1E6-17402BE53BA3}"/>
               </a:ext>
             </a:extLst>
           </p:cNvPr>
-          <p:cNvSpPr>
-            <a:spLocks noGrp="1"/>
-          </p:cNvSpPr>
-          <p:nvPr>
-            <p:ph idx="1"/>
-          </p:nvPr>
-        </p:nvSpPr>
-        <p:spPr/>
-        <p:txBody>
-          <a:bodyPr/>
+          <p:cNvSpPr txBox="1"/>
+          <p:nvPr/>
+        </p:nvSpPr>
+        <p:spPr>
+          <a:xfrm>
+            <a:off x="438150" y="1990725"/>
+            <a:ext cx="4533900" cy="371475"/>
+          </a:xfrm>
+          <a:prstGeom prst="rect">
+            <a:avLst/>
+          </a:prstGeom>
+          <a:noFill/>
+        </p:spPr>
+        <p:txBody>
+          <a:bodyPr wrap="square" rtlCol="0">
+            <a:spAutoFit/>
+          </a:bodyPr>
           <a:lstStyle/>
           <a:p>
             <a:r>
-              <a:rPr lang="en-US" dirty="0"/>
-              <a:t>Primary Metric:    F1-scores, balancing precision and recall for a holistic performance view</a:t>
-            </a:r>
-          </a:p>
-          <a:p>
-            <a:r>
-              <a:rPr lang="en-US" dirty="0"/>
-              <a:t>Importance:   F1-score is crucial for datasets with imbalanced classes, common in medical texts.</a:t>
+              <a:rPr lang="de-CH" dirty="0"/>
+              <a:t>RF- </a:t>
+            </a:r>
+            <a:r>
+              <a:rPr lang="de-CH" dirty="0" err="1"/>
+              <a:t>unbalanced</a:t>
             </a:r>
             <a:r>
               <a:rPr lang="de-CH" dirty="0"/>
               <a:t> </a:t>
             </a:r>
-          </a:p>
-        </p:txBody>
-      </p:sp>
+            <a:r>
+              <a:rPr lang="de-CH" dirty="0" err="1"/>
+              <a:t>class</a:t>
+            </a:r>
+            <a:r>
+              <a:rPr lang="de-CH" dirty="0"/>
+              <a:t> </a:t>
+            </a:r>
+            <a:r>
+              <a:rPr lang="de-CH" dirty="0" err="1"/>
+              <a:t>weights</a:t>
+            </a:r>
+            <a:r>
+              <a:rPr lang="de-CH" dirty="0"/>
+              <a:t> </a:t>
+            </a:r>
+          </a:p>
+        </p:txBody>
+      </p:sp>
+      <p:sp>
+        <p:nvSpPr>
+          <p:cNvPr id="12" name="Textfeld 11">
+            <a:extLst>
+              <a:ext uri="{FF2B5EF4-FFF2-40B4-BE49-F238E27FC236}">
+                <a16:creationId xmlns:a16="http://schemas.microsoft.com/office/drawing/2014/main" id="{12F04AFB-86C5-13EE-B2B3-34BA8C15B44F}"/>
+              </a:ext>
+            </a:extLst>
+          </p:cNvPr>
+          <p:cNvSpPr txBox="1"/>
+          <p:nvPr/>
+        </p:nvSpPr>
+        <p:spPr>
+          <a:xfrm>
+            <a:off x="6353175" y="1990725"/>
+            <a:ext cx="5257633" cy="369332"/>
+          </a:xfrm>
+          <a:prstGeom prst="rect">
+            <a:avLst/>
+          </a:prstGeom>
+          <a:noFill/>
+        </p:spPr>
+        <p:txBody>
+          <a:bodyPr wrap="square" rtlCol="0">
+            <a:spAutoFit/>
+          </a:bodyPr>
+          <a:lstStyle/>
+          <a:p>
+            <a:r>
+              <a:rPr lang="de-CH" dirty="0"/>
+              <a:t>RF - </a:t>
+            </a:r>
+            <a:r>
+              <a:rPr lang="de-CH" dirty="0" err="1"/>
+              <a:t>balanced</a:t>
+            </a:r>
+            <a:r>
+              <a:rPr lang="de-CH" dirty="0"/>
+              <a:t> </a:t>
+            </a:r>
+            <a:r>
+              <a:rPr lang="de-CH" dirty="0" err="1"/>
+              <a:t>class</a:t>
+            </a:r>
+            <a:r>
+              <a:rPr lang="de-CH" dirty="0"/>
+              <a:t> </a:t>
+            </a:r>
+            <a:r>
+              <a:rPr lang="de-CH" dirty="0" err="1"/>
+              <a:t>weights</a:t>
+            </a:r>
+            <a:r>
+              <a:rPr lang="de-CH" dirty="0"/>
+              <a:t> </a:t>
+            </a:r>
+          </a:p>
+        </p:txBody>
+      </p:sp>
+      <p:pic>
+        <p:nvPicPr>
+          <p:cNvPr id="4" name="Grafik 3">
+            <a:extLst>
+              <a:ext uri="{FF2B5EF4-FFF2-40B4-BE49-F238E27FC236}">
+                <a16:creationId xmlns:a16="http://schemas.microsoft.com/office/drawing/2014/main" id="{31C0DC1B-B3BF-DAA7-86BA-78730E315A64}"/>
+              </a:ext>
+            </a:extLst>
+          </p:cNvPr>
+          <p:cNvPicPr>
+            <a:picLocks noChangeAspect="1"/>
+          </p:cNvPicPr>
+          <p:nvPr/>
+        </p:nvPicPr>
+        <p:blipFill>
+          <a:blip r:embed="rId2"/>
+          <a:stretch>
+            <a:fillRect/>
+          </a:stretch>
+        </p:blipFill>
+        <p:spPr>
+          <a:xfrm>
+            <a:off x="6027964" y="2360057"/>
+            <a:ext cx="5725886" cy="4064793"/>
+          </a:xfrm>
+          <a:prstGeom prst="rect">
+            <a:avLst/>
+          </a:prstGeom>
+        </p:spPr>
+      </p:pic>
+      <p:pic>
+        <p:nvPicPr>
+          <p:cNvPr id="8" name="Grafik 7">
+            <a:extLst>
+              <a:ext uri="{FF2B5EF4-FFF2-40B4-BE49-F238E27FC236}">
+                <a16:creationId xmlns:a16="http://schemas.microsoft.com/office/drawing/2014/main" id="{41D01C4E-A1E5-D6F7-5EF0-4B7D8BF5DF46}"/>
+              </a:ext>
+            </a:extLst>
+          </p:cNvPr>
+          <p:cNvPicPr>
+            <a:picLocks noChangeAspect="1"/>
+          </p:cNvPicPr>
+          <p:nvPr/>
+        </p:nvPicPr>
+        <p:blipFill>
+          <a:blip r:embed="rId3"/>
+          <a:stretch>
+            <a:fillRect/>
+          </a:stretch>
+        </p:blipFill>
+        <p:spPr>
+          <a:xfrm>
+            <a:off x="370113" y="2360056"/>
+            <a:ext cx="5725887" cy="4064793"/>
+          </a:xfrm>
+          <a:prstGeom prst="rect">
+            <a:avLst/>
+          </a:prstGeom>
+        </p:spPr>
+      </p:pic>
     </p:spTree>
     <p:extLst>
       <p:ext uri="{BB962C8B-B14F-4D97-AF65-F5344CB8AC3E}">
-        <p14:creationId xmlns:p14="http://schemas.microsoft.com/office/powerpoint/2010/main" val="3574736117"/>
+        <p14:creationId xmlns:p14="http://schemas.microsoft.com/office/powerpoint/2010/main" val="3007869225"/>
       </p:ext>
     </p:extLst>
   </p:cSld>

--- a/presentations/Final Presentation.pptx
+++ b/presentations/Final Presentation.pptx
@@ -15,8 +15,9 @@
     <p:sldId id="265" r:id="rId9"/>
     <p:sldId id="268" r:id="rId10"/>
     <p:sldId id="269" r:id="rId11"/>
-    <p:sldId id="261" r:id="rId12"/>
-    <p:sldId id="262" r:id="rId13"/>
+    <p:sldId id="270" r:id="rId12"/>
+    <p:sldId id="261" r:id="rId13"/>
+    <p:sldId id="262" r:id="rId14"/>
   </p:sldIdLst>
   <p:sldSz cx="12192000" cy="6858000"/>
   <p:notesSz cx="6858000" cy="9144000"/>
@@ -136,7 +137,7 @@
   <pc:docChgLst>
     <pc:chgData name="Rebecka Fahrni" userId="54dd5cd59e7c3003" providerId="LiveId" clId="{E969ACF7-8534-4C42-BC98-DF8CFE3B1406}"/>
     <pc:docChg chg="undo redo custSel addSld delSld modSld">
-      <pc:chgData name="Rebecka Fahrni" userId="54dd5cd59e7c3003" providerId="LiveId" clId="{E969ACF7-8534-4C42-BC98-DF8CFE3B1406}" dt="2023-12-18T19:02:48.436" v="472" actId="1076"/>
+      <pc:chgData name="Rebecka Fahrni" userId="54dd5cd59e7c3003" providerId="LiveId" clId="{E969ACF7-8534-4C42-BC98-DF8CFE3B1406}" dt="2023-12-18T19:16:27.430" v="1398" actId="20577"/>
       <pc:docMkLst>
         <pc:docMk/>
       </pc:docMkLst>
@@ -445,6 +446,29 @@
             <ac:picMk id="9" creationId="{B2F145EF-1823-D00F-46AE-EF32172A3A30}"/>
           </ac:picMkLst>
         </pc:picChg>
+      </pc:sldChg>
+      <pc:sldChg chg="modSp new mod">
+        <pc:chgData name="Rebecka Fahrni" userId="54dd5cd59e7c3003" providerId="LiveId" clId="{E969ACF7-8534-4C42-BC98-DF8CFE3B1406}" dt="2023-12-18T19:16:27.430" v="1398" actId="20577"/>
+        <pc:sldMkLst>
+          <pc:docMk/>
+          <pc:sldMk cId="2182612391" sldId="270"/>
+        </pc:sldMkLst>
+        <pc:spChg chg="mod">
+          <ac:chgData name="Rebecka Fahrni" userId="54dd5cd59e7c3003" providerId="LiveId" clId="{E969ACF7-8534-4C42-BC98-DF8CFE3B1406}" dt="2023-12-18T19:10:32.234" v="487" actId="20577"/>
+          <ac:spMkLst>
+            <pc:docMk/>
+            <pc:sldMk cId="2182612391" sldId="270"/>
+            <ac:spMk id="2" creationId="{5946CFA5-8CEF-8B46-9D10-7917336FDCBB}"/>
+          </ac:spMkLst>
+        </pc:spChg>
+        <pc:spChg chg="mod">
+          <ac:chgData name="Rebecka Fahrni" userId="54dd5cd59e7c3003" providerId="LiveId" clId="{E969ACF7-8534-4C42-BC98-DF8CFE3B1406}" dt="2023-12-18T19:16:27.430" v="1398" actId="20577"/>
+          <ac:spMkLst>
+            <pc:docMk/>
+            <pc:sldMk cId="2182612391" sldId="270"/>
+            <ac:spMk id="3" creationId="{401469AE-B426-39EC-59DF-0EED1A63A4A1}"/>
+          </ac:spMkLst>
+        </pc:spChg>
       </pc:sldChg>
     </pc:docChg>
   </pc:docChgLst>
@@ -4458,6 +4482,763 @@
           <p:cNvPr id="2" name="Titel 1">
             <a:extLst>
               <a:ext uri="{FF2B5EF4-FFF2-40B4-BE49-F238E27FC236}">
+                <a16:creationId xmlns:a16="http://schemas.microsoft.com/office/drawing/2014/main" id="{5946CFA5-8CEF-8B46-9D10-7917336FDCBB}"/>
+              </a:ext>
+            </a:extLst>
+          </p:cNvPr>
+          <p:cNvSpPr>
+            <a:spLocks noGrp="1"/>
+          </p:cNvSpPr>
+          <p:nvPr>
+            <p:ph type="title"/>
+          </p:nvPr>
+        </p:nvSpPr>
+        <p:spPr/>
+        <p:txBody>
+          <a:bodyPr/>
+          <a:lstStyle/>
+          <a:p>
+            <a:r>
+              <a:rPr lang="de-CH" dirty="0"/>
+              <a:t>Baseline </a:t>
+            </a:r>
+            <a:r>
+              <a:rPr lang="de-CH" dirty="0" err="1"/>
+              <a:t>model</a:t>
+            </a:r>
+            <a:endParaRPr lang="de-CH" dirty="0"/>
+          </a:p>
+        </p:txBody>
+      </p:sp>
+      <p:sp>
+        <p:nvSpPr>
+          <p:cNvPr id="3" name="Inhaltsplatzhalter 2">
+            <a:extLst>
+              <a:ext uri="{FF2B5EF4-FFF2-40B4-BE49-F238E27FC236}">
+                <a16:creationId xmlns:a16="http://schemas.microsoft.com/office/drawing/2014/main" id="{401469AE-B426-39EC-59DF-0EED1A63A4A1}"/>
+              </a:ext>
+            </a:extLst>
+          </p:cNvPr>
+          <p:cNvSpPr>
+            <a:spLocks noGrp="1"/>
+          </p:cNvSpPr>
+          <p:nvPr>
+            <p:ph idx="1"/>
+          </p:nvPr>
+        </p:nvSpPr>
+        <p:spPr/>
+        <p:txBody>
+          <a:bodyPr/>
+          <a:lstStyle/>
+          <a:p>
+            <a:r>
+              <a:rPr lang="de-CH" dirty="0" err="1"/>
+              <a:t>Variability</a:t>
+            </a:r>
+            <a:r>
+              <a:rPr lang="de-CH" dirty="0"/>
+              <a:t> in F1 Scores:  </a:t>
+            </a:r>
+            <a:r>
+              <a:rPr lang="de-CH" dirty="0" err="1"/>
+              <a:t>Variance</a:t>
+            </a:r>
+            <a:r>
+              <a:rPr lang="de-CH" dirty="0"/>
+              <a:t> in F1 </a:t>
+            </a:r>
+            <a:r>
+              <a:rPr lang="de-CH" dirty="0" err="1"/>
+              <a:t>scores</a:t>
+            </a:r>
+            <a:r>
+              <a:rPr lang="de-CH" dirty="0"/>
+              <a:t> </a:t>
+            </a:r>
+            <a:r>
+              <a:rPr lang="de-CH" dirty="0" err="1"/>
+              <a:t>across</a:t>
+            </a:r>
+            <a:r>
+              <a:rPr lang="de-CH" dirty="0"/>
+              <a:t> different </a:t>
+            </a:r>
+            <a:r>
+              <a:rPr lang="de-CH" dirty="0" err="1"/>
+              <a:t>medical</a:t>
+            </a:r>
+            <a:r>
+              <a:rPr lang="de-CH" dirty="0"/>
+              <a:t> </a:t>
+            </a:r>
+            <a:r>
+              <a:rPr lang="de-CH" dirty="0" err="1"/>
+              <a:t>categories</a:t>
+            </a:r>
+            <a:r>
+              <a:rPr lang="de-CH" dirty="0"/>
+              <a:t>, </a:t>
+            </a:r>
+            <a:r>
+              <a:rPr lang="de-CH" dirty="0" err="1"/>
+              <a:t>indicating</a:t>
+            </a:r>
+            <a:r>
+              <a:rPr lang="de-CH" dirty="0"/>
+              <a:t> </a:t>
+            </a:r>
+            <a:r>
+              <a:rPr lang="de-CH" dirty="0" err="1"/>
+              <a:t>some</a:t>
+            </a:r>
+            <a:r>
+              <a:rPr lang="de-CH" dirty="0"/>
+              <a:t> </a:t>
+            </a:r>
+            <a:r>
+              <a:rPr lang="de-CH" dirty="0" err="1"/>
+              <a:t>categories</a:t>
+            </a:r>
+            <a:r>
+              <a:rPr lang="de-CH" dirty="0"/>
+              <a:t> </a:t>
+            </a:r>
+            <a:r>
+              <a:rPr lang="de-CH" dirty="0" err="1"/>
+              <a:t>are</a:t>
+            </a:r>
+            <a:r>
+              <a:rPr lang="de-CH" dirty="0"/>
+              <a:t> </a:t>
+            </a:r>
+            <a:r>
+              <a:rPr lang="de-CH" dirty="0" err="1"/>
+              <a:t>easier</a:t>
+            </a:r>
+            <a:r>
+              <a:rPr lang="de-CH" dirty="0"/>
+              <a:t> </a:t>
+            </a:r>
+            <a:r>
+              <a:rPr lang="de-CH" dirty="0" err="1"/>
+              <a:t>to</a:t>
+            </a:r>
+            <a:r>
+              <a:rPr lang="de-CH" dirty="0"/>
+              <a:t> </a:t>
+            </a:r>
+            <a:r>
+              <a:rPr lang="de-CH" dirty="0" err="1"/>
+              <a:t>predict</a:t>
+            </a:r>
+            <a:r>
+              <a:rPr lang="de-CH" dirty="0"/>
+              <a:t> </a:t>
+            </a:r>
+            <a:r>
+              <a:rPr lang="de-CH" dirty="0" err="1"/>
+              <a:t>than</a:t>
+            </a:r>
+            <a:r>
+              <a:rPr lang="de-CH" dirty="0"/>
+              <a:t> </a:t>
+            </a:r>
+            <a:r>
+              <a:rPr lang="de-CH" dirty="0" err="1"/>
+              <a:t>others</a:t>
+            </a:r>
+            <a:r>
+              <a:rPr lang="de-CH" dirty="0"/>
+              <a:t>, </a:t>
+            </a:r>
+            <a:r>
+              <a:rPr lang="de-CH" dirty="0" err="1"/>
+              <a:t>or</a:t>
+            </a:r>
+            <a:r>
+              <a:rPr lang="de-CH" dirty="0"/>
+              <a:t> </a:t>
+            </a:r>
+            <a:r>
+              <a:rPr lang="de-CH" dirty="0" err="1"/>
+              <a:t>that</a:t>
+            </a:r>
+            <a:r>
+              <a:rPr lang="de-CH" dirty="0"/>
+              <a:t> </a:t>
+            </a:r>
+            <a:r>
+              <a:rPr lang="de-CH" dirty="0" err="1"/>
+              <a:t>the</a:t>
+            </a:r>
+            <a:r>
+              <a:rPr lang="de-CH" dirty="0"/>
+              <a:t> </a:t>
+            </a:r>
+            <a:r>
+              <a:rPr lang="de-CH" dirty="0" err="1"/>
+              <a:t>models</a:t>
+            </a:r>
+            <a:r>
+              <a:rPr lang="de-CH" dirty="0"/>
+              <a:t> </a:t>
+            </a:r>
+            <a:r>
+              <a:rPr lang="de-CH" dirty="0" err="1"/>
+              <a:t>are</a:t>
+            </a:r>
+            <a:r>
+              <a:rPr lang="de-CH" dirty="0"/>
+              <a:t> </a:t>
+            </a:r>
+            <a:r>
+              <a:rPr lang="de-CH" dirty="0" err="1"/>
+              <a:t>better</a:t>
+            </a:r>
+            <a:r>
+              <a:rPr lang="de-CH" dirty="0"/>
+              <a:t> </a:t>
+            </a:r>
+            <a:r>
+              <a:rPr lang="de-CH" dirty="0" err="1"/>
+              <a:t>suited</a:t>
+            </a:r>
+            <a:r>
+              <a:rPr lang="de-CH" dirty="0"/>
+              <a:t> </a:t>
+            </a:r>
+            <a:r>
+              <a:rPr lang="de-CH" dirty="0" err="1"/>
+              <a:t>for</a:t>
+            </a:r>
+            <a:r>
+              <a:rPr lang="de-CH" dirty="0"/>
+              <a:t> </a:t>
+            </a:r>
+            <a:r>
+              <a:rPr lang="de-CH" dirty="0" err="1"/>
+              <a:t>some</a:t>
+            </a:r>
+            <a:r>
+              <a:rPr lang="de-CH" dirty="0"/>
+              <a:t> </a:t>
+            </a:r>
+            <a:r>
+              <a:rPr lang="de-CH" dirty="0" err="1"/>
+              <a:t>categories</a:t>
+            </a:r>
+            <a:r>
+              <a:rPr lang="de-CH" dirty="0"/>
+              <a:t>. </a:t>
+            </a:r>
+          </a:p>
+          <a:p>
+            <a:r>
+              <a:rPr lang="de-CH" dirty="0"/>
+              <a:t>Impact </a:t>
+            </a:r>
+            <a:r>
+              <a:rPr lang="de-CH" dirty="0" err="1"/>
+              <a:t>of</a:t>
+            </a:r>
+            <a:r>
+              <a:rPr lang="de-CH" dirty="0"/>
+              <a:t> Class Balance:</a:t>
+            </a:r>
+          </a:p>
+          <a:p>
+            <a:pPr lvl="1"/>
+            <a:r>
+              <a:rPr lang="de-CH" dirty="0"/>
+              <a:t>Random </a:t>
+            </a:r>
+            <a:r>
+              <a:rPr lang="de-CH" dirty="0" err="1"/>
+              <a:t>Fores</a:t>
+            </a:r>
+            <a:r>
+              <a:rPr lang="de-CH" dirty="0"/>
+              <a:t>: </a:t>
+            </a:r>
+            <a:r>
+              <a:rPr lang="de-CH" dirty="0" err="1"/>
+              <a:t>balance</a:t>
+            </a:r>
+            <a:r>
+              <a:rPr lang="de-CH" dirty="0"/>
+              <a:t> </a:t>
+            </a:r>
+            <a:r>
+              <a:rPr lang="de-CH" dirty="0" err="1"/>
+              <a:t>class</a:t>
+            </a:r>
+            <a:r>
+              <a:rPr lang="de-CH" dirty="0"/>
+              <a:t> </a:t>
+            </a:r>
+            <a:r>
+              <a:rPr lang="de-CH" dirty="0" err="1"/>
+              <a:t>weights</a:t>
+            </a:r>
+            <a:r>
+              <a:rPr lang="de-CH" dirty="0"/>
+              <a:t> in Random Forest </a:t>
+            </a:r>
+            <a:r>
+              <a:rPr lang="de-CH" dirty="0" err="1"/>
+              <a:t>models</a:t>
+            </a:r>
+            <a:r>
+              <a:rPr lang="de-CH" dirty="0"/>
+              <a:t> </a:t>
+            </a:r>
+            <a:r>
+              <a:rPr lang="de-CH" dirty="0" err="1"/>
+              <a:t>has</a:t>
+            </a:r>
+            <a:r>
+              <a:rPr lang="de-CH" dirty="0"/>
+              <a:t> </a:t>
+            </a:r>
+            <a:r>
+              <a:rPr lang="de-CH" dirty="0" err="1"/>
+              <a:t>led</a:t>
+            </a:r>
+            <a:r>
+              <a:rPr lang="de-CH" dirty="0"/>
+              <a:t> </a:t>
+            </a:r>
+            <a:r>
+              <a:rPr lang="de-CH" dirty="0" err="1"/>
+              <a:t>to</a:t>
+            </a:r>
+            <a:r>
+              <a:rPr lang="de-CH" dirty="0"/>
+              <a:t> a </a:t>
+            </a:r>
+            <a:r>
+              <a:rPr lang="de-CH" dirty="0" err="1"/>
+              <a:t>more</a:t>
+            </a:r>
+            <a:r>
+              <a:rPr lang="de-CH" dirty="0"/>
+              <a:t> uniform </a:t>
+            </a:r>
+            <a:r>
+              <a:rPr lang="de-CH" dirty="0" err="1"/>
+              <a:t>distribution</a:t>
+            </a:r>
+            <a:r>
+              <a:rPr lang="de-CH" dirty="0"/>
+              <a:t> </a:t>
+            </a:r>
+            <a:r>
+              <a:rPr lang="de-CH" dirty="0" err="1"/>
+              <a:t>of</a:t>
+            </a:r>
+            <a:r>
+              <a:rPr lang="de-CH" dirty="0"/>
+              <a:t> F1 </a:t>
+            </a:r>
+            <a:r>
+              <a:rPr lang="de-CH" dirty="0" err="1"/>
+              <a:t>scores</a:t>
+            </a:r>
+            <a:r>
+              <a:rPr lang="de-CH" dirty="0"/>
+              <a:t> </a:t>
+            </a:r>
+            <a:r>
+              <a:rPr lang="de-CH" dirty="0" err="1"/>
+              <a:t>across</a:t>
+            </a:r>
+            <a:r>
+              <a:rPr lang="de-CH" dirty="0"/>
+              <a:t> </a:t>
+            </a:r>
+            <a:r>
+              <a:rPr lang="de-CH" dirty="0" err="1"/>
+              <a:t>categories</a:t>
+            </a:r>
+            <a:r>
+              <a:rPr lang="de-CH" dirty="0"/>
+              <a:t> – positive </a:t>
+            </a:r>
+            <a:r>
+              <a:rPr lang="de-CH" dirty="0" err="1"/>
+              <a:t>impact</a:t>
+            </a:r>
+            <a:r>
+              <a:rPr lang="de-CH" dirty="0"/>
+              <a:t> </a:t>
+            </a:r>
+            <a:r>
+              <a:rPr lang="de-CH" dirty="0" err="1"/>
+              <a:t>of</a:t>
+            </a:r>
+            <a:r>
+              <a:rPr lang="de-CH" dirty="0"/>
+              <a:t> </a:t>
+            </a:r>
+            <a:r>
+              <a:rPr lang="de-CH" dirty="0" err="1"/>
+              <a:t>handling</a:t>
+            </a:r>
+            <a:r>
+              <a:rPr lang="de-CH" dirty="0"/>
+              <a:t> </a:t>
+            </a:r>
+            <a:r>
+              <a:rPr lang="de-CH" dirty="0" err="1"/>
+              <a:t>class</a:t>
+            </a:r>
+            <a:r>
+              <a:rPr lang="de-CH" dirty="0"/>
+              <a:t> </a:t>
+            </a:r>
+            <a:r>
+              <a:rPr lang="de-CH" dirty="0" err="1"/>
+              <a:t>imbalance</a:t>
+            </a:r>
+            <a:r>
+              <a:rPr lang="de-CH" dirty="0"/>
+              <a:t> </a:t>
+            </a:r>
+            <a:r>
+              <a:rPr lang="de-CH" dirty="0" err="1"/>
+              <a:t>for</a:t>
+            </a:r>
+            <a:r>
+              <a:rPr lang="de-CH" dirty="0"/>
+              <a:t> </a:t>
+            </a:r>
+            <a:r>
+              <a:rPr lang="de-CH" dirty="0" err="1"/>
+              <a:t>model</a:t>
+            </a:r>
+            <a:r>
+              <a:rPr lang="de-CH" dirty="0"/>
+              <a:t> </a:t>
+            </a:r>
+            <a:r>
+              <a:rPr lang="de-CH" dirty="0" err="1"/>
+              <a:t>performance</a:t>
+            </a:r>
+            <a:r>
+              <a:rPr lang="de-CH" dirty="0"/>
+              <a:t> </a:t>
+            </a:r>
+          </a:p>
+          <a:p>
+            <a:pPr lvl="1"/>
+            <a:r>
+              <a:rPr lang="de-CH" dirty="0"/>
+              <a:t>SVM:  </a:t>
+            </a:r>
+            <a:r>
+              <a:rPr lang="de-CH" dirty="0" err="1"/>
+              <a:t>Balanced</a:t>
+            </a:r>
+            <a:r>
+              <a:rPr lang="de-CH" dirty="0"/>
+              <a:t> </a:t>
+            </a:r>
+            <a:r>
+              <a:rPr lang="de-CH" dirty="0" err="1"/>
+              <a:t>class</a:t>
+            </a:r>
+            <a:r>
+              <a:rPr lang="de-CH" dirty="0"/>
+              <a:t> </a:t>
+            </a:r>
+            <a:r>
+              <a:rPr lang="de-CH" dirty="0" err="1"/>
+              <a:t>weights</a:t>
+            </a:r>
+            <a:r>
+              <a:rPr lang="de-CH" dirty="0"/>
+              <a:t> </a:t>
+            </a:r>
+            <a:r>
+              <a:rPr lang="de-CH" dirty="0" err="1"/>
+              <a:t>improved</a:t>
+            </a:r>
+            <a:r>
+              <a:rPr lang="de-CH" dirty="0"/>
+              <a:t> </a:t>
+            </a:r>
+            <a:r>
+              <a:rPr lang="de-CH" dirty="0" err="1"/>
+              <a:t>performance</a:t>
+            </a:r>
+            <a:r>
+              <a:rPr lang="de-CH" dirty="0"/>
+              <a:t> on </a:t>
+            </a:r>
+            <a:r>
+              <a:rPr lang="de-CH" dirty="0" err="1"/>
+              <a:t>several</a:t>
+            </a:r>
+            <a:r>
+              <a:rPr lang="de-CH" dirty="0"/>
+              <a:t> </a:t>
+            </a:r>
+            <a:r>
+              <a:rPr lang="de-CH" dirty="0" err="1"/>
+              <a:t>minority</a:t>
+            </a:r>
+            <a:r>
+              <a:rPr lang="de-CH" dirty="0"/>
+              <a:t> </a:t>
+            </a:r>
+            <a:r>
+              <a:rPr lang="de-CH" dirty="0" err="1"/>
+              <a:t>classes</a:t>
+            </a:r>
+            <a:endParaRPr lang="de-CH" dirty="0"/>
+          </a:p>
+          <a:p>
+            <a:pPr lvl="1"/>
+            <a:r>
+              <a:rPr lang="de-CH" dirty="0"/>
+              <a:t>NV and </a:t>
+            </a:r>
+            <a:r>
+              <a:rPr lang="de-CH" dirty="0" err="1"/>
+              <a:t>XGBoost</a:t>
+            </a:r>
+            <a:r>
+              <a:rPr lang="de-CH" dirty="0"/>
+              <a:t>: These </a:t>
+            </a:r>
+            <a:r>
+              <a:rPr lang="de-CH" dirty="0" err="1"/>
+              <a:t>models</a:t>
+            </a:r>
+            <a:r>
+              <a:rPr lang="de-CH" dirty="0"/>
+              <a:t> do not </a:t>
+            </a:r>
+            <a:r>
+              <a:rPr lang="de-CH" dirty="0" err="1"/>
+              <a:t>inherently</a:t>
+            </a:r>
+            <a:r>
+              <a:rPr lang="de-CH" dirty="0"/>
+              <a:t> support </a:t>
+            </a:r>
+            <a:r>
+              <a:rPr lang="de-CH" dirty="0" err="1"/>
+              <a:t>class</a:t>
+            </a:r>
+            <a:r>
+              <a:rPr lang="de-CH" dirty="0"/>
+              <a:t> </a:t>
+            </a:r>
+            <a:r>
+              <a:rPr lang="de-CH" dirty="0" err="1"/>
+              <a:t>weights</a:t>
+            </a:r>
+            <a:r>
+              <a:rPr lang="de-CH" dirty="0"/>
+              <a:t> and </a:t>
+            </a:r>
+            <a:r>
+              <a:rPr lang="de-CH" dirty="0" err="1"/>
+              <a:t>show</a:t>
+            </a:r>
+            <a:r>
+              <a:rPr lang="de-CH" dirty="0"/>
+              <a:t> </a:t>
+            </a:r>
+            <a:r>
+              <a:rPr lang="de-CH" dirty="0" err="1"/>
+              <a:t>more</a:t>
+            </a:r>
+            <a:r>
+              <a:rPr lang="de-CH" dirty="0"/>
+              <a:t> </a:t>
+            </a:r>
+            <a:r>
+              <a:rPr lang="de-CH" dirty="0" err="1"/>
+              <a:t>disparity</a:t>
+            </a:r>
+            <a:r>
+              <a:rPr lang="de-CH" dirty="0"/>
+              <a:t> in </a:t>
+            </a:r>
+            <a:r>
+              <a:rPr lang="de-CH" dirty="0" err="1"/>
+              <a:t>performance</a:t>
+            </a:r>
+            <a:r>
+              <a:rPr lang="de-CH" dirty="0"/>
+              <a:t> </a:t>
+            </a:r>
+            <a:r>
+              <a:rPr lang="de-CH" dirty="0" err="1"/>
+              <a:t>across</a:t>
+            </a:r>
+            <a:r>
+              <a:rPr lang="de-CH" dirty="0"/>
+              <a:t> </a:t>
+            </a:r>
+            <a:r>
+              <a:rPr lang="de-CH" dirty="0" err="1"/>
+              <a:t>categories</a:t>
+            </a:r>
+            <a:r>
+              <a:rPr lang="de-CH" dirty="0"/>
+              <a:t>. NV </a:t>
+            </a:r>
+            <a:r>
+              <a:rPr lang="de-CH" dirty="0" err="1"/>
+              <a:t>struggles</a:t>
+            </a:r>
+            <a:r>
+              <a:rPr lang="de-CH" dirty="0"/>
+              <a:t> </a:t>
+            </a:r>
+            <a:r>
+              <a:rPr lang="de-CH" dirty="0" err="1"/>
+              <a:t>more</a:t>
+            </a:r>
+            <a:r>
+              <a:rPr lang="de-CH" dirty="0"/>
+              <a:t> </a:t>
+            </a:r>
+            <a:r>
+              <a:rPr lang="de-CH" dirty="0" err="1"/>
+              <a:t>with</a:t>
+            </a:r>
+            <a:r>
+              <a:rPr lang="de-CH" dirty="0"/>
+              <a:t> </a:t>
+            </a:r>
+            <a:r>
+              <a:rPr lang="de-CH" dirty="0" err="1"/>
+              <a:t>the</a:t>
+            </a:r>
+            <a:r>
+              <a:rPr lang="de-CH" dirty="0"/>
+              <a:t> </a:t>
+            </a:r>
+            <a:r>
+              <a:rPr lang="de-CH" dirty="0" err="1"/>
+              <a:t>class</a:t>
+            </a:r>
+            <a:r>
+              <a:rPr lang="de-CH" dirty="0"/>
+              <a:t> </a:t>
+            </a:r>
+            <a:r>
+              <a:rPr lang="de-CH" dirty="0" err="1"/>
+              <a:t>imbalance</a:t>
+            </a:r>
+            <a:r>
+              <a:rPr lang="de-CH" dirty="0"/>
+              <a:t> </a:t>
+            </a:r>
+            <a:r>
+              <a:rPr lang="de-CH" dirty="0" err="1"/>
+              <a:t>gradient</a:t>
+            </a:r>
+            <a:r>
+              <a:rPr lang="de-CH" dirty="0"/>
+              <a:t> boost </a:t>
+            </a:r>
+            <a:r>
+              <a:rPr lang="de-CH" dirty="0" err="1"/>
+              <a:t>is</a:t>
+            </a:r>
+            <a:r>
+              <a:rPr lang="de-CH" dirty="0"/>
+              <a:t> </a:t>
+            </a:r>
+            <a:r>
+              <a:rPr lang="de-CH" dirty="0" err="1"/>
+              <a:t>more</a:t>
+            </a:r>
+            <a:r>
+              <a:rPr lang="de-CH" dirty="0"/>
+              <a:t> robust. </a:t>
+            </a:r>
+          </a:p>
+          <a:p>
+            <a:r>
+              <a:rPr lang="de-CH" dirty="0"/>
+              <a:t>Random Forest </a:t>
+            </a:r>
+            <a:r>
+              <a:rPr lang="de-CH" dirty="0" err="1"/>
+              <a:t>with</a:t>
+            </a:r>
+            <a:r>
+              <a:rPr lang="de-CH" dirty="0"/>
+              <a:t> </a:t>
+            </a:r>
+            <a:r>
+              <a:rPr lang="de-CH" dirty="0" err="1"/>
+              <a:t>balanced</a:t>
+            </a:r>
+            <a:r>
+              <a:rPr lang="de-CH" dirty="0"/>
+              <a:t> </a:t>
+            </a:r>
+            <a:r>
+              <a:rPr lang="de-CH" dirty="0" err="1"/>
+              <a:t>weights</a:t>
+            </a:r>
+            <a:r>
+              <a:rPr lang="de-CH" dirty="0"/>
+              <a:t> </a:t>
+            </a:r>
+            <a:r>
+              <a:rPr lang="de-CH" dirty="0" err="1"/>
+              <a:t>appears</a:t>
+            </a:r>
+            <a:r>
+              <a:rPr lang="de-CH"/>
+              <a:t> </a:t>
+            </a:r>
+          </a:p>
+        </p:txBody>
+      </p:sp>
+    </p:spTree>
+    <p:extLst>
+      <p:ext uri="{BB962C8B-B14F-4D97-AF65-F5344CB8AC3E}">
+        <p14:creationId xmlns:p14="http://schemas.microsoft.com/office/powerpoint/2010/main" val="2182612391"/>
+      </p:ext>
+    </p:extLst>
+  </p:cSld>
+  <p:clrMapOvr>
+    <a:masterClrMapping/>
+  </p:clrMapOvr>
+</p:sld>
+</file>
+
+<file path=ppt/slides/slide12.xml><?xml version="1.0" encoding="utf-8"?>
+<p:sld xmlns:a="http://schemas.openxmlformats.org/drawingml/2006/main" xmlns:r="http://schemas.openxmlformats.org/officeDocument/2006/relationships" xmlns:p="http://schemas.openxmlformats.org/presentationml/2006/main">
+  <p:cSld>
+    <p:spTree>
+      <p:nvGrpSpPr>
+        <p:cNvPr id="1" name=""/>
+        <p:cNvGrpSpPr/>
+        <p:nvPr/>
+      </p:nvGrpSpPr>
+      <p:grpSpPr>
+        <a:xfrm>
+          <a:off x="0" y="0"/>
+          <a:ext cx="0" cy="0"/>
+          <a:chOff x="0" y="0"/>
+          <a:chExt cx="0" cy="0"/>
+        </a:xfrm>
+      </p:grpSpPr>
+      <p:sp>
+        <p:nvSpPr>
+          <p:cNvPr id="2" name="Titel 1">
+            <a:extLst>
+              <a:ext uri="{FF2B5EF4-FFF2-40B4-BE49-F238E27FC236}">
                 <a16:creationId xmlns:a16="http://schemas.microsoft.com/office/drawing/2014/main" id="{0F0555DC-D755-5E62-FA68-E2C671875687}"/>
               </a:ext>
             </a:extLst>
@@ -4648,7 +5429,7 @@
 </p:sld>
 </file>
 
-<file path=ppt/slides/slide12.xml><?xml version="1.0" encoding="utf-8"?>
+<file path=ppt/slides/slide13.xml><?xml version="1.0" encoding="utf-8"?>
 <p:sld xmlns:a="http://schemas.openxmlformats.org/drawingml/2006/main" xmlns:r="http://schemas.openxmlformats.org/officeDocument/2006/relationships" xmlns:p="http://schemas.openxmlformats.org/presentationml/2006/main">
   <p:cSld>
     <p:spTree>

--- a/presentations/Final Presentation.pptx
+++ b/presentations/Final Presentation.pptx
@@ -137,10 +137,101 @@
   <pc:docChgLst>
     <pc:chgData name="Rebecka Fahrni" userId="54dd5cd59e7c3003" providerId="LiveId" clId="{E969ACF7-8534-4C42-BC98-DF8CFE3B1406}"/>
     <pc:docChg chg="undo redo custSel addSld delSld modSld">
-      <pc:chgData name="Rebecka Fahrni" userId="54dd5cd59e7c3003" providerId="LiveId" clId="{E969ACF7-8534-4C42-BC98-DF8CFE3B1406}" dt="2023-12-18T19:16:27.430" v="1398" actId="20577"/>
+      <pc:chgData name="Rebecka Fahrni" userId="54dd5cd59e7c3003" providerId="LiveId" clId="{E969ACF7-8534-4C42-BC98-DF8CFE3B1406}" dt="2023-12-18T23:50:17.952" v="1983" actId="20577"/>
       <pc:docMkLst>
         <pc:docMk/>
       </pc:docMkLst>
+      <pc:sldChg chg="modSp mod">
+        <pc:chgData name="Rebecka Fahrni" userId="54dd5cd59e7c3003" providerId="LiveId" clId="{E969ACF7-8534-4C42-BC98-DF8CFE3B1406}" dt="2023-12-18T23:47:20.848" v="1819" actId="20577"/>
+        <pc:sldMkLst>
+          <pc:docMk/>
+          <pc:sldMk cId="4148010779" sldId="258"/>
+        </pc:sldMkLst>
+        <pc:spChg chg="mod">
+          <ac:chgData name="Rebecka Fahrni" userId="54dd5cd59e7c3003" providerId="LiveId" clId="{E969ACF7-8534-4C42-BC98-DF8CFE3B1406}" dt="2023-12-18T23:47:20.848" v="1819" actId="20577"/>
+          <ac:spMkLst>
+            <pc:docMk/>
+            <pc:sldMk cId="4148010779" sldId="258"/>
+            <ac:spMk id="5" creationId="{C3C68011-C926-E08B-47E3-057E5070594B}"/>
+          </ac:spMkLst>
+        </pc:spChg>
+      </pc:sldChg>
+      <pc:sldChg chg="modSp mod">
+        <pc:chgData name="Rebecka Fahrni" userId="54dd5cd59e7c3003" providerId="LiveId" clId="{E969ACF7-8534-4C42-BC98-DF8CFE3B1406}" dt="2023-12-18T23:45:16.606" v="1757" actId="20577"/>
+        <pc:sldMkLst>
+          <pc:docMk/>
+          <pc:sldMk cId="2117154243" sldId="260"/>
+        </pc:sldMkLst>
+        <pc:spChg chg="mod">
+          <ac:chgData name="Rebecka Fahrni" userId="54dd5cd59e7c3003" providerId="LiveId" clId="{E969ACF7-8534-4C42-BC98-DF8CFE3B1406}" dt="2023-12-18T23:45:16.606" v="1757" actId="20577"/>
+          <ac:spMkLst>
+            <pc:docMk/>
+            <pc:sldMk cId="2117154243" sldId="260"/>
+            <ac:spMk id="3" creationId="{8C12E06B-C46A-CF75-1011-3E87516803FA}"/>
+          </ac:spMkLst>
+        </pc:spChg>
+      </pc:sldChg>
+      <pc:sldChg chg="modSp mod">
+        <pc:chgData name="Rebecka Fahrni" userId="54dd5cd59e7c3003" providerId="LiveId" clId="{E969ACF7-8534-4C42-BC98-DF8CFE3B1406}" dt="2023-12-18T23:37:20.154" v="1492" actId="20577"/>
+        <pc:sldMkLst>
+          <pc:docMk/>
+          <pc:sldMk cId="2701554127" sldId="261"/>
+        </pc:sldMkLst>
+        <pc:spChg chg="mod">
+          <ac:chgData name="Rebecka Fahrni" userId="54dd5cd59e7c3003" providerId="LiveId" clId="{E969ACF7-8534-4C42-BC98-DF8CFE3B1406}" dt="2023-12-18T23:37:20.154" v="1492" actId="20577"/>
+          <ac:spMkLst>
+            <pc:docMk/>
+            <pc:sldMk cId="2701554127" sldId="261"/>
+            <ac:spMk id="2" creationId="{0F0555DC-D755-5E62-FA68-E2C671875687}"/>
+          </ac:spMkLst>
+        </pc:spChg>
+        <pc:spChg chg="mod">
+          <ac:chgData name="Rebecka Fahrni" userId="54dd5cd59e7c3003" providerId="LiveId" clId="{E969ACF7-8534-4C42-BC98-DF8CFE3B1406}" dt="2023-12-18T23:36:46.748" v="1474" actId="20577"/>
+          <ac:spMkLst>
+            <pc:docMk/>
+            <pc:sldMk cId="2701554127" sldId="261"/>
+            <ac:spMk id="3" creationId="{A80F4CF6-C7F1-F4F7-66B9-61891A95952B}"/>
+          </ac:spMkLst>
+        </pc:spChg>
+      </pc:sldChg>
+      <pc:sldChg chg="modSp mod">
+        <pc:chgData name="Rebecka Fahrni" userId="54dd5cd59e7c3003" providerId="LiveId" clId="{E969ACF7-8534-4C42-BC98-DF8CFE3B1406}" dt="2023-12-18T23:49:08.784" v="1944" actId="20577"/>
+        <pc:sldMkLst>
+          <pc:docMk/>
+          <pc:sldMk cId="3574736117" sldId="262"/>
+        </pc:sldMkLst>
+        <pc:spChg chg="mod">
+          <ac:chgData name="Rebecka Fahrni" userId="54dd5cd59e7c3003" providerId="LiveId" clId="{E969ACF7-8534-4C42-BC98-DF8CFE3B1406}" dt="2023-12-18T23:49:08.784" v="1944" actId="20577"/>
+          <ac:spMkLst>
+            <pc:docMk/>
+            <pc:sldMk cId="3574736117" sldId="262"/>
+            <ac:spMk id="2" creationId="{30E8CDA7-46A4-831B-2A0D-BC23D6995353}"/>
+          </ac:spMkLst>
+        </pc:spChg>
+        <pc:spChg chg="mod">
+          <ac:chgData name="Rebecka Fahrni" userId="54dd5cd59e7c3003" providerId="LiveId" clId="{E969ACF7-8534-4C42-BC98-DF8CFE3B1406}" dt="2023-12-18T23:49:03.890" v="1943" actId="20577"/>
+          <ac:spMkLst>
+            <pc:docMk/>
+            <pc:sldMk cId="3574736117" sldId="262"/>
+            <ac:spMk id="3" creationId="{473DC6F3-4AA1-94AA-3064-3C60692F60F9}"/>
+          </ac:spMkLst>
+        </pc:spChg>
+      </pc:sldChg>
+      <pc:sldChg chg="modSp mod">
+        <pc:chgData name="Rebecka Fahrni" userId="54dd5cd59e7c3003" providerId="LiveId" clId="{E969ACF7-8534-4C42-BC98-DF8CFE3B1406}" dt="2023-12-18T23:50:17.952" v="1983" actId="20577"/>
+        <pc:sldMkLst>
+          <pc:docMk/>
+          <pc:sldMk cId="3557264045" sldId="263"/>
+        </pc:sldMkLst>
+        <pc:spChg chg="mod">
+          <ac:chgData name="Rebecka Fahrni" userId="54dd5cd59e7c3003" providerId="LiveId" clId="{E969ACF7-8534-4C42-BC98-DF8CFE3B1406}" dt="2023-12-18T23:50:17.952" v="1983" actId="20577"/>
+          <ac:spMkLst>
+            <pc:docMk/>
+            <pc:sldMk cId="3557264045" sldId="263"/>
+            <ac:spMk id="3" creationId="{2989B587-C6D9-A542-0FD3-9DEC01CA4539}"/>
+          </ac:spMkLst>
+        </pc:spChg>
+      </pc:sldChg>
       <pc:sldChg chg="addSp delSp modSp new mod">
         <pc:chgData name="Rebecka Fahrni" userId="54dd5cd59e7c3003" providerId="LiveId" clId="{E969ACF7-8534-4C42-BC98-DF8CFE3B1406}" dt="2023-12-18T18:46:03.103" v="393" actId="20577"/>
         <pc:sldMkLst>
@@ -448,7 +539,7 @@
         </pc:picChg>
       </pc:sldChg>
       <pc:sldChg chg="modSp new mod">
-        <pc:chgData name="Rebecka Fahrni" userId="54dd5cd59e7c3003" providerId="LiveId" clId="{E969ACF7-8534-4C42-BC98-DF8CFE3B1406}" dt="2023-12-18T19:16:27.430" v="1398" actId="20577"/>
+        <pc:chgData name="Rebecka Fahrni" userId="54dd5cd59e7c3003" providerId="LiveId" clId="{E969ACF7-8534-4C42-BC98-DF8CFE3B1406}" dt="2023-12-18T23:41:04.704" v="1603" actId="20577"/>
         <pc:sldMkLst>
           <pc:docMk/>
           <pc:sldMk cId="2182612391" sldId="270"/>
@@ -462,7 +553,7 @@
           </ac:spMkLst>
         </pc:spChg>
         <pc:spChg chg="mod">
-          <ac:chgData name="Rebecka Fahrni" userId="54dd5cd59e7c3003" providerId="LiveId" clId="{E969ACF7-8534-4C42-BC98-DF8CFE3B1406}" dt="2023-12-18T19:16:27.430" v="1398" actId="20577"/>
+          <ac:chgData name="Rebecka Fahrni" userId="54dd5cd59e7c3003" providerId="LiveId" clId="{E969ACF7-8534-4C42-BC98-DF8CFE3B1406}" dt="2023-12-18T23:41:04.704" v="1603" actId="20577"/>
           <ac:spMkLst>
             <pc:docMk/>
             <pc:sldMk cId="2182612391" sldId="270"/>
@@ -721,7 +812,7 @@
             <a:fld id="{B61BEF0D-F0BB-DE4B-95CE-6DB70DBA9567}" type="datetimeFigureOut">
               <a:rPr lang="en-US" dirty="0"/>
               <a:pPr/>
-              <a:t>12/18/2023</a:t>
+              <a:t>12/19/2023</a:t>
             </a:fld>
             <a:endParaRPr lang="en-US" dirty="0"/>
           </a:p>
@@ -980,7 +1071,7 @@
             <a:fld id="{B61BEF0D-F0BB-DE4B-95CE-6DB70DBA9567}" type="datetimeFigureOut">
               <a:rPr lang="en-US" dirty="0"/>
               <a:pPr/>
-              <a:t>12/18/2023</a:t>
+              <a:t>12/19/2023</a:t>
             </a:fld>
             <a:endParaRPr lang="en-US" dirty="0"/>
           </a:p>
@@ -1212,7 +1303,7 @@
             <a:fld id="{B61BEF0D-F0BB-DE4B-95CE-6DB70DBA9567}" type="datetimeFigureOut">
               <a:rPr lang="en-US" dirty="0"/>
               <a:pPr/>
-              <a:t>12/18/2023</a:t>
+              <a:t>12/19/2023</a:t>
             </a:fld>
             <a:endParaRPr lang="en-US" dirty="0"/>
           </a:p>
@@ -1449,7 +1540,7 @@
             <a:fld id="{B61BEF0D-F0BB-DE4B-95CE-6DB70DBA9567}" type="datetimeFigureOut">
               <a:rPr lang="en-US" dirty="0"/>
               <a:pPr/>
-              <a:t>12/18/2023</a:t>
+              <a:t>12/19/2023</a:t>
             </a:fld>
             <a:endParaRPr lang="en-US" dirty="0"/>
           </a:p>
@@ -1753,7 +1844,7 @@
             <a:fld id="{B61BEF0D-F0BB-DE4B-95CE-6DB70DBA9567}" type="datetimeFigureOut">
               <a:rPr lang="en-US" dirty="0"/>
               <a:pPr/>
-              <a:t>12/18/2023</a:t>
+              <a:t>12/19/2023</a:t>
             </a:fld>
             <a:endParaRPr lang="en-US" dirty="0"/>
           </a:p>
@@ -2052,7 +2143,7 @@
             <a:fld id="{B61BEF0D-F0BB-DE4B-95CE-6DB70DBA9567}" type="datetimeFigureOut">
               <a:rPr lang="en-US" dirty="0"/>
               <a:pPr/>
-              <a:t>12/18/2023</a:t>
+              <a:t>12/19/2023</a:t>
             </a:fld>
             <a:endParaRPr lang="en-US" dirty="0"/>
           </a:p>
@@ -2471,7 +2562,7 @@
             <a:fld id="{B61BEF0D-F0BB-DE4B-95CE-6DB70DBA9567}" type="datetimeFigureOut">
               <a:rPr lang="en-US" dirty="0"/>
               <a:pPr/>
-              <a:t>12/18/2023</a:t>
+              <a:t>12/19/2023</a:t>
             </a:fld>
             <a:endParaRPr lang="en-US" dirty="0"/>
           </a:p>
@@ -2563,7 +2654,7 @@
             <a:fld id="{B61BEF0D-F0BB-DE4B-95CE-6DB70DBA9567}" type="datetimeFigureOut">
               <a:rPr lang="en-US" dirty="0"/>
               <a:pPr/>
-              <a:t>12/18/2023</a:t>
+              <a:t>12/19/2023</a:t>
             </a:fld>
             <a:endParaRPr lang="en-US" dirty="0"/>
           </a:p>
@@ -2722,7 +2813,7 @@
             <a:fld id="{B61BEF0D-F0BB-DE4B-95CE-6DB70DBA9567}" type="datetimeFigureOut">
               <a:rPr lang="en-US" dirty="0"/>
               <a:pPr/>
-              <a:t>12/18/2023</a:t>
+              <a:t>12/19/2023</a:t>
             </a:fld>
             <a:endParaRPr lang="en-US" dirty="0"/>
           </a:p>
@@ -3097,7 +3188,7 @@
             <a:fld id="{B61BEF0D-F0BB-DE4B-95CE-6DB70DBA9567}" type="datetimeFigureOut">
               <a:rPr lang="en-US" dirty="0"/>
               <a:pPr/>
-              <a:t>12/18/2023</a:t>
+              <a:t>12/19/2023</a:t>
             </a:fld>
             <a:endParaRPr lang="en-US" dirty="0"/>
           </a:p>
@@ -3383,7 +3474,7 @@
             <a:fld id="{B61BEF0D-F0BB-DE4B-95CE-6DB70DBA9567}" type="datetimeFigureOut">
               <a:rPr lang="en-US" dirty="0"/>
               <a:pPr/>
-              <a:t>12/18/2023</a:t>
+              <a:t>12/19/2023</a:t>
             </a:fld>
             <a:endParaRPr lang="en-US" dirty="0"/>
           </a:p>
@@ -3591,7 +3682,7 @@
             <a:fld id="{B61BEF0D-F0BB-DE4B-95CE-6DB70DBA9567}" type="datetimeFigureOut">
               <a:rPr lang="en-US" dirty="0"/>
               <a:pPr/>
-              <a:t>12/18/2023</a:t>
+              <a:t>12/19/2023</a:t>
             </a:fld>
             <a:endParaRPr lang="en-US" dirty="0"/>
           </a:p>
@@ -4577,11 +4668,123 @@
             </a:r>
             <a:r>
               <a:rPr lang="de-CH" dirty="0"/>
+              <a:t> </a:t>
+            </a:r>
+            <a:r>
+              <a:rPr lang="de-CH" dirty="0" err="1"/>
+              <a:t>some</a:t>
+            </a:r>
+            <a:r>
+              <a:rPr lang="de-CH" dirty="0"/>
+              <a:t> </a:t>
+            </a:r>
+            <a:r>
+              <a:rPr lang="de-CH" dirty="0" err="1"/>
+              <a:t>labels</a:t>
+            </a:r>
+            <a:r>
+              <a:rPr lang="de-CH" dirty="0"/>
+              <a:t> </a:t>
+            </a:r>
+            <a:r>
+              <a:rPr lang="de-CH" dirty="0" err="1"/>
+              <a:t>easier</a:t>
+            </a:r>
+            <a:r>
+              <a:rPr lang="de-CH" dirty="0"/>
+              <a:t> </a:t>
+            </a:r>
+            <a:r>
+              <a:rPr lang="de-CH" dirty="0" err="1"/>
+              <a:t>to</a:t>
+            </a:r>
+            <a:r>
+              <a:rPr lang="de-CH" dirty="0"/>
+              <a:t> </a:t>
+            </a:r>
+            <a:r>
+              <a:rPr lang="de-CH" dirty="0" err="1"/>
+              <a:t>predict</a:t>
+            </a:r>
+            <a:r>
+              <a:rPr lang="de-CH" dirty="0"/>
+              <a:t> </a:t>
+            </a:r>
+            <a:r>
+              <a:rPr lang="de-CH" dirty="0" err="1"/>
+              <a:t>than</a:t>
+            </a:r>
+            <a:r>
+              <a:rPr lang="de-CH" dirty="0"/>
+              <a:t> </a:t>
+            </a:r>
+            <a:r>
+              <a:rPr lang="de-CH" dirty="0" err="1"/>
+              <a:t>others</a:t>
+            </a:r>
+            <a:r>
+              <a:rPr lang="de-CH" dirty="0"/>
               <a:t>, </a:t>
             </a:r>
             <a:r>
               <a:rPr lang="de-CH" dirty="0" err="1"/>
-              <a:t>indicating</a:t>
+              <a:t>or</a:t>
+            </a:r>
+            <a:r>
+              <a:rPr lang="de-CH" dirty="0"/>
+              <a:t> </a:t>
+            </a:r>
+            <a:r>
+              <a:rPr lang="de-CH" dirty="0" err="1"/>
+              <a:t>that</a:t>
+            </a:r>
+            <a:r>
+              <a:rPr lang="de-CH" dirty="0"/>
+              <a:t> </a:t>
+            </a:r>
+            <a:r>
+              <a:rPr lang="de-CH" dirty="0" err="1"/>
+              <a:t>the</a:t>
+            </a:r>
+            <a:r>
+              <a:rPr lang="de-CH" dirty="0"/>
+              <a:t> </a:t>
+            </a:r>
+            <a:r>
+              <a:rPr lang="de-CH" dirty="0" err="1"/>
+              <a:t>models</a:t>
+            </a:r>
+            <a:r>
+              <a:rPr lang="de-CH" dirty="0"/>
+              <a:t> </a:t>
+            </a:r>
+            <a:r>
+              <a:rPr lang="de-CH" dirty="0" err="1"/>
+              <a:t>are</a:t>
+            </a:r>
+            <a:r>
+              <a:rPr lang="de-CH" dirty="0"/>
+              <a:t> </a:t>
+            </a:r>
+            <a:r>
+              <a:rPr lang="de-CH" dirty="0" err="1"/>
+              <a:t>better</a:t>
+            </a:r>
+            <a:r>
+              <a:rPr lang="de-CH" dirty="0"/>
+              <a:t> </a:t>
+            </a:r>
+            <a:r>
+              <a:rPr lang="de-CH" dirty="0" err="1"/>
+              <a:t>suited</a:t>
+            </a:r>
+            <a:r>
+              <a:rPr lang="de-CH" dirty="0"/>
+              <a:t> </a:t>
+            </a:r>
+            <a:r>
+              <a:rPr lang="de-CH" dirty="0" err="1"/>
+              <a:t>for</a:t>
             </a:r>
             <a:r>
               <a:rPr lang="de-CH" dirty="0"/>
@@ -4601,19 +4804,80 @@
             </a:r>
             <a:r>
               <a:rPr lang="de-CH" dirty="0"/>
-              <a:t> </a:t>
-            </a:r>
-            <a:r>
-              <a:rPr lang="de-CH" dirty="0" err="1"/>
-              <a:t>are</a:t>
-            </a:r>
-            <a:r>
-              <a:rPr lang="de-CH" dirty="0"/>
-              <a:t> </a:t>
-            </a:r>
-            <a:r>
-              <a:rPr lang="de-CH" dirty="0" err="1"/>
-              <a:t>easier</a:t>
+              <a:t>. </a:t>
+            </a:r>
+          </a:p>
+          <a:p>
+            <a:r>
+              <a:rPr lang="de-CH" dirty="0"/>
+              <a:t>Impact </a:t>
+            </a:r>
+            <a:r>
+              <a:rPr lang="de-CH" dirty="0" err="1"/>
+              <a:t>of</a:t>
+            </a:r>
+            <a:r>
+              <a:rPr lang="de-CH" dirty="0"/>
+              <a:t> Class Balance:</a:t>
+            </a:r>
+          </a:p>
+          <a:p>
+            <a:pPr lvl="1"/>
+            <a:r>
+              <a:rPr lang="de-CH" dirty="0"/>
+              <a:t>Random </a:t>
+            </a:r>
+            <a:r>
+              <a:rPr lang="de-CH" dirty="0" err="1"/>
+              <a:t>Fores</a:t>
+            </a:r>
+            <a:r>
+              <a:rPr lang="de-CH" dirty="0"/>
+              <a:t>: </a:t>
+            </a:r>
+            <a:r>
+              <a:rPr lang="de-CH" dirty="0" err="1"/>
+              <a:t>balance</a:t>
+            </a:r>
+            <a:r>
+              <a:rPr lang="de-CH" dirty="0"/>
+              <a:t> </a:t>
+            </a:r>
+            <a:r>
+              <a:rPr lang="de-CH" dirty="0" err="1"/>
+              <a:t>class</a:t>
+            </a:r>
+            <a:r>
+              <a:rPr lang="de-CH" dirty="0"/>
+              <a:t> </a:t>
+            </a:r>
+            <a:r>
+              <a:rPr lang="de-CH" dirty="0" err="1"/>
+              <a:t>weights</a:t>
+            </a:r>
+            <a:r>
+              <a:rPr lang="de-CH" dirty="0"/>
+              <a:t> in Random Forest </a:t>
+            </a:r>
+            <a:r>
+              <a:rPr lang="de-CH" dirty="0" err="1"/>
+              <a:t>models</a:t>
+            </a:r>
+            <a:r>
+              <a:rPr lang="de-CH" dirty="0"/>
+              <a:t> </a:t>
+            </a:r>
+            <a:r>
+              <a:rPr lang="de-CH" dirty="0" err="1"/>
+              <a:t>has</a:t>
+            </a:r>
+            <a:r>
+              <a:rPr lang="de-CH" dirty="0"/>
+              <a:t> </a:t>
+            </a:r>
+            <a:r>
+              <a:rPr lang="de-CH" dirty="0" err="1"/>
+              <a:t>led</a:t>
             </a:r>
             <a:r>
               <a:rPr lang="de-CH" dirty="0"/>
@@ -4625,43 +4889,302 @@
             </a:r>
             <a:r>
               <a:rPr lang="de-CH" dirty="0"/>
-              <a:t> </a:t>
-            </a:r>
-            <a:r>
-              <a:rPr lang="de-CH" dirty="0" err="1"/>
-              <a:t>predict</a:t>
-            </a:r>
-            <a:r>
-              <a:rPr lang="de-CH" dirty="0"/>
-              <a:t> </a:t>
-            </a:r>
-            <a:r>
-              <a:rPr lang="de-CH" dirty="0" err="1"/>
-              <a:t>than</a:t>
-            </a:r>
-            <a:r>
-              <a:rPr lang="de-CH" dirty="0"/>
-              <a:t> </a:t>
-            </a:r>
-            <a:r>
-              <a:rPr lang="de-CH" dirty="0" err="1"/>
-              <a:t>others</a:t>
-            </a:r>
-            <a:r>
-              <a:rPr lang="de-CH" dirty="0"/>
-              <a:t>, </a:t>
-            </a:r>
-            <a:r>
-              <a:rPr lang="de-CH" dirty="0" err="1"/>
-              <a:t>or</a:t>
-            </a:r>
-            <a:r>
-              <a:rPr lang="de-CH" dirty="0"/>
-              <a:t> </a:t>
-            </a:r>
-            <a:r>
-              <a:rPr lang="de-CH" dirty="0" err="1"/>
-              <a:t>that</a:t>
+              <a:t> a </a:t>
+            </a:r>
+            <a:r>
+              <a:rPr lang="de-CH" dirty="0" err="1"/>
+              <a:t>more</a:t>
+            </a:r>
+            <a:r>
+              <a:rPr lang="de-CH" dirty="0"/>
+              <a:t> uniform </a:t>
+            </a:r>
+            <a:r>
+              <a:rPr lang="de-CH" dirty="0" err="1"/>
+              <a:t>distribution</a:t>
+            </a:r>
+            <a:r>
+              <a:rPr lang="de-CH" dirty="0"/>
+              <a:t> </a:t>
+            </a:r>
+            <a:r>
+              <a:rPr lang="de-CH" dirty="0" err="1"/>
+              <a:t>of</a:t>
+            </a:r>
+            <a:r>
+              <a:rPr lang="de-CH" dirty="0"/>
+              <a:t> F1 </a:t>
+            </a:r>
+            <a:r>
+              <a:rPr lang="de-CH" dirty="0" err="1"/>
+              <a:t>scores</a:t>
+            </a:r>
+            <a:r>
+              <a:rPr lang="de-CH" dirty="0"/>
+              <a:t> </a:t>
+            </a:r>
+            <a:r>
+              <a:rPr lang="de-CH" dirty="0" err="1"/>
+              <a:t>across</a:t>
+            </a:r>
+            <a:r>
+              <a:rPr lang="de-CH" dirty="0"/>
+              <a:t> </a:t>
+            </a:r>
+            <a:r>
+              <a:rPr lang="de-CH" dirty="0" err="1"/>
+              <a:t>categories</a:t>
+            </a:r>
+            <a:r>
+              <a:rPr lang="de-CH" dirty="0"/>
+              <a:t> – positive </a:t>
+            </a:r>
+            <a:r>
+              <a:rPr lang="de-CH" dirty="0" err="1"/>
+              <a:t>impact</a:t>
+            </a:r>
+            <a:r>
+              <a:rPr lang="de-CH" dirty="0"/>
+              <a:t> </a:t>
+            </a:r>
+            <a:r>
+              <a:rPr lang="de-CH" dirty="0" err="1"/>
+              <a:t>of</a:t>
+            </a:r>
+            <a:r>
+              <a:rPr lang="de-CH" dirty="0"/>
+              <a:t> </a:t>
+            </a:r>
+            <a:r>
+              <a:rPr lang="de-CH" dirty="0" err="1"/>
+              <a:t>handling</a:t>
+            </a:r>
+            <a:r>
+              <a:rPr lang="de-CH" dirty="0"/>
+              <a:t> </a:t>
+            </a:r>
+            <a:r>
+              <a:rPr lang="de-CH" dirty="0" err="1"/>
+              <a:t>class</a:t>
+            </a:r>
+            <a:r>
+              <a:rPr lang="de-CH" dirty="0"/>
+              <a:t> </a:t>
+            </a:r>
+            <a:r>
+              <a:rPr lang="de-CH" dirty="0" err="1"/>
+              <a:t>imbalance</a:t>
+            </a:r>
+            <a:r>
+              <a:rPr lang="de-CH" dirty="0"/>
+              <a:t> </a:t>
+            </a:r>
+            <a:r>
+              <a:rPr lang="de-CH" dirty="0" err="1"/>
+              <a:t>for</a:t>
+            </a:r>
+            <a:r>
+              <a:rPr lang="de-CH" dirty="0"/>
+              <a:t> </a:t>
+            </a:r>
+            <a:r>
+              <a:rPr lang="de-CH" dirty="0" err="1"/>
+              <a:t>model</a:t>
+            </a:r>
+            <a:r>
+              <a:rPr lang="de-CH" dirty="0"/>
+              <a:t> </a:t>
+            </a:r>
+            <a:r>
+              <a:rPr lang="de-CH" dirty="0" err="1"/>
+              <a:t>performance</a:t>
+            </a:r>
+            <a:r>
+              <a:rPr lang="de-CH" dirty="0"/>
+              <a:t> </a:t>
+            </a:r>
+          </a:p>
+          <a:p>
+            <a:pPr lvl="1"/>
+            <a:r>
+              <a:rPr lang="de-CH" dirty="0"/>
+              <a:t>SVM:  </a:t>
+            </a:r>
+            <a:r>
+              <a:rPr lang="de-CH" dirty="0" err="1"/>
+              <a:t>Balanced</a:t>
+            </a:r>
+            <a:r>
+              <a:rPr lang="de-CH" dirty="0"/>
+              <a:t> </a:t>
+            </a:r>
+            <a:r>
+              <a:rPr lang="de-CH" dirty="0" err="1"/>
+              <a:t>class</a:t>
+            </a:r>
+            <a:r>
+              <a:rPr lang="de-CH" dirty="0"/>
+              <a:t> </a:t>
+            </a:r>
+            <a:r>
+              <a:rPr lang="de-CH" dirty="0" err="1"/>
+              <a:t>weights</a:t>
+            </a:r>
+            <a:r>
+              <a:rPr lang="de-CH" dirty="0"/>
+              <a:t> </a:t>
+            </a:r>
+            <a:r>
+              <a:rPr lang="de-CH" dirty="0" err="1"/>
+              <a:t>improved</a:t>
+            </a:r>
+            <a:r>
+              <a:rPr lang="de-CH" dirty="0"/>
+              <a:t> </a:t>
+            </a:r>
+            <a:r>
+              <a:rPr lang="de-CH" dirty="0" err="1"/>
+              <a:t>performance</a:t>
+            </a:r>
+            <a:r>
+              <a:rPr lang="de-CH" dirty="0"/>
+              <a:t> on </a:t>
+            </a:r>
+            <a:r>
+              <a:rPr lang="de-CH" dirty="0" err="1"/>
+              <a:t>several</a:t>
+            </a:r>
+            <a:r>
+              <a:rPr lang="de-CH" dirty="0"/>
+              <a:t> </a:t>
+            </a:r>
+            <a:r>
+              <a:rPr lang="de-CH" dirty="0" err="1"/>
+              <a:t>minority</a:t>
+            </a:r>
+            <a:r>
+              <a:rPr lang="de-CH" dirty="0"/>
+              <a:t> </a:t>
+            </a:r>
+            <a:r>
+              <a:rPr lang="de-CH" dirty="0" err="1"/>
+              <a:t>classes</a:t>
+            </a:r>
+            <a:endParaRPr lang="de-CH" dirty="0"/>
+          </a:p>
+          <a:p>
+            <a:pPr lvl="1"/>
+            <a:r>
+              <a:rPr lang="de-CH" dirty="0"/>
+              <a:t>NV and </a:t>
+            </a:r>
+            <a:r>
+              <a:rPr lang="de-CH" dirty="0" err="1"/>
+              <a:t>XGBoost</a:t>
+            </a:r>
+            <a:r>
+              <a:rPr lang="de-CH" dirty="0"/>
+              <a:t>: These </a:t>
+            </a:r>
+            <a:r>
+              <a:rPr lang="de-CH" dirty="0" err="1"/>
+              <a:t>models</a:t>
+            </a:r>
+            <a:r>
+              <a:rPr lang="de-CH" dirty="0"/>
+              <a:t> do not </a:t>
+            </a:r>
+            <a:r>
+              <a:rPr lang="de-CH" dirty="0" err="1"/>
+              <a:t>inherently</a:t>
+            </a:r>
+            <a:r>
+              <a:rPr lang="de-CH" dirty="0"/>
+              <a:t> support </a:t>
+            </a:r>
+            <a:r>
+              <a:rPr lang="de-CH" dirty="0" err="1"/>
+              <a:t>class</a:t>
+            </a:r>
+            <a:r>
+              <a:rPr lang="de-CH" dirty="0"/>
+              <a:t> </a:t>
+            </a:r>
+            <a:r>
+              <a:rPr lang="de-CH" dirty="0" err="1"/>
+              <a:t>weights</a:t>
+            </a:r>
+            <a:r>
+              <a:rPr lang="de-CH" dirty="0"/>
+              <a:t> and </a:t>
+            </a:r>
+            <a:r>
+              <a:rPr lang="de-CH" dirty="0" err="1"/>
+              <a:t>show</a:t>
+            </a:r>
+            <a:r>
+              <a:rPr lang="de-CH" dirty="0"/>
+              <a:t> </a:t>
+            </a:r>
+            <a:r>
+              <a:rPr lang="de-CH" dirty="0" err="1"/>
+              <a:t>more</a:t>
+            </a:r>
+            <a:r>
+              <a:rPr lang="de-CH" dirty="0"/>
+              <a:t> </a:t>
+            </a:r>
+            <a:r>
+              <a:rPr lang="de-CH" dirty="0" err="1"/>
+              <a:t>disparity</a:t>
+            </a:r>
+            <a:r>
+              <a:rPr lang="de-CH" dirty="0"/>
+              <a:t> in </a:t>
+            </a:r>
+            <a:r>
+              <a:rPr lang="de-CH" dirty="0" err="1"/>
+              <a:t>performance</a:t>
+            </a:r>
+            <a:r>
+              <a:rPr lang="de-CH" dirty="0"/>
+              <a:t> </a:t>
+            </a:r>
+            <a:r>
+              <a:rPr lang="de-CH" dirty="0" err="1"/>
+              <a:t>across</a:t>
+            </a:r>
+            <a:r>
+              <a:rPr lang="de-CH" dirty="0"/>
+              <a:t> </a:t>
+            </a:r>
+            <a:r>
+              <a:rPr lang="de-CH" dirty="0" err="1"/>
+              <a:t>categories</a:t>
+            </a:r>
+            <a:r>
+              <a:rPr lang="de-CH" dirty="0"/>
+              <a:t>. NV </a:t>
+            </a:r>
+            <a:r>
+              <a:rPr lang="de-CH" dirty="0" err="1"/>
+              <a:t>struggles</a:t>
+            </a:r>
+            <a:r>
+              <a:rPr lang="de-CH" dirty="0"/>
+              <a:t> </a:t>
+            </a:r>
+            <a:r>
+              <a:rPr lang="de-CH" dirty="0" err="1"/>
+              <a:t>more</a:t>
+            </a:r>
+            <a:r>
+              <a:rPr lang="de-CH" dirty="0"/>
+              <a:t> </a:t>
+            </a:r>
+            <a:r>
+              <a:rPr lang="de-CH" dirty="0" err="1"/>
+              <a:t>with</a:t>
             </a:r>
             <a:r>
               <a:rPr lang="de-CH" dirty="0"/>
@@ -4677,99 +5200,6 @@
             </a:r>
             <a:r>
               <a:rPr lang="de-CH" dirty="0" err="1"/>
-              <a:t>models</a:t>
-            </a:r>
-            <a:r>
-              <a:rPr lang="de-CH" dirty="0"/>
-              <a:t> </a:t>
-            </a:r>
-            <a:r>
-              <a:rPr lang="de-CH" dirty="0" err="1"/>
-              <a:t>are</a:t>
-            </a:r>
-            <a:r>
-              <a:rPr lang="de-CH" dirty="0"/>
-              <a:t> </a:t>
-            </a:r>
-            <a:r>
-              <a:rPr lang="de-CH" dirty="0" err="1"/>
-              <a:t>better</a:t>
-            </a:r>
-            <a:r>
-              <a:rPr lang="de-CH" dirty="0"/>
-              <a:t> </a:t>
-            </a:r>
-            <a:r>
-              <a:rPr lang="de-CH" dirty="0" err="1"/>
-              <a:t>suited</a:t>
-            </a:r>
-            <a:r>
-              <a:rPr lang="de-CH" dirty="0"/>
-              <a:t> </a:t>
-            </a:r>
-            <a:r>
-              <a:rPr lang="de-CH" dirty="0" err="1"/>
-              <a:t>for</a:t>
-            </a:r>
-            <a:r>
-              <a:rPr lang="de-CH" dirty="0"/>
-              <a:t> </a:t>
-            </a:r>
-            <a:r>
-              <a:rPr lang="de-CH" dirty="0" err="1"/>
-              <a:t>some</a:t>
-            </a:r>
-            <a:r>
-              <a:rPr lang="de-CH" dirty="0"/>
-              <a:t> </a:t>
-            </a:r>
-            <a:r>
-              <a:rPr lang="de-CH" dirty="0" err="1"/>
-              <a:t>categories</a:t>
-            </a:r>
-            <a:r>
-              <a:rPr lang="de-CH" dirty="0"/>
-              <a:t>. </a:t>
-            </a:r>
-          </a:p>
-          <a:p>
-            <a:r>
-              <a:rPr lang="de-CH" dirty="0"/>
-              <a:t>Impact </a:t>
-            </a:r>
-            <a:r>
-              <a:rPr lang="de-CH" dirty="0" err="1"/>
-              <a:t>of</a:t>
-            </a:r>
-            <a:r>
-              <a:rPr lang="de-CH" dirty="0"/>
-              <a:t> Class Balance:</a:t>
-            </a:r>
-          </a:p>
-          <a:p>
-            <a:pPr lvl="1"/>
-            <a:r>
-              <a:rPr lang="de-CH" dirty="0"/>
-              <a:t>Random </a:t>
-            </a:r>
-            <a:r>
-              <a:rPr lang="de-CH" dirty="0" err="1"/>
-              <a:t>Fores</a:t>
-            </a:r>
-            <a:r>
-              <a:rPr lang="de-CH" dirty="0"/>
-              <a:t>: </a:t>
-            </a:r>
-            <a:r>
-              <a:rPr lang="de-CH" dirty="0" err="1"/>
-              <a:t>balance</a:t>
-            </a:r>
-            <a:r>
-              <a:rPr lang="de-CH" dirty="0"/>
-              <a:t> </a:t>
-            </a:r>
-            <a:r>
-              <a:rPr lang="de-CH" dirty="0" err="1"/>
               <a:t>class</a:t>
             </a:r>
             <a:r>
@@ -4778,43 +5208,27 @@
             </a:r>
             <a:r>
               <a:rPr lang="de-CH" dirty="0" err="1"/>
-              <a:t>weights</a:t>
-            </a:r>
-            <a:r>
-              <a:rPr lang="de-CH" dirty="0"/>
-              <a:t> in Random Forest </a:t>
-            </a:r>
-            <a:r>
-              <a:rPr lang="de-CH" dirty="0" err="1"/>
-              <a:t>models</a:t>
-            </a:r>
-            <a:r>
-              <a:rPr lang="de-CH" dirty="0"/>
-              <a:t> </a:t>
-            </a:r>
-            <a:r>
-              <a:rPr lang="de-CH" dirty="0" err="1"/>
-              <a:t>has</a:t>
-            </a:r>
-            <a:r>
-              <a:rPr lang="de-CH" dirty="0"/>
-              <a:t> </a:t>
-            </a:r>
-            <a:r>
-              <a:rPr lang="de-CH" dirty="0" err="1"/>
-              <a:t>led</a:t>
-            </a:r>
-            <a:r>
-              <a:rPr lang="de-CH" dirty="0"/>
-              <a:t> </a:t>
-            </a:r>
-            <a:r>
-              <a:rPr lang="de-CH" dirty="0" err="1"/>
-              <a:t>to</a:t>
-            </a:r>
-            <a:r>
-              <a:rPr lang="de-CH" dirty="0"/>
-              <a:t> a </a:t>
+              <a:t>imbalance</a:t>
+            </a:r>
+            <a:r>
+              <a:rPr lang="de-CH" dirty="0"/>
+              <a:t> </a:t>
+            </a:r>
+            <a:r>
+              <a:rPr lang="de-CH" dirty="0" err="1"/>
+              <a:t>gradient</a:t>
+            </a:r>
+            <a:r>
+              <a:rPr lang="de-CH" dirty="0"/>
+              <a:t> boost </a:t>
+            </a:r>
+            <a:r>
+              <a:rPr lang="de-CH" dirty="0" err="1"/>
+              <a:t>is</a:t>
+            </a:r>
+            <a:r>
+              <a:rPr lang="de-CH" dirty="0"/>
+              <a:t> </a:t>
             </a:r>
             <a:r>
               <a:rPr lang="de-CH" dirty="0" err="1"/>
@@ -4822,385 +5236,14 @@
             </a:r>
             <a:r>
               <a:rPr lang="de-CH" dirty="0"/>
-              <a:t> uniform </a:t>
-            </a:r>
-            <a:r>
-              <a:rPr lang="de-CH" dirty="0" err="1"/>
-              <a:t>distribution</a:t>
-            </a:r>
-            <a:r>
-              <a:rPr lang="de-CH" dirty="0"/>
-              <a:t> </a:t>
-            </a:r>
-            <a:r>
-              <a:rPr lang="de-CH" dirty="0" err="1"/>
-              <a:t>of</a:t>
-            </a:r>
-            <a:r>
-              <a:rPr lang="de-CH" dirty="0"/>
-              <a:t> F1 </a:t>
-            </a:r>
-            <a:r>
-              <a:rPr lang="de-CH" dirty="0" err="1"/>
-              <a:t>scores</a:t>
-            </a:r>
-            <a:r>
-              <a:rPr lang="de-CH" dirty="0"/>
-              <a:t> </a:t>
-            </a:r>
-            <a:r>
-              <a:rPr lang="de-CH" dirty="0" err="1"/>
-              <a:t>across</a:t>
-            </a:r>
-            <a:r>
-              <a:rPr lang="de-CH" dirty="0"/>
-              <a:t> </a:t>
-            </a:r>
-            <a:r>
-              <a:rPr lang="de-CH" dirty="0" err="1"/>
-              <a:t>categories</a:t>
-            </a:r>
-            <a:r>
-              <a:rPr lang="de-CH" dirty="0"/>
-              <a:t> – positive </a:t>
-            </a:r>
-            <a:r>
-              <a:rPr lang="de-CH" dirty="0" err="1"/>
-              <a:t>impact</a:t>
-            </a:r>
-            <a:r>
-              <a:rPr lang="de-CH" dirty="0"/>
-              <a:t> </a:t>
-            </a:r>
-            <a:r>
-              <a:rPr lang="de-CH" dirty="0" err="1"/>
-              <a:t>of</a:t>
-            </a:r>
-            <a:r>
-              <a:rPr lang="de-CH" dirty="0"/>
-              <a:t> </a:t>
-            </a:r>
-            <a:r>
-              <a:rPr lang="de-CH" dirty="0" err="1"/>
-              <a:t>handling</a:t>
-            </a:r>
-            <a:r>
-              <a:rPr lang="de-CH" dirty="0"/>
-              <a:t> </a:t>
-            </a:r>
-            <a:r>
-              <a:rPr lang="de-CH" dirty="0" err="1"/>
-              <a:t>class</a:t>
-            </a:r>
-            <a:r>
-              <a:rPr lang="de-CH" dirty="0"/>
-              <a:t> </a:t>
-            </a:r>
-            <a:r>
-              <a:rPr lang="de-CH" dirty="0" err="1"/>
-              <a:t>imbalance</a:t>
-            </a:r>
-            <a:r>
-              <a:rPr lang="de-CH" dirty="0"/>
-              <a:t> </a:t>
-            </a:r>
-            <a:r>
-              <a:rPr lang="de-CH" dirty="0" err="1"/>
-              <a:t>for</a:t>
-            </a:r>
-            <a:r>
-              <a:rPr lang="de-CH" dirty="0"/>
-              <a:t> </a:t>
-            </a:r>
-            <a:r>
-              <a:rPr lang="de-CH" dirty="0" err="1"/>
-              <a:t>model</a:t>
-            </a:r>
-            <a:r>
-              <a:rPr lang="de-CH" dirty="0"/>
-              <a:t> </a:t>
-            </a:r>
-            <a:r>
-              <a:rPr lang="de-CH" dirty="0" err="1"/>
-              <a:t>performance</a:t>
-            </a:r>
-            <a:r>
-              <a:rPr lang="de-CH" dirty="0"/>
-              <a:t> </a:t>
-            </a:r>
-          </a:p>
-          <a:p>
-            <a:pPr lvl="1"/>
-            <a:r>
-              <a:rPr lang="de-CH" dirty="0"/>
-              <a:t>SVM:  </a:t>
-            </a:r>
-            <a:r>
-              <a:rPr lang="de-CH" dirty="0" err="1"/>
-              <a:t>Balanced</a:t>
-            </a:r>
-            <a:r>
-              <a:rPr lang="de-CH" dirty="0"/>
-              <a:t> </a:t>
-            </a:r>
-            <a:r>
-              <a:rPr lang="de-CH" dirty="0" err="1"/>
-              <a:t>class</a:t>
-            </a:r>
-            <a:r>
-              <a:rPr lang="de-CH" dirty="0"/>
-              <a:t> </a:t>
-            </a:r>
-            <a:r>
-              <a:rPr lang="de-CH" dirty="0" err="1"/>
-              <a:t>weights</a:t>
-            </a:r>
-            <a:r>
-              <a:rPr lang="de-CH" dirty="0"/>
-              <a:t> </a:t>
-            </a:r>
-            <a:r>
-              <a:rPr lang="de-CH" dirty="0" err="1"/>
-              <a:t>improved</a:t>
-            </a:r>
-            <a:r>
-              <a:rPr lang="de-CH" dirty="0"/>
-              <a:t> </a:t>
-            </a:r>
-            <a:r>
-              <a:rPr lang="de-CH" dirty="0" err="1"/>
-              <a:t>performance</a:t>
-            </a:r>
-            <a:r>
-              <a:rPr lang="de-CH" dirty="0"/>
-              <a:t> on </a:t>
-            </a:r>
-            <a:r>
-              <a:rPr lang="de-CH" dirty="0" err="1"/>
-              <a:t>several</a:t>
-            </a:r>
-            <a:r>
-              <a:rPr lang="de-CH" dirty="0"/>
-              <a:t> </a:t>
-            </a:r>
-            <a:r>
-              <a:rPr lang="de-CH" dirty="0" err="1"/>
-              <a:t>minority</a:t>
-            </a:r>
-            <a:r>
-              <a:rPr lang="de-CH" dirty="0"/>
-              <a:t> </a:t>
-            </a:r>
-            <a:r>
-              <a:rPr lang="de-CH" dirty="0" err="1"/>
-              <a:t>classes</a:t>
-            </a:r>
+              <a:t> robust. </a:t>
+            </a:r>
+          </a:p>
+          <a:p>
+            <a:pPr marL="324000" lvl="1" indent="0">
+              <a:buNone/>
+            </a:pPr>
             <a:endParaRPr lang="de-CH" dirty="0"/>
-          </a:p>
-          <a:p>
-            <a:pPr lvl="1"/>
-            <a:r>
-              <a:rPr lang="de-CH" dirty="0"/>
-              <a:t>NV and </a:t>
-            </a:r>
-            <a:r>
-              <a:rPr lang="de-CH" dirty="0" err="1"/>
-              <a:t>XGBoost</a:t>
-            </a:r>
-            <a:r>
-              <a:rPr lang="de-CH" dirty="0"/>
-              <a:t>: These </a:t>
-            </a:r>
-            <a:r>
-              <a:rPr lang="de-CH" dirty="0" err="1"/>
-              <a:t>models</a:t>
-            </a:r>
-            <a:r>
-              <a:rPr lang="de-CH" dirty="0"/>
-              <a:t> do not </a:t>
-            </a:r>
-            <a:r>
-              <a:rPr lang="de-CH" dirty="0" err="1"/>
-              <a:t>inherently</a:t>
-            </a:r>
-            <a:r>
-              <a:rPr lang="de-CH" dirty="0"/>
-              <a:t> support </a:t>
-            </a:r>
-            <a:r>
-              <a:rPr lang="de-CH" dirty="0" err="1"/>
-              <a:t>class</a:t>
-            </a:r>
-            <a:r>
-              <a:rPr lang="de-CH" dirty="0"/>
-              <a:t> </a:t>
-            </a:r>
-            <a:r>
-              <a:rPr lang="de-CH" dirty="0" err="1"/>
-              <a:t>weights</a:t>
-            </a:r>
-            <a:r>
-              <a:rPr lang="de-CH" dirty="0"/>
-              <a:t> and </a:t>
-            </a:r>
-            <a:r>
-              <a:rPr lang="de-CH" dirty="0" err="1"/>
-              <a:t>show</a:t>
-            </a:r>
-            <a:r>
-              <a:rPr lang="de-CH" dirty="0"/>
-              <a:t> </a:t>
-            </a:r>
-            <a:r>
-              <a:rPr lang="de-CH" dirty="0" err="1"/>
-              <a:t>more</a:t>
-            </a:r>
-            <a:r>
-              <a:rPr lang="de-CH" dirty="0"/>
-              <a:t> </a:t>
-            </a:r>
-            <a:r>
-              <a:rPr lang="de-CH" dirty="0" err="1"/>
-              <a:t>disparity</a:t>
-            </a:r>
-            <a:r>
-              <a:rPr lang="de-CH" dirty="0"/>
-              <a:t> in </a:t>
-            </a:r>
-            <a:r>
-              <a:rPr lang="de-CH" dirty="0" err="1"/>
-              <a:t>performance</a:t>
-            </a:r>
-            <a:r>
-              <a:rPr lang="de-CH" dirty="0"/>
-              <a:t> </a:t>
-            </a:r>
-            <a:r>
-              <a:rPr lang="de-CH" dirty="0" err="1"/>
-              <a:t>across</a:t>
-            </a:r>
-            <a:r>
-              <a:rPr lang="de-CH" dirty="0"/>
-              <a:t> </a:t>
-            </a:r>
-            <a:r>
-              <a:rPr lang="de-CH" dirty="0" err="1"/>
-              <a:t>categories</a:t>
-            </a:r>
-            <a:r>
-              <a:rPr lang="de-CH" dirty="0"/>
-              <a:t>. NV </a:t>
-            </a:r>
-            <a:r>
-              <a:rPr lang="de-CH" dirty="0" err="1"/>
-              <a:t>struggles</a:t>
-            </a:r>
-            <a:r>
-              <a:rPr lang="de-CH" dirty="0"/>
-              <a:t> </a:t>
-            </a:r>
-            <a:r>
-              <a:rPr lang="de-CH" dirty="0" err="1"/>
-              <a:t>more</a:t>
-            </a:r>
-            <a:r>
-              <a:rPr lang="de-CH" dirty="0"/>
-              <a:t> </a:t>
-            </a:r>
-            <a:r>
-              <a:rPr lang="de-CH" dirty="0" err="1"/>
-              <a:t>with</a:t>
-            </a:r>
-            <a:r>
-              <a:rPr lang="de-CH" dirty="0"/>
-              <a:t> </a:t>
-            </a:r>
-            <a:r>
-              <a:rPr lang="de-CH" dirty="0" err="1"/>
-              <a:t>the</a:t>
-            </a:r>
-            <a:r>
-              <a:rPr lang="de-CH" dirty="0"/>
-              <a:t> </a:t>
-            </a:r>
-            <a:r>
-              <a:rPr lang="de-CH" dirty="0" err="1"/>
-              <a:t>class</a:t>
-            </a:r>
-            <a:r>
-              <a:rPr lang="de-CH" dirty="0"/>
-              <a:t> </a:t>
-            </a:r>
-            <a:r>
-              <a:rPr lang="de-CH" dirty="0" err="1"/>
-              <a:t>imbalance</a:t>
-            </a:r>
-            <a:r>
-              <a:rPr lang="de-CH" dirty="0"/>
-              <a:t> </a:t>
-            </a:r>
-            <a:r>
-              <a:rPr lang="de-CH" dirty="0" err="1"/>
-              <a:t>gradient</a:t>
-            </a:r>
-            <a:r>
-              <a:rPr lang="de-CH" dirty="0"/>
-              <a:t> boost </a:t>
-            </a:r>
-            <a:r>
-              <a:rPr lang="de-CH" dirty="0" err="1"/>
-              <a:t>is</a:t>
-            </a:r>
-            <a:r>
-              <a:rPr lang="de-CH" dirty="0"/>
-              <a:t> </a:t>
-            </a:r>
-            <a:r>
-              <a:rPr lang="de-CH" dirty="0" err="1"/>
-              <a:t>more</a:t>
-            </a:r>
-            <a:r>
-              <a:rPr lang="de-CH" dirty="0"/>
-              <a:t> robust. </a:t>
-            </a:r>
-          </a:p>
-          <a:p>
-            <a:r>
-              <a:rPr lang="de-CH" dirty="0"/>
-              <a:t>Random Forest </a:t>
-            </a:r>
-            <a:r>
-              <a:rPr lang="de-CH" dirty="0" err="1"/>
-              <a:t>with</a:t>
-            </a:r>
-            <a:r>
-              <a:rPr lang="de-CH" dirty="0"/>
-              <a:t> </a:t>
-            </a:r>
-            <a:r>
-              <a:rPr lang="de-CH" dirty="0" err="1"/>
-              <a:t>balanced</a:t>
-            </a:r>
-            <a:r>
-              <a:rPr lang="de-CH" dirty="0"/>
-              <a:t> </a:t>
-            </a:r>
-            <a:r>
-              <a:rPr lang="de-CH" dirty="0" err="1"/>
-              <a:t>weights</a:t>
-            </a:r>
-            <a:r>
-              <a:rPr lang="de-CH" dirty="0"/>
-              <a:t> </a:t>
-            </a:r>
-            <a:r>
-              <a:rPr lang="de-CH" dirty="0" err="1"/>
-              <a:t>appears</a:t>
-            </a:r>
-            <a:r>
-              <a:rPr lang="de-CH"/>
-              <a:t> </a:t>
-            </a:r>
           </a:p>
         </p:txBody>
       </p:sp>
@@ -5261,7 +5304,7 @@
             </a:r>
             <a:r>
               <a:rPr lang="de-CH" dirty="0"/>
-              <a:t> Models (Task 3) </a:t>
+              <a:t> Models (Task 3 / Project) </a:t>
             </a:r>
           </a:p>
         </p:txBody>
@@ -5386,6 +5429,13 @@
             <a:r>
               <a:rPr lang="en-US" dirty="0"/>
               <a:t> for comprehensive label prediction.</a:t>
+            </a:r>
+          </a:p>
+          <a:p>
+            <a:pPr lvl="2"/>
+            <a:r>
+              <a:rPr lang="en-US" dirty="0"/>
+              <a:t>Llama2 can be used for pre-annotations – automated data labeling </a:t>
             </a:r>
             <a:endParaRPr lang="de-CH" dirty="0"/>
           </a:p>
@@ -5467,18 +5517,7 @@
           <a:bodyPr/>
           <a:lstStyle/>
           <a:p>
-            <a:r>
-              <a:rPr lang="de-CH" dirty="0"/>
-              <a:t>Evaluation </a:t>
-            </a:r>
-            <a:r>
-              <a:rPr lang="de-CH" dirty="0" err="1"/>
-              <a:t>Metrics</a:t>
-            </a:r>
-            <a:r>
-              <a:rPr lang="de-CH" dirty="0"/>
-              <a:t> </a:t>
-            </a:r>
+            <a:endParaRPr lang="de-CH" dirty="0"/>
           </a:p>
         </p:txBody>
       </p:sp>
@@ -5503,20 +5542,7 @@
           <a:bodyPr/>
           <a:lstStyle/>
           <a:p>
-            <a:r>
-              <a:rPr lang="en-US" dirty="0"/>
-              <a:t>Primary Metric:    F1-scores, balancing precision and recall for a holistic performance view</a:t>
-            </a:r>
-          </a:p>
-          <a:p>
-            <a:r>
-              <a:rPr lang="en-US" dirty="0"/>
-              <a:t>Importance:   F1-score is crucial for datasets with imbalanced classes, common in medical texts.</a:t>
-            </a:r>
-            <a:r>
-              <a:rPr lang="de-CH" dirty="0"/>
-              <a:t> </a:t>
-            </a:r>
+            <a:endParaRPr lang="de-CH" dirty="0"/>
           </a:p>
         </p:txBody>
       </p:sp>
@@ -6288,7 +6314,7 @@
                   <a:schemeClr val="tx2"/>
                 </a:solidFill>
               </a:rPr>
-              <a:t> Multi-Label </a:t>
+              <a:t> Multi-Label - most text have at least 2 labels  </a:t>
             </a:r>
           </a:p>
           <a:p>
@@ -6312,7 +6338,7 @@
                   <a:schemeClr val="tx2"/>
                 </a:solidFill>
               </a:rPr>
-              <a:t> Medical transcriptions for various medical specialties </a:t>
+              <a:t> Medical transcriptions for various medical specialties</a:t>
             </a:r>
           </a:p>
         </p:txBody>
@@ -6540,7 +6566,15 @@
             </a:r>
             <a:r>
               <a:rPr lang="de-CH" dirty="0"/>
-              <a:t> Methods </a:t>
+              <a:t> </a:t>
+            </a:r>
+            <a:r>
+              <a:rPr lang="de-CH" dirty="0" err="1"/>
+              <a:t>methods</a:t>
+            </a:r>
+            <a:r>
+              <a:rPr lang="de-CH" dirty="0"/>
+              <a:t> </a:t>
             </a:r>
             <a:r>
               <a:rPr lang="de-CH" dirty="0" err="1"/>
@@ -6586,10 +6620,100 @@
               <a:rPr lang="de-CH" dirty="0" err="1"/>
               <a:t>assessment</a:t>
             </a:r>
-            <a:r>
-              <a:rPr lang="de-CH" dirty="0"/>
-              <a:t> </a:t>
-            </a:r>
+            <a:endParaRPr lang="de-CH" dirty="0"/>
+          </a:p>
+          <a:p>
+            <a:r>
+              <a:rPr lang="de-CH" dirty="0" err="1"/>
+              <a:t>Comparing</a:t>
+            </a:r>
+            <a:r>
+              <a:rPr lang="de-CH" dirty="0"/>
+              <a:t> </a:t>
+            </a:r>
+            <a:r>
+              <a:rPr lang="de-CH" dirty="0" err="1"/>
+              <a:t>advanced</a:t>
+            </a:r>
+            <a:r>
+              <a:rPr lang="de-CH" dirty="0"/>
+              <a:t> </a:t>
+            </a:r>
+            <a:r>
+              <a:rPr lang="de-CH" dirty="0" err="1"/>
+              <a:t>models</a:t>
+            </a:r>
+            <a:r>
+              <a:rPr lang="de-CH" dirty="0"/>
+              <a:t> </a:t>
+            </a:r>
+            <a:r>
+              <a:rPr lang="de-CH" dirty="0" err="1"/>
+              <a:t>to</a:t>
+            </a:r>
+            <a:r>
+              <a:rPr lang="de-CH" dirty="0"/>
+              <a:t> simpler </a:t>
+            </a:r>
+            <a:r>
+              <a:rPr lang="de-CH" dirty="0" err="1"/>
+              <a:t>machine</a:t>
+            </a:r>
+            <a:r>
+              <a:rPr lang="de-CH" dirty="0"/>
+              <a:t> </a:t>
+            </a:r>
+            <a:r>
+              <a:rPr lang="de-CH" dirty="0" err="1"/>
+              <a:t>learning</a:t>
+            </a:r>
+            <a:r>
+              <a:rPr lang="de-CH" dirty="0"/>
+              <a:t> </a:t>
+            </a:r>
+            <a:r>
+              <a:rPr lang="de-CH" dirty="0" err="1"/>
+              <a:t>models</a:t>
+            </a:r>
+            <a:r>
+              <a:rPr lang="de-CH" dirty="0"/>
+              <a:t> </a:t>
+            </a:r>
+            <a:r>
+              <a:rPr lang="de-CH" dirty="0" err="1"/>
+              <a:t>to</a:t>
+            </a:r>
+            <a:r>
+              <a:rPr lang="de-CH" dirty="0"/>
+              <a:t> </a:t>
+            </a:r>
+            <a:r>
+              <a:rPr lang="de-CH" dirty="0" err="1"/>
+              <a:t>evaluate</a:t>
+            </a:r>
+            <a:r>
+              <a:rPr lang="de-CH" dirty="0"/>
+              <a:t> </a:t>
+            </a:r>
+            <a:r>
+              <a:rPr lang="de-CH" dirty="0" err="1"/>
+              <a:t>improvements</a:t>
+            </a:r>
+            <a:r>
+              <a:rPr lang="de-CH" dirty="0"/>
+              <a:t>. </a:t>
+            </a:r>
+          </a:p>
+          <a:p>
+            <a:r>
+              <a:rPr lang="de-CH" dirty="0"/>
+              <a:t> </a:t>
+            </a:r>
+            <a:r>
+              <a:rPr lang="en-US" dirty="0"/>
+              <a:t>Primary Metric: F1-scores, balancing precision and recall for a holistic performance view.  F1-score crucial for datasets with imbalanced classes.</a:t>
+            </a:r>
+            <a:endParaRPr lang="de-CH" dirty="0"/>
           </a:p>
         </p:txBody>
       </p:sp>
@@ -7039,11 +7163,99 @@
             <a:pPr lvl="2"/>
             <a:r>
               <a:rPr lang="de-DE" dirty="0" err="1"/>
-              <a:t>Oversampling</a:t>
+              <a:t>Balancing</a:t>
             </a:r>
             <a:r>
               <a:rPr lang="de-DE" dirty="0"/>
-              <a:t>  </a:t>
+              <a:t> </a:t>
+            </a:r>
+            <a:r>
+              <a:rPr lang="de-DE" dirty="0" err="1"/>
+              <a:t>dataset</a:t>
+            </a:r>
+            <a:r>
+              <a:rPr lang="de-DE" dirty="0"/>
+              <a:t> (</a:t>
+            </a:r>
+            <a:r>
+              <a:rPr lang="de-DE" dirty="0" err="1"/>
+              <a:t>model</a:t>
+            </a:r>
+            <a:r>
+              <a:rPr lang="de-DE" dirty="0"/>
+              <a:t> </a:t>
+            </a:r>
+            <a:r>
+              <a:rPr lang="de-DE" dirty="0" err="1"/>
+              <a:t>specific</a:t>
+            </a:r>
+            <a:r>
+              <a:rPr lang="de-DE" dirty="0"/>
+              <a:t>, </a:t>
+            </a:r>
+            <a:r>
+              <a:rPr lang="de-DE" dirty="0" err="1"/>
+              <a:t>can‘t</a:t>
+            </a:r>
+            <a:r>
+              <a:rPr lang="de-DE" dirty="0"/>
+              <a:t> </a:t>
+            </a:r>
+            <a:r>
+              <a:rPr lang="de-DE" dirty="0" err="1"/>
+              <a:t>be</a:t>
+            </a:r>
+            <a:r>
+              <a:rPr lang="de-DE" dirty="0"/>
+              <a:t> </a:t>
+            </a:r>
+            <a:r>
+              <a:rPr lang="de-DE" dirty="0" err="1"/>
+              <a:t>done</a:t>
+            </a:r>
+            <a:r>
+              <a:rPr lang="de-DE" dirty="0"/>
+              <a:t> </a:t>
+            </a:r>
+            <a:r>
+              <a:rPr lang="de-DE" dirty="0" err="1"/>
+              <a:t>for</a:t>
+            </a:r>
+            <a:r>
+              <a:rPr lang="de-DE" dirty="0"/>
+              <a:t> </a:t>
+            </a:r>
+            <a:r>
+              <a:rPr lang="de-DE" dirty="0" err="1"/>
+              <a:t>every</a:t>
+            </a:r>
+            <a:r>
+              <a:rPr lang="de-DE" dirty="0"/>
+              <a:t> </a:t>
+            </a:r>
+            <a:r>
+              <a:rPr lang="de-DE" dirty="0" err="1"/>
+              <a:t>model</a:t>
+            </a:r>
+            <a:r>
+              <a:rPr lang="de-DE" dirty="0"/>
+              <a:t> in a </a:t>
+            </a:r>
+            <a:r>
+              <a:rPr lang="de-DE" dirty="0" err="1"/>
+              <a:t>multilabel</a:t>
+            </a:r>
+            <a:r>
+              <a:rPr lang="de-DE" dirty="0"/>
+              <a:t> </a:t>
+            </a:r>
+            <a:r>
+              <a:rPr lang="de-DE" dirty="0" err="1"/>
+              <a:t>setting</a:t>
+            </a:r>
+            <a:r>
+              <a:rPr lang="de-DE" dirty="0"/>
+              <a:t> )  </a:t>
             </a:r>
           </a:p>
         </p:txBody>

--- a/presentations/Final Presentation.pptx
+++ b/presentations/Final Presentation.pptx
@@ -16,8 +16,12 @@
     <p:sldId id="268" r:id="rId10"/>
     <p:sldId id="269" r:id="rId11"/>
     <p:sldId id="270" r:id="rId12"/>
-    <p:sldId id="261" r:id="rId13"/>
+    <p:sldId id="271" r:id="rId13"/>
     <p:sldId id="262" r:id="rId14"/>
+    <p:sldId id="273" r:id="rId15"/>
+    <p:sldId id="274" r:id="rId16"/>
+    <p:sldId id="272" r:id="rId17"/>
+    <p:sldId id="275" r:id="rId18"/>
   </p:sldIdLst>
   <p:sldSz cx="12192000" cy="6858000"/>
   <p:notesSz cx="6858000" cy="9144000"/>
@@ -812,7 +816,7 @@
             <a:fld id="{B61BEF0D-F0BB-DE4B-95CE-6DB70DBA9567}" type="datetimeFigureOut">
               <a:rPr lang="en-US" dirty="0"/>
               <a:pPr/>
-              <a:t>12/19/2023</a:t>
+              <a:t>12/19/23</a:t>
             </a:fld>
             <a:endParaRPr lang="en-US" dirty="0"/>
           </a:p>
@@ -887,7 +891,7 @@
             <a:fld id="{D57F1E4F-1CFF-5643-939E-217C01CDF565}" type="slidenum">
               <a:rPr lang="en-US" dirty="0"/>
               <a:pPr/>
-              <a:t>‹Nr.›</a:t>
+              <a:t>‹#›</a:t>
             </a:fld>
             <a:endParaRPr lang="en-US" dirty="0"/>
           </a:p>
@@ -1071,7 +1075,7 @@
             <a:fld id="{B61BEF0D-F0BB-DE4B-95CE-6DB70DBA9567}" type="datetimeFigureOut">
               <a:rPr lang="en-US" dirty="0"/>
               <a:pPr/>
-              <a:t>12/19/2023</a:t>
+              <a:t>12/19/23</a:t>
             </a:fld>
             <a:endParaRPr lang="en-US" dirty="0"/>
           </a:p>
@@ -1114,7 +1118,7 @@
             <a:fld id="{D57F1E4F-1CFF-5643-939E-217C01CDF565}" type="slidenum">
               <a:rPr lang="en-US" dirty="0"/>
               <a:pPr/>
-              <a:t>‹Nr.›</a:t>
+              <a:t>‹#›</a:t>
             </a:fld>
             <a:endParaRPr lang="en-US" dirty="0"/>
           </a:p>
@@ -1303,7 +1307,7 @@
             <a:fld id="{B61BEF0D-F0BB-DE4B-95CE-6DB70DBA9567}" type="datetimeFigureOut">
               <a:rPr lang="en-US" dirty="0"/>
               <a:pPr/>
-              <a:t>12/19/2023</a:t>
+              <a:t>12/19/23</a:t>
             </a:fld>
             <a:endParaRPr lang="en-US" dirty="0"/>
           </a:p>
@@ -1367,7 +1371,7 @@
             <a:fld id="{D57F1E4F-1CFF-5643-939E-217C01CDF565}" type="slidenum">
               <a:rPr lang="en-US" dirty="0"/>
               <a:pPr/>
-              <a:t>‹Nr.›</a:t>
+              <a:t>‹#›</a:t>
             </a:fld>
             <a:endParaRPr lang="en-US" dirty="0"/>
           </a:p>
@@ -1540,7 +1544,7 @@
             <a:fld id="{B61BEF0D-F0BB-DE4B-95CE-6DB70DBA9567}" type="datetimeFigureOut">
               <a:rPr lang="en-US" dirty="0"/>
               <a:pPr/>
-              <a:t>12/19/2023</a:t>
+              <a:t>12/19/23</a:t>
             </a:fld>
             <a:endParaRPr lang="en-US" dirty="0"/>
           </a:p>
@@ -1588,7 +1592,7 @@
             <a:fld id="{D57F1E4F-1CFF-5643-939E-217C01CDF565}" type="slidenum">
               <a:rPr lang="en-US" dirty="0"/>
               <a:pPr/>
-              <a:t>‹Nr.›</a:t>
+              <a:t>‹#›</a:t>
             </a:fld>
             <a:endParaRPr lang="en-US" dirty="0"/>
           </a:p>
@@ -1844,7 +1848,7 @@
             <a:fld id="{B61BEF0D-F0BB-DE4B-95CE-6DB70DBA9567}" type="datetimeFigureOut">
               <a:rPr lang="en-US" dirty="0"/>
               <a:pPr/>
-              <a:t>12/19/2023</a:t>
+              <a:t>12/19/23</a:t>
             </a:fld>
             <a:endParaRPr lang="en-US" dirty="0"/>
           </a:p>
@@ -1909,7 +1913,7 @@
             <a:fld id="{D57F1E4F-1CFF-5643-939E-217C01CDF565}" type="slidenum">
               <a:rPr lang="en-US" dirty="0"/>
               <a:pPr/>
-              <a:t>‹Nr.›</a:t>
+              <a:t>‹#›</a:t>
             </a:fld>
             <a:endParaRPr lang="en-US" dirty="0"/>
           </a:p>
@@ -2143,7 +2147,7 @@
             <a:fld id="{B61BEF0D-F0BB-DE4B-95CE-6DB70DBA9567}" type="datetimeFigureOut">
               <a:rPr lang="en-US" dirty="0"/>
               <a:pPr/>
-              <a:t>12/19/2023</a:t>
+              <a:t>12/19/23</a:t>
             </a:fld>
             <a:endParaRPr lang="en-US" dirty="0"/>
           </a:p>
@@ -2186,7 +2190,7 @@
             <a:fld id="{D57F1E4F-1CFF-5643-939E-217C01CDF565}" type="slidenum">
               <a:rPr lang="en-US" dirty="0"/>
               <a:pPr/>
-              <a:t>‹Nr.›</a:t>
+              <a:t>‹#›</a:t>
             </a:fld>
             <a:endParaRPr lang="en-US" dirty="0"/>
           </a:p>
@@ -2562,7 +2566,7 @@
             <a:fld id="{B61BEF0D-F0BB-DE4B-95CE-6DB70DBA9567}" type="datetimeFigureOut">
               <a:rPr lang="en-US" dirty="0"/>
               <a:pPr/>
-              <a:t>12/19/2023</a:t>
+              <a:t>12/19/23</a:t>
             </a:fld>
             <a:endParaRPr lang="en-US" dirty="0"/>
           </a:p>
@@ -2605,7 +2609,7 @@
             <a:fld id="{D57F1E4F-1CFF-5643-939E-217C01CDF565}" type="slidenum">
               <a:rPr lang="en-US" dirty="0"/>
               <a:pPr/>
-              <a:t>‹Nr.›</a:t>
+              <a:t>‹#›</a:t>
             </a:fld>
             <a:endParaRPr lang="en-US" dirty="0"/>
           </a:p>
@@ -2654,7 +2658,7 @@
             <a:fld id="{B61BEF0D-F0BB-DE4B-95CE-6DB70DBA9567}" type="datetimeFigureOut">
               <a:rPr lang="en-US" dirty="0"/>
               <a:pPr/>
-              <a:t>12/19/2023</a:t>
+              <a:t>12/19/23</a:t>
             </a:fld>
             <a:endParaRPr lang="en-US" dirty="0"/>
           </a:p>
@@ -2697,7 +2701,7 @@
             <a:fld id="{D57F1E4F-1CFF-5643-939E-217C01CDF565}" type="slidenum">
               <a:rPr lang="en-US" dirty="0"/>
               <a:pPr/>
-              <a:t>‹Nr.›</a:t>
+              <a:t>‹#›</a:t>
             </a:fld>
             <a:endParaRPr lang="en-US" dirty="0"/>
           </a:p>
@@ -2813,7 +2817,7 @@
             <a:fld id="{B61BEF0D-F0BB-DE4B-95CE-6DB70DBA9567}" type="datetimeFigureOut">
               <a:rPr lang="en-US" dirty="0"/>
               <a:pPr/>
-              <a:t>12/19/2023</a:t>
+              <a:t>12/19/23</a:t>
             </a:fld>
             <a:endParaRPr lang="en-US" dirty="0"/>
           </a:p>
@@ -2856,7 +2860,7 @@
             <a:fld id="{D57F1E4F-1CFF-5643-939E-217C01CDF565}" type="slidenum">
               <a:rPr lang="en-US" dirty="0"/>
               <a:pPr/>
-              <a:t>‹Nr.›</a:t>
+              <a:t>‹#›</a:t>
             </a:fld>
             <a:endParaRPr lang="en-US" dirty="0"/>
           </a:p>
@@ -3188,7 +3192,7 @@
             <a:fld id="{B61BEF0D-F0BB-DE4B-95CE-6DB70DBA9567}" type="datetimeFigureOut">
               <a:rPr lang="en-US" dirty="0"/>
               <a:pPr/>
-              <a:t>12/19/2023</a:t>
+              <a:t>12/19/23</a:t>
             </a:fld>
             <a:endParaRPr lang="en-US" dirty="0"/>
           </a:p>
@@ -3253,7 +3257,7 @@
             <a:fld id="{D57F1E4F-1CFF-5643-939E-217C01CDF565}" type="slidenum">
               <a:rPr lang="en-US" dirty="0"/>
               <a:pPr/>
-              <a:t>‹Nr.›</a:t>
+              <a:t>‹#›</a:t>
             </a:fld>
             <a:endParaRPr lang="en-US" dirty="0"/>
           </a:p>
@@ -3474,7 +3478,7 @@
             <a:fld id="{B61BEF0D-F0BB-DE4B-95CE-6DB70DBA9567}" type="datetimeFigureOut">
               <a:rPr lang="en-US" dirty="0"/>
               <a:pPr/>
-              <a:t>12/19/2023</a:t>
+              <a:t>12/19/23</a:t>
             </a:fld>
             <a:endParaRPr lang="en-US" dirty="0"/>
           </a:p>
@@ -3517,7 +3521,7 @@
             <a:fld id="{D57F1E4F-1CFF-5643-939E-217C01CDF565}" type="slidenum">
               <a:rPr lang="en-US" dirty="0"/>
               <a:pPr/>
-              <a:t>‹Nr.›</a:t>
+              <a:t>‹#›</a:t>
             </a:fld>
             <a:endParaRPr lang="en-US" dirty="0"/>
           </a:p>
@@ -3682,7 +3686,7 @@
             <a:fld id="{B61BEF0D-F0BB-DE4B-95CE-6DB70DBA9567}" type="datetimeFigureOut">
               <a:rPr lang="en-US" dirty="0"/>
               <a:pPr/>
-              <a:t>12/19/2023</a:t>
+              <a:t>12/19/23</a:t>
             </a:fld>
             <a:endParaRPr lang="en-US" dirty="0"/>
           </a:p>
@@ -3757,7 +3761,7 @@
             <a:fld id="{D57F1E4F-1CFF-5643-939E-217C01CDF565}" type="slidenum">
               <a:rPr lang="en-US" dirty="0"/>
               <a:pPr/>
-              <a:t>‹Nr.›</a:t>
+              <a:t>‹#›</a:t>
             </a:fld>
             <a:endParaRPr lang="en-US" dirty="0"/>
           </a:p>
@@ -4375,12 +4379,20 @@
           <a:lstStyle/>
           <a:p>
             <a:r>
+              <a:rPr lang="de-CH" dirty="0" err="1">
+                <a:solidFill>
+                  <a:schemeClr val="accent2"/>
+                </a:solidFill>
+              </a:rPr>
+              <a:t>Rebecka</a:t>
+            </a:r>
+            <a:r>
               <a:rPr lang="de-CH" dirty="0">
                 <a:solidFill>
                   <a:schemeClr val="accent2"/>
                 </a:solidFill>
               </a:rPr>
-              <a:t>Rebecka Fahrni ,   Joseph Weibel</a:t>
+              <a:t> Fahrni,   Joseph Weibel</a:t>
             </a:r>
           </a:p>
         </p:txBody>
@@ -4825,15 +4837,7 @@
             <a:pPr lvl="1"/>
             <a:r>
               <a:rPr lang="de-CH" dirty="0"/>
-              <a:t>Random </a:t>
-            </a:r>
-            <a:r>
-              <a:rPr lang="de-CH" dirty="0" err="1"/>
-              <a:t>Fores</a:t>
-            </a:r>
-            <a:r>
-              <a:rPr lang="de-CH" dirty="0"/>
-              <a:t>: </a:t>
+              <a:t>Random Forest: </a:t>
             </a:r>
             <a:r>
               <a:rPr lang="de-CH" dirty="0" err="1"/>
@@ -5076,7 +5080,7 @@
             <a:pPr lvl="1"/>
             <a:r>
               <a:rPr lang="de-CH" dirty="0"/>
-              <a:t>NV and </a:t>
+              <a:t>NB and </a:t>
             </a:r>
             <a:r>
               <a:rPr lang="de-CH" dirty="0" err="1"/>
@@ -5164,7 +5168,7 @@
             </a:r>
             <a:r>
               <a:rPr lang="de-CH" dirty="0"/>
-              <a:t>. NV </a:t>
+              <a:t>. NB </a:t>
             </a:r>
             <a:r>
               <a:rPr lang="de-CH" dirty="0" err="1"/>
@@ -5212,7 +5216,7 @@
             </a:r>
             <a:r>
               <a:rPr lang="de-CH" dirty="0"/>
-              <a:t> </a:t>
+              <a:t>, </a:t>
             </a:r>
             <a:r>
               <a:rPr lang="de-CH" dirty="0" err="1"/>
@@ -5263,6 +5267,14 @@
 <file path=ppt/slides/slide12.xml><?xml version="1.0" encoding="utf-8"?>
 <p:sld xmlns:a="http://schemas.openxmlformats.org/drawingml/2006/main" xmlns:r="http://schemas.openxmlformats.org/officeDocument/2006/relationships" xmlns:p="http://schemas.openxmlformats.org/presentationml/2006/main">
   <p:cSld>
+    <p:bg>
+      <p:bgPr>
+        <a:solidFill>
+          <a:schemeClr val="bg1"/>
+        </a:solidFill>
+        <a:effectLst/>
+      </p:bgPr>
+    </p:bg>
     <p:spTree>
       <p:nvGrpSpPr>
         <p:cNvPr id="1" name=""/>
@@ -5277,12 +5289,132 @@
           <a:chExt cx="0" cy="0"/>
         </a:xfrm>
       </p:grpSpPr>
+      <p:sp useBgFill="1">
+        <p:nvSpPr>
+          <p:cNvPr id="8" name="Rectangle 7">
+            <a:extLst>
+              <a:ext uri="{FF2B5EF4-FFF2-40B4-BE49-F238E27FC236}">
+                <a16:creationId xmlns:a16="http://schemas.microsoft.com/office/drawing/2014/main" id="{B373F125-DEF3-41D6-9918-AB21A2ACC37A}"/>
+              </a:ext>
+              <a:ext uri="{C183D7F6-B498-43B3-948B-1728B52AA6E4}">
+                <adec:decorative xmlns:adec="http://schemas.microsoft.com/office/drawing/2017/decorative" val="1"/>
+              </a:ext>
+            </a:extLst>
+          </p:cNvPr>
+          <p:cNvSpPr>
+            <a:spLocks noGrp="1" noRot="1" noChangeAspect="1" noMove="1" noResize="1" noEditPoints="1" noAdjustHandles="1" noChangeArrowheads="1" noChangeShapeType="1" noTextEdit="1"/>
+          </p:cNvSpPr>
+          <p:nvPr>
+            <p:extLst>
+              <p:ext uri="{386F3935-93C4-4BCD-93E2-E3B085C9AB24}">
+                <p16:designElem xmlns:p16="http://schemas.microsoft.com/office/powerpoint/2015/main" val="1"/>
+              </p:ext>
+            </p:extLst>
+          </p:nvPr>
+        </p:nvSpPr>
+        <p:spPr>
+          <a:xfrm>
+            <a:off x="0" y="0"/>
+            <a:ext cx="12192000" cy="6858000"/>
+          </a:xfrm>
+          <a:prstGeom prst="rect">
+            <a:avLst/>
+          </a:prstGeom>
+          <a:ln>
+            <a:noFill/>
+          </a:ln>
+        </p:spPr>
+        <p:style>
+          <a:lnRef idx="2">
+            <a:schemeClr val="accent1">
+              <a:shade val="50000"/>
+            </a:schemeClr>
+          </a:lnRef>
+          <a:fillRef idx="1">
+            <a:schemeClr val="accent1"/>
+          </a:fillRef>
+          <a:effectRef idx="0">
+            <a:schemeClr val="accent1"/>
+          </a:effectRef>
+          <a:fontRef idx="minor">
+            <a:schemeClr val="lt1"/>
+          </a:fontRef>
+        </p:style>
+        <p:txBody>
+          <a:bodyPr rtlCol="0" anchor="ctr"/>
+          <a:lstStyle/>
+          <a:p>
+            <a:pPr algn="ctr"/>
+            <a:endParaRPr lang="en-US"/>
+          </a:p>
+        </p:txBody>
+      </p:sp>
+      <p:sp>
+        <p:nvSpPr>
+          <p:cNvPr id="10" name="Rectangle 9">
+            <a:extLst>
+              <a:ext uri="{FF2B5EF4-FFF2-40B4-BE49-F238E27FC236}">
+                <a16:creationId xmlns:a16="http://schemas.microsoft.com/office/drawing/2014/main" id="{71E9F226-EB6E-48C9-ADDA-636DE4BF4EBE}"/>
+              </a:ext>
+              <a:ext uri="{C183D7F6-B498-43B3-948B-1728B52AA6E4}">
+                <adec:decorative xmlns:adec="http://schemas.microsoft.com/office/drawing/2017/decorative" val="1"/>
+              </a:ext>
+            </a:extLst>
+          </p:cNvPr>
+          <p:cNvSpPr>
+            <a:spLocks noGrp="1" noRot="1" noChangeAspect="1" noMove="1" noResize="1" noEditPoints="1" noAdjustHandles="1" noChangeArrowheads="1" noChangeShapeType="1" noTextEdit="1"/>
+          </p:cNvSpPr>
+          <p:nvPr>
+            <p:extLst>
+              <p:ext uri="{386F3935-93C4-4BCD-93E2-E3B085C9AB24}">
+                <p16:designElem xmlns:p16="http://schemas.microsoft.com/office/powerpoint/2015/main" val="1"/>
+              </p:ext>
+            </p:extLst>
+          </p:nvPr>
+        </p:nvSpPr>
+        <p:spPr>
+          <a:xfrm>
+            <a:off x="490581" y="485678"/>
+            <a:ext cx="4174743" cy="5888772"/>
+          </a:xfrm>
+          <a:prstGeom prst="rect">
+            <a:avLst/>
+          </a:prstGeom>
+          <a:ln>
+            <a:noFill/>
+          </a:ln>
+        </p:spPr>
+        <p:style>
+          <a:lnRef idx="2">
+            <a:schemeClr val="accent1">
+              <a:shade val="50000"/>
+            </a:schemeClr>
+          </a:lnRef>
+          <a:fillRef idx="1">
+            <a:schemeClr val="accent1"/>
+          </a:fillRef>
+          <a:effectRef idx="0">
+            <a:schemeClr val="accent1"/>
+          </a:effectRef>
+          <a:fontRef idx="minor">
+            <a:schemeClr val="lt1"/>
+          </a:fontRef>
+        </p:style>
+        <p:txBody>
+          <a:bodyPr rtlCol="0" anchor="ctr"/>
+          <a:lstStyle/>
+          <a:p>
+            <a:pPr algn="ctr"/>
+            <a:endParaRPr lang="en-US"/>
+          </a:p>
+        </p:txBody>
+      </p:sp>
       <p:sp>
         <p:nvSpPr>
           <p:cNvPr id="2" name="Titel 1">
             <a:extLst>
               <a:ext uri="{FF2B5EF4-FFF2-40B4-BE49-F238E27FC236}">
-                <a16:creationId xmlns:a16="http://schemas.microsoft.com/office/drawing/2014/main" id="{0F0555DC-D755-5E62-FA68-E2C671875687}"/>
+                <a16:creationId xmlns:a16="http://schemas.microsoft.com/office/drawing/2014/main" id="{92BEEEEE-DC54-315F-1A1C-93DCDCC7C300}"/>
               </a:ext>
             </a:extLst>
           </p:cNvPr>
@@ -5293,18 +5425,25 @@
             <p:ph type="title"/>
           </p:nvPr>
         </p:nvSpPr>
-        <p:spPr/>
-        <p:txBody>
-          <a:bodyPr/>
+        <p:spPr>
+          <a:xfrm>
+            <a:off x="959157" y="1113764"/>
+            <a:ext cx="3269749" cy="4624327"/>
+          </a:xfrm>
+        </p:spPr>
+        <p:txBody>
+          <a:bodyPr anchor="ctr">
+            <a:normAutofit/>
+          </a:bodyPr>
           <a:lstStyle/>
           <a:p>
             <a:r>
-              <a:rPr lang="de-CH" dirty="0" err="1"/>
-              <a:t>Advanced</a:t>
-            </a:r>
-            <a:r>
-              <a:rPr lang="de-CH" dirty="0"/>
-              <a:t> Models (Task 3 / Project) </a:t>
+              <a:rPr lang="de-CH" sz="3200" dirty="0">
+                <a:solidFill>
+                  <a:srgbClr val="FFFFFF"/>
+                </a:solidFill>
+              </a:rPr>
+              <a:t>ADVANCED Models </a:t>
             </a:r>
           </a:p>
         </p:txBody>
@@ -5314,7 +5453,7 @@
           <p:cNvPr id="3" name="Inhaltsplatzhalter 2">
             <a:extLst>
               <a:ext uri="{FF2B5EF4-FFF2-40B4-BE49-F238E27FC236}">
-                <a16:creationId xmlns:a16="http://schemas.microsoft.com/office/drawing/2014/main" id="{A80F4CF6-C7F1-F4F7-66B9-61891A95952B}"/>
+                <a16:creationId xmlns:a16="http://schemas.microsoft.com/office/drawing/2014/main" id="{8C12E06B-C46A-CF75-1011-3E87516803FA}"/>
               </a:ext>
             </a:extLst>
           </p:cNvPr>
@@ -5325,14 +5464,21 @@
             <p:ph idx="1"/>
           </p:nvPr>
         </p:nvSpPr>
-        <p:spPr/>
-        <p:txBody>
-          <a:bodyPr/>
+        <p:spPr>
+          <a:xfrm>
+            <a:off x="5155905" y="1113764"/>
+            <a:ext cx="6108179" cy="4624327"/>
+          </a:xfrm>
+        </p:spPr>
+        <p:txBody>
+          <a:bodyPr anchor="ctr">
+            <a:normAutofit/>
+          </a:bodyPr>
           <a:lstStyle/>
           <a:p>
             <a:r>
               <a:rPr lang="de-CH" dirty="0"/>
-              <a:t>BERT and GPT </a:t>
+              <a:t>BERT</a:t>
             </a:r>
           </a:p>
           <a:p>
@@ -5396,6 +5542,42 @@
           <a:p>
             <a:pPr lvl="1"/>
             <a:r>
+              <a:rPr lang="de-CH" dirty="0" err="1"/>
+              <a:t>Reducing</a:t>
+            </a:r>
+            <a:r>
+              <a:rPr lang="de-CH" dirty="0"/>
+              <a:t> </a:t>
+            </a:r>
+            <a:r>
+              <a:rPr lang="de-CH" dirty="0" err="1"/>
+              <a:t>token</a:t>
+            </a:r>
+            <a:r>
+              <a:rPr lang="de-CH" dirty="0"/>
+              <a:t> </a:t>
+            </a:r>
+            <a:r>
+              <a:rPr lang="de-CH" dirty="0" err="1"/>
+              <a:t>length</a:t>
+            </a:r>
+            <a:r>
+              <a:rPr lang="de-CH" dirty="0"/>
+              <a:t> </a:t>
+            </a:r>
+            <a:r>
+              <a:rPr lang="de-CH" dirty="0" err="1"/>
+              <a:t>to</a:t>
+            </a:r>
+            <a:r>
+              <a:rPr lang="de-CH"/>
+              <a:t> 256</a:t>
+            </a:r>
+            <a:endParaRPr lang="de-CH" dirty="0"/>
+          </a:p>
+          <a:p>
+            <a:pPr lvl="1"/>
+            <a:r>
               <a:rPr lang="en-US" dirty="0"/>
               <a:t>BERT Variants: Utilizing </a:t>
             </a:r>
@@ -5415,61 +5597,13 @@
               <a:rPr lang="en-US" dirty="0"/>
               <a:t> for nuanced text understanding.</a:t>
             </a:r>
-          </a:p>
-          <a:p>
-            <a:pPr lvl="1"/>
-            <a:r>
-              <a:rPr lang="en-US" dirty="0"/>
-              <a:t>GPT Models: Implementing llama2 and </a:t>
-            </a:r>
-            <a:r>
-              <a:rPr lang="en-US" dirty="0" err="1"/>
-              <a:t>meditron</a:t>
-            </a:r>
-            <a:r>
-              <a:rPr lang="en-US" dirty="0"/>
-              <a:t> for comprehensive label prediction.</a:t>
-            </a:r>
-          </a:p>
-          <a:p>
-            <a:pPr lvl="2"/>
-            <a:r>
-              <a:rPr lang="en-US" dirty="0"/>
-              <a:t>Llama2 can be used for pre-annotations – automated data labeling </a:t>
-            </a:r>
-            <a:endParaRPr lang="de-CH" dirty="0"/>
-          </a:p>
-          <a:p>
-            <a:pPr lvl="2"/>
-            <a:r>
-              <a:rPr lang="de-CH" dirty="0"/>
-              <a:t>Experiment </a:t>
-            </a:r>
-            <a:r>
-              <a:rPr lang="de-CH" dirty="0" err="1"/>
-              <a:t>with</a:t>
-            </a:r>
-            <a:r>
-              <a:rPr lang="de-CH" dirty="0"/>
-              <a:t> MEDITRON </a:t>
-            </a:r>
-          </a:p>
-          <a:p>
-            <a:pPr lvl="2"/>
-            <a:endParaRPr lang="de-CH" dirty="0"/>
-          </a:p>
-          <a:p>
-            <a:pPr marL="324000" lvl="1" indent="0">
-              <a:buNone/>
-            </a:pPr>
-            <a:endParaRPr lang="de-CH" dirty="0"/>
           </a:p>
         </p:txBody>
       </p:sp>
     </p:spTree>
     <p:extLst>
       <p:ext uri="{BB962C8B-B14F-4D97-AF65-F5344CB8AC3E}">
-        <p14:creationId xmlns:p14="http://schemas.microsoft.com/office/powerpoint/2010/main" val="2701554127"/>
+        <p14:creationId xmlns:p14="http://schemas.microsoft.com/office/powerpoint/2010/main" val="1286443634"/>
       </p:ext>
     </p:extLst>
   </p:cSld>
@@ -5517,7 +5651,14 @@
           <a:bodyPr/>
           <a:lstStyle/>
           <a:p>
-            <a:endParaRPr lang="de-CH" dirty="0"/>
+            <a:r>
+              <a:rPr lang="de-CH" dirty="0" err="1"/>
+              <a:t>Advanced</a:t>
+            </a:r>
+            <a:r>
+              <a:rPr lang="de-CH" dirty="0"/>
+              <a:t> Models</a:t>
+            </a:r>
           </a:p>
         </p:txBody>
       </p:sp>
@@ -5537,19 +5678,1114 @@
             <p:ph idx="1"/>
           </p:nvPr>
         </p:nvSpPr>
-        <p:spPr/>
+        <p:spPr>
+          <a:xfrm>
+            <a:off x="6473536" y="2180496"/>
+            <a:ext cx="5137271" cy="3678303"/>
+          </a:xfrm>
+        </p:spPr>
         <p:txBody>
           <a:bodyPr/>
           <a:lstStyle/>
           <a:p>
+            <a:r>
+              <a:rPr lang="de-CH" dirty="0" err="1"/>
+              <a:t>classes</a:t>
+            </a:r>
+            <a:r>
+              <a:rPr lang="de-CH" dirty="0"/>
+              <a:t> </a:t>
+            </a:r>
+            <a:r>
+              <a:rPr lang="de-CH" dirty="0" err="1"/>
+              <a:t>with</a:t>
+            </a:r>
+            <a:r>
+              <a:rPr lang="de-CH" dirty="0"/>
+              <a:t> </a:t>
+            </a:r>
+            <a:r>
+              <a:rPr lang="de-CH" dirty="0" err="1"/>
+              <a:t>more</a:t>
+            </a:r>
+            <a:r>
+              <a:rPr lang="de-CH" dirty="0"/>
+              <a:t> </a:t>
+            </a:r>
+            <a:r>
+              <a:rPr lang="de-CH" dirty="0" err="1"/>
+              <a:t>samples</a:t>
+            </a:r>
+            <a:r>
+              <a:rPr lang="de-CH" dirty="0"/>
+              <a:t> perform </a:t>
+            </a:r>
+            <a:r>
+              <a:rPr lang="de-CH" dirty="0" err="1"/>
+              <a:t>better</a:t>
+            </a:r>
             <a:endParaRPr lang="de-CH" dirty="0"/>
           </a:p>
-        </p:txBody>
-      </p:sp>
+          <a:p>
+            <a:r>
+              <a:rPr lang="de-CH" dirty="0"/>
+              <a:t>not </a:t>
+            </a:r>
+            <a:r>
+              <a:rPr lang="de-CH" dirty="0" err="1"/>
+              <a:t>enough</a:t>
+            </a:r>
+            <a:r>
+              <a:rPr lang="de-CH" dirty="0"/>
+              <a:t> </a:t>
+            </a:r>
+            <a:r>
+              <a:rPr lang="de-CH" dirty="0" err="1"/>
+              <a:t>data</a:t>
+            </a:r>
+            <a:r>
+              <a:rPr lang="de-CH" dirty="0"/>
+              <a:t> </a:t>
+            </a:r>
+            <a:r>
+              <a:rPr lang="de-CH" dirty="0" err="1"/>
+              <a:t>to</a:t>
+            </a:r>
+            <a:r>
+              <a:rPr lang="de-CH" dirty="0"/>
+              <a:t> </a:t>
+            </a:r>
+            <a:r>
+              <a:rPr lang="de-CH" dirty="0" err="1"/>
+              <a:t>train</a:t>
+            </a:r>
+            <a:r>
+              <a:rPr lang="de-CH" dirty="0"/>
+              <a:t> linear </a:t>
+            </a:r>
+            <a:r>
+              <a:rPr lang="de-CH" dirty="0" err="1"/>
+              <a:t>layer</a:t>
+            </a:r>
+            <a:endParaRPr lang="de-CH" dirty="0"/>
+          </a:p>
+          <a:p>
+            <a:r>
+              <a:rPr lang="de-CH" dirty="0" err="1"/>
+              <a:t>uncertainty</a:t>
+            </a:r>
+            <a:r>
+              <a:rPr lang="de-CH" dirty="0"/>
+              <a:t> </a:t>
+            </a:r>
+            <a:r>
+              <a:rPr lang="de-CH" dirty="0" err="1"/>
+              <a:t>between</a:t>
+            </a:r>
+            <a:r>
+              <a:rPr lang="de-CH" dirty="0"/>
+              <a:t> </a:t>
+            </a:r>
+            <a:r>
+              <a:rPr lang="de-CH" dirty="0" err="1"/>
+              <a:t>folds</a:t>
+            </a:r>
+            <a:r>
+              <a:rPr lang="de-CH" dirty="0"/>
+              <a:t> </a:t>
+            </a:r>
+            <a:r>
+              <a:rPr lang="de-CH" dirty="0" err="1"/>
+              <a:t>is</a:t>
+            </a:r>
+            <a:r>
+              <a:rPr lang="de-CH" dirty="0"/>
+              <a:t> </a:t>
+            </a:r>
+            <a:r>
+              <a:rPr lang="de-CH" dirty="0" err="1"/>
+              <a:t>low</a:t>
+            </a:r>
+            <a:endParaRPr lang="de-CH" dirty="0"/>
+          </a:p>
+        </p:txBody>
+      </p:sp>
+      <p:sp>
+        <p:nvSpPr>
+          <p:cNvPr id="4" name="Textfeld 4">
+            <a:extLst>
+              <a:ext uri="{FF2B5EF4-FFF2-40B4-BE49-F238E27FC236}">
+                <a16:creationId xmlns:a16="http://schemas.microsoft.com/office/drawing/2014/main" id="{146CB358-E897-0EA2-B609-AAC4CB8003CC}"/>
+              </a:ext>
+            </a:extLst>
+          </p:cNvPr>
+          <p:cNvSpPr txBox="1"/>
+          <p:nvPr/>
+        </p:nvSpPr>
+        <p:spPr>
+          <a:xfrm>
+            <a:off x="438150" y="1990725"/>
+            <a:ext cx="4533900" cy="369332"/>
+          </a:xfrm>
+          <a:prstGeom prst="rect">
+            <a:avLst/>
+          </a:prstGeom>
+          <a:noFill/>
+        </p:spPr>
+        <p:txBody>
+          <a:bodyPr wrap="square" rtlCol="0">
+            <a:spAutoFit/>
+          </a:bodyPr>
+          <a:lstStyle/>
+          <a:p>
+            <a:r>
+              <a:rPr lang="de-CH" dirty="0" err="1"/>
+              <a:t>finetuned</a:t>
+            </a:r>
+            <a:r>
+              <a:rPr lang="de-CH" dirty="0"/>
+              <a:t> </a:t>
+            </a:r>
+            <a:r>
+              <a:rPr lang="de-CH" dirty="0" err="1"/>
+              <a:t>bert</a:t>
+            </a:r>
+            <a:r>
+              <a:rPr lang="de-CH" dirty="0"/>
+              <a:t>-base-</a:t>
+            </a:r>
+            <a:r>
+              <a:rPr lang="de-CH" dirty="0" err="1"/>
+              <a:t>uncased</a:t>
+            </a:r>
+            <a:endParaRPr lang="de-CH" dirty="0"/>
+          </a:p>
+        </p:txBody>
+      </p:sp>
+      <p:pic>
+        <p:nvPicPr>
+          <p:cNvPr id="5" name="Picture 4">
+            <a:extLst>
+              <a:ext uri="{FF2B5EF4-FFF2-40B4-BE49-F238E27FC236}">
+                <a16:creationId xmlns:a16="http://schemas.microsoft.com/office/drawing/2014/main" id="{0D99AC99-A6B1-E47E-BFF6-54FD808A7E16}"/>
+              </a:ext>
+            </a:extLst>
+          </p:cNvPr>
+          <p:cNvPicPr>
+            <a:picLocks noChangeAspect="1"/>
+          </p:cNvPicPr>
+          <p:nvPr/>
+        </p:nvPicPr>
+        <p:blipFill>
+          <a:blip r:embed="rId2"/>
+          <a:stretch>
+            <a:fillRect/>
+          </a:stretch>
+        </p:blipFill>
+        <p:spPr>
+          <a:xfrm>
+            <a:off x="438150" y="2362200"/>
+            <a:ext cx="5575300" cy="3962400"/>
+          </a:xfrm>
+          <a:prstGeom prst="rect">
+            <a:avLst/>
+          </a:prstGeom>
+        </p:spPr>
+      </p:pic>
     </p:spTree>
     <p:extLst>
       <p:ext uri="{BB962C8B-B14F-4D97-AF65-F5344CB8AC3E}">
         <p14:creationId xmlns:p14="http://schemas.microsoft.com/office/powerpoint/2010/main" val="3574736117"/>
+      </p:ext>
+    </p:extLst>
+  </p:cSld>
+  <p:clrMapOvr>
+    <a:masterClrMapping/>
+  </p:clrMapOvr>
+</p:sld>
+</file>
+
+<file path=ppt/slides/slide14.xml><?xml version="1.0" encoding="utf-8"?>
+<p:sld xmlns:a="http://schemas.openxmlformats.org/drawingml/2006/main" xmlns:r="http://schemas.openxmlformats.org/officeDocument/2006/relationships" xmlns:p="http://schemas.openxmlformats.org/presentationml/2006/main">
+  <p:cSld>
+    <p:spTree>
+      <p:nvGrpSpPr>
+        <p:cNvPr id="1" name=""/>
+        <p:cNvGrpSpPr/>
+        <p:nvPr/>
+      </p:nvGrpSpPr>
+      <p:grpSpPr>
+        <a:xfrm>
+          <a:off x="0" y="0"/>
+          <a:ext cx="0" cy="0"/>
+          <a:chOff x="0" y="0"/>
+          <a:chExt cx="0" cy="0"/>
+        </a:xfrm>
+      </p:grpSpPr>
+      <p:pic>
+        <p:nvPicPr>
+          <p:cNvPr id="7" name="Picture 6">
+            <a:extLst>
+              <a:ext uri="{FF2B5EF4-FFF2-40B4-BE49-F238E27FC236}">
+                <a16:creationId xmlns:a16="http://schemas.microsoft.com/office/drawing/2014/main" id="{FEF32BBD-4A54-6FF1-8050-5B418BFD4DA0}"/>
+              </a:ext>
+            </a:extLst>
+          </p:cNvPr>
+          <p:cNvPicPr>
+            <a:picLocks noChangeAspect="1"/>
+          </p:cNvPicPr>
+          <p:nvPr/>
+        </p:nvPicPr>
+        <p:blipFill>
+          <a:blip r:embed="rId2"/>
+          <a:stretch>
+            <a:fillRect/>
+          </a:stretch>
+        </p:blipFill>
+        <p:spPr>
+          <a:xfrm>
+            <a:off x="438150" y="2362200"/>
+            <a:ext cx="5575300" cy="3962400"/>
+          </a:xfrm>
+          <a:prstGeom prst="rect">
+            <a:avLst/>
+          </a:prstGeom>
+        </p:spPr>
+      </p:pic>
+      <p:sp>
+        <p:nvSpPr>
+          <p:cNvPr id="2" name="Titel 1">
+            <a:extLst>
+              <a:ext uri="{FF2B5EF4-FFF2-40B4-BE49-F238E27FC236}">
+                <a16:creationId xmlns:a16="http://schemas.microsoft.com/office/drawing/2014/main" id="{30E8CDA7-46A4-831B-2A0D-BC23D6995353}"/>
+              </a:ext>
+            </a:extLst>
+          </p:cNvPr>
+          <p:cNvSpPr>
+            <a:spLocks noGrp="1"/>
+          </p:cNvSpPr>
+          <p:nvPr>
+            <p:ph type="title"/>
+          </p:nvPr>
+        </p:nvSpPr>
+        <p:spPr/>
+        <p:txBody>
+          <a:bodyPr/>
+          <a:lstStyle/>
+          <a:p>
+            <a:r>
+              <a:rPr lang="de-CH" dirty="0" err="1"/>
+              <a:t>Advanced</a:t>
+            </a:r>
+            <a:r>
+              <a:rPr lang="de-CH" dirty="0"/>
+              <a:t> Models</a:t>
+            </a:r>
+          </a:p>
+        </p:txBody>
+      </p:sp>
+      <p:sp>
+        <p:nvSpPr>
+          <p:cNvPr id="3" name="Inhaltsplatzhalter 2">
+            <a:extLst>
+              <a:ext uri="{FF2B5EF4-FFF2-40B4-BE49-F238E27FC236}">
+                <a16:creationId xmlns:a16="http://schemas.microsoft.com/office/drawing/2014/main" id="{473DC6F3-4AA1-94AA-3064-3C60692F60F9}"/>
+              </a:ext>
+            </a:extLst>
+          </p:cNvPr>
+          <p:cNvSpPr>
+            <a:spLocks noGrp="1"/>
+          </p:cNvSpPr>
+          <p:nvPr>
+            <p:ph idx="1"/>
+          </p:nvPr>
+        </p:nvSpPr>
+        <p:spPr>
+          <a:xfrm>
+            <a:off x="6473536" y="2180496"/>
+            <a:ext cx="5137271" cy="3678303"/>
+          </a:xfrm>
+        </p:spPr>
+        <p:txBody>
+          <a:bodyPr/>
+          <a:lstStyle/>
+          <a:p>
+            <a:r>
+              <a:rPr lang="de-CH" dirty="0" err="1"/>
+              <a:t>very</a:t>
+            </a:r>
+            <a:r>
+              <a:rPr lang="de-CH" dirty="0"/>
+              <a:t> </a:t>
+            </a:r>
+            <a:r>
+              <a:rPr lang="de-CH" dirty="0" err="1"/>
+              <a:t>similar</a:t>
+            </a:r>
+            <a:r>
+              <a:rPr lang="de-CH" dirty="0"/>
+              <a:t> </a:t>
+            </a:r>
+            <a:r>
+              <a:rPr lang="de-CH" dirty="0" err="1"/>
+              <a:t>results</a:t>
+            </a:r>
+            <a:endParaRPr lang="de-CH" dirty="0"/>
+          </a:p>
+        </p:txBody>
+      </p:sp>
+      <p:sp>
+        <p:nvSpPr>
+          <p:cNvPr id="4" name="Textfeld 4">
+            <a:extLst>
+              <a:ext uri="{FF2B5EF4-FFF2-40B4-BE49-F238E27FC236}">
+                <a16:creationId xmlns:a16="http://schemas.microsoft.com/office/drawing/2014/main" id="{146CB358-E897-0EA2-B609-AAC4CB8003CC}"/>
+              </a:ext>
+            </a:extLst>
+          </p:cNvPr>
+          <p:cNvSpPr txBox="1"/>
+          <p:nvPr/>
+        </p:nvSpPr>
+        <p:spPr>
+          <a:xfrm>
+            <a:off x="438150" y="1990725"/>
+            <a:ext cx="4533900" cy="369332"/>
+          </a:xfrm>
+          <a:prstGeom prst="rect">
+            <a:avLst/>
+          </a:prstGeom>
+          <a:noFill/>
+        </p:spPr>
+        <p:txBody>
+          <a:bodyPr wrap="square" rtlCol="0">
+            <a:spAutoFit/>
+          </a:bodyPr>
+          <a:lstStyle/>
+          <a:p>
+            <a:r>
+              <a:rPr lang="de-CH" dirty="0" err="1"/>
+              <a:t>finetuned</a:t>
+            </a:r>
+            <a:r>
+              <a:rPr lang="de-CH" dirty="0"/>
+              <a:t> </a:t>
+            </a:r>
+            <a:r>
+              <a:rPr lang="de-CH" dirty="0" err="1"/>
+              <a:t>dmis</a:t>
+            </a:r>
+            <a:r>
+              <a:rPr lang="de-CH" dirty="0"/>
+              <a:t>-lab/biobert-base-cased-v1.2</a:t>
+            </a:r>
+          </a:p>
+        </p:txBody>
+      </p:sp>
+    </p:spTree>
+    <p:extLst>
+      <p:ext uri="{BB962C8B-B14F-4D97-AF65-F5344CB8AC3E}">
+        <p14:creationId xmlns:p14="http://schemas.microsoft.com/office/powerpoint/2010/main" val="2564444493"/>
+      </p:ext>
+    </p:extLst>
+  </p:cSld>
+  <p:clrMapOvr>
+    <a:masterClrMapping/>
+  </p:clrMapOvr>
+</p:sld>
+</file>
+
+<file path=ppt/slides/slide15.xml><?xml version="1.0" encoding="utf-8"?>
+<p:sld xmlns:a="http://schemas.openxmlformats.org/drawingml/2006/main" xmlns:r="http://schemas.openxmlformats.org/officeDocument/2006/relationships" xmlns:p="http://schemas.openxmlformats.org/presentationml/2006/main">
+  <p:cSld>
+    <p:spTree>
+      <p:nvGrpSpPr>
+        <p:cNvPr id="1" name=""/>
+        <p:cNvGrpSpPr/>
+        <p:nvPr/>
+      </p:nvGrpSpPr>
+      <p:grpSpPr>
+        <a:xfrm>
+          <a:off x="0" y="0"/>
+          <a:ext cx="0" cy="0"/>
+          <a:chOff x="0" y="0"/>
+          <a:chExt cx="0" cy="0"/>
+        </a:xfrm>
+      </p:grpSpPr>
+      <p:sp>
+        <p:nvSpPr>
+          <p:cNvPr id="2" name="Titel 1">
+            <a:extLst>
+              <a:ext uri="{FF2B5EF4-FFF2-40B4-BE49-F238E27FC236}">
+                <a16:creationId xmlns:a16="http://schemas.microsoft.com/office/drawing/2014/main" id="{5946CFA5-8CEF-8B46-9D10-7917336FDCBB}"/>
+              </a:ext>
+            </a:extLst>
+          </p:cNvPr>
+          <p:cNvSpPr>
+            <a:spLocks noGrp="1"/>
+          </p:cNvSpPr>
+          <p:nvPr>
+            <p:ph type="title"/>
+          </p:nvPr>
+        </p:nvSpPr>
+        <p:spPr/>
+        <p:txBody>
+          <a:bodyPr/>
+          <a:lstStyle/>
+          <a:p>
+            <a:r>
+              <a:rPr lang="de-CH" dirty="0"/>
+              <a:t>BERT </a:t>
+            </a:r>
+            <a:r>
+              <a:rPr lang="de-CH" dirty="0" err="1"/>
+              <a:t>modelS</a:t>
+            </a:r>
+            <a:endParaRPr lang="de-CH" dirty="0"/>
+          </a:p>
+        </p:txBody>
+      </p:sp>
+      <p:sp>
+        <p:nvSpPr>
+          <p:cNvPr id="3" name="Inhaltsplatzhalter 2">
+            <a:extLst>
+              <a:ext uri="{FF2B5EF4-FFF2-40B4-BE49-F238E27FC236}">
+                <a16:creationId xmlns:a16="http://schemas.microsoft.com/office/drawing/2014/main" id="{401469AE-B426-39EC-59DF-0EED1A63A4A1}"/>
+              </a:ext>
+            </a:extLst>
+          </p:cNvPr>
+          <p:cNvSpPr>
+            <a:spLocks noGrp="1"/>
+          </p:cNvSpPr>
+          <p:nvPr>
+            <p:ph idx="1"/>
+          </p:nvPr>
+        </p:nvSpPr>
+        <p:spPr/>
+        <p:txBody>
+          <a:bodyPr/>
+          <a:lstStyle/>
+          <a:p>
+            <a:r>
+              <a:rPr lang="de-CH" dirty="0" err="1"/>
+              <a:t>Improving</a:t>
+            </a:r>
+            <a:r>
+              <a:rPr lang="de-CH" dirty="0"/>
+              <a:t> Model Quality</a:t>
+            </a:r>
+          </a:p>
+          <a:p>
+            <a:pPr lvl="1"/>
+            <a:r>
+              <a:rPr lang="de-CH" dirty="0" err="1"/>
+              <a:t>Reduce</a:t>
+            </a:r>
+            <a:r>
+              <a:rPr lang="de-CH" dirty="0"/>
+              <a:t> </a:t>
+            </a:r>
+            <a:r>
+              <a:rPr lang="de-CH" dirty="0" err="1"/>
+              <a:t>class</a:t>
+            </a:r>
+            <a:r>
+              <a:rPr lang="de-CH" dirty="0"/>
+              <a:t> </a:t>
+            </a:r>
+            <a:r>
+              <a:rPr lang="de-CH" dirty="0" err="1"/>
+              <a:t>imbalance</a:t>
+            </a:r>
+            <a:r>
+              <a:rPr lang="de-CH" dirty="0"/>
+              <a:t> </a:t>
+            </a:r>
+            <a:r>
+              <a:rPr lang="de-CH" dirty="0" err="1"/>
+              <a:t>either</a:t>
+            </a:r>
+            <a:r>
+              <a:rPr lang="de-CH" dirty="0"/>
+              <a:t> </a:t>
+            </a:r>
+            <a:r>
+              <a:rPr lang="de-CH" dirty="0" err="1"/>
+              <a:t>by</a:t>
+            </a:r>
+            <a:r>
+              <a:rPr lang="de-CH" dirty="0"/>
+              <a:t> </a:t>
+            </a:r>
+            <a:r>
+              <a:rPr lang="de-CH" dirty="0" err="1"/>
+              <a:t>weighted</a:t>
+            </a:r>
+            <a:r>
+              <a:rPr lang="de-CH" dirty="0"/>
+              <a:t> </a:t>
+            </a:r>
+            <a:r>
+              <a:rPr lang="de-CH" dirty="0" err="1"/>
+              <a:t>loss</a:t>
+            </a:r>
+            <a:r>
+              <a:rPr lang="de-CH" dirty="0"/>
+              <a:t> </a:t>
+            </a:r>
+            <a:r>
+              <a:rPr lang="de-CH" dirty="0" err="1"/>
+              <a:t>or</a:t>
+            </a:r>
+            <a:r>
+              <a:rPr lang="de-CH" dirty="0"/>
+              <a:t> </a:t>
+            </a:r>
+            <a:r>
+              <a:rPr lang="de-CH" dirty="0" err="1"/>
+              <a:t>upsampling</a:t>
+            </a:r>
+            <a:endParaRPr lang="de-CH" dirty="0"/>
+          </a:p>
+          <a:p>
+            <a:pPr lvl="1"/>
+            <a:r>
+              <a:rPr lang="de-CH" dirty="0" err="1"/>
+              <a:t>Increase</a:t>
+            </a:r>
+            <a:r>
+              <a:rPr lang="de-CH" dirty="0"/>
+              <a:t> </a:t>
+            </a:r>
+            <a:r>
+              <a:rPr lang="de-CH" dirty="0" err="1"/>
+              <a:t>number</a:t>
+            </a:r>
+            <a:r>
+              <a:rPr lang="de-CH" dirty="0"/>
+              <a:t> </a:t>
+            </a:r>
+            <a:r>
+              <a:rPr lang="de-CH" dirty="0" err="1"/>
+              <a:t>of</a:t>
+            </a:r>
+            <a:r>
+              <a:rPr lang="de-CH" dirty="0"/>
+              <a:t> </a:t>
+            </a:r>
+            <a:r>
+              <a:rPr lang="de-CH" dirty="0" err="1"/>
+              <a:t>training</a:t>
+            </a:r>
+            <a:r>
+              <a:rPr lang="de-CH" dirty="0"/>
+              <a:t> </a:t>
+            </a:r>
+            <a:r>
+              <a:rPr lang="de-CH" dirty="0" err="1"/>
+              <a:t>epoch</a:t>
+            </a:r>
+            <a:r>
+              <a:rPr lang="de-CH" dirty="0"/>
+              <a:t> </a:t>
+            </a:r>
+          </a:p>
+          <a:p>
+            <a:pPr lvl="1"/>
+            <a:r>
+              <a:rPr lang="de-CH" dirty="0"/>
+              <a:t>Use 5-fold </a:t>
+            </a:r>
+            <a:r>
+              <a:rPr lang="de-CH" dirty="0" err="1"/>
+              <a:t>cross</a:t>
+            </a:r>
+            <a:r>
+              <a:rPr lang="de-CH" dirty="0"/>
+              <a:t> </a:t>
+            </a:r>
+            <a:r>
+              <a:rPr lang="de-CH" dirty="0" err="1"/>
+              <a:t>validation</a:t>
+            </a:r>
+            <a:r>
+              <a:rPr lang="de-CH" dirty="0"/>
+              <a:t> </a:t>
+            </a:r>
+            <a:r>
+              <a:rPr lang="de-CH" dirty="0" err="1"/>
+              <a:t>to</a:t>
+            </a:r>
+            <a:r>
+              <a:rPr lang="de-CH" dirty="0"/>
+              <a:t> </a:t>
+            </a:r>
+            <a:r>
+              <a:rPr lang="de-CH" dirty="0" err="1"/>
+              <a:t>increase</a:t>
+            </a:r>
+            <a:r>
+              <a:rPr lang="de-CH" dirty="0"/>
+              <a:t> </a:t>
+            </a:r>
+            <a:r>
+              <a:rPr lang="de-CH" dirty="0" err="1"/>
+              <a:t>training</a:t>
+            </a:r>
+            <a:r>
+              <a:rPr lang="de-CH" dirty="0"/>
+              <a:t> </a:t>
+            </a:r>
+            <a:r>
+              <a:rPr lang="de-CH" dirty="0" err="1"/>
+              <a:t>set</a:t>
+            </a:r>
+            <a:r>
+              <a:rPr lang="de-CH" dirty="0"/>
+              <a:t> </a:t>
+            </a:r>
+            <a:r>
+              <a:rPr lang="de-CH" dirty="0" err="1"/>
+              <a:t>size</a:t>
+            </a:r>
+            <a:endParaRPr lang="de-CH" dirty="0"/>
+          </a:p>
+          <a:p>
+            <a:pPr marL="324000" lvl="1" indent="0">
+              <a:buNone/>
+            </a:pPr>
+            <a:endParaRPr lang="de-CH" dirty="0"/>
+          </a:p>
+        </p:txBody>
+      </p:sp>
+    </p:spTree>
+    <p:extLst>
+      <p:ext uri="{BB962C8B-B14F-4D97-AF65-F5344CB8AC3E}">
+        <p14:creationId xmlns:p14="http://schemas.microsoft.com/office/powerpoint/2010/main" val="168468905"/>
+      </p:ext>
+    </p:extLst>
+  </p:cSld>
+  <p:clrMapOvr>
+    <a:masterClrMapping/>
+  </p:clrMapOvr>
+</p:sld>
+</file>
+
+<file path=ppt/slides/slide16.xml><?xml version="1.0" encoding="utf-8"?>
+<p:sld xmlns:a="http://schemas.openxmlformats.org/drawingml/2006/main" xmlns:r="http://schemas.openxmlformats.org/officeDocument/2006/relationships" xmlns:p="http://schemas.openxmlformats.org/presentationml/2006/main">
+  <p:cSld>
+    <p:bg>
+      <p:bgPr>
+        <a:solidFill>
+          <a:schemeClr val="bg1"/>
+        </a:solidFill>
+        <a:effectLst/>
+      </p:bgPr>
+    </p:bg>
+    <p:spTree>
+      <p:nvGrpSpPr>
+        <p:cNvPr id="1" name=""/>
+        <p:cNvGrpSpPr/>
+        <p:nvPr/>
+      </p:nvGrpSpPr>
+      <p:grpSpPr>
+        <a:xfrm>
+          <a:off x="0" y="0"/>
+          <a:ext cx="0" cy="0"/>
+          <a:chOff x="0" y="0"/>
+          <a:chExt cx="0" cy="0"/>
+        </a:xfrm>
+      </p:grpSpPr>
+      <p:sp useBgFill="1">
+        <p:nvSpPr>
+          <p:cNvPr id="8" name="Rectangle 7">
+            <a:extLst>
+              <a:ext uri="{FF2B5EF4-FFF2-40B4-BE49-F238E27FC236}">
+                <a16:creationId xmlns:a16="http://schemas.microsoft.com/office/drawing/2014/main" id="{B373F125-DEF3-41D6-9918-AB21A2ACC37A}"/>
+              </a:ext>
+              <a:ext uri="{C183D7F6-B498-43B3-948B-1728B52AA6E4}">
+                <adec:decorative xmlns:adec="http://schemas.microsoft.com/office/drawing/2017/decorative" val="1"/>
+              </a:ext>
+            </a:extLst>
+          </p:cNvPr>
+          <p:cNvSpPr>
+            <a:spLocks noGrp="1" noRot="1" noChangeAspect="1" noMove="1" noResize="1" noEditPoints="1" noAdjustHandles="1" noChangeArrowheads="1" noChangeShapeType="1" noTextEdit="1"/>
+          </p:cNvSpPr>
+          <p:nvPr>
+            <p:extLst>
+              <p:ext uri="{386F3935-93C4-4BCD-93E2-E3B085C9AB24}">
+                <p16:designElem xmlns:p16="http://schemas.microsoft.com/office/powerpoint/2015/main" val="1"/>
+              </p:ext>
+            </p:extLst>
+          </p:nvPr>
+        </p:nvSpPr>
+        <p:spPr>
+          <a:xfrm>
+            <a:off x="0" y="0"/>
+            <a:ext cx="12192000" cy="6858000"/>
+          </a:xfrm>
+          <a:prstGeom prst="rect">
+            <a:avLst/>
+          </a:prstGeom>
+          <a:ln>
+            <a:noFill/>
+          </a:ln>
+        </p:spPr>
+        <p:style>
+          <a:lnRef idx="2">
+            <a:schemeClr val="accent1">
+              <a:shade val="50000"/>
+            </a:schemeClr>
+          </a:lnRef>
+          <a:fillRef idx="1">
+            <a:schemeClr val="accent1"/>
+          </a:fillRef>
+          <a:effectRef idx="0">
+            <a:schemeClr val="accent1"/>
+          </a:effectRef>
+          <a:fontRef idx="minor">
+            <a:schemeClr val="lt1"/>
+          </a:fontRef>
+        </p:style>
+        <p:txBody>
+          <a:bodyPr rtlCol="0" anchor="ctr"/>
+          <a:lstStyle/>
+          <a:p>
+            <a:pPr algn="ctr"/>
+            <a:endParaRPr lang="en-US"/>
+          </a:p>
+        </p:txBody>
+      </p:sp>
+      <p:sp>
+        <p:nvSpPr>
+          <p:cNvPr id="10" name="Rectangle 9">
+            <a:extLst>
+              <a:ext uri="{FF2B5EF4-FFF2-40B4-BE49-F238E27FC236}">
+                <a16:creationId xmlns:a16="http://schemas.microsoft.com/office/drawing/2014/main" id="{71E9F226-EB6E-48C9-ADDA-636DE4BF4EBE}"/>
+              </a:ext>
+              <a:ext uri="{C183D7F6-B498-43B3-948B-1728B52AA6E4}">
+                <adec:decorative xmlns:adec="http://schemas.microsoft.com/office/drawing/2017/decorative" val="1"/>
+              </a:ext>
+            </a:extLst>
+          </p:cNvPr>
+          <p:cNvSpPr>
+            <a:spLocks noGrp="1" noRot="1" noChangeAspect="1" noMove="1" noResize="1" noEditPoints="1" noAdjustHandles="1" noChangeArrowheads="1" noChangeShapeType="1" noTextEdit="1"/>
+          </p:cNvSpPr>
+          <p:nvPr>
+            <p:extLst>
+              <p:ext uri="{386F3935-93C4-4BCD-93E2-E3B085C9AB24}">
+                <p16:designElem xmlns:p16="http://schemas.microsoft.com/office/powerpoint/2015/main" val="1"/>
+              </p:ext>
+            </p:extLst>
+          </p:nvPr>
+        </p:nvSpPr>
+        <p:spPr>
+          <a:xfrm>
+            <a:off x="490581" y="485678"/>
+            <a:ext cx="4174743" cy="5888772"/>
+          </a:xfrm>
+          <a:prstGeom prst="rect">
+            <a:avLst/>
+          </a:prstGeom>
+          <a:ln>
+            <a:noFill/>
+          </a:ln>
+        </p:spPr>
+        <p:style>
+          <a:lnRef idx="2">
+            <a:schemeClr val="accent1">
+              <a:shade val="50000"/>
+            </a:schemeClr>
+          </a:lnRef>
+          <a:fillRef idx="1">
+            <a:schemeClr val="accent1"/>
+          </a:fillRef>
+          <a:effectRef idx="0">
+            <a:schemeClr val="accent1"/>
+          </a:effectRef>
+          <a:fontRef idx="minor">
+            <a:schemeClr val="lt1"/>
+          </a:fontRef>
+        </p:style>
+        <p:txBody>
+          <a:bodyPr rtlCol="0" anchor="ctr"/>
+          <a:lstStyle/>
+          <a:p>
+            <a:pPr algn="ctr"/>
+            <a:endParaRPr lang="en-US"/>
+          </a:p>
+        </p:txBody>
+      </p:sp>
+      <p:sp>
+        <p:nvSpPr>
+          <p:cNvPr id="2" name="Titel 1">
+            <a:extLst>
+              <a:ext uri="{FF2B5EF4-FFF2-40B4-BE49-F238E27FC236}">
+                <a16:creationId xmlns:a16="http://schemas.microsoft.com/office/drawing/2014/main" id="{92BEEEEE-DC54-315F-1A1C-93DCDCC7C300}"/>
+              </a:ext>
+            </a:extLst>
+          </p:cNvPr>
+          <p:cNvSpPr>
+            <a:spLocks noGrp="1"/>
+          </p:cNvSpPr>
+          <p:nvPr>
+            <p:ph type="title"/>
+          </p:nvPr>
+        </p:nvSpPr>
+        <p:spPr>
+          <a:xfrm>
+            <a:off x="959157" y="1113764"/>
+            <a:ext cx="3269749" cy="4624327"/>
+          </a:xfrm>
+        </p:spPr>
+        <p:txBody>
+          <a:bodyPr anchor="ctr">
+            <a:normAutofit/>
+          </a:bodyPr>
+          <a:lstStyle/>
+          <a:p>
+            <a:r>
+              <a:rPr lang="de-CH" sz="3200" dirty="0">
+                <a:solidFill>
+                  <a:srgbClr val="FFFFFF"/>
+                </a:solidFill>
+              </a:rPr>
+              <a:t>ADVANCED Models </a:t>
+            </a:r>
+          </a:p>
+        </p:txBody>
+      </p:sp>
+      <p:sp>
+        <p:nvSpPr>
+          <p:cNvPr id="3" name="Inhaltsplatzhalter 2">
+            <a:extLst>
+              <a:ext uri="{FF2B5EF4-FFF2-40B4-BE49-F238E27FC236}">
+                <a16:creationId xmlns:a16="http://schemas.microsoft.com/office/drawing/2014/main" id="{8C12E06B-C46A-CF75-1011-3E87516803FA}"/>
+              </a:ext>
+            </a:extLst>
+          </p:cNvPr>
+          <p:cNvSpPr>
+            <a:spLocks noGrp="1"/>
+          </p:cNvSpPr>
+          <p:nvPr>
+            <p:ph idx="1"/>
+          </p:nvPr>
+        </p:nvSpPr>
+        <p:spPr>
+          <a:xfrm>
+            <a:off x="5155905" y="1113764"/>
+            <a:ext cx="6108179" cy="4624327"/>
+          </a:xfrm>
+        </p:spPr>
+        <p:txBody>
+          <a:bodyPr anchor="ctr">
+            <a:normAutofit/>
+          </a:bodyPr>
+          <a:lstStyle/>
+          <a:p>
+            <a:r>
+              <a:rPr lang="de-CH" dirty="0"/>
+              <a:t>GPT </a:t>
+            </a:r>
+          </a:p>
+          <a:p>
+            <a:pPr lvl="1"/>
+            <a:r>
+              <a:rPr lang="en-US" dirty="0"/>
+              <a:t>GPT Models: Implementing llama2 and </a:t>
+            </a:r>
+            <a:r>
+              <a:rPr lang="en-US" dirty="0" err="1"/>
+              <a:t>meditron</a:t>
+            </a:r>
+            <a:r>
+              <a:rPr lang="en-US" dirty="0"/>
+              <a:t> for comprehensive label prediction.</a:t>
+            </a:r>
+          </a:p>
+          <a:p>
+            <a:pPr lvl="2"/>
+            <a:r>
+              <a:rPr lang="en-US" dirty="0"/>
+              <a:t>Llama2 can be used for pre-annotations – automated data labeling </a:t>
+            </a:r>
+            <a:endParaRPr lang="de-CH" dirty="0"/>
+          </a:p>
+          <a:p>
+            <a:pPr lvl="2"/>
+            <a:r>
+              <a:rPr lang="de-CH" dirty="0"/>
+              <a:t>Experiment </a:t>
+            </a:r>
+            <a:r>
+              <a:rPr lang="de-CH" dirty="0" err="1"/>
+              <a:t>with</a:t>
+            </a:r>
+            <a:r>
+              <a:rPr lang="de-CH" dirty="0"/>
+              <a:t> MEDITRON </a:t>
+            </a:r>
+          </a:p>
+          <a:p>
+            <a:pPr lvl="1"/>
+            <a:r>
+              <a:rPr lang="de-CH" dirty="0" err="1"/>
+              <a:t>Testing</a:t>
+            </a:r>
+            <a:r>
+              <a:rPr lang="de-CH" dirty="0"/>
+              <a:t> different </a:t>
+            </a:r>
+            <a:r>
+              <a:rPr lang="de-CH" dirty="0" err="1"/>
+              <a:t>prompts</a:t>
+            </a:r>
+            <a:r>
+              <a:rPr lang="de-CH" dirty="0"/>
+              <a:t>:</a:t>
+            </a:r>
+          </a:p>
+          <a:p>
+            <a:pPr lvl="2"/>
+            <a:r>
+              <a:rPr lang="de-CH" dirty="0"/>
+              <a:t>Zero-Shot</a:t>
+            </a:r>
+          </a:p>
+          <a:p>
+            <a:pPr lvl="2"/>
+            <a:r>
+              <a:rPr lang="de-CH" dirty="0" err="1"/>
+              <a:t>Few</a:t>
+            </a:r>
+            <a:r>
+              <a:rPr lang="de-CH" dirty="0"/>
+              <a:t>-Shot</a:t>
+            </a:r>
+          </a:p>
+          <a:p>
+            <a:pPr lvl="2"/>
+            <a:r>
+              <a:rPr lang="de-CH" dirty="0"/>
+              <a:t>Chain-</a:t>
+            </a:r>
+            <a:r>
+              <a:rPr lang="de-CH" dirty="0" err="1"/>
+              <a:t>of</a:t>
+            </a:r>
+            <a:r>
+              <a:rPr lang="de-CH" dirty="0"/>
+              <a:t>-</a:t>
+            </a:r>
+            <a:r>
+              <a:rPr lang="de-CH" dirty="0" err="1"/>
+              <a:t>Thought</a:t>
+            </a:r>
+            <a:endParaRPr lang="de-CH" dirty="0"/>
+          </a:p>
+        </p:txBody>
+      </p:sp>
+    </p:spTree>
+    <p:extLst>
+      <p:ext uri="{BB962C8B-B14F-4D97-AF65-F5344CB8AC3E}">
+        <p14:creationId xmlns:p14="http://schemas.microsoft.com/office/powerpoint/2010/main" val="2617058218"/>
+      </p:ext>
+    </p:extLst>
+  </p:cSld>
+  <p:clrMapOvr>
+    <a:masterClrMapping/>
+  </p:clrMapOvr>
+</p:sld>
+</file>
+
+<file path=ppt/slides/slide17.xml><?xml version="1.0" encoding="utf-8"?>
+<p:sld xmlns:a="http://schemas.openxmlformats.org/drawingml/2006/main" xmlns:r="http://schemas.openxmlformats.org/officeDocument/2006/relationships" xmlns:p="http://schemas.openxmlformats.org/presentationml/2006/main">
+  <p:cSld>
+    <p:spTree>
+      <p:nvGrpSpPr>
+        <p:cNvPr id="1" name=""/>
+        <p:cNvGrpSpPr/>
+        <p:nvPr/>
+      </p:nvGrpSpPr>
+      <p:grpSpPr>
+        <a:xfrm>
+          <a:off x="0" y="0"/>
+          <a:ext cx="0" cy="0"/>
+          <a:chOff x="0" y="0"/>
+          <a:chExt cx="0" cy="0"/>
+        </a:xfrm>
+      </p:grpSpPr>
+      <p:sp>
+        <p:nvSpPr>
+          <p:cNvPr id="2" name="Title 1">
+            <a:extLst>
+              <a:ext uri="{FF2B5EF4-FFF2-40B4-BE49-F238E27FC236}">
+                <a16:creationId xmlns:a16="http://schemas.microsoft.com/office/drawing/2014/main" id="{F0A1C071-7104-5551-7EBD-B5083028EA74}"/>
+              </a:ext>
+            </a:extLst>
+          </p:cNvPr>
+          <p:cNvSpPr>
+            <a:spLocks noGrp="1"/>
+          </p:cNvSpPr>
+          <p:nvPr>
+            <p:ph type="ctrTitle"/>
+          </p:nvPr>
+        </p:nvSpPr>
+        <p:spPr/>
+        <p:txBody>
+          <a:bodyPr/>
+          <a:lstStyle/>
+          <a:p>
+            <a:r>
+              <a:rPr lang="en-CH" dirty="0"/>
+              <a:t>Thank you</a:t>
+            </a:r>
+          </a:p>
+        </p:txBody>
+      </p:sp>
+      <p:sp>
+        <p:nvSpPr>
+          <p:cNvPr id="3" name="Subtitle 2">
+            <a:extLst>
+              <a:ext uri="{FF2B5EF4-FFF2-40B4-BE49-F238E27FC236}">
+                <a16:creationId xmlns:a16="http://schemas.microsoft.com/office/drawing/2014/main" id="{AEA71244-91AA-9BCD-C993-40F718ED9820}"/>
+              </a:ext>
+            </a:extLst>
+          </p:cNvPr>
+          <p:cNvSpPr>
+            <a:spLocks noGrp="1"/>
+          </p:cNvSpPr>
+          <p:nvPr>
+            <p:ph type="subTitle" idx="1"/>
+          </p:nvPr>
+        </p:nvSpPr>
+        <p:spPr/>
+        <p:txBody>
+          <a:bodyPr/>
+          <a:lstStyle/>
+          <a:p>
+            <a:r>
+              <a:rPr lang="de-CH" dirty="0" err="1">
+                <a:solidFill>
+                  <a:schemeClr val="accent2"/>
+                </a:solidFill>
+              </a:rPr>
+              <a:t>Rebecka</a:t>
+            </a:r>
+            <a:r>
+              <a:rPr lang="de-CH" dirty="0">
+                <a:solidFill>
+                  <a:schemeClr val="accent2"/>
+                </a:solidFill>
+              </a:rPr>
+              <a:t> Fahrni,   Joseph Weibel</a:t>
+            </a:r>
+          </a:p>
+        </p:txBody>
+      </p:sp>
+    </p:spTree>
+    <p:extLst>
+      <p:ext uri="{BB962C8B-B14F-4D97-AF65-F5344CB8AC3E}">
+        <p14:creationId xmlns:p14="http://schemas.microsoft.com/office/powerpoint/2010/main" val="2558601773"/>
       </p:ext>
     </p:extLst>
   </p:cSld>
@@ -6341,6 +7577,30 @@
               <a:t> Medical transcriptions for various medical specialties</a:t>
             </a:r>
           </a:p>
+          <a:p>
+            <a:pPr>
+              <a:spcBef>
+                <a:spcPct val="20000"/>
+              </a:spcBef>
+              <a:spcAft>
+                <a:spcPts val="600"/>
+              </a:spcAft>
+              <a:buClr>
+                <a:schemeClr val="accent2"/>
+              </a:buClr>
+              <a:buSzPct val="92000"/>
+              <a:buFont typeface="Wingdings 2" panose="05020102010507070707" pitchFamily="18" charset="2"/>
+              <a:buChar char=""/>
+            </a:pPr>
+            <a:r>
+              <a:rPr lang="en-US" dirty="0">
+                <a:solidFill>
+                  <a:schemeClr val="tx2"/>
+                </a:solidFill>
+              </a:rPr>
+              <a:t> Some classes have only very few samples</a:t>
+            </a:r>
+          </a:p>
         </p:txBody>
       </p:sp>
     </p:spTree>
@@ -6620,7 +7880,10 @@
               <a:rPr lang="de-CH" dirty="0" err="1"/>
               <a:t>assessment</a:t>
             </a:r>
-            <a:endParaRPr lang="de-CH" dirty="0"/>
+            <a:r>
+              <a:rPr lang="de-CH" dirty="0"/>
+              <a:t>.</a:t>
+            </a:r>
           </a:p>
           <a:p>
             <a:r>
@@ -6705,10 +7968,6 @@
             </a:r>
           </a:p>
           <a:p>
-            <a:r>
-              <a:rPr lang="de-CH" dirty="0"/>
-              <a:t> </a:t>
-            </a:r>
             <a:r>
               <a:rPr lang="en-US" dirty="0"/>
               <a:t>Primary Metric: F1-scores, balancing precision and recall for a holistic performance view.  F1-score crucial for datasets with imbalanced classes.</a:t>
@@ -6997,7 +8256,15 @@
             </a:r>
             <a:r>
               <a:rPr lang="de-CH" dirty="0"/>
-              <a:t> (512tokens) </a:t>
+              <a:t> (512 </a:t>
+            </a:r>
+            <a:r>
+              <a:rPr lang="de-CH" dirty="0" err="1"/>
+              <a:t>tokens</a:t>
+            </a:r>
+            <a:r>
+              <a:rPr lang="de-CH" dirty="0"/>
+              <a:t>) </a:t>
             </a:r>
           </a:p>
           <a:p>
@@ -7255,7 +8522,7 @@
             </a:r>
             <a:r>
               <a:rPr lang="de-DE" dirty="0"/>
-              <a:t> )  </a:t>
+              <a:t>)  </a:t>
             </a:r>
           </a:p>
         </p:txBody>

--- a/presentations/Final Presentation.pptx
+++ b/presentations/Final Presentation.pptx
@@ -131,7 +131,7 @@
 <file path=ppt/revisionInfo.xml><?xml version="1.0" encoding="utf-8"?>
 <p1510:revInfo xmlns:a="http://schemas.openxmlformats.org/drawingml/2006/main" xmlns:r="http://schemas.openxmlformats.org/officeDocument/2006/relationships" xmlns:p1510="http://schemas.microsoft.com/office/powerpoint/2015/10/main">
   <p1510:revLst>
-    <p1510:client id="{E969ACF7-8534-4C42-BC98-DF8CFE3B1406}" v="6" dt="2023-12-18T18:41:24.722"/>
+    <p1510:client id="{E969ACF7-8534-4C42-BC98-DF8CFE3B1406}" v="7" dt="2023-12-19T10:17:03.814"/>
   </p1510:revLst>
 </p1510:revInfo>
 </file>
@@ -141,10 +141,25 @@
   <pc:docChgLst>
     <pc:chgData name="Rebecka Fahrni" userId="54dd5cd59e7c3003" providerId="LiveId" clId="{E969ACF7-8534-4C42-BC98-DF8CFE3B1406}"/>
     <pc:docChg chg="undo redo custSel addSld delSld modSld">
-      <pc:chgData name="Rebecka Fahrni" userId="54dd5cd59e7c3003" providerId="LiveId" clId="{E969ACF7-8534-4C42-BC98-DF8CFE3B1406}" dt="2023-12-18T23:50:17.952" v="1983" actId="20577"/>
+      <pc:chgData name="Rebecka Fahrni" userId="54dd5cd59e7c3003" providerId="LiveId" clId="{E969ACF7-8534-4C42-BC98-DF8CFE3B1406}" dt="2023-12-19T10:23:03.506" v="2365" actId="20577"/>
       <pc:docMkLst>
         <pc:docMk/>
       </pc:docMkLst>
+      <pc:sldChg chg="modSp mod">
+        <pc:chgData name="Rebecka Fahrni" userId="54dd5cd59e7c3003" providerId="LiveId" clId="{E969ACF7-8534-4C42-BC98-DF8CFE3B1406}" dt="2023-12-19T10:23:03.506" v="2365" actId="20577"/>
+        <pc:sldMkLst>
+          <pc:docMk/>
+          <pc:sldMk cId="1023557897" sldId="257"/>
+        </pc:sldMkLst>
+        <pc:spChg chg="mod">
+          <ac:chgData name="Rebecka Fahrni" userId="54dd5cd59e7c3003" providerId="LiveId" clId="{E969ACF7-8534-4C42-BC98-DF8CFE3B1406}" dt="2023-12-19T10:23:03.506" v="2365" actId="20577"/>
+          <ac:spMkLst>
+            <pc:docMk/>
+            <pc:sldMk cId="1023557897" sldId="257"/>
+            <ac:spMk id="3" creationId="{815F5524-26ED-DB68-1CB8-FE5FA9205CDB}"/>
+          </ac:spMkLst>
+        </pc:spChg>
+      </pc:sldChg>
       <pc:sldChg chg="modSp mod">
         <pc:chgData name="Rebecka Fahrni" userId="54dd5cd59e7c3003" providerId="LiveId" clId="{E969ACF7-8534-4C42-BC98-DF8CFE3B1406}" dt="2023-12-18T23:47:20.848" v="1819" actId="20577"/>
         <pc:sldMkLst>
@@ -161,13 +176,28 @@
         </pc:spChg>
       </pc:sldChg>
       <pc:sldChg chg="modSp mod">
-        <pc:chgData name="Rebecka Fahrni" userId="54dd5cd59e7c3003" providerId="LiveId" clId="{E969ACF7-8534-4C42-BC98-DF8CFE3B1406}" dt="2023-12-18T23:45:16.606" v="1757" actId="20577"/>
+        <pc:chgData name="Rebecka Fahrni" userId="54dd5cd59e7c3003" providerId="LiveId" clId="{E969ACF7-8534-4C42-BC98-DF8CFE3B1406}" dt="2023-12-19T10:22:05.808" v="2326" actId="20577"/>
+        <pc:sldMkLst>
+          <pc:docMk/>
+          <pc:sldMk cId="1200092847" sldId="259"/>
+        </pc:sldMkLst>
+        <pc:spChg chg="mod">
+          <ac:chgData name="Rebecka Fahrni" userId="54dd5cd59e7c3003" providerId="LiveId" clId="{E969ACF7-8534-4C42-BC98-DF8CFE3B1406}" dt="2023-12-19T10:22:05.808" v="2326" actId="20577"/>
+          <ac:spMkLst>
+            <pc:docMk/>
+            <pc:sldMk cId="1200092847" sldId="259"/>
+            <ac:spMk id="3" creationId="{390DB290-F809-E459-D65B-6FFE28384D51}"/>
+          </ac:spMkLst>
+        </pc:spChg>
+      </pc:sldChg>
+      <pc:sldChg chg="modSp mod">
+        <pc:chgData name="Rebecka Fahrni" userId="54dd5cd59e7c3003" providerId="LiveId" clId="{E969ACF7-8534-4C42-BC98-DF8CFE3B1406}" dt="2023-12-19T10:02:49.929" v="2024" actId="20577"/>
         <pc:sldMkLst>
           <pc:docMk/>
           <pc:sldMk cId="2117154243" sldId="260"/>
         </pc:sldMkLst>
         <pc:spChg chg="mod">
-          <ac:chgData name="Rebecka Fahrni" userId="54dd5cd59e7c3003" providerId="LiveId" clId="{E969ACF7-8534-4C42-BC98-DF8CFE3B1406}" dt="2023-12-18T23:45:16.606" v="1757" actId="20577"/>
+          <ac:chgData name="Rebecka Fahrni" userId="54dd5cd59e7c3003" providerId="LiveId" clId="{E969ACF7-8534-4C42-BC98-DF8CFE3B1406}" dt="2023-12-19T10:02:49.929" v="2024" actId="20577"/>
           <ac:spMkLst>
             <pc:docMk/>
             <pc:sldMk cId="2117154243" sldId="260"/>
@@ -222,19 +252,27 @@
         </pc:spChg>
       </pc:sldChg>
       <pc:sldChg chg="modSp mod">
-        <pc:chgData name="Rebecka Fahrni" userId="54dd5cd59e7c3003" providerId="LiveId" clId="{E969ACF7-8534-4C42-BC98-DF8CFE3B1406}" dt="2023-12-18T23:50:17.952" v="1983" actId="20577"/>
+        <pc:chgData name="Rebecka Fahrni" userId="54dd5cd59e7c3003" providerId="LiveId" clId="{E969ACF7-8534-4C42-BC98-DF8CFE3B1406}" dt="2023-12-19T10:17:03.814" v="2180" actId="14826"/>
         <pc:sldMkLst>
           <pc:docMk/>
           <pc:sldMk cId="3557264045" sldId="263"/>
         </pc:sldMkLst>
         <pc:spChg chg="mod">
-          <ac:chgData name="Rebecka Fahrni" userId="54dd5cd59e7c3003" providerId="LiveId" clId="{E969ACF7-8534-4C42-BC98-DF8CFE3B1406}" dt="2023-12-18T23:50:17.952" v="1983" actId="20577"/>
+          <ac:chgData name="Rebecka Fahrni" userId="54dd5cd59e7c3003" providerId="LiveId" clId="{E969ACF7-8534-4C42-BC98-DF8CFE3B1406}" dt="2023-12-19T10:14:57.207" v="2179" actId="20577"/>
           <ac:spMkLst>
             <pc:docMk/>
             <pc:sldMk cId="3557264045" sldId="263"/>
             <ac:spMk id="3" creationId="{2989B587-C6D9-A542-0FD3-9DEC01CA4539}"/>
           </ac:spMkLst>
         </pc:spChg>
+        <pc:picChg chg="mod">
+          <ac:chgData name="Rebecka Fahrni" userId="54dd5cd59e7c3003" providerId="LiveId" clId="{E969ACF7-8534-4C42-BC98-DF8CFE3B1406}" dt="2023-12-19T10:17:03.814" v="2180" actId="14826"/>
+          <ac:picMkLst>
+            <pc:docMk/>
+            <pc:sldMk cId="3557264045" sldId="263"/>
+            <ac:picMk id="7" creationId="{12C493E2-6F54-1B88-73E2-11A30FC5E9DA}"/>
+          </ac:picMkLst>
+        </pc:picChg>
       </pc:sldChg>
       <pc:sldChg chg="addSp delSp modSp new mod">
         <pc:chgData name="Rebecka Fahrni" userId="54dd5cd59e7c3003" providerId="LiveId" clId="{E969ACF7-8534-4C42-BC98-DF8CFE3B1406}" dt="2023-12-18T18:46:03.103" v="393" actId="20577"/>
@@ -543,7 +581,7 @@
         </pc:picChg>
       </pc:sldChg>
       <pc:sldChg chg="modSp new mod">
-        <pc:chgData name="Rebecka Fahrni" userId="54dd5cd59e7c3003" providerId="LiveId" clId="{E969ACF7-8534-4C42-BC98-DF8CFE3B1406}" dt="2023-12-18T23:41:04.704" v="1603" actId="20577"/>
+        <pc:chgData name="Rebecka Fahrni" userId="54dd5cd59e7c3003" providerId="LiveId" clId="{E969ACF7-8534-4C42-BC98-DF8CFE3B1406}" dt="2023-12-19T10:21:03.698" v="2315" actId="20577"/>
         <pc:sldMkLst>
           <pc:docMk/>
           <pc:sldMk cId="2182612391" sldId="270"/>
@@ -557,7 +595,7 @@
           </ac:spMkLst>
         </pc:spChg>
         <pc:spChg chg="mod">
-          <ac:chgData name="Rebecka Fahrni" userId="54dd5cd59e7c3003" providerId="LiveId" clId="{E969ACF7-8534-4C42-BC98-DF8CFE3B1406}" dt="2023-12-18T23:41:04.704" v="1603" actId="20577"/>
+          <ac:chgData name="Rebecka Fahrni" userId="54dd5cd59e7c3003" providerId="LiveId" clId="{E969ACF7-8534-4C42-BC98-DF8CFE3B1406}" dt="2023-12-19T10:21:03.698" v="2315" actId="20577"/>
           <ac:spMkLst>
             <pc:docMk/>
             <pc:sldMk cId="2182612391" sldId="270"/>
@@ -816,7 +854,7 @@
             <a:fld id="{B61BEF0D-F0BB-DE4B-95CE-6DB70DBA9567}" type="datetimeFigureOut">
               <a:rPr lang="en-US" dirty="0"/>
               <a:pPr/>
-              <a:t>12/19/23</a:t>
+              <a:t>12/19/2023</a:t>
             </a:fld>
             <a:endParaRPr lang="en-US" dirty="0"/>
           </a:p>
@@ -891,7 +929,7 @@
             <a:fld id="{D57F1E4F-1CFF-5643-939E-217C01CDF565}" type="slidenum">
               <a:rPr lang="en-US" dirty="0"/>
               <a:pPr/>
-              <a:t>‹#›</a:t>
+              <a:t>‹Nr.›</a:t>
             </a:fld>
             <a:endParaRPr lang="en-US" dirty="0"/>
           </a:p>
@@ -1075,7 +1113,7 @@
             <a:fld id="{B61BEF0D-F0BB-DE4B-95CE-6DB70DBA9567}" type="datetimeFigureOut">
               <a:rPr lang="en-US" dirty="0"/>
               <a:pPr/>
-              <a:t>12/19/23</a:t>
+              <a:t>12/19/2023</a:t>
             </a:fld>
             <a:endParaRPr lang="en-US" dirty="0"/>
           </a:p>
@@ -1118,7 +1156,7 @@
             <a:fld id="{D57F1E4F-1CFF-5643-939E-217C01CDF565}" type="slidenum">
               <a:rPr lang="en-US" dirty="0"/>
               <a:pPr/>
-              <a:t>‹#›</a:t>
+              <a:t>‹Nr.›</a:t>
             </a:fld>
             <a:endParaRPr lang="en-US" dirty="0"/>
           </a:p>
@@ -1307,7 +1345,7 @@
             <a:fld id="{B61BEF0D-F0BB-DE4B-95CE-6DB70DBA9567}" type="datetimeFigureOut">
               <a:rPr lang="en-US" dirty="0"/>
               <a:pPr/>
-              <a:t>12/19/23</a:t>
+              <a:t>12/19/2023</a:t>
             </a:fld>
             <a:endParaRPr lang="en-US" dirty="0"/>
           </a:p>
@@ -1371,7 +1409,7 @@
             <a:fld id="{D57F1E4F-1CFF-5643-939E-217C01CDF565}" type="slidenum">
               <a:rPr lang="en-US" dirty="0"/>
               <a:pPr/>
-              <a:t>‹#›</a:t>
+              <a:t>‹Nr.›</a:t>
             </a:fld>
             <a:endParaRPr lang="en-US" dirty="0"/>
           </a:p>
@@ -1544,7 +1582,7 @@
             <a:fld id="{B61BEF0D-F0BB-DE4B-95CE-6DB70DBA9567}" type="datetimeFigureOut">
               <a:rPr lang="en-US" dirty="0"/>
               <a:pPr/>
-              <a:t>12/19/23</a:t>
+              <a:t>12/19/2023</a:t>
             </a:fld>
             <a:endParaRPr lang="en-US" dirty="0"/>
           </a:p>
@@ -1592,7 +1630,7 @@
             <a:fld id="{D57F1E4F-1CFF-5643-939E-217C01CDF565}" type="slidenum">
               <a:rPr lang="en-US" dirty="0"/>
               <a:pPr/>
-              <a:t>‹#›</a:t>
+              <a:t>‹Nr.›</a:t>
             </a:fld>
             <a:endParaRPr lang="en-US" dirty="0"/>
           </a:p>
@@ -1848,7 +1886,7 @@
             <a:fld id="{B61BEF0D-F0BB-DE4B-95CE-6DB70DBA9567}" type="datetimeFigureOut">
               <a:rPr lang="en-US" dirty="0"/>
               <a:pPr/>
-              <a:t>12/19/23</a:t>
+              <a:t>12/19/2023</a:t>
             </a:fld>
             <a:endParaRPr lang="en-US" dirty="0"/>
           </a:p>
@@ -1913,7 +1951,7 @@
             <a:fld id="{D57F1E4F-1CFF-5643-939E-217C01CDF565}" type="slidenum">
               <a:rPr lang="en-US" dirty="0"/>
               <a:pPr/>
-              <a:t>‹#›</a:t>
+              <a:t>‹Nr.›</a:t>
             </a:fld>
             <a:endParaRPr lang="en-US" dirty="0"/>
           </a:p>
@@ -2147,7 +2185,7 @@
             <a:fld id="{B61BEF0D-F0BB-DE4B-95CE-6DB70DBA9567}" type="datetimeFigureOut">
               <a:rPr lang="en-US" dirty="0"/>
               <a:pPr/>
-              <a:t>12/19/23</a:t>
+              <a:t>12/19/2023</a:t>
             </a:fld>
             <a:endParaRPr lang="en-US" dirty="0"/>
           </a:p>
@@ -2190,7 +2228,7 @@
             <a:fld id="{D57F1E4F-1CFF-5643-939E-217C01CDF565}" type="slidenum">
               <a:rPr lang="en-US" dirty="0"/>
               <a:pPr/>
-              <a:t>‹#›</a:t>
+              <a:t>‹Nr.›</a:t>
             </a:fld>
             <a:endParaRPr lang="en-US" dirty="0"/>
           </a:p>
@@ -2566,7 +2604,7 @@
             <a:fld id="{B61BEF0D-F0BB-DE4B-95CE-6DB70DBA9567}" type="datetimeFigureOut">
               <a:rPr lang="en-US" dirty="0"/>
               <a:pPr/>
-              <a:t>12/19/23</a:t>
+              <a:t>12/19/2023</a:t>
             </a:fld>
             <a:endParaRPr lang="en-US" dirty="0"/>
           </a:p>
@@ -2609,7 +2647,7 @@
             <a:fld id="{D57F1E4F-1CFF-5643-939E-217C01CDF565}" type="slidenum">
               <a:rPr lang="en-US" dirty="0"/>
               <a:pPr/>
-              <a:t>‹#›</a:t>
+              <a:t>‹Nr.›</a:t>
             </a:fld>
             <a:endParaRPr lang="en-US" dirty="0"/>
           </a:p>
@@ -2658,7 +2696,7 @@
             <a:fld id="{B61BEF0D-F0BB-DE4B-95CE-6DB70DBA9567}" type="datetimeFigureOut">
               <a:rPr lang="en-US" dirty="0"/>
               <a:pPr/>
-              <a:t>12/19/23</a:t>
+              <a:t>12/19/2023</a:t>
             </a:fld>
             <a:endParaRPr lang="en-US" dirty="0"/>
           </a:p>
@@ -2701,7 +2739,7 @@
             <a:fld id="{D57F1E4F-1CFF-5643-939E-217C01CDF565}" type="slidenum">
               <a:rPr lang="en-US" dirty="0"/>
               <a:pPr/>
-              <a:t>‹#›</a:t>
+              <a:t>‹Nr.›</a:t>
             </a:fld>
             <a:endParaRPr lang="en-US" dirty="0"/>
           </a:p>
@@ -2817,7 +2855,7 @@
             <a:fld id="{B61BEF0D-F0BB-DE4B-95CE-6DB70DBA9567}" type="datetimeFigureOut">
               <a:rPr lang="en-US" dirty="0"/>
               <a:pPr/>
-              <a:t>12/19/23</a:t>
+              <a:t>12/19/2023</a:t>
             </a:fld>
             <a:endParaRPr lang="en-US" dirty="0"/>
           </a:p>
@@ -2860,7 +2898,7 @@
             <a:fld id="{D57F1E4F-1CFF-5643-939E-217C01CDF565}" type="slidenum">
               <a:rPr lang="en-US" dirty="0"/>
               <a:pPr/>
-              <a:t>‹#›</a:t>
+              <a:t>‹Nr.›</a:t>
             </a:fld>
             <a:endParaRPr lang="en-US" dirty="0"/>
           </a:p>
@@ -3192,7 +3230,7 @@
             <a:fld id="{B61BEF0D-F0BB-DE4B-95CE-6DB70DBA9567}" type="datetimeFigureOut">
               <a:rPr lang="en-US" dirty="0"/>
               <a:pPr/>
-              <a:t>12/19/23</a:t>
+              <a:t>12/19/2023</a:t>
             </a:fld>
             <a:endParaRPr lang="en-US" dirty="0"/>
           </a:p>
@@ -3257,7 +3295,7 @@
             <a:fld id="{D57F1E4F-1CFF-5643-939E-217C01CDF565}" type="slidenum">
               <a:rPr lang="en-US" dirty="0"/>
               <a:pPr/>
-              <a:t>‹#›</a:t>
+              <a:t>‹Nr.›</a:t>
             </a:fld>
             <a:endParaRPr lang="en-US" dirty="0"/>
           </a:p>
@@ -3478,7 +3516,7 @@
             <a:fld id="{B61BEF0D-F0BB-DE4B-95CE-6DB70DBA9567}" type="datetimeFigureOut">
               <a:rPr lang="en-US" dirty="0"/>
               <a:pPr/>
-              <a:t>12/19/23</a:t>
+              <a:t>12/19/2023</a:t>
             </a:fld>
             <a:endParaRPr lang="en-US" dirty="0"/>
           </a:p>
@@ -3521,7 +3559,7 @@
             <a:fld id="{D57F1E4F-1CFF-5643-939E-217C01CDF565}" type="slidenum">
               <a:rPr lang="en-US" dirty="0"/>
               <a:pPr/>
-              <a:t>‹#›</a:t>
+              <a:t>‹Nr.›</a:t>
             </a:fld>
             <a:endParaRPr lang="en-US" dirty="0"/>
           </a:p>
@@ -3686,7 +3724,7 @@
             <a:fld id="{B61BEF0D-F0BB-DE4B-95CE-6DB70DBA9567}" type="datetimeFigureOut">
               <a:rPr lang="en-US" dirty="0"/>
               <a:pPr/>
-              <a:t>12/19/23</a:t>
+              <a:t>12/19/2023</a:t>
             </a:fld>
             <a:endParaRPr lang="en-US" dirty="0"/>
           </a:p>
@@ -3761,7 +3799,7 @@
             <a:fld id="{D57F1E4F-1CFF-5643-939E-217C01CDF565}" type="slidenum">
               <a:rPr lang="en-US" dirty="0"/>
               <a:pPr/>
-              <a:t>‹#›</a:t>
+              <a:t>‹Nr.›</a:t>
             </a:fld>
             <a:endParaRPr lang="en-US" dirty="0"/>
           </a:p>
@@ -5244,6 +5282,120 @@
             </a:r>
           </a:p>
           <a:p>
+            <a:r>
+              <a:rPr lang="de-CH" dirty="0" err="1"/>
+              <a:t>Suggest</a:t>
+            </a:r>
+            <a:r>
+              <a:rPr lang="de-CH" dirty="0"/>
+              <a:t> </a:t>
+            </a:r>
+            <a:r>
+              <a:rPr lang="de-CH" dirty="0" err="1"/>
+              <a:t>using</a:t>
+            </a:r>
+            <a:r>
+              <a:rPr lang="de-CH" dirty="0"/>
+              <a:t> </a:t>
+            </a:r>
+            <a:r>
+              <a:rPr lang="de-CH" dirty="0" err="1"/>
+              <a:t>XGBoost</a:t>
+            </a:r>
+            <a:r>
+              <a:rPr lang="de-CH" dirty="0"/>
+              <a:t> </a:t>
+            </a:r>
+            <a:r>
+              <a:rPr lang="de-CH" dirty="0" err="1"/>
+              <a:t>or</a:t>
+            </a:r>
+            <a:r>
+              <a:rPr lang="de-CH" dirty="0"/>
+              <a:t> SVM </a:t>
+            </a:r>
+            <a:r>
+              <a:rPr lang="de-CH" dirty="0" err="1"/>
+              <a:t>as</a:t>
+            </a:r>
+            <a:r>
+              <a:rPr lang="de-CH" dirty="0"/>
+              <a:t> a </a:t>
+            </a:r>
+            <a:r>
+              <a:rPr lang="de-CH" dirty="0" err="1"/>
+              <a:t>baseline</a:t>
+            </a:r>
+            <a:r>
+              <a:rPr lang="de-CH" dirty="0"/>
+              <a:t> do </a:t>
+            </a:r>
+            <a:r>
+              <a:rPr lang="de-CH" dirty="0" err="1"/>
+              <a:t>better</a:t>
+            </a:r>
+            <a:r>
+              <a:rPr lang="de-CH" dirty="0"/>
+              <a:t> in </a:t>
+            </a:r>
+            <a:r>
+              <a:rPr lang="de-CH" dirty="0" err="1"/>
+              <a:t>the</a:t>
+            </a:r>
+            <a:r>
+              <a:rPr lang="de-CH" dirty="0"/>
+              <a:t> </a:t>
+            </a:r>
+            <a:r>
+              <a:rPr lang="de-CH" dirty="0" err="1"/>
+              <a:t>setting</a:t>
+            </a:r>
+            <a:r>
+              <a:rPr lang="de-CH" dirty="0"/>
+              <a:t> </a:t>
+            </a:r>
+            <a:r>
+              <a:rPr lang="de-CH" dirty="0" err="1"/>
+              <a:t>of</a:t>
+            </a:r>
+            <a:r>
+              <a:rPr lang="de-CH" dirty="0"/>
+              <a:t> </a:t>
+            </a:r>
+            <a:r>
+              <a:rPr lang="de-CH" dirty="0" err="1"/>
+              <a:t>unbalanced</a:t>
+            </a:r>
+            <a:r>
+              <a:rPr lang="de-CH" dirty="0"/>
+              <a:t> </a:t>
+            </a:r>
+            <a:r>
+              <a:rPr lang="de-CH" dirty="0" err="1"/>
+              <a:t>mulitlabel</a:t>
+            </a:r>
+            <a:r>
+              <a:rPr lang="de-CH" dirty="0"/>
+              <a:t> </a:t>
+            </a:r>
+            <a:r>
+              <a:rPr lang="de-CH" dirty="0" err="1"/>
+              <a:t>classification</a:t>
+            </a:r>
+            <a:r>
+              <a:rPr lang="de-CH" dirty="0"/>
+              <a:t> </a:t>
+            </a:r>
+            <a:r>
+              <a:rPr lang="de-CH" dirty="0" err="1"/>
+              <a:t>task</a:t>
+            </a:r>
+            <a:r>
+              <a:rPr lang="de-CH" dirty="0"/>
+              <a:t>. </a:t>
+            </a:r>
+          </a:p>
+          <a:p>
             <a:pPr marL="324000" lvl="1" indent="0">
               <a:buNone/>
             </a:pPr>
@@ -7033,15 +7185,25 @@
           <a:p>
             <a:r>
               <a:rPr lang="de-CH" dirty="0"/>
-              <a:t>Baseline </a:t>
-            </a:r>
-            <a:r>
-              <a:rPr lang="de-CH" dirty="0" err="1"/>
-              <a:t>model</a:t>
-            </a:r>
-            <a:r>
-              <a:rPr lang="de-CH" dirty="0"/>
-              <a:t> </a:t>
+              <a:t>Evaluation </a:t>
+            </a:r>
+            <a:r>
+              <a:rPr lang="de-CH" dirty="0" err="1"/>
+              <a:t>Metric</a:t>
+            </a:r>
+            <a:r>
+              <a:rPr lang="de-CH"/>
+              <a:t> of</a:t>
+            </a:r>
+            <a:r>
+              <a:rPr lang="de-CH" dirty="0"/>
+              <a:t> Models </a:t>
+            </a:r>
+          </a:p>
+          <a:p>
+            <a:r>
+              <a:rPr lang="de-CH" dirty="0"/>
+              <a:t>Baseline Models</a:t>
             </a:r>
           </a:p>
           <a:p>
@@ -7751,7 +7913,7 @@
       </p:sp>
       <p:pic>
         <p:nvPicPr>
-          <p:cNvPr id="7" name="Graphic 6" descr="Fragebogen">
+          <p:cNvPr id="7" name="Graphic 6" descr="Kommentar Like mit einfarbiger Füllung">
             <a:extLst>
               <a:ext uri="{FF2B5EF4-FFF2-40B4-BE49-F238E27FC236}">
                 <a16:creationId xmlns:a16="http://schemas.microsoft.com/office/drawing/2014/main" id="{12C493E2-6F54-1B88-73E2-11A30FC5E9DA}"/>
@@ -7766,17 +7928,13 @@
         <p:blipFill>
           <a:blip r:embed="rId2">
             <a:extLst>
-              <a:ext uri="{28A0092B-C50C-407E-A947-70E740481C1C}">
-                <a14:useLocalDpi xmlns:a14="http://schemas.microsoft.com/office/drawing/2010/main" val="0"/>
-              </a:ext>
               <a:ext uri="{96DAC541-7B7A-43D3-8B79-37D633B846F1}">
                 <asvg:svgBlip xmlns:asvg="http://schemas.microsoft.com/office/drawing/2016/SVG/main" r:embed="rId3"/>
               </a:ext>
             </a:extLst>
           </a:blip>
-          <a:stretch>
-            <a:fillRect/>
-          </a:stretch>
+          <a:srcRect/>
+          <a:stretch/>
         </p:blipFill>
         <p:spPr>
           <a:xfrm>
@@ -7812,7 +7970,7 @@
         </p:spPr>
         <p:txBody>
           <a:bodyPr>
-            <a:normAutofit/>
+            <a:normAutofit fontScale="92500" lnSpcReduction="10000"/>
           </a:bodyPr>
           <a:lstStyle/>
           <a:p>
@@ -7830,19 +7988,11 @@
             </a:r>
             <a:r>
               <a:rPr lang="de-CH" dirty="0" err="1"/>
-              <a:t>methods</a:t>
-            </a:r>
-            <a:r>
-              <a:rPr lang="de-CH" dirty="0"/>
-              <a:t> </a:t>
-            </a:r>
-            <a:r>
-              <a:rPr lang="de-CH" dirty="0" err="1"/>
-              <a:t>by</a:t>
-            </a:r>
-            <a:r>
-              <a:rPr lang="de-CH" dirty="0"/>
-              <a:t> 3-fold </a:t>
+              <a:t>method</a:t>
+            </a:r>
+            <a:r>
+              <a:rPr lang="de-CH" dirty="0"/>
+              <a:t>: 3-fold </a:t>
             </a:r>
             <a:r>
               <a:rPr lang="de-CH" dirty="0" err="1"/>
@@ -7969,8 +8119,96 @@
           </a:p>
           <a:p>
             <a:r>
+              <a:rPr lang="en-US" b="0" i="0" dirty="0">
+                <a:solidFill>
+                  <a:srgbClr val="292929"/>
+                </a:solidFill>
+                <a:effectLst/>
+                <a:latin typeface="Inter"/>
+              </a:rPr>
+              <a:t>Accuracy does not provide a complete picture of model performance, especially where</a:t>
+            </a:r>
+            <a:r>
+              <a:rPr lang="en-US" b="1" i="0" dirty="0">
+                <a:solidFill>
+                  <a:srgbClr val="5658C3"/>
+                </a:solidFill>
+                <a:effectLst/>
+                <a:latin typeface="Inter"/>
+                <a:hlinkClick r:id="rId4"/>
+              </a:rPr>
+              <a:t> class imbalance</a:t>
+            </a:r>
+            <a:r>
+              <a:rPr lang="en-US" b="1" i="0" dirty="0">
+                <a:solidFill>
+                  <a:srgbClr val="292929"/>
+                </a:solidFill>
+                <a:effectLst/>
+                <a:latin typeface="Inter"/>
+              </a:rPr>
+              <a:t> </a:t>
+            </a:r>
+            <a:r>
+              <a:rPr lang="en-US" b="0" i="0" dirty="0">
+                <a:solidFill>
+                  <a:srgbClr val="292929"/>
+                </a:solidFill>
+                <a:effectLst/>
+                <a:latin typeface="Inter"/>
+              </a:rPr>
+              <a:t>in the dataset. </a:t>
+            </a:r>
+            <a:endParaRPr lang="de-CH" dirty="0"/>
+          </a:p>
+          <a:p>
+            <a:r>
               <a:rPr lang="en-US" dirty="0"/>
-              <a:t>Primary Metric: F1-scores, balancing precision and recall for a holistic performance view.  F1-score crucial for datasets with imbalanced classes.</a:t>
+              <a:t>Primary Metric: F1-scores, balancing precision and recall for a holistic performance view</a:t>
+            </a:r>
+          </a:p>
+          <a:p>
+            <a:pPr lvl="1"/>
+            <a:r>
+              <a:rPr lang="en-US" dirty="0">
+                <a:solidFill>
+                  <a:srgbClr val="292929"/>
+                </a:solidFill>
+                <a:latin typeface="Inter"/>
+              </a:rPr>
+              <a:t>H</a:t>
+            </a:r>
+            <a:r>
+              <a:rPr lang="en-US" b="0" i="0" dirty="0">
+                <a:solidFill>
+                  <a:srgbClr val="292929"/>
+                </a:solidFill>
+                <a:effectLst/>
+                <a:latin typeface="Inter"/>
+              </a:rPr>
+              <a:t>armonic mean of precision and recall</a:t>
+            </a:r>
+            <a:endParaRPr lang="en-US" dirty="0"/>
+          </a:p>
+          <a:p>
+            <a:pPr lvl="1"/>
+            <a:r>
+              <a:rPr lang="en-US" dirty="0"/>
+              <a:t>F1-score crucial for datasets with imbalanced classes.</a:t>
+            </a:r>
+          </a:p>
+          <a:p>
+            <a:pPr lvl="1"/>
+            <a:r>
+              <a:rPr lang="en-US" dirty="0"/>
+              <a:t>High F1 score: well-balanced performance</a:t>
+            </a:r>
+          </a:p>
+          <a:p>
+            <a:pPr lvl="1"/>
+            <a:r>
+              <a:rPr lang="en-US" dirty="0"/>
+              <a:t>Low F1 score: model trouble striking balance</a:t>
             </a:r>
             <a:endParaRPr lang="de-CH" dirty="0"/>
           </a:p>
@@ -8212,14 +8450,6 @@
               <a:rPr lang="de-CH" dirty="0"/>
               <a:t>TF-IDF </a:t>
             </a:r>
-            <a:r>
-              <a:rPr lang="de-CH" dirty="0" err="1"/>
-              <a:t>with</a:t>
-            </a:r>
-            <a:r>
-              <a:rPr lang="de-CH" dirty="0"/>
-              <a:t> Naive Bayes / SVM </a:t>
-            </a:r>
           </a:p>
           <a:p>
             <a:pPr lvl="1"/>
@@ -8523,6 +8753,25 @@
             <a:r>
               <a:rPr lang="de-DE" dirty="0"/>
               <a:t>)  </a:t>
+            </a:r>
+          </a:p>
+          <a:p>
+            <a:pPr lvl="1"/>
+            <a:r>
+              <a:rPr lang="de-DE" dirty="0" err="1"/>
+              <a:t>Tested</a:t>
+            </a:r>
+            <a:r>
+              <a:rPr lang="de-DE" dirty="0"/>
+              <a:t>: SVM, NB, RF, </a:t>
+            </a:r>
+            <a:r>
+              <a:rPr lang="de-DE" dirty="0" err="1"/>
+              <a:t>XGBoost</a:t>
+            </a:r>
+            <a:r>
+              <a:rPr lang="de-DE" dirty="0"/>
+              <a:t>, </a:t>
             </a:r>
           </a:p>
         </p:txBody>

--- a/presentations/Final Presentation.pptx
+++ b/presentations/Final Presentation.pptx
@@ -141,7 +141,7 @@
   <pc:docChgLst>
     <pc:chgData name="Rebecka Fahrni" userId="54dd5cd59e7c3003" providerId="LiveId" clId="{E969ACF7-8534-4C42-BC98-DF8CFE3B1406}"/>
     <pc:docChg chg="undo redo custSel addSld delSld modSld">
-      <pc:chgData name="Rebecka Fahrni" userId="54dd5cd59e7c3003" providerId="LiveId" clId="{E969ACF7-8534-4C42-BC98-DF8CFE3B1406}" dt="2023-12-19T10:23:03.506" v="2365" actId="20577"/>
+      <pc:chgData name="Rebecka Fahrni" userId="54dd5cd59e7c3003" providerId="LiveId" clId="{E969ACF7-8534-4C42-BC98-DF8CFE3B1406}" dt="2023-12-19T10:29:03.687" v="2545" actId="20577"/>
       <pc:docMkLst>
         <pc:docMk/>
       </pc:docMkLst>
@@ -161,13 +161,13 @@
         </pc:spChg>
       </pc:sldChg>
       <pc:sldChg chg="modSp mod">
-        <pc:chgData name="Rebecka Fahrni" userId="54dd5cd59e7c3003" providerId="LiveId" clId="{E969ACF7-8534-4C42-BC98-DF8CFE3B1406}" dt="2023-12-18T23:47:20.848" v="1819" actId="20577"/>
+        <pc:chgData name="Rebecka Fahrni" userId="54dd5cd59e7c3003" providerId="LiveId" clId="{E969ACF7-8534-4C42-BC98-DF8CFE3B1406}" dt="2023-12-19T10:27:00.718" v="2525" actId="20577"/>
         <pc:sldMkLst>
           <pc:docMk/>
           <pc:sldMk cId="4148010779" sldId="258"/>
         </pc:sldMkLst>
         <pc:spChg chg="mod">
-          <ac:chgData name="Rebecka Fahrni" userId="54dd5cd59e7c3003" providerId="LiveId" clId="{E969ACF7-8534-4C42-BC98-DF8CFE3B1406}" dt="2023-12-18T23:47:20.848" v="1819" actId="20577"/>
+          <ac:chgData name="Rebecka Fahrni" userId="54dd5cd59e7c3003" providerId="LiveId" clId="{E969ACF7-8534-4C42-BC98-DF8CFE3B1406}" dt="2023-12-19T10:27:00.718" v="2525" actId="20577"/>
           <ac:spMkLst>
             <pc:docMk/>
             <pc:sldMk cId="4148010779" sldId="258"/>
@@ -191,13 +191,13 @@
         </pc:spChg>
       </pc:sldChg>
       <pc:sldChg chg="modSp mod">
-        <pc:chgData name="Rebecka Fahrni" userId="54dd5cd59e7c3003" providerId="LiveId" clId="{E969ACF7-8534-4C42-BC98-DF8CFE3B1406}" dt="2023-12-19T10:02:49.929" v="2024" actId="20577"/>
+        <pc:chgData name="Rebecka Fahrni" userId="54dd5cd59e7c3003" providerId="LiveId" clId="{E969ACF7-8534-4C42-BC98-DF8CFE3B1406}" dt="2023-12-19T10:29:03.687" v="2545" actId="20577"/>
         <pc:sldMkLst>
           <pc:docMk/>
           <pc:sldMk cId="2117154243" sldId="260"/>
         </pc:sldMkLst>
         <pc:spChg chg="mod">
-          <ac:chgData name="Rebecka Fahrni" userId="54dd5cd59e7c3003" providerId="LiveId" clId="{E969ACF7-8534-4C42-BC98-DF8CFE3B1406}" dt="2023-12-19T10:02:49.929" v="2024" actId="20577"/>
+          <ac:chgData name="Rebecka Fahrni" userId="54dd5cd59e7c3003" providerId="LiveId" clId="{E969ACF7-8534-4C42-BC98-DF8CFE3B1406}" dt="2023-12-19T10:29:03.687" v="2545" actId="20577"/>
           <ac:spMkLst>
             <pc:docMk/>
             <pc:sldMk cId="2117154243" sldId="260"/>
@@ -7712,7 +7712,7 @@
                   <a:schemeClr val="tx2"/>
                 </a:solidFill>
               </a:rPr>
-              <a:t> Multi-Label - most text have at least 2 labels  </a:t>
+              <a:t>Medical transcriptions for various medical specialties</a:t>
             </a:r>
           </a:p>
           <a:p>
@@ -7736,7 +7736,79 @@
                   <a:schemeClr val="tx2"/>
                 </a:solidFill>
               </a:rPr>
-              <a:t> Medical transcriptions for various medical specialties</a:t>
+              <a:t>Highly unbalanced dataset</a:t>
+            </a:r>
+          </a:p>
+          <a:p>
+            <a:pPr>
+              <a:spcBef>
+                <a:spcPct val="20000"/>
+              </a:spcBef>
+              <a:spcAft>
+                <a:spcPts val="600"/>
+              </a:spcAft>
+              <a:buClr>
+                <a:schemeClr val="accent2"/>
+              </a:buClr>
+              <a:buSzPct val="92000"/>
+              <a:buFont typeface="Wingdings 2" panose="05020102010507070707" pitchFamily="18" charset="2"/>
+              <a:buChar char=""/>
+            </a:pPr>
+            <a:r>
+              <a:rPr lang="en-US" dirty="0">
+                <a:solidFill>
+                  <a:schemeClr val="tx2"/>
+                </a:solidFill>
+              </a:rPr>
+              <a:t>Different text styles: very long text and shorter ones </a:t>
+            </a:r>
+          </a:p>
+          <a:p>
+            <a:pPr lvl="1">
+              <a:spcBef>
+                <a:spcPct val="20000"/>
+              </a:spcBef>
+              <a:spcAft>
+                <a:spcPts val="600"/>
+              </a:spcAft>
+              <a:buClr>
+                <a:schemeClr val="accent2"/>
+              </a:buClr>
+              <a:buSzPct val="92000"/>
+              <a:buFont typeface="Wingdings 2" panose="05020102010507070707" pitchFamily="18" charset="2"/>
+              <a:buChar char=""/>
+            </a:pPr>
+            <a:r>
+              <a:rPr lang="en-US" dirty="0">
+                <a:solidFill>
+                  <a:schemeClr val="tx2"/>
+                </a:solidFill>
+              </a:rPr>
+              <a:t>Letters vs. Autopsy reports </a:t>
+            </a:r>
+          </a:p>
+          <a:p>
+            <a:pPr>
+              <a:spcBef>
+                <a:spcPct val="20000"/>
+              </a:spcBef>
+              <a:spcAft>
+                <a:spcPts val="600"/>
+              </a:spcAft>
+              <a:buClr>
+                <a:schemeClr val="accent2"/>
+              </a:buClr>
+              <a:buSzPct val="92000"/>
+              <a:buFont typeface="Wingdings 2" panose="05020102010507070707" pitchFamily="18" charset="2"/>
+              <a:buChar char=""/>
+            </a:pPr>
+            <a:r>
+              <a:rPr lang="en-US" dirty="0">
+                <a:solidFill>
+                  <a:schemeClr val="tx2"/>
+                </a:solidFill>
+              </a:rPr>
+              <a:t>Multi-Label - most text have at least 2 labels  </a:t>
             </a:r>
           </a:p>
           <a:p>
@@ -8521,13 +8593,32 @@
             </a:r>
             <a:r>
               <a:rPr lang="de-DE" dirty="0"/>
-              <a:t>) / </a:t>
+              <a:t>) / (</a:t>
             </a:r>
             <a:r>
               <a:rPr lang="de-DE" dirty="0" err="1"/>
               <a:t>Lemmatization</a:t>
             </a:r>
-            <a:endParaRPr lang="de-DE" dirty="0"/>
+            <a:r>
+              <a:rPr lang="de-DE" dirty="0"/>
+              <a:t> – </a:t>
+            </a:r>
+            <a:r>
+              <a:rPr lang="de-DE" dirty="0" err="1"/>
+              <a:t>did</a:t>
+            </a:r>
+            <a:r>
+              <a:rPr lang="de-DE" dirty="0"/>
+              <a:t> not </a:t>
+            </a:r>
+            <a:r>
+              <a:rPr lang="de-DE" dirty="0" err="1"/>
+              <a:t>apply</a:t>
+            </a:r>
+            <a:r>
+              <a:rPr lang="de-DE" dirty="0"/>
+              <a:t>) </a:t>
+            </a:r>
           </a:p>
           <a:p>
             <a:pPr lvl="2"/>

--- a/presentations/Final Presentation.pptx
+++ b/presentations/Final Presentation.pptx
@@ -4,6 +4,9 @@
   <p:sldMasterIdLst>
     <p:sldMasterId id="2147483648" r:id="rId1"/>
   </p:sldMasterIdLst>
+  <p:notesMasterIdLst>
+    <p:notesMasterId r:id="rId19"/>
+  </p:notesMasterIdLst>
   <p:sldIdLst>
     <p:sldId id="256" r:id="rId2"/>
     <p:sldId id="257" r:id="rId3"/>
@@ -608,6 +611,440 @@
 </pc:chgInfo>
 </file>
 
+<file path=ppt/notesMasters/notesMaster1.xml><?xml version="1.0" encoding="utf-8"?>
+<p:notesMaster xmlns:a="http://schemas.openxmlformats.org/drawingml/2006/main" xmlns:r="http://schemas.openxmlformats.org/officeDocument/2006/relationships" xmlns:p="http://schemas.openxmlformats.org/presentationml/2006/main">
+  <p:cSld>
+    <p:bg>
+      <p:bgRef idx="1001">
+        <a:schemeClr val="bg1"/>
+      </p:bgRef>
+    </p:bg>
+    <p:spTree>
+      <p:nvGrpSpPr>
+        <p:cNvPr id="1" name=""/>
+        <p:cNvGrpSpPr/>
+        <p:nvPr/>
+      </p:nvGrpSpPr>
+      <p:grpSpPr>
+        <a:xfrm>
+          <a:off x="0" y="0"/>
+          <a:ext cx="0" cy="0"/>
+          <a:chOff x="0" y="0"/>
+          <a:chExt cx="0" cy="0"/>
+        </a:xfrm>
+      </p:grpSpPr>
+      <p:sp>
+        <p:nvSpPr>
+          <p:cNvPr id="2" name="Header Placeholder 1"/>
+          <p:cNvSpPr>
+            <a:spLocks noGrp="1"/>
+          </p:cNvSpPr>
+          <p:nvPr>
+            <p:ph type="hdr" sz="quarter"/>
+          </p:nvPr>
+        </p:nvSpPr>
+        <p:spPr>
+          <a:xfrm>
+            <a:off x="0" y="0"/>
+            <a:ext cx="2971800" cy="458788"/>
+          </a:xfrm>
+          <a:prstGeom prst="rect">
+            <a:avLst/>
+          </a:prstGeom>
+        </p:spPr>
+        <p:txBody>
+          <a:bodyPr vert="horz" lIns="91440" tIns="45720" rIns="91440" bIns="45720" rtlCol="0"/>
+          <a:lstStyle>
+            <a:lvl1pPr algn="l">
+              <a:defRPr sz="1200"/>
+            </a:lvl1pPr>
+          </a:lstStyle>
+          <a:p>
+            <a:endParaRPr lang="en-CH"/>
+          </a:p>
+        </p:txBody>
+      </p:sp>
+      <p:sp>
+        <p:nvSpPr>
+          <p:cNvPr id="3" name="Date Placeholder 2"/>
+          <p:cNvSpPr>
+            <a:spLocks noGrp="1"/>
+          </p:cNvSpPr>
+          <p:nvPr>
+            <p:ph type="dt" idx="1"/>
+          </p:nvPr>
+        </p:nvSpPr>
+        <p:spPr>
+          <a:xfrm>
+            <a:off x="3884613" y="0"/>
+            <a:ext cx="2971800" cy="458788"/>
+          </a:xfrm>
+          <a:prstGeom prst="rect">
+            <a:avLst/>
+          </a:prstGeom>
+        </p:spPr>
+        <p:txBody>
+          <a:bodyPr vert="horz" lIns="91440" tIns="45720" rIns="91440" bIns="45720" rtlCol="0"/>
+          <a:lstStyle>
+            <a:lvl1pPr algn="r">
+              <a:defRPr sz="1200"/>
+            </a:lvl1pPr>
+          </a:lstStyle>
+          <a:p>
+            <a:fld id="{531CD163-BB13-4B4C-AA69-1BA9382DBDED}" type="datetimeFigureOut">
+              <a:rPr lang="en-CH" smtClean="0"/>
+              <a:t>19.12.23</a:t>
+            </a:fld>
+            <a:endParaRPr lang="en-CH"/>
+          </a:p>
+        </p:txBody>
+      </p:sp>
+      <p:sp>
+        <p:nvSpPr>
+          <p:cNvPr id="4" name="Slide Image Placeholder 3"/>
+          <p:cNvSpPr>
+            <a:spLocks noGrp="1" noRot="1" noChangeAspect="1"/>
+          </p:cNvSpPr>
+          <p:nvPr>
+            <p:ph type="sldImg" idx="2"/>
+          </p:nvPr>
+        </p:nvSpPr>
+        <p:spPr>
+          <a:xfrm>
+            <a:off x="685800" y="1143000"/>
+            <a:ext cx="5486400" cy="3086100"/>
+          </a:xfrm>
+          <a:prstGeom prst="rect">
+            <a:avLst/>
+          </a:prstGeom>
+          <a:noFill/>
+          <a:ln w="12700">
+            <a:solidFill>
+              <a:prstClr val="black"/>
+            </a:solidFill>
+          </a:ln>
+        </p:spPr>
+        <p:txBody>
+          <a:bodyPr vert="horz" lIns="91440" tIns="45720" rIns="91440" bIns="45720" rtlCol="0" anchor="ctr"/>
+          <a:lstStyle/>
+          <a:p>
+            <a:endParaRPr lang="en-CH"/>
+          </a:p>
+        </p:txBody>
+      </p:sp>
+      <p:sp>
+        <p:nvSpPr>
+          <p:cNvPr id="5" name="Notes Placeholder 4"/>
+          <p:cNvSpPr>
+            <a:spLocks noGrp="1"/>
+          </p:cNvSpPr>
+          <p:nvPr>
+            <p:ph type="body" sz="quarter" idx="3"/>
+          </p:nvPr>
+        </p:nvSpPr>
+        <p:spPr>
+          <a:xfrm>
+            <a:off x="685800" y="4400550"/>
+            <a:ext cx="5486400" cy="3600450"/>
+          </a:xfrm>
+          <a:prstGeom prst="rect">
+            <a:avLst/>
+          </a:prstGeom>
+        </p:spPr>
+        <p:txBody>
+          <a:bodyPr vert="horz" lIns="91440" tIns="45720" rIns="91440" bIns="45720" rtlCol="0"/>
+          <a:lstStyle/>
+          <a:p>
+            <a:pPr lvl="0"/>
+            <a:r>
+              <a:rPr lang="en-GB"/>
+              <a:t>Click to edit Master text styles</a:t>
+            </a:r>
+          </a:p>
+          <a:p>
+            <a:pPr lvl="1"/>
+            <a:r>
+              <a:rPr lang="en-GB"/>
+              <a:t>Second level</a:t>
+            </a:r>
+          </a:p>
+          <a:p>
+            <a:pPr lvl="2"/>
+            <a:r>
+              <a:rPr lang="en-GB"/>
+              <a:t>Third level</a:t>
+            </a:r>
+          </a:p>
+          <a:p>
+            <a:pPr lvl="3"/>
+            <a:r>
+              <a:rPr lang="en-GB"/>
+              <a:t>Fourth level</a:t>
+            </a:r>
+          </a:p>
+          <a:p>
+            <a:pPr lvl="4"/>
+            <a:r>
+              <a:rPr lang="en-GB"/>
+              <a:t>Fifth level</a:t>
+            </a:r>
+            <a:endParaRPr lang="en-CH"/>
+          </a:p>
+        </p:txBody>
+      </p:sp>
+      <p:sp>
+        <p:nvSpPr>
+          <p:cNvPr id="6" name="Footer Placeholder 5"/>
+          <p:cNvSpPr>
+            <a:spLocks noGrp="1"/>
+          </p:cNvSpPr>
+          <p:nvPr>
+            <p:ph type="ftr" sz="quarter" idx="4"/>
+          </p:nvPr>
+        </p:nvSpPr>
+        <p:spPr>
+          <a:xfrm>
+            <a:off x="0" y="8685213"/>
+            <a:ext cx="2971800" cy="458787"/>
+          </a:xfrm>
+          <a:prstGeom prst="rect">
+            <a:avLst/>
+          </a:prstGeom>
+        </p:spPr>
+        <p:txBody>
+          <a:bodyPr vert="horz" lIns="91440" tIns="45720" rIns="91440" bIns="45720" rtlCol="0" anchor="b"/>
+          <a:lstStyle>
+            <a:lvl1pPr algn="l">
+              <a:defRPr sz="1200"/>
+            </a:lvl1pPr>
+          </a:lstStyle>
+          <a:p>
+            <a:endParaRPr lang="en-CH"/>
+          </a:p>
+        </p:txBody>
+      </p:sp>
+      <p:sp>
+        <p:nvSpPr>
+          <p:cNvPr id="7" name="Slide Number Placeholder 6"/>
+          <p:cNvSpPr>
+            <a:spLocks noGrp="1"/>
+          </p:cNvSpPr>
+          <p:nvPr>
+            <p:ph type="sldNum" sz="quarter" idx="5"/>
+          </p:nvPr>
+        </p:nvSpPr>
+        <p:spPr>
+          <a:xfrm>
+            <a:off x="3884613" y="8685213"/>
+            <a:ext cx="2971800" cy="458787"/>
+          </a:xfrm>
+          <a:prstGeom prst="rect">
+            <a:avLst/>
+          </a:prstGeom>
+        </p:spPr>
+        <p:txBody>
+          <a:bodyPr vert="horz" lIns="91440" tIns="45720" rIns="91440" bIns="45720" rtlCol="0" anchor="b"/>
+          <a:lstStyle>
+            <a:lvl1pPr algn="r">
+              <a:defRPr sz="1200"/>
+            </a:lvl1pPr>
+          </a:lstStyle>
+          <a:p>
+            <a:fld id="{871BE7D9-D6DA-C04D-90BA-83E9DDA7326E}" type="slidenum">
+              <a:rPr lang="en-CH" smtClean="0"/>
+              <a:t>‹#›</a:t>
+            </a:fld>
+            <a:endParaRPr lang="en-CH"/>
+          </a:p>
+        </p:txBody>
+      </p:sp>
+    </p:spTree>
+    <p:extLst>
+      <p:ext uri="{BB962C8B-B14F-4D97-AF65-F5344CB8AC3E}">
+        <p14:creationId xmlns:p14="http://schemas.microsoft.com/office/powerpoint/2010/main" val="2389052383"/>
+      </p:ext>
+    </p:extLst>
+  </p:cSld>
+  <p:clrMap bg1="lt1" tx1="dk1" bg2="lt2" tx2="dk2" accent1="accent1" accent2="accent2" accent3="accent3" accent4="accent4" accent5="accent5" accent6="accent6" hlink="hlink" folHlink="folHlink"/>
+  <p:notesStyle>
+    <a:lvl1pPr marL="0" algn="l" defTabSz="914400" rtl="0" eaLnBrk="1" latinLnBrk="0" hangingPunct="1">
+      <a:defRPr sz="1200" kern="1200">
+        <a:solidFill>
+          <a:schemeClr val="tx1"/>
+        </a:solidFill>
+        <a:latin typeface="+mn-lt"/>
+        <a:ea typeface="+mn-ea"/>
+        <a:cs typeface="+mn-cs"/>
+      </a:defRPr>
+    </a:lvl1pPr>
+    <a:lvl2pPr marL="457200" algn="l" defTabSz="914400" rtl="0" eaLnBrk="1" latinLnBrk="0" hangingPunct="1">
+      <a:defRPr sz="1200" kern="1200">
+        <a:solidFill>
+          <a:schemeClr val="tx1"/>
+        </a:solidFill>
+        <a:latin typeface="+mn-lt"/>
+        <a:ea typeface="+mn-ea"/>
+        <a:cs typeface="+mn-cs"/>
+      </a:defRPr>
+    </a:lvl2pPr>
+    <a:lvl3pPr marL="914400" algn="l" defTabSz="914400" rtl="0" eaLnBrk="1" latinLnBrk="0" hangingPunct="1">
+      <a:defRPr sz="1200" kern="1200">
+        <a:solidFill>
+          <a:schemeClr val="tx1"/>
+        </a:solidFill>
+        <a:latin typeface="+mn-lt"/>
+        <a:ea typeface="+mn-ea"/>
+        <a:cs typeface="+mn-cs"/>
+      </a:defRPr>
+    </a:lvl3pPr>
+    <a:lvl4pPr marL="1371600" algn="l" defTabSz="914400" rtl="0" eaLnBrk="1" latinLnBrk="0" hangingPunct="1">
+      <a:defRPr sz="1200" kern="1200">
+        <a:solidFill>
+          <a:schemeClr val="tx1"/>
+        </a:solidFill>
+        <a:latin typeface="+mn-lt"/>
+        <a:ea typeface="+mn-ea"/>
+        <a:cs typeface="+mn-cs"/>
+      </a:defRPr>
+    </a:lvl4pPr>
+    <a:lvl5pPr marL="1828800" algn="l" defTabSz="914400" rtl="0" eaLnBrk="1" latinLnBrk="0" hangingPunct="1">
+      <a:defRPr sz="1200" kern="1200">
+        <a:solidFill>
+          <a:schemeClr val="tx1"/>
+        </a:solidFill>
+        <a:latin typeface="+mn-lt"/>
+        <a:ea typeface="+mn-ea"/>
+        <a:cs typeface="+mn-cs"/>
+      </a:defRPr>
+    </a:lvl5pPr>
+    <a:lvl6pPr marL="2286000" algn="l" defTabSz="914400" rtl="0" eaLnBrk="1" latinLnBrk="0" hangingPunct="1">
+      <a:defRPr sz="1200" kern="1200">
+        <a:solidFill>
+          <a:schemeClr val="tx1"/>
+        </a:solidFill>
+        <a:latin typeface="+mn-lt"/>
+        <a:ea typeface="+mn-ea"/>
+        <a:cs typeface="+mn-cs"/>
+      </a:defRPr>
+    </a:lvl6pPr>
+    <a:lvl7pPr marL="2743200" algn="l" defTabSz="914400" rtl="0" eaLnBrk="1" latinLnBrk="0" hangingPunct="1">
+      <a:defRPr sz="1200" kern="1200">
+        <a:solidFill>
+          <a:schemeClr val="tx1"/>
+        </a:solidFill>
+        <a:latin typeface="+mn-lt"/>
+        <a:ea typeface="+mn-ea"/>
+        <a:cs typeface="+mn-cs"/>
+      </a:defRPr>
+    </a:lvl7pPr>
+    <a:lvl8pPr marL="3200400" algn="l" defTabSz="914400" rtl="0" eaLnBrk="1" latinLnBrk="0" hangingPunct="1">
+      <a:defRPr sz="1200" kern="1200">
+        <a:solidFill>
+          <a:schemeClr val="tx1"/>
+        </a:solidFill>
+        <a:latin typeface="+mn-lt"/>
+        <a:ea typeface="+mn-ea"/>
+        <a:cs typeface="+mn-cs"/>
+      </a:defRPr>
+    </a:lvl8pPr>
+    <a:lvl9pPr marL="3657600" algn="l" defTabSz="914400" rtl="0" eaLnBrk="1" latinLnBrk="0" hangingPunct="1">
+      <a:defRPr sz="1200" kern="1200">
+        <a:solidFill>
+          <a:schemeClr val="tx1"/>
+        </a:solidFill>
+        <a:latin typeface="+mn-lt"/>
+        <a:ea typeface="+mn-ea"/>
+        <a:cs typeface="+mn-cs"/>
+      </a:defRPr>
+    </a:lvl9pPr>
+  </p:notesStyle>
+</p:notesMaster>
+</file>
+
+<file path=ppt/notesSlides/notesSlide1.xml><?xml version="1.0" encoding="utf-8"?>
+<p:notes xmlns:a="http://schemas.openxmlformats.org/drawingml/2006/main" xmlns:r="http://schemas.openxmlformats.org/officeDocument/2006/relationships" xmlns:p="http://schemas.openxmlformats.org/presentationml/2006/main">
+  <p:cSld>
+    <p:spTree>
+      <p:nvGrpSpPr>
+        <p:cNvPr id="1" name=""/>
+        <p:cNvGrpSpPr/>
+        <p:nvPr/>
+      </p:nvGrpSpPr>
+      <p:grpSpPr>
+        <a:xfrm>
+          <a:off x="0" y="0"/>
+          <a:ext cx="0" cy="0"/>
+          <a:chOff x="0" y="0"/>
+          <a:chExt cx="0" cy="0"/>
+        </a:xfrm>
+      </p:grpSpPr>
+      <p:sp>
+        <p:nvSpPr>
+          <p:cNvPr id="2" name="Slide Image Placeholder 1"/>
+          <p:cNvSpPr>
+            <a:spLocks noGrp="1" noRot="1" noChangeAspect="1"/>
+          </p:cNvSpPr>
+          <p:nvPr>
+            <p:ph type="sldImg"/>
+          </p:nvPr>
+        </p:nvSpPr>
+        <p:spPr/>
+      </p:sp>
+      <p:sp>
+        <p:nvSpPr>
+          <p:cNvPr id="3" name="Notes Placeholder 2"/>
+          <p:cNvSpPr>
+            <a:spLocks noGrp="1"/>
+          </p:cNvSpPr>
+          <p:nvPr>
+            <p:ph type="body" idx="1"/>
+          </p:nvPr>
+        </p:nvSpPr>
+        <p:spPr/>
+        <p:txBody>
+          <a:bodyPr/>
+          <a:lstStyle/>
+          <a:p>
+            <a:endParaRPr lang="en-CH" dirty="0"/>
+          </a:p>
+        </p:txBody>
+      </p:sp>
+      <p:sp>
+        <p:nvSpPr>
+          <p:cNvPr id="4" name="Slide Number Placeholder 3"/>
+          <p:cNvSpPr>
+            <a:spLocks noGrp="1"/>
+          </p:cNvSpPr>
+          <p:nvPr>
+            <p:ph type="sldNum" sz="quarter" idx="5"/>
+          </p:nvPr>
+        </p:nvSpPr>
+        <p:spPr/>
+        <p:txBody>
+          <a:bodyPr/>
+          <a:lstStyle/>
+          <a:p>
+            <a:fld id="{871BE7D9-D6DA-C04D-90BA-83E9DDA7326E}" type="slidenum">
+              <a:rPr lang="en-CH" smtClean="0"/>
+              <a:t>1</a:t>
+            </a:fld>
+            <a:endParaRPr lang="en-CH"/>
+          </a:p>
+        </p:txBody>
+      </p:sp>
+    </p:spTree>
+    <p:extLst>
+      <p:ext uri="{BB962C8B-B14F-4D97-AF65-F5344CB8AC3E}">
+        <p14:creationId xmlns:p14="http://schemas.microsoft.com/office/powerpoint/2010/main" val="484967268"/>
+      </p:ext>
+    </p:extLst>
+  </p:cSld>
+  <p:clrMapOvr>
+    <a:masterClrMapping/>
+  </p:clrMapOvr>
+</p:notes>
+</file>
+
 <file path=ppt/slideLayouts/slideLayout1.xml><?xml version="1.0" encoding="utf-8"?>
 <p:sldLayout xmlns:a="http://schemas.openxmlformats.org/drawingml/2006/main" xmlns:r="http://schemas.openxmlformats.org/officeDocument/2006/relationships" xmlns:p="http://schemas.openxmlformats.org/presentationml/2006/main" type="title" preserve="1">
   <p:cSld name="Titelfolie">
@@ -854,7 +1291,7 @@
             <a:fld id="{B61BEF0D-F0BB-DE4B-95CE-6DB70DBA9567}" type="datetimeFigureOut">
               <a:rPr lang="en-US" dirty="0"/>
               <a:pPr/>
-              <a:t>12/19/2023</a:t>
+              <a:t>12/19/23</a:t>
             </a:fld>
             <a:endParaRPr lang="en-US" dirty="0"/>
           </a:p>
@@ -929,7 +1366,7 @@
             <a:fld id="{D57F1E4F-1CFF-5643-939E-217C01CDF565}" type="slidenum">
               <a:rPr lang="en-US" dirty="0"/>
               <a:pPr/>
-              <a:t>‹Nr.›</a:t>
+              <a:t>‹#›</a:t>
             </a:fld>
             <a:endParaRPr lang="en-US" dirty="0"/>
           </a:p>
@@ -1113,7 +1550,7 @@
             <a:fld id="{B61BEF0D-F0BB-DE4B-95CE-6DB70DBA9567}" type="datetimeFigureOut">
               <a:rPr lang="en-US" dirty="0"/>
               <a:pPr/>
-              <a:t>12/19/2023</a:t>
+              <a:t>12/19/23</a:t>
             </a:fld>
             <a:endParaRPr lang="en-US" dirty="0"/>
           </a:p>
@@ -1156,7 +1593,7 @@
             <a:fld id="{D57F1E4F-1CFF-5643-939E-217C01CDF565}" type="slidenum">
               <a:rPr lang="en-US" dirty="0"/>
               <a:pPr/>
-              <a:t>‹Nr.›</a:t>
+              <a:t>‹#›</a:t>
             </a:fld>
             <a:endParaRPr lang="en-US" dirty="0"/>
           </a:p>
@@ -1345,7 +1782,7 @@
             <a:fld id="{B61BEF0D-F0BB-DE4B-95CE-6DB70DBA9567}" type="datetimeFigureOut">
               <a:rPr lang="en-US" dirty="0"/>
               <a:pPr/>
-              <a:t>12/19/2023</a:t>
+              <a:t>12/19/23</a:t>
             </a:fld>
             <a:endParaRPr lang="en-US" dirty="0"/>
           </a:p>
@@ -1409,7 +1846,7 @@
             <a:fld id="{D57F1E4F-1CFF-5643-939E-217C01CDF565}" type="slidenum">
               <a:rPr lang="en-US" dirty="0"/>
               <a:pPr/>
-              <a:t>‹Nr.›</a:t>
+              <a:t>‹#›</a:t>
             </a:fld>
             <a:endParaRPr lang="en-US" dirty="0"/>
           </a:p>
@@ -1582,7 +2019,7 @@
             <a:fld id="{B61BEF0D-F0BB-DE4B-95CE-6DB70DBA9567}" type="datetimeFigureOut">
               <a:rPr lang="en-US" dirty="0"/>
               <a:pPr/>
-              <a:t>12/19/2023</a:t>
+              <a:t>12/19/23</a:t>
             </a:fld>
             <a:endParaRPr lang="en-US" dirty="0"/>
           </a:p>
@@ -1630,7 +2067,7 @@
             <a:fld id="{D57F1E4F-1CFF-5643-939E-217C01CDF565}" type="slidenum">
               <a:rPr lang="en-US" dirty="0"/>
               <a:pPr/>
-              <a:t>‹Nr.›</a:t>
+              <a:t>‹#›</a:t>
             </a:fld>
             <a:endParaRPr lang="en-US" dirty="0"/>
           </a:p>
@@ -1886,7 +2323,7 @@
             <a:fld id="{B61BEF0D-F0BB-DE4B-95CE-6DB70DBA9567}" type="datetimeFigureOut">
               <a:rPr lang="en-US" dirty="0"/>
               <a:pPr/>
-              <a:t>12/19/2023</a:t>
+              <a:t>12/19/23</a:t>
             </a:fld>
             <a:endParaRPr lang="en-US" dirty="0"/>
           </a:p>
@@ -1951,7 +2388,7 @@
             <a:fld id="{D57F1E4F-1CFF-5643-939E-217C01CDF565}" type="slidenum">
               <a:rPr lang="en-US" dirty="0"/>
               <a:pPr/>
-              <a:t>‹Nr.›</a:t>
+              <a:t>‹#›</a:t>
             </a:fld>
             <a:endParaRPr lang="en-US" dirty="0"/>
           </a:p>
@@ -2185,7 +2622,7 @@
             <a:fld id="{B61BEF0D-F0BB-DE4B-95CE-6DB70DBA9567}" type="datetimeFigureOut">
               <a:rPr lang="en-US" dirty="0"/>
               <a:pPr/>
-              <a:t>12/19/2023</a:t>
+              <a:t>12/19/23</a:t>
             </a:fld>
             <a:endParaRPr lang="en-US" dirty="0"/>
           </a:p>
@@ -2228,7 +2665,7 @@
             <a:fld id="{D57F1E4F-1CFF-5643-939E-217C01CDF565}" type="slidenum">
               <a:rPr lang="en-US" dirty="0"/>
               <a:pPr/>
-              <a:t>‹Nr.›</a:t>
+              <a:t>‹#›</a:t>
             </a:fld>
             <a:endParaRPr lang="en-US" dirty="0"/>
           </a:p>
@@ -2604,7 +3041,7 @@
             <a:fld id="{B61BEF0D-F0BB-DE4B-95CE-6DB70DBA9567}" type="datetimeFigureOut">
               <a:rPr lang="en-US" dirty="0"/>
               <a:pPr/>
-              <a:t>12/19/2023</a:t>
+              <a:t>12/19/23</a:t>
             </a:fld>
             <a:endParaRPr lang="en-US" dirty="0"/>
           </a:p>
@@ -2647,7 +3084,7 @@
             <a:fld id="{D57F1E4F-1CFF-5643-939E-217C01CDF565}" type="slidenum">
               <a:rPr lang="en-US" dirty="0"/>
               <a:pPr/>
-              <a:t>‹Nr.›</a:t>
+              <a:t>‹#›</a:t>
             </a:fld>
             <a:endParaRPr lang="en-US" dirty="0"/>
           </a:p>
@@ -2696,7 +3133,7 @@
             <a:fld id="{B61BEF0D-F0BB-DE4B-95CE-6DB70DBA9567}" type="datetimeFigureOut">
               <a:rPr lang="en-US" dirty="0"/>
               <a:pPr/>
-              <a:t>12/19/2023</a:t>
+              <a:t>12/19/23</a:t>
             </a:fld>
             <a:endParaRPr lang="en-US" dirty="0"/>
           </a:p>
@@ -2739,7 +3176,7 @@
             <a:fld id="{D57F1E4F-1CFF-5643-939E-217C01CDF565}" type="slidenum">
               <a:rPr lang="en-US" dirty="0"/>
               <a:pPr/>
-              <a:t>‹Nr.›</a:t>
+              <a:t>‹#›</a:t>
             </a:fld>
             <a:endParaRPr lang="en-US" dirty="0"/>
           </a:p>
@@ -2855,7 +3292,7 @@
             <a:fld id="{B61BEF0D-F0BB-DE4B-95CE-6DB70DBA9567}" type="datetimeFigureOut">
               <a:rPr lang="en-US" dirty="0"/>
               <a:pPr/>
-              <a:t>12/19/2023</a:t>
+              <a:t>12/19/23</a:t>
             </a:fld>
             <a:endParaRPr lang="en-US" dirty="0"/>
           </a:p>
@@ -2898,7 +3335,7 @@
             <a:fld id="{D57F1E4F-1CFF-5643-939E-217C01CDF565}" type="slidenum">
               <a:rPr lang="en-US" dirty="0"/>
               <a:pPr/>
-              <a:t>‹Nr.›</a:t>
+              <a:t>‹#›</a:t>
             </a:fld>
             <a:endParaRPr lang="en-US" dirty="0"/>
           </a:p>
@@ -3230,7 +3667,7 @@
             <a:fld id="{B61BEF0D-F0BB-DE4B-95CE-6DB70DBA9567}" type="datetimeFigureOut">
               <a:rPr lang="en-US" dirty="0"/>
               <a:pPr/>
-              <a:t>12/19/2023</a:t>
+              <a:t>12/19/23</a:t>
             </a:fld>
             <a:endParaRPr lang="en-US" dirty="0"/>
           </a:p>
@@ -3295,7 +3732,7 @@
             <a:fld id="{D57F1E4F-1CFF-5643-939E-217C01CDF565}" type="slidenum">
               <a:rPr lang="en-US" dirty="0"/>
               <a:pPr/>
-              <a:t>‹Nr.›</a:t>
+              <a:t>‹#›</a:t>
             </a:fld>
             <a:endParaRPr lang="en-US" dirty="0"/>
           </a:p>
@@ -3516,7 +3953,7 @@
             <a:fld id="{B61BEF0D-F0BB-DE4B-95CE-6DB70DBA9567}" type="datetimeFigureOut">
               <a:rPr lang="en-US" dirty="0"/>
               <a:pPr/>
-              <a:t>12/19/2023</a:t>
+              <a:t>12/19/23</a:t>
             </a:fld>
             <a:endParaRPr lang="en-US" dirty="0"/>
           </a:p>
@@ -3559,7 +3996,7 @@
             <a:fld id="{D57F1E4F-1CFF-5643-939E-217C01CDF565}" type="slidenum">
               <a:rPr lang="en-US" dirty="0"/>
               <a:pPr/>
-              <a:t>‹Nr.›</a:t>
+              <a:t>‹#›</a:t>
             </a:fld>
             <a:endParaRPr lang="en-US" dirty="0"/>
           </a:p>
@@ -3724,7 +4161,7 @@
             <a:fld id="{B61BEF0D-F0BB-DE4B-95CE-6DB70DBA9567}" type="datetimeFigureOut">
               <a:rPr lang="en-US" dirty="0"/>
               <a:pPr/>
-              <a:t>12/19/2023</a:t>
+              <a:t>12/19/23</a:t>
             </a:fld>
             <a:endParaRPr lang="en-US" dirty="0"/>
           </a:p>
@@ -3799,7 +4236,7 @@
             <a:fld id="{D57F1E4F-1CFF-5643-939E-217C01CDF565}" type="slidenum">
               <a:rPr lang="en-US" dirty="0"/>
               <a:pPr/>
-              <a:t>‹Nr.›</a:t>
+              <a:t>‹#›</a:t>
             </a:fld>
             <a:endParaRPr lang="en-US" dirty="0"/>
           </a:p>
@@ -6058,7 +6495,7 @@
 </file>
 
 <file path=ppt/slides/slide14.xml><?xml version="1.0" encoding="utf-8"?>
-<p:sld xmlns:a="http://schemas.openxmlformats.org/drawingml/2006/main" xmlns:r="http://schemas.openxmlformats.org/officeDocument/2006/relationships" xmlns:p="http://schemas.openxmlformats.org/presentationml/2006/main">
+<p:sld xmlns:a="http://schemas.openxmlformats.org/drawingml/2006/main" xmlns:r="http://schemas.openxmlformats.org/officeDocument/2006/relationships" xmlns:p="http://schemas.openxmlformats.org/presentationml/2006/main" show="0">
   <p:cSld>
     <p:spTree>
       <p:nvGrpSpPr>
@@ -7443,55 +7880,58 @@
           </a:bodyPr>
           <a:lstStyle/>
           <a:p>
-            <a:r>
-              <a:rPr lang="de-CH" dirty="0"/>
+            <a:pPr marL="0" indent="0">
+              <a:buNone/>
+            </a:pPr>
+            <a:r>
+              <a:rPr lang="de-CH" sz="3600" dirty="0"/>
               <a:t>Classification </a:t>
             </a:r>
             <a:r>
-              <a:rPr lang="de-CH" dirty="0" err="1"/>
+              <a:rPr lang="de-CH" sz="3600" dirty="0" err="1"/>
               <a:t>of</a:t>
             </a:r>
             <a:r>
-              <a:rPr lang="de-CH" dirty="0"/>
-              <a:t> </a:t>
-            </a:r>
-            <a:r>
-              <a:rPr lang="de-CH" dirty="0" err="1"/>
+              <a:rPr lang="de-CH" sz="3600" dirty="0"/>
+              <a:t> </a:t>
+            </a:r>
+            <a:r>
+              <a:rPr lang="de-CH" sz="3600" dirty="0" err="1"/>
               <a:t>medical</a:t>
             </a:r>
             <a:r>
-              <a:rPr lang="de-CH" dirty="0"/>
-              <a:t> </a:t>
-            </a:r>
-            <a:r>
-              <a:rPr lang="de-CH" dirty="0" err="1"/>
+              <a:rPr lang="de-CH" sz="3600" dirty="0"/>
+              <a:t> </a:t>
+            </a:r>
+            <a:r>
+              <a:rPr lang="de-CH" sz="3600" dirty="0" err="1"/>
               <a:t>transcriptions</a:t>
             </a:r>
             <a:r>
-              <a:rPr lang="de-CH" dirty="0"/>
-              <a:t> </a:t>
-            </a:r>
-            <a:r>
-              <a:rPr lang="de-CH" dirty="0" err="1"/>
+              <a:rPr lang="de-CH" sz="3600" dirty="0"/>
+              <a:t> </a:t>
+            </a:r>
+            <a:r>
+              <a:rPr lang="de-CH" sz="3600" dirty="0" err="1"/>
               <a:t>into</a:t>
             </a:r>
             <a:r>
-              <a:rPr lang="de-CH" dirty="0"/>
-              <a:t> </a:t>
-            </a:r>
-            <a:r>
-              <a:rPr lang="de-CH" dirty="0" err="1"/>
+              <a:rPr lang="de-CH" sz="3600" dirty="0"/>
+              <a:t> </a:t>
+            </a:r>
+            <a:r>
+              <a:rPr lang="de-CH" sz="3600" dirty="0" err="1"/>
               <a:t>medical</a:t>
             </a:r>
             <a:r>
-              <a:rPr lang="de-CH" dirty="0"/>
-              <a:t> </a:t>
-            </a:r>
-            <a:r>
-              <a:rPr lang="de-CH" dirty="0" err="1"/>
+              <a:rPr lang="de-CH" sz="3600" dirty="0"/>
+              <a:t> </a:t>
+            </a:r>
+            <a:r>
+              <a:rPr lang="de-CH" sz="3600" dirty="0" err="1"/>
               <a:t>specialties</a:t>
             </a:r>
-            <a:endParaRPr lang="de-CH" dirty="0"/>
+            <a:endParaRPr lang="de-CH" sz="3600" dirty="0"/>
           </a:p>
         </p:txBody>
       </p:sp>
@@ -7784,7 +8224,7 @@
                   <a:schemeClr val="tx2"/>
                 </a:solidFill>
               </a:rPr>
-              <a:t>Letters vs. Autopsy reports </a:t>
+              <a:t>Letters vs.  Autopsy reports </a:t>
             </a:r>
           </a:p>
           <a:p>
@@ -7832,7 +8272,7 @@
                   <a:schemeClr val="tx2"/>
                 </a:solidFill>
               </a:rPr>
-              <a:t> Some classes have only very few samples</a:t>
+              <a:t>Some classes have only very few samples</a:t>
             </a:r>
           </a:p>
         </p:txBody>
@@ -8104,6 +8544,22 @@
             </a:r>
             <a:r>
               <a:rPr lang="de-CH" dirty="0"/>
+              <a:t> </a:t>
+            </a:r>
+            <a:r>
+              <a:rPr lang="de-CH" dirty="0" err="1"/>
+              <a:t>using</a:t>
+            </a:r>
+            <a:r>
+              <a:rPr lang="de-CH" dirty="0"/>
+              <a:t> iterative </a:t>
+            </a:r>
+            <a:r>
+              <a:rPr lang="de-CH" dirty="0" err="1"/>
+              <a:t>stratification</a:t>
+            </a:r>
+            <a:r>
+              <a:rPr lang="de-CH" dirty="0"/>
               <a:t>.</a:t>
             </a:r>
           </a:p>
@@ -8191,45 +8647,18 @@
           </a:p>
           <a:p>
             <a:r>
-              <a:rPr lang="en-US" b="0" i="0" dirty="0">
-                <a:solidFill>
-                  <a:srgbClr val="292929"/>
-                </a:solidFill>
-                <a:effectLst/>
-                <a:latin typeface="Inter"/>
-              </a:rPr>
-              <a:t>Accuracy does not provide a complete picture of model performance, especially where</a:t>
-            </a:r>
-            <a:r>
-              <a:rPr lang="en-US" b="1" i="0" dirty="0">
-                <a:solidFill>
-                  <a:srgbClr val="5658C3"/>
-                </a:solidFill>
-                <a:effectLst/>
-                <a:latin typeface="Inter"/>
+              <a:rPr lang="en-US" dirty="0"/>
+              <a:t>Accuracy does not provide a complete picture of model performance, especially where </a:t>
+            </a:r>
+            <a:r>
+              <a:rPr lang="en-US" dirty="0">
                 <a:hlinkClick r:id="rId4"/>
               </a:rPr>
-              <a:t> class imbalance</a:t>
-            </a:r>
-            <a:r>
-              <a:rPr lang="en-US" b="1" i="0" dirty="0">
-                <a:solidFill>
-                  <a:srgbClr val="292929"/>
-                </a:solidFill>
-                <a:effectLst/>
-                <a:latin typeface="Inter"/>
-              </a:rPr>
-              <a:t> </a:t>
-            </a:r>
-            <a:r>
-              <a:rPr lang="en-US" b="0" i="0" dirty="0">
-                <a:solidFill>
-                  <a:srgbClr val="292929"/>
-                </a:solidFill>
-                <a:effectLst/>
-                <a:latin typeface="Inter"/>
-              </a:rPr>
-              <a:t>in the dataset. </a:t>
+              <a:t>class imbalance</a:t>
+            </a:r>
+            <a:r>
+              <a:rPr lang="en-US" dirty="0"/>
+              <a:t> in the dataset. </a:t>
             </a:r>
             <a:endParaRPr lang="de-CH" dirty="0"/>
           </a:p>
@@ -9271,95 +9700,6 @@
           </a:prstGeom>
         </p:spPr>
       </p:pic>
-      <p:pic>
-        <p:nvPicPr>
-          <p:cNvPr id="11" name="Grafik 10">
-            <a:extLst>
-              <a:ext uri="{FF2B5EF4-FFF2-40B4-BE49-F238E27FC236}">
-                <a16:creationId xmlns:a16="http://schemas.microsoft.com/office/drawing/2014/main" id="{0A777E58-89FD-ABB1-39C0-72F9D5B9134E}"/>
-              </a:ext>
-            </a:extLst>
-          </p:cNvPr>
-          <p:cNvPicPr>
-            <a:picLocks noChangeAspect="1"/>
-          </p:cNvPicPr>
-          <p:nvPr/>
-        </p:nvPicPr>
-        <p:blipFill>
-          <a:blip r:embed="rId3"/>
-          <a:stretch>
-            <a:fillRect/>
-          </a:stretch>
-        </p:blipFill>
-        <p:spPr>
-          <a:xfrm>
-            <a:off x="6209902" y="2402771"/>
-            <a:ext cx="5105797" cy="3624593"/>
-          </a:xfrm>
-          <a:prstGeom prst="rect">
-            <a:avLst/>
-          </a:prstGeom>
-        </p:spPr>
-      </p:pic>
-      <p:sp>
-        <p:nvSpPr>
-          <p:cNvPr id="12" name="Textfeld 11">
-            <a:extLst>
-              <a:ext uri="{FF2B5EF4-FFF2-40B4-BE49-F238E27FC236}">
-                <a16:creationId xmlns:a16="http://schemas.microsoft.com/office/drawing/2014/main" id="{12F04AFB-86C5-13EE-B2B3-34BA8C15B44F}"/>
-              </a:ext>
-            </a:extLst>
-          </p:cNvPr>
-          <p:cNvSpPr txBox="1"/>
-          <p:nvPr/>
-        </p:nvSpPr>
-        <p:spPr>
-          <a:xfrm>
-            <a:off x="6353175" y="1990725"/>
-            <a:ext cx="5257633" cy="369332"/>
-          </a:xfrm>
-          <a:prstGeom prst="rect">
-            <a:avLst/>
-          </a:prstGeom>
-          <a:noFill/>
-        </p:spPr>
-        <p:txBody>
-          <a:bodyPr wrap="square" rtlCol="0">
-            <a:spAutoFit/>
-          </a:bodyPr>
-          <a:lstStyle/>
-          <a:p>
-            <a:r>
-              <a:rPr lang="de-CH" dirty="0"/>
-              <a:t>NB - </a:t>
-            </a:r>
-            <a:r>
-              <a:rPr lang="de-CH" dirty="0" err="1"/>
-              <a:t>balanced</a:t>
-            </a:r>
-            <a:r>
-              <a:rPr lang="de-CH" dirty="0"/>
-              <a:t> </a:t>
-            </a:r>
-            <a:r>
-              <a:rPr lang="de-CH" dirty="0" err="1"/>
-              <a:t>class</a:t>
-            </a:r>
-            <a:r>
-              <a:rPr lang="de-CH" dirty="0"/>
-              <a:t> </a:t>
-            </a:r>
-            <a:r>
-              <a:rPr lang="de-CH" dirty="0" err="1"/>
-              <a:t>weights</a:t>
-            </a:r>
-            <a:r>
-              <a:rPr lang="de-CH" dirty="0"/>
-              <a:t> </a:t>
-            </a:r>
-          </a:p>
-        </p:txBody>
-      </p:sp>
       <p:sp>
         <p:nvSpPr>
           <p:cNvPr id="13" name="Textfeld 12">
@@ -9920,4 +10260,299 @@
     </a:ext>
   </a:extLst>
 </a:theme>
+</file>
+
+<file path=ppt/theme/theme2.xml><?xml version="1.0" encoding="utf-8"?>
+<a:theme xmlns:a="http://schemas.openxmlformats.org/drawingml/2006/main" name="Office Theme">
+  <a:themeElements>
+    <a:clrScheme name="Office">
+      <a:dk1>
+        <a:sysClr val="windowText" lastClr="000000"/>
+      </a:dk1>
+      <a:lt1>
+        <a:sysClr val="window" lastClr="FFFFFF"/>
+      </a:lt1>
+      <a:dk2>
+        <a:srgbClr val="44546A"/>
+      </a:dk2>
+      <a:lt2>
+        <a:srgbClr val="E7E6E6"/>
+      </a:lt2>
+      <a:accent1>
+        <a:srgbClr val="4472C4"/>
+      </a:accent1>
+      <a:accent2>
+        <a:srgbClr val="ED7D31"/>
+      </a:accent2>
+      <a:accent3>
+        <a:srgbClr val="A5A5A5"/>
+      </a:accent3>
+      <a:accent4>
+        <a:srgbClr val="FFC000"/>
+      </a:accent4>
+      <a:accent5>
+        <a:srgbClr val="5B9BD5"/>
+      </a:accent5>
+      <a:accent6>
+        <a:srgbClr val="70AD47"/>
+      </a:accent6>
+      <a:hlink>
+        <a:srgbClr val="0563C1"/>
+      </a:hlink>
+      <a:folHlink>
+        <a:srgbClr val="954F72"/>
+      </a:folHlink>
+    </a:clrScheme>
+    <a:fontScheme name="Office">
+      <a:majorFont>
+        <a:latin typeface="Calibri Light" panose="020F0302020204030204"/>
+        <a:ea typeface=""/>
+        <a:cs typeface=""/>
+        <a:font script="Jpan" typeface="游ゴシック Light"/>
+        <a:font script="Hang" typeface="맑은 고딕"/>
+        <a:font script="Hans" typeface="等线 Light"/>
+        <a:font script="Hant" typeface="新細明體"/>
+        <a:font script="Arab" typeface="Times New Roman"/>
+        <a:font script="Hebr" typeface="Times New Roman"/>
+        <a:font script="Thai" typeface="Angsana New"/>
+        <a:font script="Ethi" typeface="Nyala"/>
+        <a:font script="Beng" typeface="Vrinda"/>
+        <a:font script="Gujr" typeface="Shruti"/>
+        <a:font script="Khmr" typeface="MoolBoran"/>
+        <a:font script="Knda" typeface="Tunga"/>
+        <a:font script="Guru" typeface="Raavi"/>
+        <a:font script="Cans" typeface="Euphemia"/>
+        <a:font script="Cher" typeface="Plantagenet Cherokee"/>
+        <a:font script="Yiii" typeface="Microsoft Yi Baiti"/>
+        <a:font script="Tibt" typeface="Microsoft Himalaya"/>
+        <a:font script="Thaa" typeface="MV Boli"/>
+        <a:font script="Deva" typeface="Mangal"/>
+        <a:font script="Telu" typeface="Gautami"/>
+        <a:font script="Taml" typeface="Latha"/>
+        <a:font script="Syrc" typeface="Estrangelo Edessa"/>
+        <a:font script="Orya" typeface="Kalinga"/>
+        <a:font script="Mlym" typeface="Kartika"/>
+        <a:font script="Laoo" typeface="DokChampa"/>
+        <a:font script="Sinh" typeface="Iskoola Pota"/>
+        <a:font script="Mong" typeface="Mongolian Baiti"/>
+        <a:font script="Viet" typeface="Times New Roman"/>
+        <a:font script="Uigh" typeface="Microsoft Uighur"/>
+        <a:font script="Geor" typeface="Sylfaen"/>
+        <a:font script="Armn" typeface="Arial"/>
+        <a:font script="Bugi" typeface="Leelawadee UI"/>
+        <a:font script="Bopo" typeface="Microsoft JhengHei"/>
+        <a:font script="Java" typeface="Javanese Text"/>
+        <a:font script="Lisu" typeface="Segoe UI"/>
+        <a:font script="Mymr" typeface="Myanmar Text"/>
+        <a:font script="Nkoo" typeface="Ebrima"/>
+        <a:font script="Olck" typeface="Nirmala UI"/>
+        <a:font script="Osma" typeface="Ebrima"/>
+        <a:font script="Phag" typeface="Phagspa"/>
+        <a:font script="Syrn" typeface="Estrangelo Edessa"/>
+        <a:font script="Syrj" typeface="Estrangelo Edessa"/>
+        <a:font script="Syre" typeface="Estrangelo Edessa"/>
+        <a:font script="Sora" typeface="Nirmala UI"/>
+        <a:font script="Tale" typeface="Microsoft Tai Le"/>
+        <a:font script="Talu" typeface="Microsoft New Tai Lue"/>
+        <a:font script="Tfng" typeface="Ebrima"/>
+      </a:majorFont>
+      <a:minorFont>
+        <a:latin typeface="Calibri" panose="020F0502020204030204"/>
+        <a:ea typeface=""/>
+        <a:cs typeface=""/>
+        <a:font script="Jpan" typeface="游ゴシック"/>
+        <a:font script="Hang" typeface="맑은 고딕"/>
+        <a:font script="Hans" typeface="等线"/>
+        <a:font script="Hant" typeface="新細明體"/>
+        <a:font script="Arab" typeface="Arial"/>
+        <a:font script="Hebr" typeface="Arial"/>
+        <a:font script="Thai" typeface="Cordia New"/>
+        <a:font script="Ethi" typeface="Nyala"/>
+        <a:font script="Beng" typeface="Vrinda"/>
+        <a:font script="Gujr" typeface="Shruti"/>
+        <a:font script="Khmr" typeface="DaunPenh"/>
+        <a:font script="Knda" typeface="Tunga"/>
+        <a:font script="Guru" typeface="Raavi"/>
+        <a:font script="Cans" typeface="Euphemia"/>
+        <a:font script="Cher" typeface="Plantagenet Cherokee"/>
+        <a:font script="Yiii" typeface="Microsoft Yi Baiti"/>
+        <a:font script="Tibt" typeface="Microsoft Himalaya"/>
+        <a:font script="Thaa" typeface="MV Boli"/>
+        <a:font script="Deva" typeface="Mangal"/>
+        <a:font script="Telu" typeface="Gautami"/>
+        <a:font script="Taml" typeface="Latha"/>
+        <a:font script="Syrc" typeface="Estrangelo Edessa"/>
+        <a:font script="Orya" typeface="Kalinga"/>
+        <a:font script="Mlym" typeface="Kartika"/>
+        <a:font script="Laoo" typeface="DokChampa"/>
+        <a:font script="Sinh" typeface="Iskoola Pota"/>
+        <a:font script="Mong" typeface="Mongolian Baiti"/>
+        <a:font script="Viet" typeface="Arial"/>
+        <a:font script="Uigh" typeface="Microsoft Uighur"/>
+        <a:font script="Geor" typeface="Sylfaen"/>
+        <a:font script="Armn" typeface="Arial"/>
+        <a:font script="Bugi" typeface="Leelawadee UI"/>
+        <a:font script="Bopo" typeface="Microsoft JhengHei"/>
+        <a:font script="Java" typeface="Javanese Text"/>
+        <a:font script="Lisu" typeface="Segoe UI"/>
+        <a:font script="Mymr" typeface="Myanmar Text"/>
+        <a:font script="Nkoo" typeface="Ebrima"/>
+        <a:font script="Olck" typeface="Nirmala UI"/>
+        <a:font script="Osma" typeface="Ebrima"/>
+        <a:font script="Phag" typeface="Phagspa"/>
+        <a:font script="Syrn" typeface="Estrangelo Edessa"/>
+        <a:font script="Syrj" typeface="Estrangelo Edessa"/>
+        <a:font script="Syre" typeface="Estrangelo Edessa"/>
+        <a:font script="Sora" typeface="Nirmala UI"/>
+        <a:font script="Tale" typeface="Microsoft Tai Le"/>
+        <a:font script="Talu" typeface="Microsoft New Tai Lue"/>
+        <a:font script="Tfng" typeface="Ebrima"/>
+      </a:minorFont>
+    </a:fontScheme>
+    <a:fmtScheme name="Office">
+      <a:fillStyleLst>
+        <a:solidFill>
+          <a:schemeClr val="phClr"/>
+        </a:solidFill>
+        <a:gradFill rotWithShape="1">
+          <a:gsLst>
+            <a:gs pos="0">
+              <a:schemeClr val="phClr">
+                <a:lumMod val="110000"/>
+                <a:satMod val="105000"/>
+                <a:tint val="67000"/>
+              </a:schemeClr>
+            </a:gs>
+            <a:gs pos="50000">
+              <a:schemeClr val="phClr">
+                <a:lumMod val="105000"/>
+                <a:satMod val="103000"/>
+                <a:tint val="73000"/>
+              </a:schemeClr>
+            </a:gs>
+            <a:gs pos="100000">
+              <a:schemeClr val="phClr">
+                <a:lumMod val="105000"/>
+                <a:satMod val="109000"/>
+                <a:tint val="81000"/>
+              </a:schemeClr>
+            </a:gs>
+          </a:gsLst>
+          <a:lin ang="5400000" scaled="0"/>
+        </a:gradFill>
+        <a:gradFill rotWithShape="1">
+          <a:gsLst>
+            <a:gs pos="0">
+              <a:schemeClr val="phClr">
+                <a:satMod val="103000"/>
+                <a:lumMod val="102000"/>
+                <a:tint val="94000"/>
+              </a:schemeClr>
+            </a:gs>
+            <a:gs pos="50000">
+              <a:schemeClr val="phClr">
+                <a:satMod val="110000"/>
+                <a:lumMod val="100000"/>
+                <a:shade val="100000"/>
+              </a:schemeClr>
+            </a:gs>
+            <a:gs pos="100000">
+              <a:schemeClr val="phClr">
+                <a:lumMod val="99000"/>
+                <a:satMod val="120000"/>
+                <a:shade val="78000"/>
+              </a:schemeClr>
+            </a:gs>
+          </a:gsLst>
+          <a:lin ang="5400000" scaled="0"/>
+        </a:gradFill>
+      </a:fillStyleLst>
+      <a:lnStyleLst>
+        <a:ln w="6350" cap="flat" cmpd="sng" algn="ctr">
+          <a:solidFill>
+            <a:schemeClr val="phClr"/>
+          </a:solidFill>
+          <a:prstDash val="solid"/>
+          <a:miter lim="800000"/>
+        </a:ln>
+        <a:ln w="12700" cap="flat" cmpd="sng" algn="ctr">
+          <a:solidFill>
+            <a:schemeClr val="phClr"/>
+          </a:solidFill>
+          <a:prstDash val="solid"/>
+          <a:miter lim="800000"/>
+        </a:ln>
+        <a:ln w="19050" cap="flat" cmpd="sng" algn="ctr">
+          <a:solidFill>
+            <a:schemeClr val="phClr"/>
+          </a:solidFill>
+          <a:prstDash val="solid"/>
+          <a:miter lim="800000"/>
+        </a:ln>
+      </a:lnStyleLst>
+      <a:effectStyleLst>
+        <a:effectStyle>
+          <a:effectLst/>
+        </a:effectStyle>
+        <a:effectStyle>
+          <a:effectLst/>
+        </a:effectStyle>
+        <a:effectStyle>
+          <a:effectLst>
+            <a:outerShdw blurRad="57150" dist="19050" dir="5400000" algn="ctr" rotWithShape="0">
+              <a:srgbClr val="000000">
+                <a:alpha val="63000"/>
+              </a:srgbClr>
+            </a:outerShdw>
+          </a:effectLst>
+        </a:effectStyle>
+      </a:effectStyleLst>
+      <a:bgFillStyleLst>
+        <a:solidFill>
+          <a:schemeClr val="phClr"/>
+        </a:solidFill>
+        <a:solidFill>
+          <a:schemeClr val="phClr">
+            <a:tint val="95000"/>
+            <a:satMod val="170000"/>
+          </a:schemeClr>
+        </a:solidFill>
+        <a:gradFill rotWithShape="1">
+          <a:gsLst>
+            <a:gs pos="0">
+              <a:schemeClr val="phClr">
+                <a:tint val="93000"/>
+                <a:satMod val="150000"/>
+                <a:shade val="98000"/>
+                <a:lumMod val="102000"/>
+              </a:schemeClr>
+            </a:gs>
+            <a:gs pos="50000">
+              <a:schemeClr val="phClr">
+                <a:tint val="98000"/>
+                <a:satMod val="130000"/>
+                <a:shade val="90000"/>
+                <a:lumMod val="103000"/>
+              </a:schemeClr>
+            </a:gs>
+            <a:gs pos="100000">
+              <a:schemeClr val="phClr">
+                <a:shade val="63000"/>
+                <a:satMod val="120000"/>
+              </a:schemeClr>
+            </a:gs>
+          </a:gsLst>
+          <a:lin ang="5400000" scaled="0"/>
+        </a:gradFill>
+      </a:bgFillStyleLst>
+    </a:fmtScheme>
+  </a:themeElements>
+  <a:objectDefaults/>
+  <a:extraClrSchemeLst/>
+  <a:extLst>
+    <a:ext uri="{05A4C25C-085E-4340-85A3-A5531E510DB2}">
+      <thm15:themeFamily xmlns:thm15="http://schemas.microsoft.com/office/thememl/2012/main" name="Office Theme" id="{62F939B6-93AF-4DB8-9C6B-D6C7DFDC589F}" vid="{4A3C46E8-61CC-4603-A589-7422A47A8E4A}"/>
+    </a:ext>
+  </a:extLst>
+</a:theme>
 </file>
--- a/presentations/Final Presentation.pptx
+++ b/presentations/Final Presentation.pptx
@@ -5,26 +5,39 @@
     <p:sldMasterId id="2147483648" r:id="rId1"/>
   </p:sldMasterIdLst>
   <p:notesMasterIdLst>
-    <p:notesMasterId r:id="rId19"/>
+    <p:notesMasterId r:id="rId32"/>
   </p:notesMasterIdLst>
   <p:sldIdLst>
     <p:sldId id="256" r:id="rId2"/>
     <p:sldId id="257" r:id="rId3"/>
-    <p:sldId id="259" r:id="rId4"/>
-    <p:sldId id="258" r:id="rId5"/>
-    <p:sldId id="263" r:id="rId6"/>
-    <p:sldId id="260" r:id="rId7"/>
-    <p:sldId id="264" r:id="rId8"/>
-    <p:sldId id="265" r:id="rId9"/>
-    <p:sldId id="268" r:id="rId10"/>
-    <p:sldId id="269" r:id="rId11"/>
-    <p:sldId id="270" r:id="rId12"/>
-    <p:sldId id="271" r:id="rId13"/>
-    <p:sldId id="262" r:id="rId14"/>
-    <p:sldId id="273" r:id="rId15"/>
-    <p:sldId id="274" r:id="rId16"/>
-    <p:sldId id="272" r:id="rId17"/>
-    <p:sldId id="275" r:id="rId18"/>
+    <p:sldId id="291" r:id="rId4"/>
+    <p:sldId id="259" r:id="rId5"/>
+    <p:sldId id="258" r:id="rId6"/>
+    <p:sldId id="263" r:id="rId7"/>
+    <p:sldId id="260" r:id="rId8"/>
+    <p:sldId id="264" r:id="rId9"/>
+    <p:sldId id="265" r:id="rId10"/>
+    <p:sldId id="268" r:id="rId11"/>
+    <p:sldId id="269" r:id="rId12"/>
+    <p:sldId id="270" r:id="rId13"/>
+    <p:sldId id="271" r:id="rId14"/>
+    <p:sldId id="262" r:id="rId15"/>
+    <p:sldId id="276" r:id="rId16"/>
+    <p:sldId id="277" r:id="rId17"/>
+    <p:sldId id="274" r:id="rId18"/>
+    <p:sldId id="272" r:id="rId19"/>
+    <p:sldId id="278" r:id="rId20"/>
+    <p:sldId id="280" r:id="rId21"/>
+    <p:sldId id="281" r:id="rId22"/>
+    <p:sldId id="283" r:id="rId23"/>
+    <p:sldId id="284" r:id="rId24"/>
+    <p:sldId id="285" r:id="rId25"/>
+    <p:sldId id="286" r:id="rId26"/>
+    <p:sldId id="287" r:id="rId27"/>
+    <p:sldId id="288" r:id="rId28"/>
+    <p:sldId id="289" r:id="rId29"/>
+    <p:sldId id="290" r:id="rId30"/>
+    <p:sldId id="275" r:id="rId31"/>
   </p:sldIdLst>
   <p:sldSz cx="12192000" cy="6858000"/>
   <p:notesSz cx="6858000" cy="9144000"/>
@@ -693,7 +706,7 @@
           <a:p>
             <a:fld id="{531CD163-BB13-4B4C-AA69-1BA9382DBDED}" type="datetimeFigureOut">
               <a:rPr lang="en-CH" smtClean="0"/>
-              <a:t>19.12.23</a:t>
+              <a:t>09.01.24</a:t>
             </a:fld>
             <a:endParaRPr lang="en-CH"/>
           </a:p>
@@ -1291,7 +1304,7 @@
             <a:fld id="{B61BEF0D-F0BB-DE4B-95CE-6DB70DBA9567}" type="datetimeFigureOut">
               <a:rPr lang="en-US" dirty="0"/>
               <a:pPr/>
-              <a:t>12/19/23</a:t>
+              <a:t>1/9/24</a:t>
             </a:fld>
             <a:endParaRPr lang="en-US" dirty="0"/>
           </a:p>
@@ -1550,7 +1563,7 @@
             <a:fld id="{B61BEF0D-F0BB-DE4B-95CE-6DB70DBA9567}" type="datetimeFigureOut">
               <a:rPr lang="en-US" dirty="0"/>
               <a:pPr/>
-              <a:t>12/19/23</a:t>
+              <a:t>1/9/24</a:t>
             </a:fld>
             <a:endParaRPr lang="en-US" dirty="0"/>
           </a:p>
@@ -1782,7 +1795,7 @@
             <a:fld id="{B61BEF0D-F0BB-DE4B-95CE-6DB70DBA9567}" type="datetimeFigureOut">
               <a:rPr lang="en-US" dirty="0"/>
               <a:pPr/>
-              <a:t>12/19/23</a:t>
+              <a:t>1/9/24</a:t>
             </a:fld>
             <a:endParaRPr lang="en-US" dirty="0"/>
           </a:p>
@@ -2019,7 +2032,7 @@
             <a:fld id="{B61BEF0D-F0BB-DE4B-95CE-6DB70DBA9567}" type="datetimeFigureOut">
               <a:rPr lang="en-US" dirty="0"/>
               <a:pPr/>
-              <a:t>12/19/23</a:t>
+              <a:t>1/9/24</a:t>
             </a:fld>
             <a:endParaRPr lang="en-US" dirty="0"/>
           </a:p>
@@ -2323,7 +2336,7 @@
             <a:fld id="{B61BEF0D-F0BB-DE4B-95CE-6DB70DBA9567}" type="datetimeFigureOut">
               <a:rPr lang="en-US" dirty="0"/>
               <a:pPr/>
-              <a:t>12/19/23</a:t>
+              <a:t>1/9/24</a:t>
             </a:fld>
             <a:endParaRPr lang="en-US" dirty="0"/>
           </a:p>
@@ -2622,7 +2635,7 @@
             <a:fld id="{B61BEF0D-F0BB-DE4B-95CE-6DB70DBA9567}" type="datetimeFigureOut">
               <a:rPr lang="en-US" dirty="0"/>
               <a:pPr/>
-              <a:t>12/19/23</a:t>
+              <a:t>1/9/24</a:t>
             </a:fld>
             <a:endParaRPr lang="en-US" dirty="0"/>
           </a:p>
@@ -3041,7 +3054,7 @@
             <a:fld id="{B61BEF0D-F0BB-DE4B-95CE-6DB70DBA9567}" type="datetimeFigureOut">
               <a:rPr lang="en-US" dirty="0"/>
               <a:pPr/>
-              <a:t>12/19/23</a:t>
+              <a:t>1/9/24</a:t>
             </a:fld>
             <a:endParaRPr lang="en-US" dirty="0"/>
           </a:p>
@@ -3133,7 +3146,7 @@
             <a:fld id="{B61BEF0D-F0BB-DE4B-95CE-6DB70DBA9567}" type="datetimeFigureOut">
               <a:rPr lang="en-US" dirty="0"/>
               <a:pPr/>
-              <a:t>12/19/23</a:t>
+              <a:t>1/9/24</a:t>
             </a:fld>
             <a:endParaRPr lang="en-US" dirty="0"/>
           </a:p>
@@ -3292,7 +3305,7 @@
             <a:fld id="{B61BEF0D-F0BB-DE4B-95CE-6DB70DBA9567}" type="datetimeFigureOut">
               <a:rPr lang="en-US" dirty="0"/>
               <a:pPr/>
-              <a:t>12/19/23</a:t>
+              <a:t>1/9/24</a:t>
             </a:fld>
             <a:endParaRPr lang="en-US" dirty="0"/>
           </a:p>
@@ -3667,7 +3680,7 @@
             <a:fld id="{B61BEF0D-F0BB-DE4B-95CE-6DB70DBA9567}" type="datetimeFigureOut">
               <a:rPr lang="en-US" dirty="0"/>
               <a:pPr/>
-              <a:t>12/19/23</a:t>
+              <a:t>1/9/24</a:t>
             </a:fld>
             <a:endParaRPr lang="en-US" dirty="0"/>
           </a:p>
@@ -3953,7 +3966,7 @@
             <a:fld id="{B61BEF0D-F0BB-DE4B-95CE-6DB70DBA9567}" type="datetimeFigureOut">
               <a:rPr lang="en-US" dirty="0"/>
               <a:pPr/>
-              <a:t>12/19/23</a:t>
+              <a:t>1/9/24</a:t>
             </a:fld>
             <a:endParaRPr lang="en-US" dirty="0"/>
           </a:p>
@@ -4161,7 +4174,7 @@
             <a:fld id="{B61BEF0D-F0BB-DE4B-95CE-6DB70DBA9567}" type="datetimeFigureOut">
               <a:rPr lang="en-US" dirty="0"/>
               <a:pPr/>
-              <a:t>12/19/23</a:t>
+              <a:t>1/9/24</a:t>
             </a:fld>
             <a:endParaRPr lang="en-US" dirty="0"/>
           </a:p>
@@ -4774,7 +4787,12 @@
             <p:ph type="ctrTitle"/>
           </p:nvPr>
         </p:nvSpPr>
-        <p:spPr/>
+        <p:spPr>
+          <a:xfrm>
+            <a:off x="581191" y="1020431"/>
+            <a:ext cx="10993549" cy="1165721"/>
+          </a:xfrm>
+        </p:spPr>
         <p:txBody>
           <a:bodyPr/>
           <a:lstStyle/>
@@ -4810,9 +4828,16 @@
             <p:ph type="subTitle" idx="1"/>
           </p:nvPr>
         </p:nvSpPr>
-        <p:spPr/>
+        <p:spPr>
+          <a:xfrm>
+            <a:off x="581194" y="2186153"/>
+            <a:ext cx="10993546" cy="899614"/>
+          </a:xfrm>
+        </p:spPr>
         <p:txBody>
-          <a:bodyPr/>
+          <a:bodyPr>
+            <a:normAutofit/>
+          </a:bodyPr>
           <a:lstStyle/>
           <a:p>
             <a:r>
@@ -4821,7 +4846,20 @@
             </a:r>
           </a:p>
           <a:p>
-            <a:endParaRPr lang="de-CH" dirty="0"/>
+            <a:r>
+              <a:rPr lang="de-CH" dirty="0"/>
+              <a:t>Code: </a:t>
+            </a:r>
+            <a:r>
+              <a:rPr lang="de-CH" dirty="0">
+                <a:hlinkClick r:id="rId3"/>
+              </a:rPr>
+              <a:t>https://github.com/josefweibel/nlp-medical-project</a:t>
+            </a:r>
+            <a:r>
+              <a:rPr lang="de-CH" dirty="0"/>
+              <a:t> </a:t>
+            </a:r>
           </a:p>
         </p:txBody>
       </p:sp>
@@ -4933,13 +4971,8 @@
             </a:r>
             <a:r>
               <a:rPr lang="de-CH" dirty="0"/>
-              <a:t> Baseline Model – </a:t>
-            </a:r>
-            <a:r>
-              <a:rPr lang="de-CH" dirty="0" err="1"/>
-              <a:t>XGBoost</a:t>
-            </a:r>
-            <a:endParaRPr lang="de-CH" dirty="0"/>
+              <a:t> Baseline Model – Random Forest</a:t>
+            </a:r>
           </a:p>
         </p:txBody>
       </p:sp>
@@ -4957,7 +4990,7 @@
         </p:nvSpPr>
         <p:spPr>
           <a:xfrm>
-            <a:off x="4543619" y="1852269"/>
+            <a:off x="438150" y="1990725"/>
             <a:ext cx="4533900" cy="371475"/>
           </a:xfrm>
           <a:prstGeom prst="rect">
@@ -4972,12 +5005,8 @@
           <a:lstStyle/>
           <a:p>
             <a:r>
-              <a:rPr lang="de-CH" dirty="0" err="1"/>
-              <a:t>XGBoost</a:t>
-            </a:r>
-            <a:r>
-              <a:rPr lang="de-CH" dirty="0"/>
-              <a:t> - </a:t>
+              <a:rPr lang="de-CH" dirty="0"/>
+              <a:t>RF- </a:t>
             </a:r>
             <a:r>
               <a:rPr lang="de-CH" dirty="0" err="1"/>
@@ -4991,16 +5020,248 @@
               <a:rPr lang="de-CH" dirty="0" err="1"/>
               <a:t>class</a:t>
             </a:r>
-            <a:endParaRPr lang="de-CH" dirty="0"/>
+            <a:r>
+              <a:rPr lang="de-CH" dirty="0"/>
+              <a:t> </a:t>
+            </a:r>
+            <a:r>
+              <a:rPr lang="de-CH" dirty="0" err="1"/>
+              <a:t>weights</a:t>
+            </a:r>
+            <a:r>
+              <a:rPr lang="de-CH" dirty="0"/>
+              <a:t> </a:t>
+            </a:r>
+          </a:p>
+        </p:txBody>
+      </p:sp>
+      <p:sp>
+        <p:nvSpPr>
+          <p:cNvPr id="12" name="Textfeld 11">
+            <a:extLst>
+              <a:ext uri="{FF2B5EF4-FFF2-40B4-BE49-F238E27FC236}">
+                <a16:creationId xmlns:a16="http://schemas.microsoft.com/office/drawing/2014/main" id="{12F04AFB-86C5-13EE-B2B3-34BA8C15B44F}"/>
+              </a:ext>
+            </a:extLst>
+          </p:cNvPr>
+          <p:cNvSpPr txBox="1"/>
+          <p:nvPr/>
+        </p:nvSpPr>
+        <p:spPr>
+          <a:xfrm>
+            <a:off x="6164037" y="1990724"/>
+            <a:ext cx="5257633" cy="369332"/>
+          </a:xfrm>
+          <a:prstGeom prst="rect">
+            <a:avLst/>
+          </a:prstGeom>
+          <a:noFill/>
+        </p:spPr>
+        <p:txBody>
+          <a:bodyPr wrap="square" rtlCol="0">
+            <a:spAutoFit/>
+          </a:bodyPr>
+          <a:lstStyle/>
+          <a:p>
+            <a:r>
+              <a:rPr lang="de-CH" dirty="0"/>
+              <a:t>RF - </a:t>
+            </a:r>
+            <a:r>
+              <a:rPr lang="de-CH" dirty="0" err="1"/>
+              <a:t>balanced</a:t>
+            </a:r>
+            <a:r>
+              <a:rPr lang="de-CH" dirty="0"/>
+              <a:t> </a:t>
+            </a:r>
+            <a:r>
+              <a:rPr lang="de-CH" dirty="0" err="1"/>
+              <a:t>class</a:t>
+            </a:r>
+            <a:r>
+              <a:rPr lang="de-CH" dirty="0"/>
+              <a:t> </a:t>
+            </a:r>
+            <a:r>
+              <a:rPr lang="de-CH" dirty="0" err="1"/>
+              <a:t>weights</a:t>
+            </a:r>
+            <a:r>
+              <a:rPr kumimoji="0" lang="de-CH" sz="1800" b="0" i="0" u="none" strike="noStrike" kern="1200" cap="none" spc="0" normalizeH="0" baseline="0" noProof="0" dirty="0">
+                <a:ln>
+                  <a:noFill/>
+                </a:ln>
+                <a:solidFill>
+                  <a:prstClr val="black"/>
+                </a:solidFill>
+                <a:effectLst/>
+                <a:uLnTx/>
+                <a:uFillTx/>
+                <a:latin typeface="Gill Sans MT" panose="020B0502020104020203"/>
+                <a:ea typeface="+mn-ea"/>
+                <a:cs typeface="+mn-cs"/>
+              </a:rPr>
+              <a:t> </a:t>
+            </a:r>
+            <a:r>
+              <a:rPr lang="de-CH" sz="1200" dirty="0">
+                <a:solidFill>
+                  <a:prstClr val="black"/>
+                </a:solidFill>
+                <a:latin typeface="Gill Sans MT" panose="020B0502020104020203"/>
+              </a:rPr>
+              <a:t>(</a:t>
+            </a:r>
+            <a:r>
+              <a:rPr kumimoji="0" lang="de-CH" sz="1200" b="0" i="0" u="none" strike="noStrike" kern="1200" cap="none" spc="0" normalizeH="0" baseline="0" noProof="0" dirty="0" err="1">
+                <a:ln>
+                  <a:noFill/>
+                </a:ln>
+                <a:solidFill>
+                  <a:prstClr val="black"/>
+                </a:solidFill>
+                <a:effectLst/>
+                <a:uLnTx/>
+                <a:uFillTx/>
+                <a:latin typeface="Gill Sans MT" panose="020B0502020104020203"/>
+                <a:ea typeface="+mn-ea"/>
+                <a:cs typeface="+mn-cs"/>
+              </a:rPr>
+              <a:t>only</a:t>
+            </a:r>
+            <a:r>
+              <a:rPr kumimoji="0" lang="de-CH" sz="1200" b="0" i="0" u="none" strike="noStrike" kern="1200" cap="none" spc="0" normalizeH="0" baseline="0" noProof="0" dirty="0">
+                <a:ln>
+                  <a:noFill/>
+                </a:ln>
+                <a:solidFill>
+                  <a:prstClr val="black"/>
+                </a:solidFill>
+                <a:effectLst/>
+                <a:uLnTx/>
+                <a:uFillTx/>
+                <a:latin typeface="Gill Sans MT" panose="020B0502020104020203"/>
+                <a:ea typeface="+mn-ea"/>
+                <a:cs typeface="+mn-cs"/>
+              </a:rPr>
+              <a:t> </a:t>
+            </a:r>
+            <a:r>
+              <a:rPr kumimoji="0" lang="de-CH" sz="1200" b="0" i="0" u="none" strike="noStrike" kern="1200" cap="none" spc="0" normalizeH="0" baseline="0" noProof="0" dirty="0" err="1">
+                <a:ln>
+                  <a:noFill/>
+                </a:ln>
+                <a:solidFill>
+                  <a:prstClr val="black"/>
+                </a:solidFill>
+                <a:effectLst/>
+                <a:uLnTx/>
+                <a:uFillTx/>
+                <a:latin typeface="Gill Sans MT" panose="020B0502020104020203"/>
+                <a:ea typeface="+mn-ea"/>
+                <a:cs typeface="+mn-cs"/>
+              </a:rPr>
+              <a:t>labels</a:t>
+            </a:r>
+            <a:r>
+              <a:rPr kumimoji="0" lang="de-CH" sz="1200" b="0" i="0" u="none" strike="noStrike" kern="1200" cap="none" spc="0" normalizeH="0" baseline="0" noProof="0" dirty="0">
+                <a:ln>
+                  <a:noFill/>
+                </a:ln>
+                <a:solidFill>
+                  <a:prstClr val="black"/>
+                </a:solidFill>
+                <a:effectLst/>
+                <a:uLnTx/>
+                <a:uFillTx/>
+                <a:latin typeface="Gill Sans MT" panose="020B0502020104020203"/>
+                <a:ea typeface="+mn-ea"/>
+                <a:cs typeface="+mn-cs"/>
+              </a:rPr>
+              <a:t> </a:t>
+            </a:r>
+            <a:r>
+              <a:rPr kumimoji="0" lang="de-CH" sz="1200" b="0" i="0" u="none" strike="noStrike" kern="1200" cap="none" spc="0" normalizeH="0" baseline="0" noProof="0" dirty="0" err="1">
+                <a:ln>
+                  <a:noFill/>
+                </a:ln>
+                <a:solidFill>
+                  <a:prstClr val="black"/>
+                </a:solidFill>
+                <a:effectLst/>
+                <a:uLnTx/>
+                <a:uFillTx/>
+                <a:latin typeface="Gill Sans MT" panose="020B0502020104020203"/>
+                <a:ea typeface="+mn-ea"/>
+                <a:cs typeface="+mn-cs"/>
+              </a:rPr>
+              <a:t>with</a:t>
+            </a:r>
+            <a:r>
+              <a:rPr kumimoji="0" lang="de-CH" sz="1200" b="0" i="0" u="none" strike="noStrike" kern="1200" cap="none" spc="0" normalizeH="0" baseline="0" noProof="0" dirty="0">
+                <a:ln>
+                  <a:noFill/>
+                </a:ln>
+                <a:solidFill>
+                  <a:prstClr val="black"/>
+                </a:solidFill>
+                <a:effectLst/>
+                <a:uLnTx/>
+                <a:uFillTx/>
+                <a:latin typeface="Gill Sans MT" panose="020B0502020104020203"/>
+                <a:ea typeface="+mn-ea"/>
+                <a:cs typeface="+mn-cs"/>
+              </a:rPr>
+              <a:t> &gt;25 </a:t>
+            </a:r>
+            <a:r>
+              <a:rPr kumimoji="0" lang="de-CH" sz="1200" b="0" i="0" u="none" strike="noStrike" kern="1200" cap="none" spc="0" normalizeH="0" baseline="0" noProof="0" dirty="0" err="1">
+                <a:ln>
+                  <a:noFill/>
+                </a:ln>
+                <a:solidFill>
+                  <a:prstClr val="black"/>
+                </a:solidFill>
+                <a:effectLst/>
+                <a:uLnTx/>
+                <a:uFillTx/>
+                <a:latin typeface="Gill Sans MT" panose="020B0502020104020203"/>
+                <a:ea typeface="+mn-ea"/>
+                <a:cs typeface="+mn-cs"/>
+              </a:rPr>
+              <a:t>samples</a:t>
+            </a:r>
+            <a:r>
+              <a:rPr kumimoji="0" lang="de-CH" sz="1200" b="0" i="0" u="none" strike="noStrike" kern="1200" cap="none" spc="0" normalizeH="0" baseline="0" noProof="0" dirty="0">
+                <a:ln>
+                  <a:noFill/>
+                </a:ln>
+                <a:solidFill>
+                  <a:prstClr val="black"/>
+                </a:solidFill>
+                <a:effectLst/>
+                <a:uLnTx/>
+                <a:uFillTx/>
+                <a:latin typeface="Gill Sans MT" panose="020B0502020104020203"/>
+                <a:ea typeface="+mn-ea"/>
+                <a:cs typeface="+mn-cs"/>
+              </a:rPr>
+              <a:t>)</a:t>
+            </a:r>
+            <a:r>
+              <a:rPr lang="de-CH" dirty="0"/>
+              <a:t> </a:t>
+            </a:r>
           </a:p>
         </p:txBody>
       </p:sp>
       <p:pic>
         <p:nvPicPr>
-          <p:cNvPr id="6" name="Grafik 5">
+          <p:cNvPr id="8" name="Grafik 7">
             <a:extLst>
               <a:ext uri="{FF2B5EF4-FFF2-40B4-BE49-F238E27FC236}">
-                <a16:creationId xmlns:a16="http://schemas.microsoft.com/office/drawing/2014/main" id="{0EDC7CAD-823B-BEFC-F001-25457414E73C}"/>
+                <a16:creationId xmlns:a16="http://schemas.microsoft.com/office/drawing/2014/main" id="{41D01C4E-A1E5-D6F7-5EF0-4B7D8BF5DF46}"/>
               </a:ext>
             </a:extLst>
           </p:cNvPr>
@@ -5017,8 +5278,38 @@
         </p:blipFill>
         <p:spPr>
           <a:xfrm>
-            <a:off x="3010581" y="2360057"/>
-            <a:ext cx="5955257" cy="4218025"/>
+            <a:off x="370113" y="2360056"/>
+            <a:ext cx="5725887" cy="4064793"/>
+          </a:xfrm>
+          <a:prstGeom prst="rect">
+            <a:avLst/>
+          </a:prstGeom>
+        </p:spPr>
+      </p:pic>
+      <p:pic>
+        <p:nvPicPr>
+          <p:cNvPr id="3" name="Picture 2">
+            <a:extLst>
+              <a:ext uri="{FF2B5EF4-FFF2-40B4-BE49-F238E27FC236}">
+                <a16:creationId xmlns:a16="http://schemas.microsoft.com/office/drawing/2014/main" id="{D71976C8-040C-531D-9BD2-785DA6552128}"/>
+              </a:ext>
+            </a:extLst>
+          </p:cNvPr>
+          <p:cNvPicPr>
+            <a:picLocks noChangeAspect="1"/>
+          </p:cNvPicPr>
+          <p:nvPr/>
+        </p:nvPicPr>
+        <p:blipFill>
+          <a:blip r:embed="rId3"/>
+          <a:stretch>
+            <a:fillRect/>
+          </a:stretch>
+        </p:blipFill>
+        <p:spPr>
+          <a:xfrm>
+            <a:off x="6096000" y="2516744"/>
+            <a:ext cx="5575300" cy="3962400"/>
           </a:xfrm>
           <a:prstGeom prst="rect">
             <a:avLst/>
@@ -5028,7 +5319,7 @@
     </p:spTree>
     <p:extLst>
       <p:ext uri="{BB962C8B-B14F-4D97-AF65-F5344CB8AC3E}">
-        <p14:creationId xmlns:p14="http://schemas.microsoft.com/office/powerpoint/2010/main" val="3746944653"/>
+        <p14:creationId xmlns:p14="http://schemas.microsoft.com/office/powerpoint/2010/main" val="3007869225"/>
       </p:ext>
     </p:extLst>
   </p:cSld>
@@ -5060,6 +5351,321 @@
           <p:cNvPr id="2" name="Titel 1">
             <a:extLst>
               <a:ext uri="{FF2B5EF4-FFF2-40B4-BE49-F238E27FC236}">
+                <a16:creationId xmlns:a16="http://schemas.microsoft.com/office/drawing/2014/main" id="{50FDFC3C-7B96-F3DB-7958-45FA83152159}"/>
+              </a:ext>
+            </a:extLst>
+          </p:cNvPr>
+          <p:cNvSpPr>
+            <a:spLocks noGrp="1"/>
+          </p:cNvSpPr>
+          <p:nvPr>
+            <p:ph type="title"/>
+          </p:nvPr>
+        </p:nvSpPr>
+        <p:spPr/>
+        <p:txBody>
+          <a:bodyPr/>
+          <a:lstStyle/>
+          <a:p>
+            <a:r>
+              <a:rPr lang="de-CH" dirty="0"/>
+              <a:t>F1-Scores </a:t>
+            </a:r>
+            <a:r>
+              <a:rPr lang="de-CH" dirty="0" err="1"/>
+              <a:t>for</a:t>
+            </a:r>
+            <a:r>
+              <a:rPr lang="de-CH" dirty="0"/>
+              <a:t> Baseline Model – </a:t>
+            </a:r>
+            <a:r>
+              <a:rPr lang="de-CH" dirty="0" err="1"/>
+              <a:t>XGBoost</a:t>
+            </a:r>
+            <a:endParaRPr lang="de-CH" dirty="0"/>
+          </a:p>
+        </p:txBody>
+      </p:sp>
+      <p:sp>
+        <p:nvSpPr>
+          <p:cNvPr id="5" name="Textfeld 4">
+            <a:extLst>
+              <a:ext uri="{FF2B5EF4-FFF2-40B4-BE49-F238E27FC236}">
+                <a16:creationId xmlns:a16="http://schemas.microsoft.com/office/drawing/2014/main" id="{9DA58C8F-6915-18E7-A1E6-17402BE53BA3}"/>
+              </a:ext>
+            </a:extLst>
+          </p:cNvPr>
+          <p:cNvSpPr txBox="1"/>
+          <p:nvPr/>
+        </p:nvSpPr>
+        <p:spPr>
+          <a:xfrm>
+            <a:off x="3878317" y="1944602"/>
+            <a:ext cx="5440940" cy="369332"/>
+          </a:xfrm>
+          <a:prstGeom prst="rect">
+            <a:avLst/>
+          </a:prstGeom>
+          <a:noFill/>
+        </p:spPr>
+        <p:txBody>
+          <a:bodyPr wrap="square" rtlCol="0">
+            <a:spAutoFit/>
+          </a:bodyPr>
+          <a:lstStyle/>
+          <a:p>
+            <a:r>
+              <a:rPr lang="de-CH" dirty="0" err="1"/>
+              <a:t>XGBoost</a:t>
+            </a:r>
+            <a:r>
+              <a:rPr lang="de-CH" dirty="0"/>
+              <a:t> - </a:t>
+            </a:r>
+            <a:r>
+              <a:rPr lang="de-CH" dirty="0" err="1"/>
+              <a:t>unbalanced</a:t>
+            </a:r>
+            <a:r>
+              <a:rPr lang="de-CH" dirty="0"/>
+              <a:t> </a:t>
+            </a:r>
+            <a:r>
+              <a:rPr lang="de-CH" dirty="0" err="1"/>
+              <a:t>class</a:t>
+            </a:r>
+            <a:r>
+              <a:rPr kumimoji="0" lang="de-CH" sz="1800" b="0" i="0" u="none" strike="noStrike" kern="1200" cap="none" spc="0" normalizeH="0" baseline="0" noProof="0" dirty="0">
+                <a:ln>
+                  <a:noFill/>
+                </a:ln>
+                <a:solidFill>
+                  <a:prstClr val="black"/>
+                </a:solidFill>
+                <a:effectLst/>
+                <a:uLnTx/>
+                <a:uFillTx/>
+                <a:latin typeface="Gill Sans MT" panose="020B0502020104020203"/>
+                <a:ea typeface="+mn-ea"/>
+                <a:cs typeface="+mn-cs"/>
+              </a:rPr>
+              <a:t> </a:t>
+            </a:r>
+            <a:r>
+              <a:rPr lang="de-CH" sz="1200" dirty="0">
+                <a:solidFill>
+                  <a:prstClr val="black"/>
+                </a:solidFill>
+                <a:latin typeface="Gill Sans MT" panose="020B0502020104020203"/>
+              </a:rPr>
+              <a:t>(</a:t>
+            </a:r>
+            <a:r>
+              <a:rPr kumimoji="0" lang="de-CH" sz="1200" b="0" i="0" u="none" strike="noStrike" kern="1200" cap="none" spc="0" normalizeH="0" baseline="0" noProof="0" dirty="0" err="1">
+                <a:ln>
+                  <a:noFill/>
+                </a:ln>
+                <a:solidFill>
+                  <a:prstClr val="black"/>
+                </a:solidFill>
+                <a:effectLst/>
+                <a:uLnTx/>
+                <a:uFillTx/>
+                <a:latin typeface="Gill Sans MT" panose="020B0502020104020203"/>
+                <a:ea typeface="+mn-ea"/>
+                <a:cs typeface="+mn-cs"/>
+              </a:rPr>
+              <a:t>only</a:t>
+            </a:r>
+            <a:r>
+              <a:rPr kumimoji="0" lang="de-CH" sz="1200" b="0" i="0" u="none" strike="noStrike" kern="1200" cap="none" spc="0" normalizeH="0" baseline="0" noProof="0" dirty="0">
+                <a:ln>
+                  <a:noFill/>
+                </a:ln>
+                <a:solidFill>
+                  <a:prstClr val="black"/>
+                </a:solidFill>
+                <a:effectLst/>
+                <a:uLnTx/>
+                <a:uFillTx/>
+                <a:latin typeface="Gill Sans MT" panose="020B0502020104020203"/>
+                <a:ea typeface="+mn-ea"/>
+                <a:cs typeface="+mn-cs"/>
+              </a:rPr>
+              <a:t> </a:t>
+            </a:r>
+            <a:r>
+              <a:rPr kumimoji="0" lang="de-CH" sz="1200" b="0" i="0" u="none" strike="noStrike" kern="1200" cap="none" spc="0" normalizeH="0" baseline="0" noProof="0" dirty="0" err="1">
+                <a:ln>
+                  <a:noFill/>
+                </a:ln>
+                <a:solidFill>
+                  <a:prstClr val="black"/>
+                </a:solidFill>
+                <a:effectLst/>
+                <a:uLnTx/>
+                <a:uFillTx/>
+                <a:latin typeface="Gill Sans MT" panose="020B0502020104020203"/>
+                <a:ea typeface="+mn-ea"/>
+                <a:cs typeface="+mn-cs"/>
+              </a:rPr>
+              <a:t>labels</a:t>
+            </a:r>
+            <a:r>
+              <a:rPr kumimoji="0" lang="de-CH" sz="1200" b="0" i="0" u="none" strike="noStrike" kern="1200" cap="none" spc="0" normalizeH="0" baseline="0" noProof="0" dirty="0">
+                <a:ln>
+                  <a:noFill/>
+                </a:ln>
+                <a:solidFill>
+                  <a:prstClr val="black"/>
+                </a:solidFill>
+                <a:effectLst/>
+                <a:uLnTx/>
+                <a:uFillTx/>
+                <a:latin typeface="Gill Sans MT" panose="020B0502020104020203"/>
+                <a:ea typeface="+mn-ea"/>
+                <a:cs typeface="+mn-cs"/>
+              </a:rPr>
+              <a:t> </a:t>
+            </a:r>
+            <a:r>
+              <a:rPr kumimoji="0" lang="de-CH" sz="1200" b="0" i="0" u="none" strike="noStrike" kern="1200" cap="none" spc="0" normalizeH="0" baseline="0" noProof="0" dirty="0" err="1">
+                <a:ln>
+                  <a:noFill/>
+                </a:ln>
+                <a:solidFill>
+                  <a:prstClr val="black"/>
+                </a:solidFill>
+                <a:effectLst/>
+                <a:uLnTx/>
+                <a:uFillTx/>
+                <a:latin typeface="Gill Sans MT" panose="020B0502020104020203"/>
+                <a:ea typeface="+mn-ea"/>
+                <a:cs typeface="+mn-cs"/>
+              </a:rPr>
+              <a:t>with</a:t>
+            </a:r>
+            <a:r>
+              <a:rPr kumimoji="0" lang="de-CH" sz="1200" b="0" i="0" u="none" strike="noStrike" kern="1200" cap="none" spc="0" normalizeH="0" baseline="0" noProof="0" dirty="0">
+                <a:ln>
+                  <a:noFill/>
+                </a:ln>
+                <a:solidFill>
+                  <a:prstClr val="black"/>
+                </a:solidFill>
+                <a:effectLst/>
+                <a:uLnTx/>
+                <a:uFillTx/>
+                <a:latin typeface="Gill Sans MT" panose="020B0502020104020203"/>
+                <a:ea typeface="+mn-ea"/>
+                <a:cs typeface="+mn-cs"/>
+              </a:rPr>
+              <a:t> &gt;25 </a:t>
+            </a:r>
+            <a:r>
+              <a:rPr kumimoji="0" lang="de-CH" sz="1200" b="0" i="0" u="none" strike="noStrike" kern="1200" cap="none" spc="0" normalizeH="0" baseline="0" noProof="0" dirty="0" err="1">
+                <a:ln>
+                  <a:noFill/>
+                </a:ln>
+                <a:solidFill>
+                  <a:prstClr val="black"/>
+                </a:solidFill>
+                <a:effectLst/>
+                <a:uLnTx/>
+                <a:uFillTx/>
+                <a:latin typeface="Gill Sans MT" panose="020B0502020104020203"/>
+                <a:ea typeface="+mn-ea"/>
+                <a:cs typeface="+mn-cs"/>
+              </a:rPr>
+              <a:t>samples</a:t>
+            </a:r>
+            <a:r>
+              <a:rPr kumimoji="0" lang="de-CH" sz="1200" b="0" i="0" u="none" strike="noStrike" kern="1200" cap="none" spc="0" normalizeH="0" baseline="0" noProof="0" dirty="0">
+                <a:ln>
+                  <a:noFill/>
+                </a:ln>
+                <a:solidFill>
+                  <a:prstClr val="black"/>
+                </a:solidFill>
+                <a:effectLst/>
+                <a:uLnTx/>
+                <a:uFillTx/>
+                <a:latin typeface="Gill Sans MT" panose="020B0502020104020203"/>
+                <a:ea typeface="+mn-ea"/>
+                <a:cs typeface="+mn-cs"/>
+              </a:rPr>
+              <a:t>)</a:t>
+            </a:r>
+            <a:endParaRPr lang="de-CH" dirty="0"/>
+          </a:p>
+        </p:txBody>
+      </p:sp>
+      <p:pic>
+        <p:nvPicPr>
+          <p:cNvPr id="3" name="Picture 2">
+            <a:extLst>
+              <a:ext uri="{FF2B5EF4-FFF2-40B4-BE49-F238E27FC236}">
+                <a16:creationId xmlns:a16="http://schemas.microsoft.com/office/drawing/2014/main" id="{987488B6-3C67-1323-4C30-43BFC76D9F26}"/>
+              </a:ext>
+            </a:extLst>
+          </p:cNvPr>
+          <p:cNvPicPr>
+            <a:picLocks noChangeAspect="1"/>
+          </p:cNvPicPr>
+          <p:nvPr/>
+        </p:nvPicPr>
+        <p:blipFill>
+          <a:blip r:embed="rId2"/>
+          <a:stretch>
+            <a:fillRect/>
+          </a:stretch>
+        </p:blipFill>
+        <p:spPr>
+          <a:xfrm>
+            <a:off x="3521050" y="2458497"/>
+            <a:ext cx="5588000" cy="3962400"/>
+          </a:xfrm>
+          <a:prstGeom prst="rect">
+            <a:avLst/>
+          </a:prstGeom>
+        </p:spPr>
+      </p:pic>
+    </p:spTree>
+    <p:extLst>
+      <p:ext uri="{BB962C8B-B14F-4D97-AF65-F5344CB8AC3E}">
+        <p14:creationId xmlns:p14="http://schemas.microsoft.com/office/powerpoint/2010/main" val="3746944653"/>
+      </p:ext>
+    </p:extLst>
+  </p:cSld>
+  <p:clrMapOvr>
+    <a:masterClrMapping/>
+  </p:clrMapOvr>
+</p:sld>
+</file>
+
+<file path=ppt/slides/slide12.xml><?xml version="1.0" encoding="utf-8"?>
+<p:sld xmlns:a="http://schemas.openxmlformats.org/drawingml/2006/main" xmlns:r="http://schemas.openxmlformats.org/officeDocument/2006/relationships" xmlns:p="http://schemas.openxmlformats.org/presentationml/2006/main">
+  <p:cSld>
+    <p:spTree>
+      <p:nvGrpSpPr>
+        <p:cNvPr id="1" name=""/>
+        <p:cNvGrpSpPr/>
+        <p:nvPr/>
+      </p:nvGrpSpPr>
+      <p:grpSpPr>
+        <a:xfrm>
+          <a:off x="0" y="0"/>
+          <a:ext cx="0" cy="0"/>
+          <a:chOff x="0" y="0"/>
+          <a:chExt cx="0" cy="0"/>
+        </a:xfrm>
+      </p:grpSpPr>
+      <p:sp>
+        <p:nvSpPr>
+          <p:cNvPr id="2" name="Titel 1">
+            <a:extLst>
+              <a:ext uri="{FF2B5EF4-FFF2-40B4-BE49-F238E27FC236}">
                 <a16:creationId xmlns:a16="http://schemas.microsoft.com/office/drawing/2014/main" id="{5946CFA5-8CEF-8B46-9D10-7917336FDCBB}"/>
               </a:ext>
             </a:extLst>
@@ -5159,23 +5765,87 @@
             </a:r>
             <a:r>
               <a:rPr lang="de-CH" dirty="0" err="1"/>
-              <a:t>some</a:t>
-            </a:r>
-            <a:r>
-              <a:rPr lang="de-CH" dirty="0"/>
-              <a:t> </a:t>
-            </a:r>
-            <a:r>
-              <a:rPr lang="de-CH" dirty="0" err="1"/>
-              <a:t>labels</a:t>
-            </a:r>
-            <a:r>
-              <a:rPr lang="de-CH" dirty="0"/>
-              <a:t> </a:t>
-            </a:r>
-            <a:r>
-              <a:rPr lang="de-CH" dirty="0" err="1"/>
-              <a:t>easier</a:t>
+              <a:t>maybe</a:t>
+            </a:r>
+            <a:r>
+              <a:rPr lang="de-CH" dirty="0"/>
+              <a:t> </a:t>
+            </a:r>
+            <a:r>
+              <a:rPr lang="de-CH" dirty="0" err="1"/>
+              <a:t>because</a:t>
+            </a:r>
+            <a:r>
+              <a:rPr lang="de-CH" dirty="0"/>
+              <a:t> </a:t>
+            </a:r>
+            <a:r>
+              <a:rPr lang="de-CH" dirty="0" err="1"/>
+              <a:t>data</a:t>
+            </a:r>
+            <a:r>
+              <a:rPr lang="de-CH" dirty="0"/>
+              <a:t> </a:t>
+            </a:r>
+            <a:r>
+              <a:rPr lang="de-CH" dirty="0" err="1"/>
+              <a:t>is</a:t>
+            </a:r>
+            <a:r>
+              <a:rPr lang="de-CH" dirty="0"/>
+              <a:t> </a:t>
+            </a:r>
+            <a:r>
+              <a:rPr lang="de-CH" dirty="0" err="1"/>
+              <a:t>very</a:t>
+            </a:r>
+            <a:r>
+              <a:rPr lang="de-CH" dirty="0"/>
+              <a:t> diverse </a:t>
+            </a:r>
+            <a:r>
+              <a:rPr lang="de-CH" dirty="0" err="1"/>
+              <a:t>or</a:t>
+            </a:r>
+            <a:r>
+              <a:rPr lang="de-CH" dirty="0"/>
+              <a:t> </a:t>
+            </a:r>
+            <a:r>
+              <a:rPr lang="de-CH" dirty="0" err="1"/>
+              <a:t>label</a:t>
+            </a:r>
+            <a:r>
+              <a:rPr lang="de-CH" dirty="0"/>
+              <a:t> </a:t>
+            </a:r>
+            <a:r>
+              <a:rPr lang="de-CH" dirty="0" err="1"/>
+              <a:t>contain</a:t>
+            </a:r>
+            <a:r>
+              <a:rPr lang="de-CH" dirty="0"/>
+              <a:t> </a:t>
+            </a:r>
+            <a:r>
+              <a:rPr lang="de-CH" dirty="0" err="1"/>
+              <a:t>too</a:t>
+            </a:r>
+            <a:r>
+              <a:rPr lang="de-CH" dirty="0"/>
+              <a:t> </a:t>
+            </a:r>
+            <a:r>
+              <a:rPr lang="de-CH" dirty="0" err="1"/>
+              <a:t>few</a:t>
+            </a:r>
+            <a:r>
+              <a:rPr lang="de-CH" dirty="0"/>
+              <a:t> </a:t>
+            </a:r>
+            <a:r>
+              <a:rPr lang="de-CH" dirty="0" err="1"/>
+              <a:t>samples</a:t>
             </a:r>
             <a:r>
               <a:rPr lang="de-CH" dirty="0"/>
@@ -5191,23 +5861,404 @@
             </a:r>
             <a:r>
               <a:rPr lang="de-CH" dirty="0" err="1"/>
-              <a:t>predict</a:t>
-            </a:r>
-            <a:r>
-              <a:rPr lang="de-CH" dirty="0"/>
-              <a:t> </a:t>
-            </a:r>
-            <a:r>
-              <a:rPr lang="de-CH" dirty="0" err="1"/>
-              <a:t>than</a:t>
-            </a:r>
-            <a:r>
-              <a:rPr lang="de-CH" dirty="0"/>
-              <a:t> </a:t>
-            </a:r>
-            <a:r>
-              <a:rPr lang="de-CH" dirty="0" err="1"/>
-              <a:t>others</a:t>
+              <a:t>generalize</a:t>
+            </a:r>
+            <a:endParaRPr lang="de-CH" dirty="0"/>
+          </a:p>
+          <a:p>
+            <a:r>
+              <a:rPr lang="de-CH" dirty="0"/>
+              <a:t>Impact </a:t>
+            </a:r>
+            <a:r>
+              <a:rPr lang="de-CH" dirty="0" err="1"/>
+              <a:t>of</a:t>
+            </a:r>
+            <a:r>
+              <a:rPr lang="de-CH" dirty="0"/>
+              <a:t> Class Balance:</a:t>
+            </a:r>
+          </a:p>
+          <a:p>
+            <a:pPr lvl="1"/>
+            <a:r>
+              <a:rPr lang="de-CH" dirty="0"/>
+              <a:t>Random Forest: </a:t>
+            </a:r>
+            <a:r>
+              <a:rPr lang="de-CH" dirty="0" err="1"/>
+              <a:t>balance</a:t>
+            </a:r>
+            <a:r>
+              <a:rPr lang="de-CH" dirty="0"/>
+              <a:t> </a:t>
+            </a:r>
+            <a:r>
+              <a:rPr lang="de-CH" dirty="0" err="1"/>
+              <a:t>class</a:t>
+            </a:r>
+            <a:r>
+              <a:rPr lang="de-CH" dirty="0"/>
+              <a:t> </a:t>
+            </a:r>
+            <a:r>
+              <a:rPr lang="de-CH" dirty="0" err="1"/>
+              <a:t>weights</a:t>
+            </a:r>
+            <a:r>
+              <a:rPr lang="de-CH" dirty="0"/>
+              <a:t> in Random Forest </a:t>
+            </a:r>
+            <a:r>
+              <a:rPr lang="de-CH" dirty="0" err="1"/>
+              <a:t>models</a:t>
+            </a:r>
+            <a:r>
+              <a:rPr lang="de-CH" dirty="0"/>
+              <a:t> </a:t>
+            </a:r>
+            <a:r>
+              <a:rPr lang="de-CH" dirty="0" err="1"/>
+              <a:t>has</a:t>
+            </a:r>
+            <a:r>
+              <a:rPr lang="de-CH" dirty="0"/>
+              <a:t> </a:t>
+            </a:r>
+            <a:r>
+              <a:rPr lang="de-CH" dirty="0" err="1"/>
+              <a:t>led</a:t>
+            </a:r>
+            <a:r>
+              <a:rPr lang="de-CH" dirty="0"/>
+              <a:t> </a:t>
+            </a:r>
+            <a:r>
+              <a:rPr lang="de-CH" dirty="0" err="1"/>
+              <a:t>to</a:t>
+            </a:r>
+            <a:r>
+              <a:rPr lang="de-CH" dirty="0"/>
+              <a:t> a </a:t>
+            </a:r>
+            <a:r>
+              <a:rPr lang="de-CH" dirty="0" err="1"/>
+              <a:t>more</a:t>
+            </a:r>
+            <a:r>
+              <a:rPr lang="de-CH" dirty="0"/>
+              <a:t> uniform </a:t>
+            </a:r>
+            <a:r>
+              <a:rPr lang="de-CH" dirty="0" err="1"/>
+              <a:t>distribution</a:t>
+            </a:r>
+            <a:r>
+              <a:rPr lang="de-CH" dirty="0"/>
+              <a:t> </a:t>
+            </a:r>
+            <a:r>
+              <a:rPr lang="de-CH" dirty="0" err="1"/>
+              <a:t>of</a:t>
+            </a:r>
+            <a:r>
+              <a:rPr lang="de-CH" dirty="0"/>
+              <a:t> F1 </a:t>
+            </a:r>
+            <a:r>
+              <a:rPr lang="de-CH" dirty="0" err="1"/>
+              <a:t>scores</a:t>
+            </a:r>
+            <a:r>
+              <a:rPr lang="de-CH" dirty="0"/>
+              <a:t> </a:t>
+            </a:r>
+            <a:r>
+              <a:rPr lang="de-CH" dirty="0" err="1"/>
+              <a:t>across</a:t>
+            </a:r>
+            <a:r>
+              <a:rPr lang="de-CH" dirty="0"/>
+              <a:t> </a:t>
+            </a:r>
+            <a:r>
+              <a:rPr lang="de-CH" dirty="0" err="1"/>
+              <a:t>categories</a:t>
+            </a:r>
+            <a:r>
+              <a:rPr lang="de-CH" dirty="0"/>
+              <a:t> – positive </a:t>
+            </a:r>
+            <a:r>
+              <a:rPr lang="de-CH" dirty="0" err="1"/>
+              <a:t>impact</a:t>
+            </a:r>
+            <a:r>
+              <a:rPr lang="de-CH" dirty="0"/>
+              <a:t> </a:t>
+            </a:r>
+            <a:r>
+              <a:rPr lang="de-CH" dirty="0" err="1"/>
+              <a:t>of</a:t>
+            </a:r>
+            <a:r>
+              <a:rPr lang="de-CH" dirty="0"/>
+              <a:t> </a:t>
+            </a:r>
+            <a:r>
+              <a:rPr lang="de-CH" dirty="0" err="1"/>
+              <a:t>handling</a:t>
+            </a:r>
+            <a:r>
+              <a:rPr lang="de-CH" dirty="0"/>
+              <a:t> </a:t>
+            </a:r>
+            <a:r>
+              <a:rPr lang="de-CH" dirty="0" err="1"/>
+              <a:t>class</a:t>
+            </a:r>
+            <a:r>
+              <a:rPr lang="de-CH" dirty="0"/>
+              <a:t> </a:t>
+            </a:r>
+            <a:r>
+              <a:rPr lang="de-CH" dirty="0" err="1"/>
+              <a:t>imbalance</a:t>
+            </a:r>
+            <a:r>
+              <a:rPr lang="de-CH" dirty="0"/>
+              <a:t> </a:t>
+            </a:r>
+            <a:r>
+              <a:rPr lang="de-CH" dirty="0" err="1"/>
+              <a:t>for</a:t>
+            </a:r>
+            <a:r>
+              <a:rPr lang="de-CH" dirty="0"/>
+              <a:t> </a:t>
+            </a:r>
+            <a:r>
+              <a:rPr lang="de-CH" dirty="0" err="1"/>
+              <a:t>model</a:t>
+            </a:r>
+            <a:r>
+              <a:rPr lang="de-CH" dirty="0"/>
+              <a:t> </a:t>
+            </a:r>
+            <a:r>
+              <a:rPr lang="de-CH" dirty="0" err="1"/>
+              <a:t>performance</a:t>
+            </a:r>
+            <a:r>
+              <a:rPr lang="de-CH" dirty="0"/>
+              <a:t> </a:t>
+            </a:r>
+          </a:p>
+          <a:p>
+            <a:pPr lvl="1"/>
+            <a:r>
+              <a:rPr lang="de-CH" dirty="0"/>
+              <a:t>SVM:  </a:t>
+            </a:r>
+            <a:r>
+              <a:rPr lang="de-CH" dirty="0" err="1"/>
+              <a:t>Balanced</a:t>
+            </a:r>
+            <a:r>
+              <a:rPr lang="de-CH" dirty="0"/>
+              <a:t> </a:t>
+            </a:r>
+            <a:r>
+              <a:rPr lang="de-CH" dirty="0" err="1"/>
+              <a:t>class</a:t>
+            </a:r>
+            <a:r>
+              <a:rPr lang="de-CH" dirty="0"/>
+              <a:t> </a:t>
+            </a:r>
+            <a:r>
+              <a:rPr lang="de-CH" dirty="0" err="1"/>
+              <a:t>weights</a:t>
+            </a:r>
+            <a:r>
+              <a:rPr lang="de-CH" dirty="0"/>
+              <a:t> </a:t>
+            </a:r>
+            <a:r>
+              <a:rPr lang="de-CH" dirty="0" err="1"/>
+              <a:t>improved</a:t>
+            </a:r>
+            <a:r>
+              <a:rPr lang="de-CH" dirty="0"/>
+              <a:t> </a:t>
+            </a:r>
+            <a:r>
+              <a:rPr lang="de-CH" dirty="0" err="1"/>
+              <a:t>performance</a:t>
+            </a:r>
+            <a:r>
+              <a:rPr lang="de-CH" dirty="0"/>
+              <a:t> on </a:t>
+            </a:r>
+            <a:r>
+              <a:rPr lang="de-CH" dirty="0" err="1"/>
+              <a:t>several</a:t>
+            </a:r>
+            <a:r>
+              <a:rPr lang="de-CH" dirty="0"/>
+              <a:t> </a:t>
+            </a:r>
+            <a:r>
+              <a:rPr lang="de-CH" dirty="0" err="1"/>
+              <a:t>minority</a:t>
+            </a:r>
+            <a:r>
+              <a:rPr lang="de-CH" dirty="0"/>
+              <a:t> </a:t>
+            </a:r>
+            <a:r>
+              <a:rPr lang="de-CH" dirty="0" err="1"/>
+              <a:t>classes</a:t>
+            </a:r>
+            <a:endParaRPr lang="de-CH" dirty="0"/>
+          </a:p>
+          <a:p>
+            <a:pPr lvl="1"/>
+            <a:r>
+              <a:rPr lang="de-CH" dirty="0"/>
+              <a:t>NB and </a:t>
+            </a:r>
+            <a:r>
+              <a:rPr lang="de-CH" dirty="0" err="1"/>
+              <a:t>XGBoost</a:t>
+            </a:r>
+            <a:r>
+              <a:rPr lang="de-CH" dirty="0"/>
+              <a:t>: These </a:t>
+            </a:r>
+            <a:r>
+              <a:rPr lang="de-CH" dirty="0" err="1"/>
+              <a:t>models</a:t>
+            </a:r>
+            <a:r>
+              <a:rPr lang="de-CH" dirty="0"/>
+              <a:t> do not </a:t>
+            </a:r>
+            <a:r>
+              <a:rPr lang="de-CH" dirty="0" err="1"/>
+              <a:t>inherently</a:t>
+            </a:r>
+            <a:r>
+              <a:rPr lang="de-CH" dirty="0"/>
+              <a:t> support </a:t>
+            </a:r>
+            <a:r>
+              <a:rPr lang="de-CH" dirty="0" err="1"/>
+              <a:t>class</a:t>
+            </a:r>
+            <a:r>
+              <a:rPr lang="de-CH" dirty="0"/>
+              <a:t> </a:t>
+            </a:r>
+            <a:r>
+              <a:rPr lang="de-CH" dirty="0" err="1"/>
+              <a:t>weights</a:t>
+            </a:r>
+            <a:r>
+              <a:rPr lang="de-CH" dirty="0"/>
+              <a:t> and </a:t>
+            </a:r>
+            <a:r>
+              <a:rPr lang="de-CH" dirty="0" err="1"/>
+              <a:t>show</a:t>
+            </a:r>
+            <a:r>
+              <a:rPr lang="de-CH" dirty="0"/>
+              <a:t> </a:t>
+            </a:r>
+            <a:r>
+              <a:rPr lang="de-CH" dirty="0" err="1"/>
+              <a:t>more</a:t>
+            </a:r>
+            <a:r>
+              <a:rPr lang="de-CH" dirty="0"/>
+              <a:t> </a:t>
+            </a:r>
+            <a:r>
+              <a:rPr lang="de-CH" dirty="0" err="1"/>
+              <a:t>disparity</a:t>
+            </a:r>
+            <a:r>
+              <a:rPr lang="de-CH" dirty="0"/>
+              <a:t> in </a:t>
+            </a:r>
+            <a:r>
+              <a:rPr lang="de-CH" dirty="0" err="1"/>
+              <a:t>performance</a:t>
+            </a:r>
+            <a:r>
+              <a:rPr lang="de-CH" dirty="0"/>
+              <a:t> </a:t>
+            </a:r>
+            <a:r>
+              <a:rPr lang="de-CH" dirty="0" err="1"/>
+              <a:t>across</a:t>
+            </a:r>
+            <a:r>
+              <a:rPr lang="de-CH" dirty="0"/>
+              <a:t> </a:t>
+            </a:r>
+            <a:r>
+              <a:rPr lang="de-CH" dirty="0" err="1"/>
+              <a:t>categories</a:t>
+            </a:r>
+            <a:r>
+              <a:rPr lang="de-CH" dirty="0"/>
+              <a:t>. NB </a:t>
+            </a:r>
+            <a:r>
+              <a:rPr lang="de-CH" dirty="0" err="1"/>
+              <a:t>struggles</a:t>
+            </a:r>
+            <a:r>
+              <a:rPr lang="de-CH" dirty="0"/>
+              <a:t> </a:t>
+            </a:r>
+            <a:r>
+              <a:rPr lang="de-CH" dirty="0" err="1"/>
+              <a:t>more</a:t>
+            </a:r>
+            <a:r>
+              <a:rPr lang="de-CH" dirty="0"/>
+              <a:t> </a:t>
+            </a:r>
+            <a:r>
+              <a:rPr lang="de-CH" dirty="0" err="1"/>
+              <a:t>with</a:t>
+            </a:r>
+            <a:r>
+              <a:rPr lang="de-CH" dirty="0"/>
+              <a:t> </a:t>
+            </a:r>
+            <a:r>
+              <a:rPr lang="de-CH" dirty="0" err="1"/>
+              <a:t>the</a:t>
+            </a:r>
+            <a:r>
+              <a:rPr lang="de-CH" dirty="0"/>
+              <a:t> </a:t>
+            </a:r>
+            <a:r>
+              <a:rPr lang="de-CH" dirty="0" err="1"/>
+              <a:t>class</a:t>
+            </a:r>
+            <a:r>
+              <a:rPr lang="de-CH" dirty="0"/>
+              <a:t> </a:t>
+            </a:r>
+            <a:r>
+              <a:rPr lang="de-CH" dirty="0" err="1"/>
+              <a:t>imbalance</a:t>
             </a:r>
             <a:r>
               <a:rPr lang="de-CH" dirty="0"/>
@@ -5215,15 +6266,37 @@
             </a:r>
             <a:r>
               <a:rPr lang="de-CH" dirty="0" err="1"/>
-              <a:t>or</a:t>
-            </a:r>
-            <a:r>
-              <a:rPr lang="de-CH" dirty="0"/>
-              <a:t> </a:t>
-            </a:r>
-            <a:r>
-              <a:rPr lang="de-CH" dirty="0" err="1"/>
-              <a:t>that</a:t>
+              <a:t>gradient</a:t>
+            </a:r>
+            <a:r>
+              <a:rPr lang="de-CH" dirty="0"/>
+              <a:t> boost </a:t>
+            </a:r>
+            <a:r>
+              <a:rPr lang="de-CH" dirty="0" err="1"/>
+              <a:t>is</a:t>
+            </a:r>
+            <a:r>
+              <a:rPr lang="de-CH" dirty="0"/>
+              <a:t> </a:t>
+            </a:r>
+            <a:r>
+              <a:rPr lang="de-CH" dirty="0" err="1"/>
+              <a:t>more</a:t>
+            </a:r>
+            <a:r>
+              <a:rPr lang="de-CH" dirty="0"/>
+              <a:t> robust. </a:t>
+            </a:r>
+          </a:p>
+          <a:p>
+            <a:r>
+              <a:rPr lang="de-CH" dirty="0"/>
+              <a:t>Random Forest </a:t>
+            </a:r>
+            <a:r>
+              <a:rPr lang="de-CH" dirty="0" err="1"/>
+              <a:t>is</a:t>
             </a:r>
             <a:r>
               <a:rPr lang="de-CH" dirty="0"/>
@@ -5239,598 +6312,33 @@
             </a:r>
             <a:r>
               <a:rPr lang="de-CH" dirty="0" err="1"/>
-              <a:t>models</a:t>
-            </a:r>
-            <a:r>
-              <a:rPr lang="de-CH" dirty="0"/>
-              <a:t> </a:t>
-            </a:r>
-            <a:r>
-              <a:rPr lang="de-CH" dirty="0" err="1"/>
-              <a:t>are</a:t>
-            </a:r>
-            <a:r>
-              <a:rPr lang="de-CH" dirty="0"/>
-              <a:t> </a:t>
-            </a:r>
-            <a:r>
-              <a:rPr lang="de-CH" dirty="0" err="1"/>
-              <a:t>better</a:t>
-            </a:r>
-            <a:r>
-              <a:rPr lang="de-CH" dirty="0"/>
-              <a:t> </a:t>
-            </a:r>
-            <a:r>
-              <a:rPr lang="de-CH" dirty="0" err="1"/>
-              <a:t>suited</a:t>
-            </a:r>
-            <a:r>
-              <a:rPr lang="de-CH" dirty="0"/>
-              <a:t> </a:t>
-            </a:r>
-            <a:r>
-              <a:rPr lang="de-CH" dirty="0" err="1"/>
-              <a:t>for</a:t>
-            </a:r>
-            <a:r>
-              <a:rPr lang="de-CH" dirty="0"/>
-              <a:t> </a:t>
-            </a:r>
-            <a:r>
-              <a:rPr lang="de-CH" dirty="0" err="1"/>
-              <a:t>some</a:t>
-            </a:r>
-            <a:r>
-              <a:rPr lang="de-CH" dirty="0"/>
-              <a:t> </a:t>
-            </a:r>
-            <a:r>
-              <a:rPr lang="de-CH" dirty="0" err="1"/>
-              <a:t>categories</a:t>
-            </a:r>
-            <a:r>
-              <a:rPr lang="de-CH" dirty="0"/>
-              <a:t>. </a:t>
-            </a:r>
-          </a:p>
-          <a:p>
-            <a:r>
-              <a:rPr lang="de-CH" dirty="0"/>
-              <a:t>Impact </a:t>
-            </a:r>
-            <a:r>
-              <a:rPr lang="de-CH" dirty="0" err="1"/>
-              <a:t>of</a:t>
-            </a:r>
-            <a:r>
-              <a:rPr lang="de-CH" dirty="0"/>
-              <a:t> Class Balance:</a:t>
-            </a:r>
-          </a:p>
-          <a:p>
-            <a:pPr lvl="1"/>
-            <a:r>
-              <a:rPr lang="de-CH" dirty="0"/>
-              <a:t>Random Forest: </a:t>
-            </a:r>
-            <a:r>
-              <a:rPr lang="de-CH" dirty="0" err="1"/>
-              <a:t>balance</a:t>
-            </a:r>
-            <a:r>
-              <a:rPr lang="de-CH" dirty="0"/>
-              <a:t> </a:t>
-            </a:r>
-            <a:r>
-              <a:rPr lang="de-CH" dirty="0" err="1"/>
-              <a:t>class</a:t>
-            </a:r>
-            <a:r>
-              <a:rPr lang="de-CH" dirty="0"/>
-              <a:t> </a:t>
-            </a:r>
-            <a:r>
-              <a:rPr lang="de-CH" dirty="0" err="1"/>
-              <a:t>weights</a:t>
-            </a:r>
-            <a:r>
-              <a:rPr lang="de-CH" dirty="0"/>
-              <a:t> in Random Forest </a:t>
-            </a:r>
-            <a:r>
-              <a:rPr lang="de-CH" dirty="0" err="1"/>
-              <a:t>models</a:t>
-            </a:r>
-            <a:r>
-              <a:rPr lang="de-CH" dirty="0"/>
-              <a:t> </a:t>
-            </a:r>
-            <a:r>
-              <a:rPr lang="de-CH" dirty="0" err="1"/>
-              <a:t>has</a:t>
-            </a:r>
-            <a:r>
-              <a:rPr lang="de-CH" dirty="0"/>
-              <a:t> </a:t>
-            </a:r>
-            <a:r>
-              <a:rPr lang="de-CH" dirty="0" err="1"/>
-              <a:t>led</a:t>
-            </a:r>
-            <a:r>
-              <a:rPr lang="de-CH" dirty="0"/>
-              <a:t> </a:t>
-            </a:r>
-            <a:r>
-              <a:rPr lang="de-CH" dirty="0" err="1"/>
-              <a:t>to</a:t>
-            </a:r>
-            <a:r>
-              <a:rPr lang="de-CH" dirty="0"/>
-              <a:t> a </a:t>
-            </a:r>
-            <a:r>
-              <a:rPr lang="de-CH" dirty="0" err="1"/>
-              <a:t>more</a:t>
-            </a:r>
-            <a:r>
-              <a:rPr lang="de-CH" dirty="0"/>
-              <a:t> uniform </a:t>
-            </a:r>
-            <a:r>
-              <a:rPr lang="de-CH" dirty="0" err="1"/>
-              <a:t>distribution</a:t>
-            </a:r>
-            <a:r>
-              <a:rPr lang="de-CH" dirty="0"/>
-              <a:t> </a:t>
-            </a:r>
-            <a:r>
-              <a:rPr lang="de-CH" dirty="0" err="1"/>
-              <a:t>of</a:t>
-            </a:r>
-            <a:r>
-              <a:rPr lang="de-CH" dirty="0"/>
-              <a:t> F1 </a:t>
-            </a:r>
-            <a:r>
-              <a:rPr lang="de-CH" dirty="0" err="1"/>
-              <a:t>scores</a:t>
-            </a:r>
-            <a:r>
-              <a:rPr lang="de-CH" dirty="0"/>
-              <a:t> </a:t>
-            </a:r>
-            <a:r>
-              <a:rPr lang="de-CH" dirty="0" err="1"/>
-              <a:t>across</a:t>
-            </a:r>
-            <a:r>
-              <a:rPr lang="de-CH" dirty="0"/>
-              <a:t> </a:t>
-            </a:r>
-            <a:r>
-              <a:rPr lang="de-CH" dirty="0" err="1"/>
-              <a:t>categories</a:t>
-            </a:r>
-            <a:r>
-              <a:rPr lang="de-CH" dirty="0"/>
-              <a:t> – positive </a:t>
-            </a:r>
-            <a:r>
-              <a:rPr lang="de-CH" dirty="0" err="1"/>
-              <a:t>impact</a:t>
-            </a:r>
-            <a:r>
-              <a:rPr lang="de-CH" dirty="0"/>
-              <a:t> </a:t>
-            </a:r>
-            <a:r>
-              <a:rPr lang="de-CH" dirty="0" err="1"/>
-              <a:t>of</a:t>
-            </a:r>
-            <a:r>
-              <a:rPr lang="de-CH" dirty="0"/>
-              <a:t> </a:t>
-            </a:r>
-            <a:r>
-              <a:rPr lang="de-CH" dirty="0" err="1"/>
-              <a:t>handling</a:t>
-            </a:r>
-            <a:r>
-              <a:rPr lang="de-CH" dirty="0"/>
-              <a:t> </a:t>
-            </a:r>
-            <a:r>
-              <a:rPr lang="de-CH" dirty="0" err="1"/>
-              <a:t>class</a:t>
-            </a:r>
-            <a:r>
-              <a:rPr lang="de-CH" dirty="0"/>
-              <a:t> </a:t>
-            </a:r>
-            <a:r>
-              <a:rPr lang="de-CH" dirty="0" err="1"/>
-              <a:t>imbalance</a:t>
-            </a:r>
-            <a:r>
-              <a:rPr lang="de-CH" dirty="0"/>
-              <a:t> </a:t>
-            </a:r>
-            <a:r>
-              <a:rPr lang="de-CH" dirty="0" err="1"/>
-              <a:t>for</a:t>
-            </a:r>
-            <a:r>
-              <a:rPr lang="de-CH" dirty="0"/>
-              <a:t> </a:t>
-            </a:r>
-            <a:r>
-              <a:rPr lang="de-CH" dirty="0" err="1"/>
-              <a:t>model</a:t>
-            </a:r>
-            <a:r>
-              <a:rPr lang="de-CH" dirty="0"/>
-              <a:t> </a:t>
-            </a:r>
-            <a:r>
-              <a:rPr lang="de-CH" dirty="0" err="1"/>
-              <a:t>performance</a:t>
-            </a:r>
-            <a:r>
-              <a:rPr lang="de-CH" dirty="0"/>
-              <a:t> </a:t>
-            </a:r>
-          </a:p>
-          <a:p>
-            <a:pPr lvl="1"/>
-            <a:r>
-              <a:rPr lang="de-CH" dirty="0"/>
-              <a:t>SVM:  </a:t>
-            </a:r>
-            <a:r>
-              <a:rPr lang="de-CH" dirty="0" err="1"/>
-              <a:t>Balanced</a:t>
-            </a:r>
-            <a:r>
-              <a:rPr lang="de-CH" dirty="0"/>
-              <a:t> </a:t>
-            </a:r>
-            <a:r>
-              <a:rPr lang="de-CH" dirty="0" err="1"/>
-              <a:t>class</a:t>
-            </a:r>
-            <a:r>
-              <a:rPr lang="de-CH" dirty="0"/>
-              <a:t> </a:t>
-            </a:r>
-            <a:r>
-              <a:rPr lang="de-CH" dirty="0" err="1"/>
-              <a:t>weights</a:t>
-            </a:r>
-            <a:r>
-              <a:rPr lang="de-CH" dirty="0"/>
-              <a:t> </a:t>
-            </a:r>
-            <a:r>
-              <a:rPr lang="de-CH" dirty="0" err="1"/>
-              <a:t>improved</a:t>
-            </a:r>
-            <a:r>
-              <a:rPr lang="de-CH" dirty="0"/>
-              <a:t> </a:t>
-            </a:r>
-            <a:r>
-              <a:rPr lang="de-CH" dirty="0" err="1"/>
-              <a:t>performance</a:t>
-            </a:r>
-            <a:r>
-              <a:rPr lang="de-CH" dirty="0"/>
-              <a:t> on </a:t>
-            </a:r>
-            <a:r>
-              <a:rPr lang="de-CH" dirty="0" err="1"/>
-              <a:t>several</a:t>
-            </a:r>
-            <a:r>
-              <a:rPr lang="de-CH" dirty="0"/>
-              <a:t> </a:t>
-            </a:r>
-            <a:r>
-              <a:rPr lang="de-CH" dirty="0" err="1"/>
-              <a:t>minority</a:t>
-            </a:r>
-            <a:r>
-              <a:rPr lang="de-CH" dirty="0"/>
-              <a:t> </a:t>
+              <a:t>only</a:t>
+            </a:r>
+            <a:r>
+              <a:rPr lang="de-CH" dirty="0"/>
+              <a:t> </a:t>
+            </a:r>
+            <a:r>
+              <a:rPr lang="de-CH" dirty="0" err="1"/>
+              <a:t>classifier</a:t>
+            </a:r>
+            <a:r>
+              <a:rPr lang="de-CH" dirty="0"/>
+              <a:t> </a:t>
+            </a:r>
+            <a:r>
+              <a:rPr lang="de-CH" dirty="0" err="1"/>
+              <a:t>predicting</a:t>
+            </a:r>
+            <a:r>
+              <a:rPr lang="de-CH" dirty="0"/>
+              <a:t> all </a:t>
             </a:r>
             <a:r>
               <a:rPr lang="de-CH" dirty="0" err="1"/>
               <a:t>classes</a:t>
             </a:r>
             <a:endParaRPr lang="de-CH" dirty="0"/>
-          </a:p>
-          <a:p>
-            <a:pPr lvl="1"/>
-            <a:r>
-              <a:rPr lang="de-CH" dirty="0"/>
-              <a:t>NB and </a:t>
-            </a:r>
-            <a:r>
-              <a:rPr lang="de-CH" dirty="0" err="1"/>
-              <a:t>XGBoost</a:t>
-            </a:r>
-            <a:r>
-              <a:rPr lang="de-CH" dirty="0"/>
-              <a:t>: These </a:t>
-            </a:r>
-            <a:r>
-              <a:rPr lang="de-CH" dirty="0" err="1"/>
-              <a:t>models</a:t>
-            </a:r>
-            <a:r>
-              <a:rPr lang="de-CH" dirty="0"/>
-              <a:t> do not </a:t>
-            </a:r>
-            <a:r>
-              <a:rPr lang="de-CH" dirty="0" err="1"/>
-              <a:t>inherently</a:t>
-            </a:r>
-            <a:r>
-              <a:rPr lang="de-CH" dirty="0"/>
-              <a:t> support </a:t>
-            </a:r>
-            <a:r>
-              <a:rPr lang="de-CH" dirty="0" err="1"/>
-              <a:t>class</a:t>
-            </a:r>
-            <a:r>
-              <a:rPr lang="de-CH" dirty="0"/>
-              <a:t> </a:t>
-            </a:r>
-            <a:r>
-              <a:rPr lang="de-CH" dirty="0" err="1"/>
-              <a:t>weights</a:t>
-            </a:r>
-            <a:r>
-              <a:rPr lang="de-CH" dirty="0"/>
-              <a:t> and </a:t>
-            </a:r>
-            <a:r>
-              <a:rPr lang="de-CH" dirty="0" err="1"/>
-              <a:t>show</a:t>
-            </a:r>
-            <a:r>
-              <a:rPr lang="de-CH" dirty="0"/>
-              <a:t> </a:t>
-            </a:r>
-            <a:r>
-              <a:rPr lang="de-CH" dirty="0" err="1"/>
-              <a:t>more</a:t>
-            </a:r>
-            <a:r>
-              <a:rPr lang="de-CH" dirty="0"/>
-              <a:t> </a:t>
-            </a:r>
-            <a:r>
-              <a:rPr lang="de-CH" dirty="0" err="1"/>
-              <a:t>disparity</a:t>
-            </a:r>
-            <a:r>
-              <a:rPr lang="de-CH" dirty="0"/>
-              <a:t> in </a:t>
-            </a:r>
-            <a:r>
-              <a:rPr lang="de-CH" dirty="0" err="1"/>
-              <a:t>performance</a:t>
-            </a:r>
-            <a:r>
-              <a:rPr lang="de-CH" dirty="0"/>
-              <a:t> </a:t>
-            </a:r>
-            <a:r>
-              <a:rPr lang="de-CH" dirty="0" err="1"/>
-              <a:t>across</a:t>
-            </a:r>
-            <a:r>
-              <a:rPr lang="de-CH" dirty="0"/>
-              <a:t> </a:t>
-            </a:r>
-            <a:r>
-              <a:rPr lang="de-CH" dirty="0" err="1"/>
-              <a:t>categories</a:t>
-            </a:r>
-            <a:r>
-              <a:rPr lang="de-CH" dirty="0"/>
-              <a:t>. NB </a:t>
-            </a:r>
-            <a:r>
-              <a:rPr lang="de-CH" dirty="0" err="1"/>
-              <a:t>struggles</a:t>
-            </a:r>
-            <a:r>
-              <a:rPr lang="de-CH" dirty="0"/>
-              <a:t> </a:t>
-            </a:r>
-            <a:r>
-              <a:rPr lang="de-CH" dirty="0" err="1"/>
-              <a:t>more</a:t>
-            </a:r>
-            <a:r>
-              <a:rPr lang="de-CH" dirty="0"/>
-              <a:t> </a:t>
-            </a:r>
-            <a:r>
-              <a:rPr lang="de-CH" dirty="0" err="1"/>
-              <a:t>with</a:t>
-            </a:r>
-            <a:r>
-              <a:rPr lang="de-CH" dirty="0"/>
-              <a:t> </a:t>
-            </a:r>
-            <a:r>
-              <a:rPr lang="de-CH" dirty="0" err="1"/>
-              <a:t>the</a:t>
-            </a:r>
-            <a:r>
-              <a:rPr lang="de-CH" dirty="0"/>
-              <a:t> </a:t>
-            </a:r>
-            <a:r>
-              <a:rPr lang="de-CH" dirty="0" err="1"/>
-              <a:t>class</a:t>
-            </a:r>
-            <a:r>
-              <a:rPr lang="de-CH" dirty="0"/>
-              <a:t> </a:t>
-            </a:r>
-            <a:r>
-              <a:rPr lang="de-CH" dirty="0" err="1"/>
-              <a:t>imbalance</a:t>
-            </a:r>
-            <a:r>
-              <a:rPr lang="de-CH" dirty="0"/>
-              <a:t>, </a:t>
-            </a:r>
-            <a:r>
-              <a:rPr lang="de-CH" dirty="0" err="1"/>
-              <a:t>gradient</a:t>
-            </a:r>
-            <a:r>
-              <a:rPr lang="de-CH" dirty="0"/>
-              <a:t> boost </a:t>
-            </a:r>
-            <a:r>
-              <a:rPr lang="de-CH" dirty="0" err="1"/>
-              <a:t>is</a:t>
-            </a:r>
-            <a:r>
-              <a:rPr lang="de-CH" dirty="0"/>
-              <a:t> </a:t>
-            </a:r>
-            <a:r>
-              <a:rPr lang="de-CH" dirty="0" err="1"/>
-              <a:t>more</a:t>
-            </a:r>
-            <a:r>
-              <a:rPr lang="de-CH" dirty="0"/>
-              <a:t> robust. </a:t>
-            </a:r>
-          </a:p>
-          <a:p>
-            <a:r>
-              <a:rPr lang="de-CH" dirty="0" err="1"/>
-              <a:t>Suggest</a:t>
-            </a:r>
-            <a:r>
-              <a:rPr lang="de-CH" dirty="0"/>
-              <a:t> </a:t>
-            </a:r>
-            <a:r>
-              <a:rPr lang="de-CH" dirty="0" err="1"/>
-              <a:t>using</a:t>
-            </a:r>
-            <a:r>
-              <a:rPr lang="de-CH" dirty="0"/>
-              <a:t> </a:t>
-            </a:r>
-            <a:r>
-              <a:rPr lang="de-CH" dirty="0" err="1"/>
-              <a:t>XGBoost</a:t>
-            </a:r>
-            <a:r>
-              <a:rPr lang="de-CH" dirty="0"/>
-              <a:t> </a:t>
-            </a:r>
-            <a:r>
-              <a:rPr lang="de-CH" dirty="0" err="1"/>
-              <a:t>or</a:t>
-            </a:r>
-            <a:r>
-              <a:rPr lang="de-CH" dirty="0"/>
-              <a:t> SVM </a:t>
-            </a:r>
-            <a:r>
-              <a:rPr lang="de-CH" dirty="0" err="1"/>
-              <a:t>as</a:t>
-            </a:r>
-            <a:r>
-              <a:rPr lang="de-CH" dirty="0"/>
-              <a:t> a </a:t>
-            </a:r>
-            <a:r>
-              <a:rPr lang="de-CH" dirty="0" err="1"/>
-              <a:t>baseline</a:t>
-            </a:r>
-            <a:r>
-              <a:rPr lang="de-CH" dirty="0"/>
-              <a:t> do </a:t>
-            </a:r>
-            <a:r>
-              <a:rPr lang="de-CH" dirty="0" err="1"/>
-              <a:t>better</a:t>
-            </a:r>
-            <a:r>
-              <a:rPr lang="de-CH" dirty="0"/>
-              <a:t> in </a:t>
-            </a:r>
-            <a:r>
-              <a:rPr lang="de-CH" dirty="0" err="1"/>
-              <a:t>the</a:t>
-            </a:r>
-            <a:r>
-              <a:rPr lang="de-CH" dirty="0"/>
-              <a:t> </a:t>
-            </a:r>
-            <a:r>
-              <a:rPr lang="de-CH" dirty="0" err="1"/>
-              <a:t>setting</a:t>
-            </a:r>
-            <a:r>
-              <a:rPr lang="de-CH" dirty="0"/>
-              <a:t> </a:t>
-            </a:r>
-            <a:r>
-              <a:rPr lang="de-CH" dirty="0" err="1"/>
-              <a:t>of</a:t>
-            </a:r>
-            <a:r>
-              <a:rPr lang="de-CH" dirty="0"/>
-              <a:t> </a:t>
-            </a:r>
-            <a:r>
-              <a:rPr lang="de-CH" dirty="0" err="1"/>
-              <a:t>unbalanced</a:t>
-            </a:r>
-            <a:r>
-              <a:rPr lang="de-CH" dirty="0"/>
-              <a:t> </a:t>
-            </a:r>
-            <a:r>
-              <a:rPr lang="de-CH" dirty="0" err="1"/>
-              <a:t>mulitlabel</a:t>
-            </a:r>
-            <a:r>
-              <a:rPr lang="de-CH" dirty="0"/>
-              <a:t> </a:t>
-            </a:r>
-            <a:r>
-              <a:rPr lang="de-CH" dirty="0" err="1"/>
-              <a:t>classification</a:t>
-            </a:r>
-            <a:r>
-              <a:rPr lang="de-CH" dirty="0"/>
-              <a:t> </a:t>
-            </a:r>
-            <a:r>
-              <a:rPr lang="de-CH" dirty="0" err="1"/>
-              <a:t>task</a:t>
-            </a:r>
-            <a:r>
-              <a:rPr lang="de-CH" dirty="0"/>
-              <a:t>. </a:t>
-            </a:r>
           </a:p>
           <a:p>
             <a:pPr marL="324000" lvl="1" indent="0">
@@ -5853,7 +6361,7 @@
 </p:sld>
 </file>
 
-<file path=ppt/slides/slide12.xml><?xml version="1.0" encoding="utf-8"?>
+<file path=ppt/slides/slide13.xml><?xml version="1.0" encoding="utf-8"?>
 <p:sld xmlns:a="http://schemas.openxmlformats.org/drawingml/2006/main" xmlns:r="http://schemas.openxmlformats.org/officeDocument/2006/relationships" xmlns:p="http://schemas.openxmlformats.org/presentationml/2006/main">
   <p:cSld>
     <p:bg>
@@ -6032,7 +6540,7 @@
                   <a:srgbClr val="FFFFFF"/>
                 </a:solidFill>
               </a:rPr>
-              <a:t>ADVANCED Models </a:t>
+              <a:t>BERT</a:t>
             </a:r>
           </a:p>
         </p:txBody>
@@ -6055,8 +6563,8 @@
         </p:nvSpPr>
         <p:spPr>
           <a:xfrm>
-            <a:off x="5155905" y="1113764"/>
-            <a:ext cx="6108179" cy="4624327"/>
+            <a:off x="5155905" y="485678"/>
+            <a:ext cx="6108179" cy="5888772"/>
           </a:xfrm>
         </p:spPr>
         <p:txBody>
@@ -6066,126 +6574,369 @@
           <a:lstStyle/>
           <a:p>
             <a:r>
-              <a:rPr lang="de-CH" dirty="0"/>
-              <a:t>BERT</a:t>
+              <a:rPr lang="de-CH" dirty="0" err="1"/>
+              <a:t>Using</a:t>
+            </a:r>
+            <a:r>
+              <a:rPr lang="de-CH" dirty="0"/>
+              <a:t> </a:t>
+            </a:r>
+            <a:r>
+              <a:rPr lang="de-CH" dirty="0" err="1"/>
+              <a:t>pre-trained</a:t>
+            </a:r>
+            <a:r>
+              <a:rPr lang="de-CH" dirty="0"/>
+              <a:t> </a:t>
+            </a:r>
+            <a:r>
+              <a:rPr lang="de-CH" dirty="0" err="1"/>
+              <a:t>language</a:t>
+            </a:r>
+            <a:r>
+              <a:rPr lang="de-CH" dirty="0"/>
+              <a:t> </a:t>
+            </a:r>
+            <a:r>
+              <a:rPr lang="de-CH" dirty="0" err="1"/>
+              <a:t>models</a:t>
+            </a:r>
+            <a:endParaRPr lang="de-CH" dirty="0"/>
+          </a:p>
+          <a:p>
+            <a:r>
+              <a:rPr lang="de-CH" dirty="0"/>
+              <a:t>Additional linear </a:t>
+            </a:r>
+            <a:r>
+              <a:rPr lang="de-CH" dirty="0" err="1"/>
+              <a:t>layer</a:t>
+            </a:r>
+            <a:r>
+              <a:rPr lang="de-CH" dirty="0"/>
+              <a:t> </a:t>
+            </a:r>
+            <a:r>
+              <a:rPr lang="de-CH" dirty="0" err="1"/>
+              <a:t>with</a:t>
+            </a:r>
+            <a:r>
+              <a:rPr lang="de-CH" dirty="0"/>
+              <a:t> </a:t>
+            </a:r>
+            <a:r>
+              <a:rPr lang="de-CH" dirty="0" err="1"/>
+              <a:t>sigmoid</a:t>
+            </a:r>
+            <a:r>
+              <a:rPr lang="de-CH" dirty="0"/>
+              <a:t> </a:t>
+            </a:r>
+            <a:r>
+              <a:rPr lang="de-CH" dirty="0" err="1"/>
+              <a:t>activation</a:t>
+            </a:r>
+            <a:r>
+              <a:rPr lang="de-CH" dirty="0"/>
+              <a:t> </a:t>
+            </a:r>
+            <a:r>
+              <a:rPr lang="de-CH" dirty="0" err="1"/>
+              <a:t>function</a:t>
+            </a:r>
+            <a:r>
+              <a:rPr lang="de-CH" dirty="0"/>
+              <a:t> </a:t>
+            </a:r>
+            <a:r>
+              <a:rPr lang="de-CH" dirty="0" err="1"/>
+              <a:t>for</a:t>
+            </a:r>
+            <a:r>
+              <a:rPr lang="de-CH" dirty="0"/>
+              <a:t> </a:t>
+            </a:r>
+            <a:r>
+              <a:rPr lang="de-CH" dirty="0" err="1"/>
+              <a:t>classification</a:t>
+            </a:r>
+            <a:endParaRPr lang="de-CH" dirty="0"/>
+          </a:p>
+          <a:p>
+            <a:r>
+              <a:rPr lang="de-CH" dirty="0"/>
+              <a:t>Classification </a:t>
+            </a:r>
+            <a:r>
+              <a:rPr lang="de-CH" dirty="0" err="1"/>
+              <a:t>based</a:t>
+            </a:r>
+            <a:r>
+              <a:rPr lang="de-CH" dirty="0"/>
+              <a:t> on </a:t>
+            </a:r>
+            <a:r>
+              <a:rPr lang="de-CH" dirty="0" err="1"/>
+              <a:t>embedding</a:t>
+            </a:r>
+            <a:r>
+              <a:rPr lang="de-CH" dirty="0"/>
+              <a:t> </a:t>
+            </a:r>
+            <a:r>
+              <a:rPr lang="de-CH" dirty="0" err="1"/>
+              <a:t>for</a:t>
+            </a:r>
+            <a:r>
+              <a:rPr lang="de-CH" dirty="0"/>
+              <a:t> [CLS] </a:t>
+            </a:r>
+            <a:r>
+              <a:rPr lang="de-CH" dirty="0" err="1"/>
+              <a:t>token</a:t>
+            </a:r>
+            <a:r>
+              <a:rPr lang="de-CH" dirty="0"/>
+              <a:t> </a:t>
+            </a:r>
+            <a:r>
+              <a:rPr lang="de-CH" dirty="0" err="1"/>
+              <a:t>of</a:t>
+            </a:r>
+            <a:r>
+              <a:rPr lang="de-CH" dirty="0"/>
+              <a:t> last </a:t>
+            </a:r>
+            <a:r>
+              <a:rPr lang="de-CH" dirty="0" err="1"/>
+              <a:t>hidden</a:t>
+            </a:r>
+            <a:r>
+              <a:rPr lang="de-CH" dirty="0"/>
+              <a:t> </a:t>
+            </a:r>
+            <a:r>
+              <a:rPr lang="de-CH" dirty="0" err="1"/>
+              <a:t>state</a:t>
+            </a:r>
+            <a:r>
+              <a:rPr lang="de-CH" dirty="0"/>
+              <a:t> in BERT </a:t>
+            </a:r>
+            <a:r>
+              <a:rPr lang="de-CH" dirty="0" err="1"/>
+              <a:t>model</a:t>
+            </a:r>
+            <a:endParaRPr lang="de-CH" dirty="0"/>
+          </a:p>
+          <a:p>
+            <a:r>
+              <a:rPr lang="de-CH" dirty="0" err="1"/>
+              <a:t>No</a:t>
+            </a:r>
+            <a:r>
+              <a:rPr lang="de-CH" dirty="0"/>
+              <a:t> </a:t>
+            </a:r>
+            <a:r>
+              <a:rPr lang="de-CH" dirty="0" err="1"/>
+              <a:t>preprocessing</a:t>
+            </a:r>
+            <a:r>
+              <a:rPr lang="de-CH" dirty="0"/>
+              <a:t> </a:t>
+            </a:r>
+            <a:r>
+              <a:rPr lang="de-CH" dirty="0" err="1"/>
+              <a:t>for</a:t>
+            </a:r>
+            <a:r>
+              <a:rPr lang="de-CH" dirty="0"/>
+              <a:t> BERT</a:t>
+            </a:r>
+          </a:p>
+          <a:p>
+            <a:r>
+              <a:rPr lang="de-CH" dirty="0" err="1"/>
+              <a:t>Reducing</a:t>
+            </a:r>
+            <a:r>
+              <a:rPr lang="de-CH" dirty="0"/>
+              <a:t> </a:t>
+            </a:r>
+            <a:r>
+              <a:rPr lang="de-CH" dirty="0" err="1"/>
+              <a:t>token</a:t>
+            </a:r>
+            <a:r>
+              <a:rPr lang="de-CH" dirty="0"/>
+              <a:t> </a:t>
+            </a:r>
+            <a:r>
+              <a:rPr lang="de-CH" dirty="0" err="1"/>
+              <a:t>length</a:t>
+            </a:r>
+            <a:r>
+              <a:rPr lang="de-CH" dirty="0"/>
+              <a:t> </a:t>
+            </a:r>
+            <a:r>
+              <a:rPr lang="de-CH" dirty="0" err="1"/>
+              <a:t>to</a:t>
+            </a:r>
+            <a:r>
+              <a:rPr lang="de-CH" dirty="0"/>
+              <a:t> 256 </a:t>
+            </a:r>
+            <a:r>
+              <a:rPr lang="de-CH" dirty="0" err="1"/>
+              <a:t>to</a:t>
+            </a:r>
+            <a:r>
+              <a:rPr lang="de-CH" dirty="0"/>
+              <a:t> </a:t>
+            </a:r>
+            <a:r>
+              <a:rPr lang="de-CH" dirty="0" err="1"/>
+              <a:t>reduce</a:t>
+            </a:r>
+            <a:r>
+              <a:rPr lang="de-CH" dirty="0"/>
+              <a:t> </a:t>
+            </a:r>
+            <a:r>
+              <a:rPr lang="de-CH" dirty="0" err="1"/>
+              <a:t>compuational</a:t>
+            </a:r>
+            <a:r>
+              <a:rPr lang="de-CH" dirty="0"/>
+              <a:t> </a:t>
+            </a:r>
+            <a:r>
+              <a:rPr lang="de-CH" dirty="0" err="1"/>
+              <a:t>complexity</a:t>
+            </a:r>
+            <a:endParaRPr lang="de-CH" dirty="0"/>
+          </a:p>
+          <a:p>
+            <a:r>
+              <a:rPr lang="de-CH" dirty="0" err="1"/>
+              <a:t>Weighted</a:t>
+            </a:r>
+            <a:r>
+              <a:rPr lang="de-CH" dirty="0"/>
+              <a:t> </a:t>
+            </a:r>
+            <a:r>
+              <a:rPr lang="de-CH" dirty="0" err="1"/>
+              <a:t>cross-entropy</a:t>
+            </a:r>
+            <a:r>
+              <a:rPr lang="de-CH" dirty="0"/>
+              <a:t> </a:t>
+            </a:r>
+            <a:r>
+              <a:rPr lang="de-CH" dirty="0" err="1"/>
+              <a:t>loss</a:t>
+            </a:r>
+            <a:r>
+              <a:rPr lang="de-CH" dirty="0"/>
+              <a:t> </a:t>
+            </a:r>
+            <a:r>
+              <a:rPr lang="de-CH" dirty="0" err="1"/>
+              <a:t>used</a:t>
+            </a:r>
+            <a:endParaRPr lang="de-CH" dirty="0"/>
+          </a:p>
+          <a:p>
+            <a:r>
+              <a:rPr lang="en-US" dirty="0"/>
+              <a:t>BERT Variants: </a:t>
             </a:r>
           </a:p>
           <a:p>
             <a:pPr lvl="1"/>
-            <a:r>
-              <a:rPr lang="en-US" dirty="0"/>
-              <a:t>Advanced Models: Exploring the capabilities of BERT and GPT in medical text analysis used for identifying </a:t>
-            </a:r>
-            <a:r>
-              <a:rPr lang="de-CH" dirty="0" err="1"/>
-              <a:t>complex</a:t>
-            </a:r>
-            <a:r>
-              <a:rPr lang="de-CH" dirty="0"/>
-              <a:t> </a:t>
-            </a:r>
-            <a:r>
-              <a:rPr lang="de-CH" dirty="0" err="1"/>
-              <a:t>language</a:t>
-            </a:r>
-            <a:r>
-              <a:rPr lang="de-CH" dirty="0"/>
-              <a:t> </a:t>
-            </a:r>
-            <a:r>
-              <a:rPr lang="de-CH" dirty="0" err="1"/>
-              <a:t>patterns</a:t>
-            </a:r>
-            <a:r>
-              <a:rPr lang="de-CH" dirty="0"/>
-              <a:t> </a:t>
-            </a:r>
-          </a:p>
-          <a:p>
-            <a:pPr lvl="1"/>
-            <a:r>
-              <a:rPr lang="de-CH" dirty="0" err="1"/>
-              <a:t>No</a:t>
-            </a:r>
-            <a:r>
-              <a:rPr lang="de-CH" dirty="0"/>
-              <a:t> </a:t>
-            </a:r>
-            <a:r>
-              <a:rPr lang="de-CH" dirty="0" err="1"/>
-              <a:t>preporcessing</a:t>
-            </a:r>
-            <a:r>
-              <a:rPr lang="de-CH" dirty="0"/>
-              <a:t> </a:t>
-            </a:r>
-            <a:r>
-              <a:rPr lang="de-CH" dirty="0" err="1"/>
-              <a:t>for</a:t>
-            </a:r>
-            <a:r>
-              <a:rPr lang="de-CH" dirty="0"/>
-              <a:t> BERT</a:t>
-            </a:r>
-          </a:p>
-          <a:p>
-            <a:pPr lvl="1"/>
-            <a:r>
-              <a:rPr lang="de-CH" dirty="0" err="1"/>
-              <a:t>Reducing</a:t>
-            </a:r>
-            <a:r>
-              <a:rPr lang="de-CH" dirty="0"/>
-              <a:t> </a:t>
-            </a:r>
-            <a:r>
-              <a:rPr lang="de-CH" dirty="0" err="1"/>
-              <a:t>token</a:t>
-            </a:r>
-            <a:r>
-              <a:rPr lang="de-CH" dirty="0"/>
-              <a:t> </a:t>
-            </a:r>
-            <a:r>
-              <a:rPr lang="de-CH" dirty="0" err="1"/>
-              <a:t>length</a:t>
-            </a:r>
-            <a:r>
-              <a:rPr lang="de-CH" dirty="0"/>
-              <a:t> </a:t>
-            </a:r>
-            <a:r>
-              <a:rPr lang="de-CH" dirty="0" err="1"/>
-              <a:t>to</a:t>
-            </a:r>
-            <a:r>
-              <a:rPr lang="de-CH"/>
-              <a:t> 256</a:t>
-            </a:r>
-            <a:endParaRPr lang="de-CH" dirty="0"/>
-          </a:p>
-          <a:p>
-            <a:pPr lvl="1"/>
-            <a:r>
-              <a:rPr lang="en-US" dirty="0"/>
-              <a:t>BERT Variants: Utilizing </a:t>
-            </a:r>
             <a:r>
               <a:rPr lang="en-US" dirty="0" err="1"/>
               <a:t>bert</a:t>
             </a:r>
             <a:r>
               <a:rPr lang="en-US" dirty="0"/>
-              <a:t>-base-uncased and </a:t>
-            </a:r>
+              <a:t>-base-uncased</a:t>
+            </a:r>
+          </a:p>
+          <a:p>
+            <a:pPr lvl="1"/>
             <a:r>
               <a:rPr lang="en-US" dirty="0" err="1"/>
-              <a:t>biobert</a:t>
+              <a:t>dmis</a:t>
             </a:r>
             <a:r>
               <a:rPr lang="en-US" dirty="0"/>
-              <a:t> for nuanced text understanding.</a:t>
-            </a:r>
+              <a:t>-lab/biobert-base-cased-v1.2</a:t>
+            </a:r>
+          </a:p>
+          <a:p>
+            <a:pPr lvl="1"/>
+            <a:r>
+              <a:rPr lang="en-US" dirty="0" err="1"/>
+              <a:t>medicalai</a:t>
+            </a:r>
+            <a:r>
+              <a:rPr lang="en-US" dirty="0"/>
+              <a:t>/</a:t>
+            </a:r>
+            <a:r>
+              <a:rPr lang="en-US" dirty="0" err="1"/>
+              <a:t>ClinicalBERT</a:t>
+            </a:r>
+            <a:r>
+              <a:rPr lang="en-US" dirty="0"/>
+              <a:t> (</a:t>
+            </a:r>
+            <a:r>
+              <a:rPr lang="en-US" dirty="0" err="1"/>
+              <a:t>DistilBERT</a:t>
+            </a:r>
+            <a:r>
+              <a:rPr lang="en-US" dirty="0"/>
+              <a:t>)</a:t>
+            </a:r>
+          </a:p>
+          <a:p>
+            <a:r>
+              <a:rPr lang="en-US" dirty="0"/>
+              <a:t>epochs=10, </a:t>
+            </a:r>
+            <a:r>
+              <a:rPr lang="en-US" dirty="0" err="1"/>
+              <a:t>weight_decay</a:t>
+            </a:r>
+            <a:r>
+              <a:rPr lang="en-US" dirty="0"/>
+              <a:t>=0.1, </a:t>
+            </a:r>
+            <a:r>
+              <a:rPr lang="en-US" dirty="0" err="1"/>
+              <a:t>lr</a:t>
+            </a:r>
+            <a:r>
+              <a:rPr lang="en-US" dirty="0"/>
+              <a:t>=1e-4, </a:t>
+            </a:r>
+            <a:r>
+              <a:rPr lang="en-US" dirty="0" err="1"/>
+              <a:t>batch_size</a:t>
+            </a:r>
+            <a:r>
+              <a:rPr lang="en-US" dirty="0"/>
+              <a:t>=32</a:t>
+            </a:r>
+          </a:p>
+          <a:p>
+            <a:pPr lvl="2"/>
+            <a:endParaRPr lang="en-US" dirty="0"/>
           </a:p>
         </p:txBody>
       </p:sp>
@@ -6202,7 +6953,7 @@
 </p:sld>
 </file>
 
-<file path=ppt/slides/slide13.xml><?xml version="1.0" encoding="utf-8"?>
+<file path=ppt/slides/slide14.xml><?xml version="1.0" encoding="utf-8"?>
 <p:sld xmlns:a="http://schemas.openxmlformats.org/drawingml/2006/main" xmlns:r="http://schemas.openxmlformats.org/officeDocument/2006/relationships" xmlns:p="http://schemas.openxmlformats.org/presentationml/2006/main">
   <p:cSld>
     <p:spTree>
@@ -6246,17 +6997,30 @@
             </a:r>
             <a:r>
               <a:rPr lang="de-CH" dirty="0"/>
-              <a:t> Models</a:t>
-            </a:r>
+              <a:t> Models: </a:t>
+            </a:r>
+            <a:r>
+              <a:rPr lang="de-CH" dirty="0" err="1"/>
+              <a:t>bert</a:t>
+            </a:r>
+            <a:r>
+              <a:rPr lang="de-CH" dirty="0"/>
+              <a:t>-base-</a:t>
+            </a:r>
+            <a:r>
+              <a:rPr lang="de-CH" dirty="0" err="1"/>
+              <a:t>uncased</a:t>
+            </a:r>
+            <a:endParaRPr lang="de-CH" dirty="0"/>
           </a:p>
         </p:txBody>
       </p:sp>
       <p:sp>
         <p:nvSpPr>
-          <p:cNvPr id="3" name="Inhaltsplatzhalter 2">
+          <p:cNvPr id="7" name="Content Placeholder 6">
             <a:extLst>
               <a:ext uri="{FF2B5EF4-FFF2-40B4-BE49-F238E27FC236}">
-                <a16:creationId xmlns:a16="http://schemas.microsoft.com/office/drawing/2014/main" id="{473DC6F3-4AA1-94AA-3064-3C60692F60F9}"/>
+                <a16:creationId xmlns:a16="http://schemas.microsoft.com/office/drawing/2014/main" id="{CFB2F496-A838-A19C-67BD-77B84DFE2A66}"/>
               </a:ext>
             </a:extLst>
           </p:cNvPr>
@@ -6269,8 +7033,8 @@
         </p:nvSpPr>
         <p:spPr>
           <a:xfrm>
-            <a:off x="6473536" y="2180496"/>
-            <a:ext cx="5137271" cy="3678303"/>
+            <a:off x="6906410" y="2180496"/>
+            <a:ext cx="4704398" cy="3678303"/>
           </a:xfrm>
         </p:spPr>
         <p:txBody>
@@ -6278,185 +7042,24 @@
           <a:lstStyle/>
           <a:p>
             <a:r>
-              <a:rPr lang="de-CH" dirty="0" err="1"/>
-              <a:t>classes</a:t>
-            </a:r>
-            <a:r>
-              <a:rPr lang="de-CH" dirty="0"/>
-              <a:t> </a:t>
-            </a:r>
-            <a:r>
-              <a:rPr lang="de-CH" dirty="0" err="1"/>
-              <a:t>with</a:t>
-            </a:r>
-            <a:r>
-              <a:rPr lang="de-CH" dirty="0"/>
-              <a:t> </a:t>
-            </a:r>
-            <a:r>
-              <a:rPr lang="de-CH" dirty="0" err="1"/>
-              <a:t>more</a:t>
-            </a:r>
-            <a:r>
-              <a:rPr lang="de-CH" dirty="0"/>
-              <a:t> </a:t>
-            </a:r>
-            <a:r>
-              <a:rPr lang="de-CH" dirty="0" err="1"/>
-              <a:t>samples</a:t>
-            </a:r>
-            <a:r>
-              <a:rPr lang="de-CH" dirty="0"/>
-              <a:t> perform </a:t>
-            </a:r>
-            <a:r>
-              <a:rPr lang="de-CH" dirty="0" err="1"/>
-              <a:t>better</a:t>
-            </a:r>
-            <a:endParaRPr lang="de-CH" dirty="0"/>
-          </a:p>
-          <a:p>
-            <a:r>
-              <a:rPr lang="de-CH" dirty="0"/>
-              <a:t>not </a:t>
-            </a:r>
-            <a:r>
-              <a:rPr lang="de-CH" dirty="0" err="1"/>
-              <a:t>enough</a:t>
-            </a:r>
-            <a:r>
-              <a:rPr lang="de-CH" dirty="0"/>
-              <a:t> </a:t>
-            </a:r>
-            <a:r>
-              <a:rPr lang="de-CH" dirty="0" err="1"/>
-              <a:t>data</a:t>
-            </a:r>
-            <a:r>
-              <a:rPr lang="de-CH" dirty="0"/>
-              <a:t> </a:t>
-            </a:r>
-            <a:r>
-              <a:rPr lang="de-CH" dirty="0" err="1"/>
-              <a:t>to</a:t>
-            </a:r>
-            <a:r>
-              <a:rPr lang="de-CH" dirty="0"/>
-              <a:t> </a:t>
-            </a:r>
-            <a:r>
-              <a:rPr lang="de-CH" dirty="0" err="1"/>
-              <a:t>train</a:t>
-            </a:r>
-            <a:r>
-              <a:rPr lang="de-CH" dirty="0"/>
-              <a:t> linear </a:t>
-            </a:r>
-            <a:r>
-              <a:rPr lang="de-CH" dirty="0" err="1"/>
-              <a:t>layer</a:t>
-            </a:r>
-            <a:endParaRPr lang="de-CH" dirty="0"/>
-          </a:p>
-          <a:p>
-            <a:r>
-              <a:rPr lang="de-CH" dirty="0" err="1"/>
-              <a:t>uncertainty</a:t>
-            </a:r>
-            <a:r>
-              <a:rPr lang="de-CH" dirty="0"/>
-              <a:t> </a:t>
-            </a:r>
-            <a:r>
-              <a:rPr lang="de-CH" dirty="0" err="1"/>
-              <a:t>between</a:t>
-            </a:r>
-            <a:r>
-              <a:rPr lang="de-CH" dirty="0"/>
-              <a:t> </a:t>
-            </a:r>
-            <a:r>
-              <a:rPr lang="de-CH" dirty="0" err="1"/>
-              <a:t>folds</a:t>
-            </a:r>
-            <a:r>
-              <a:rPr lang="de-CH" dirty="0"/>
-              <a:t> </a:t>
-            </a:r>
-            <a:r>
-              <a:rPr lang="de-CH" dirty="0" err="1"/>
-              <a:t>is</a:t>
-            </a:r>
-            <a:r>
-              <a:rPr lang="de-CH" dirty="0"/>
-              <a:t> </a:t>
-            </a:r>
-            <a:r>
-              <a:rPr lang="de-CH" dirty="0" err="1"/>
-              <a:t>low</a:t>
-            </a:r>
-            <a:endParaRPr lang="de-CH" dirty="0"/>
+              <a:rPr lang="en-CH" dirty="0"/>
+              <a:t>all classes are predicted</a:t>
+            </a:r>
+          </a:p>
+          <a:p>
+            <a:r>
+              <a:rPr lang="en-CH" dirty="0"/>
+              <a:t>classes with many samples perform better and have lower variance across folds</a:t>
+            </a:r>
           </a:p>
         </p:txBody>
       </p:sp>
-      <p:sp>
-        <p:nvSpPr>
-          <p:cNvPr id="4" name="Textfeld 4">
+      <p:pic>
+        <p:nvPicPr>
+          <p:cNvPr id="8" name="Picture 7">
             <a:extLst>
               <a:ext uri="{FF2B5EF4-FFF2-40B4-BE49-F238E27FC236}">
-                <a16:creationId xmlns:a16="http://schemas.microsoft.com/office/drawing/2014/main" id="{146CB358-E897-0EA2-B609-AAC4CB8003CC}"/>
-              </a:ext>
-            </a:extLst>
-          </p:cNvPr>
-          <p:cNvSpPr txBox="1"/>
-          <p:nvPr/>
-        </p:nvSpPr>
-        <p:spPr>
-          <a:xfrm>
-            <a:off x="438150" y="1990725"/>
-            <a:ext cx="4533900" cy="369332"/>
-          </a:xfrm>
-          <a:prstGeom prst="rect">
-            <a:avLst/>
-          </a:prstGeom>
-          <a:noFill/>
-        </p:spPr>
-        <p:txBody>
-          <a:bodyPr wrap="square" rtlCol="0">
-            <a:spAutoFit/>
-          </a:bodyPr>
-          <a:lstStyle/>
-          <a:p>
-            <a:r>
-              <a:rPr lang="de-CH" dirty="0" err="1"/>
-              <a:t>finetuned</a:t>
-            </a:r>
-            <a:r>
-              <a:rPr lang="de-CH" dirty="0"/>
-              <a:t> </a:t>
-            </a:r>
-            <a:r>
-              <a:rPr lang="de-CH" dirty="0" err="1"/>
-              <a:t>bert</a:t>
-            </a:r>
-            <a:r>
-              <a:rPr lang="de-CH" dirty="0"/>
-              <a:t>-base-</a:t>
-            </a:r>
-            <a:r>
-              <a:rPr lang="de-CH" dirty="0" err="1"/>
-              <a:t>uncased</a:t>
-            </a:r>
-            <a:endParaRPr lang="de-CH" dirty="0"/>
-          </a:p>
-        </p:txBody>
-      </p:sp>
-      <p:pic>
-        <p:nvPicPr>
-          <p:cNvPr id="5" name="Picture 4">
-            <a:extLst>
-              <a:ext uri="{FF2B5EF4-FFF2-40B4-BE49-F238E27FC236}">
-                <a16:creationId xmlns:a16="http://schemas.microsoft.com/office/drawing/2014/main" id="{0D99AC99-A6B1-E47E-BFF6-54FD808A7E16}"/>
+                <a16:creationId xmlns:a16="http://schemas.microsoft.com/office/drawing/2014/main" id="{D88799B4-3B20-797A-977B-7CB15EE1211A}"/>
               </a:ext>
             </a:extLst>
           </p:cNvPr>
@@ -6473,8 +7076,8 @@
         </p:blipFill>
         <p:spPr>
           <a:xfrm>
-            <a:off x="438150" y="2362200"/>
-            <a:ext cx="5575300" cy="3962400"/>
+            <a:off x="520700" y="2038447"/>
+            <a:ext cx="6138284" cy="4362516"/>
           </a:xfrm>
           <a:prstGeom prst="rect">
             <a:avLst/>
@@ -6485,195 +7088,6 @@
     <p:extLst>
       <p:ext uri="{BB962C8B-B14F-4D97-AF65-F5344CB8AC3E}">
         <p14:creationId xmlns:p14="http://schemas.microsoft.com/office/powerpoint/2010/main" val="3574736117"/>
-      </p:ext>
-    </p:extLst>
-  </p:cSld>
-  <p:clrMapOvr>
-    <a:masterClrMapping/>
-  </p:clrMapOvr>
-</p:sld>
-</file>
-
-<file path=ppt/slides/slide14.xml><?xml version="1.0" encoding="utf-8"?>
-<p:sld xmlns:a="http://schemas.openxmlformats.org/drawingml/2006/main" xmlns:r="http://schemas.openxmlformats.org/officeDocument/2006/relationships" xmlns:p="http://schemas.openxmlformats.org/presentationml/2006/main" show="0">
-  <p:cSld>
-    <p:spTree>
-      <p:nvGrpSpPr>
-        <p:cNvPr id="1" name=""/>
-        <p:cNvGrpSpPr/>
-        <p:nvPr/>
-      </p:nvGrpSpPr>
-      <p:grpSpPr>
-        <a:xfrm>
-          <a:off x="0" y="0"/>
-          <a:ext cx="0" cy="0"/>
-          <a:chOff x="0" y="0"/>
-          <a:chExt cx="0" cy="0"/>
-        </a:xfrm>
-      </p:grpSpPr>
-      <p:pic>
-        <p:nvPicPr>
-          <p:cNvPr id="7" name="Picture 6">
-            <a:extLst>
-              <a:ext uri="{FF2B5EF4-FFF2-40B4-BE49-F238E27FC236}">
-                <a16:creationId xmlns:a16="http://schemas.microsoft.com/office/drawing/2014/main" id="{FEF32BBD-4A54-6FF1-8050-5B418BFD4DA0}"/>
-              </a:ext>
-            </a:extLst>
-          </p:cNvPr>
-          <p:cNvPicPr>
-            <a:picLocks noChangeAspect="1"/>
-          </p:cNvPicPr>
-          <p:nvPr/>
-        </p:nvPicPr>
-        <p:blipFill>
-          <a:blip r:embed="rId2"/>
-          <a:stretch>
-            <a:fillRect/>
-          </a:stretch>
-        </p:blipFill>
-        <p:spPr>
-          <a:xfrm>
-            <a:off x="438150" y="2362200"/>
-            <a:ext cx="5575300" cy="3962400"/>
-          </a:xfrm>
-          <a:prstGeom prst="rect">
-            <a:avLst/>
-          </a:prstGeom>
-        </p:spPr>
-      </p:pic>
-      <p:sp>
-        <p:nvSpPr>
-          <p:cNvPr id="2" name="Titel 1">
-            <a:extLst>
-              <a:ext uri="{FF2B5EF4-FFF2-40B4-BE49-F238E27FC236}">
-                <a16:creationId xmlns:a16="http://schemas.microsoft.com/office/drawing/2014/main" id="{30E8CDA7-46A4-831B-2A0D-BC23D6995353}"/>
-              </a:ext>
-            </a:extLst>
-          </p:cNvPr>
-          <p:cNvSpPr>
-            <a:spLocks noGrp="1"/>
-          </p:cNvSpPr>
-          <p:nvPr>
-            <p:ph type="title"/>
-          </p:nvPr>
-        </p:nvSpPr>
-        <p:spPr/>
-        <p:txBody>
-          <a:bodyPr/>
-          <a:lstStyle/>
-          <a:p>
-            <a:r>
-              <a:rPr lang="de-CH" dirty="0" err="1"/>
-              <a:t>Advanced</a:t>
-            </a:r>
-            <a:r>
-              <a:rPr lang="de-CH" dirty="0"/>
-              <a:t> Models</a:t>
-            </a:r>
-          </a:p>
-        </p:txBody>
-      </p:sp>
-      <p:sp>
-        <p:nvSpPr>
-          <p:cNvPr id="3" name="Inhaltsplatzhalter 2">
-            <a:extLst>
-              <a:ext uri="{FF2B5EF4-FFF2-40B4-BE49-F238E27FC236}">
-                <a16:creationId xmlns:a16="http://schemas.microsoft.com/office/drawing/2014/main" id="{473DC6F3-4AA1-94AA-3064-3C60692F60F9}"/>
-              </a:ext>
-            </a:extLst>
-          </p:cNvPr>
-          <p:cNvSpPr>
-            <a:spLocks noGrp="1"/>
-          </p:cNvSpPr>
-          <p:nvPr>
-            <p:ph idx="1"/>
-          </p:nvPr>
-        </p:nvSpPr>
-        <p:spPr>
-          <a:xfrm>
-            <a:off x="6473536" y="2180496"/>
-            <a:ext cx="5137271" cy="3678303"/>
-          </a:xfrm>
-        </p:spPr>
-        <p:txBody>
-          <a:bodyPr/>
-          <a:lstStyle/>
-          <a:p>
-            <a:r>
-              <a:rPr lang="de-CH" dirty="0" err="1"/>
-              <a:t>very</a:t>
-            </a:r>
-            <a:r>
-              <a:rPr lang="de-CH" dirty="0"/>
-              <a:t> </a:t>
-            </a:r>
-            <a:r>
-              <a:rPr lang="de-CH" dirty="0" err="1"/>
-              <a:t>similar</a:t>
-            </a:r>
-            <a:r>
-              <a:rPr lang="de-CH" dirty="0"/>
-              <a:t> </a:t>
-            </a:r>
-            <a:r>
-              <a:rPr lang="de-CH" dirty="0" err="1"/>
-              <a:t>results</a:t>
-            </a:r>
-            <a:endParaRPr lang="de-CH" dirty="0"/>
-          </a:p>
-        </p:txBody>
-      </p:sp>
-      <p:sp>
-        <p:nvSpPr>
-          <p:cNvPr id="4" name="Textfeld 4">
-            <a:extLst>
-              <a:ext uri="{FF2B5EF4-FFF2-40B4-BE49-F238E27FC236}">
-                <a16:creationId xmlns:a16="http://schemas.microsoft.com/office/drawing/2014/main" id="{146CB358-E897-0EA2-B609-AAC4CB8003CC}"/>
-              </a:ext>
-            </a:extLst>
-          </p:cNvPr>
-          <p:cNvSpPr txBox="1"/>
-          <p:nvPr/>
-        </p:nvSpPr>
-        <p:spPr>
-          <a:xfrm>
-            <a:off x="438150" y="1990725"/>
-            <a:ext cx="4533900" cy="369332"/>
-          </a:xfrm>
-          <a:prstGeom prst="rect">
-            <a:avLst/>
-          </a:prstGeom>
-          <a:noFill/>
-        </p:spPr>
-        <p:txBody>
-          <a:bodyPr wrap="square" rtlCol="0">
-            <a:spAutoFit/>
-          </a:bodyPr>
-          <a:lstStyle/>
-          <a:p>
-            <a:r>
-              <a:rPr lang="de-CH" dirty="0" err="1"/>
-              <a:t>finetuned</a:t>
-            </a:r>
-            <a:r>
-              <a:rPr lang="de-CH" dirty="0"/>
-              <a:t> </a:t>
-            </a:r>
-            <a:r>
-              <a:rPr lang="de-CH" dirty="0" err="1"/>
-              <a:t>dmis</a:t>
-            </a:r>
-            <a:r>
-              <a:rPr lang="de-CH" dirty="0"/>
-              <a:t>-lab/biobert-base-cased-v1.2</a:t>
-            </a:r>
-          </a:p>
-        </p:txBody>
-      </p:sp>
-    </p:spTree>
-    <p:extLst>
-      <p:ext uri="{BB962C8B-B14F-4D97-AF65-F5344CB8AC3E}">
-        <p14:creationId xmlns:p14="http://schemas.microsoft.com/office/powerpoint/2010/main" val="2564444493"/>
       </p:ext>
     </p:extLst>
   </p:cSld>
@@ -6705,6 +7119,274 @@
           <p:cNvPr id="2" name="Titel 1">
             <a:extLst>
               <a:ext uri="{FF2B5EF4-FFF2-40B4-BE49-F238E27FC236}">
+                <a16:creationId xmlns:a16="http://schemas.microsoft.com/office/drawing/2014/main" id="{30E8CDA7-46A4-831B-2A0D-BC23D6995353}"/>
+              </a:ext>
+            </a:extLst>
+          </p:cNvPr>
+          <p:cNvSpPr>
+            <a:spLocks noGrp="1"/>
+          </p:cNvSpPr>
+          <p:nvPr>
+            <p:ph type="title"/>
+          </p:nvPr>
+        </p:nvSpPr>
+        <p:spPr/>
+        <p:txBody>
+          <a:bodyPr/>
+          <a:lstStyle/>
+          <a:p>
+            <a:r>
+              <a:rPr lang="de-CH" dirty="0" err="1"/>
+              <a:t>Advanced</a:t>
+            </a:r>
+            <a:r>
+              <a:rPr lang="de-CH" dirty="0"/>
+              <a:t> Models: </a:t>
+            </a:r>
+            <a:r>
+              <a:rPr lang="de-CH" dirty="0" err="1"/>
+              <a:t>biobert</a:t>
+            </a:r>
+            <a:r>
+              <a:rPr lang="de-CH" dirty="0"/>
+              <a:t>-base-</a:t>
+            </a:r>
+            <a:r>
+              <a:rPr lang="de-CH" dirty="0" err="1"/>
+              <a:t>cased</a:t>
+            </a:r>
+            <a:endParaRPr lang="de-CH" dirty="0"/>
+          </a:p>
+        </p:txBody>
+      </p:sp>
+      <p:sp>
+        <p:nvSpPr>
+          <p:cNvPr id="7" name="Content Placeholder 6">
+            <a:extLst>
+              <a:ext uri="{FF2B5EF4-FFF2-40B4-BE49-F238E27FC236}">
+                <a16:creationId xmlns:a16="http://schemas.microsoft.com/office/drawing/2014/main" id="{CFB2F496-A838-A19C-67BD-77B84DFE2A66}"/>
+              </a:ext>
+            </a:extLst>
+          </p:cNvPr>
+          <p:cNvSpPr>
+            <a:spLocks noGrp="1"/>
+          </p:cNvSpPr>
+          <p:nvPr>
+            <p:ph idx="1"/>
+          </p:nvPr>
+        </p:nvSpPr>
+        <p:spPr>
+          <a:xfrm>
+            <a:off x="6906410" y="2180496"/>
+            <a:ext cx="4704398" cy="3678303"/>
+          </a:xfrm>
+        </p:spPr>
+        <p:txBody>
+          <a:bodyPr/>
+          <a:lstStyle/>
+          <a:p>
+            <a:r>
+              <a:rPr lang="en-CH" dirty="0"/>
+              <a:t>similar but slightly better results</a:t>
+            </a:r>
+          </a:p>
+        </p:txBody>
+      </p:sp>
+      <p:pic>
+        <p:nvPicPr>
+          <p:cNvPr id="5" name="Picture 4">
+            <a:extLst>
+              <a:ext uri="{FF2B5EF4-FFF2-40B4-BE49-F238E27FC236}">
+                <a16:creationId xmlns:a16="http://schemas.microsoft.com/office/drawing/2014/main" id="{F602774F-6B58-654F-82CB-23C3A85A2A69}"/>
+              </a:ext>
+            </a:extLst>
+          </p:cNvPr>
+          <p:cNvPicPr>
+            <a:picLocks noChangeAspect="1"/>
+          </p:cNvPicPr>
+          <p:nvPr/>
+        </p:nvPicPr>
+        <p:blipFill>
+          <a:blip r:embed="rId2"/>
+          <a:stretch>
+            <a:fillRect/>
+          </a:stretch>
+        </p:blipFill>
+        <p:spPr>
+          <a:xfrm>
+            <a:off x="520700" y="2038447"/>
+            <a:ext cx="6016962" cy="4276292"/>
+          </a:xfrm>
+          <a:prstGeom prst="rect">
+            <a:avLst/>
+          </a:prstGeom>
+        </p:spPr>
+      </p:pic>
+    </p:spTree>
+    <p:extLst>
+      <p:ext uri="{BB962C8B-B14F-4D97-AF65-F5344CB8AC3E}">
+        <p14:creationId xmlns:p14="http://schemas.microsoft.com/office/powerpoint/2010/main" val="3340740977"/>
+      </p:ext>
+    </p:extLst>
+  </p:cSld>
+  <p:clrMapOvr>
+    <a:masterClrMapping/>
+  </p:clrMapOvr>
+</p:sld>
+</file>
+
+<file path=ppt/slides/slide16.xml><?xml version="1.0" encoding="utf-8"?>
+<p:sld xmlns:a="http://schemas.openxmlformats.org/drawingml/2006/main" xmlns:r="http://schemas.openxmlformats.org/officeDocument/2006/relationships" xmlns:p="http://schemas.openxmlformats.org/presentationml/2006/main">
+  <p:cSld>
+    <p:spTree>
+      <p:nvGrpSpPr>
+        <p:cNvPr id="1" name=""/>
+        <p:cNvGrpSpPr/>
+        <p:nvPr/>
+      </p:nvGrpSpPr>
+      <p:grpSpPr>
+        <a:xfrm>
+          <a:off x="0" y="0"/>
+          <a:ext cx="0" cy="0"/>
+          <a:chOff x="0" y="0"/>
+          <a:chExt cx="0" cy="0"/>
+        </a:xfrm>
+      </p:grpSpPr>
+      <p:sp>
+        <p:nvSpPr>
+          <p:cNvPr id="2" name="Titel 1">
+            <a:extLst>
+              <a:ext uri="{FF2B5EF4-FFF2-40B4-BE49-F238E27FC236}">
+                <a16:creationId xmlns:a16="http://schemas.microsoft.com/office/drawing/2014/main" id="{30E8CDA7-46A4-831B-2A0D-BC23D6995353}"/>
+              </a:ext>
+            </a:extLst>
+          </p:cNvPr>
+          <p:cNvSpPr>
+            <a:spLocks noGrp="1"/>
+          </p:cNvSpPr>
+          <p:nvPr>
+            <p:ph type="title"/>
+          </p:nvPr>
+        </p:nvSpPr>
+        <p:spPr/>
+        <p:txBody>
+          <a:bodyPr/>
+          <a:lstStyle/>
+          <a:p>
+            <a:r>
+              <a:rPr lang="de-CH" dirty="0" err="1"/>
+              <a:t>Advanced</a:t>
+            </a:r>
+            <a:r>
+              <a:rPr lang="de-CH" dirty="0"/>
+              <a:t> Models: </a:t>
+            </a:r>
+            <a:r>
+              <a:rPr lang="de-CH" dirty="0" err="1"/>
+              <a:t>ClinicalBERT</a:t>
+            </a:r>
+            <a:endParaRPr lang="de-CH" dirty="0"/>
+          </a:p>
+        </p:txBody>
+      </p:sp>
+      <p:sp>
+        <p:nvSpPr>
+          <p:cNvPr id="7" name="Content Placeholder 6">
+            <a:extLst>
+              <a:ext uri="{FF2B5EF4-FFF2-40B4-BE49-F238E27FC236}">
+                <a16:creationId xmlns:a16="http://schemas.microsoft.com/office/drawing/2014/main" id="{CFB2F496-A838-A19C-67BD-77B84DFE2A66}"/>
+              </a:ext>
+            </a:extLst>
+          </p:cNvPr>
+          <p:cNvSpPr>
+            <a:spLocks noGrp="1"/>
+          </p:cNvSpPr>
+          <p:nvPr>
+            <p:ph idx="1"/>
+          </p:nvPr>
+        </p:nvSpPr>
+        <p:spPr>
+          <a:xfrm>
+            <a:off x="6906410" y="2180496"/>
+            <a:ext cx="4704398" cy="3678303"/>
+          </a:xfrm>
+        </p:spPr>
+        <p:txBody>
+          <a:bodyPr/>
+          <a:lstStyle/>
+          <a:p>
+            <a:r>
+              <a:rPr lang="en-CH" dirty="0"/>
+              <a:t>also similar, but slightly worse results</a:t>
+            </a:r>
+          </a:p>
+        </p:txBody>
+      </p:sp>
+      <p:pic>
+        <p:nvPicPr>
+          <p:cNvPr id="3" name="Picture 2">
+            <a:extLst>
+              <a:ext uri="{FF2B5EF4-FFF2-40B4-BE49-F238E27FC236}">
+                <a16:creationId xmlns:a16="http://schemas.microsoft.com/office/drawing/2014/main" id="{772F29DF-6EF6-A4A1-E892-185DE3A72FCB}"/>
+              </a:ext>
+            </a:extLst>
+          </p:cNvPr>
+          <p:cNvPicPr>
+            <a:picLocks noChangeAspect="1"/>
+          </p:cNvPicPr>
+          <p:nvPr/>
+        </p:nvPicPr>
+        <p:blipFill>
+          <a:blip r:embed="rId2"/>
+          <a:stretch>
+            <a:fillRect/>
+          </a:stretch>
+        </p:blipFill>
+        <p:spPr>
+          <a:xfrm>
+            <a:off x="466910" y="1995416"/>
+            <a:ext cx="6224345" cy="4423680"/>
+          </a:xfrm>
+          <a:prstGeom prst="rect">
+            <a:avLst/>
+          </a:prstGeom>
+        </p:spPr>
+      </p:pic>
+    </p:spTree>
+    <p:extLst>
+      <p:ext uri="{BB962C8B-B14F-4D97-AF65-F5344CB8AC3E}">
+        <p14:creationId xmlns:p14="http://schemas.microsoft.com/office/powerpoint/2010/main" val="3768046342"/>
+      </p:ext>
+    </p:extLst>
+  </p:cSld>
+  <p:clrMapOvr>
+    <a:masterClrMapping/>
+  </p:clrMapOvr>
+</p:sld>
+</file>
+
+<file path=ppt/slides/slide17.xml><?xml version="1.0" encoding="utf-8"?>
+<p:sld xmlns:a="http://schemas.openxmlformats.org/drawingml/2006/main" xmlns:r="http://schemas.openxmlformats.org/officeDocument/2006/relationships" xmlns:p="http://schemas.openxmlformats.org/presentationml/2006/main">
+  <p:cSld>
+    <p:spTree>
+      <p:nvGrpSpPr>
+        <p:cNvPr id="1" name=""/>
+        <p:cNvGrpSpPr/>
+        <p:nvPr/>
+      </p:nvGrpSpPr>
+      <p:grpSpPr>
+        <a:xfrm>
+          <a:off x="0" y="0"/>
+          <a:ext cx="0" cy="0"/>
+          <a:chOff x="0" y="0"/>
+          <a:chExt cx="0" cy="0"/>
+        </a:xfrm>
+      </p:grpSpPr>
+      <p:sp>
+        <p:nvSpPr>
+          <p:cNvPr id="2" name="Titel 1">
+            <a:extLst>
+              <a:ext uri="{FF2B5EF4-FFF2-40B4-BE49-F238E27FC236}">
                 <a16:creationId xmlns:a16="http://schemas.microsoft.com/office/drawing/2014/main" id="{5946CFA5-8CEF-8B46-9D10-7917336FDCBB}"/>
               </a:ext>
             </a:extLst>
@@ -6749,25 +7431,143 @@
             <p:ph idx="1"/>
           </p:nvPr>
         </p:nvSpPr>
-        <p:spPr/>
+        <p:spPr>
+          <a:xfrm>
+            <a:off x="581192" y="1973767"/>
+            <a:ext cx="11029615" cy="4638906"/>
+          </a:xfrm>
+        </p:spPr>
         <p:txBody>
-          <a:bodyPr/>
+          <a:bodyPr>
+            <a:normAutofit fontScale="92500" lnSpcReduction="10000"/>
+          </a:bodyPr>
           <a:lstStyle/>
           <a:p>
             <a:r>
-              <a:rPr lang="de-CH" dirty="0" err="1"/>
-              <a:t>Improving</a:t>
-            </a:r>
-            <a:r>
-              <a:rPr lang="de-CH" dirty="0"/>
-              <a:t> Model Quality</a:t>
-            </a:r>
+              <a:rPr lang="de-CH" dirty="0"/>
+              <a:t>Scores </a:t>
+            </a:r>
+            <a:r>
+              <a:rPr lang="de-CH" dirty="0" err="1"/>
+              <a:t>for</a:t>
+            </a:r>
+            <a:r>
+              <a:rPr lang="de-CH" dirty="0"/>
+              <a:t> all </a:t>
+            </a:r>
+            <a:r>
+              <a:rPr lang="de-CH" dirty="0" err="1"/>
+              <a:t>classes</a:t>
+            </a:r>
+            <a:r>
+              <a:rPr lang="de-CH" dirty="0"/>
+              <a:t> </a:t>
+            </a:r>
+            <a:r>
+              <a:rPr lang="de-CH" dirty="0" err="1"/>
+              <a:t>are</a:t>
+            </a:r>
+            <a:r>
+              <a:rPr lang="de-CH" dirty="0"/>
+              <a:t> </a:t>
+            </a:r>
+            <a:r>
+              <a:rPr lang="de-CH" dirty="0" err="1"/>
+              <a:t>above</a:t>
+            </a:r>
+            <a:r>
+              <a:rPr lang="de-CH" dirty="0"/>
+              <a:t> 0</a:t>
+            </a:r>
+          </a:p>
+          <a:p>
+            <a:r>
+              <a:rPr lang="de-CH" dirty="0"/>
+              <a:t>Top-Classes </a:t>
+            </a:r>
+            <a:r>
+              <a:rPr lang="de-CH" dirty="0" err="1"/>
+              <a:t>Dentistry</a:t>
+            </a:r>
+            <a:r>
+              <a:rPr lang="de-CH" dirty="0"/>
+              <a:t>, </a:t>
+            </a:r>
+            <a:r>
+              <a:rPr lang="de-CH" dirty="0" err="1"/>
+              <a:t>Surgery</a:t>
+            </a:r>
+            <a:r>
+              <a:rPr lang="de-CH" dirty="0"/>
+              <a:t> and </a:t>
+            </a:r>
+            <a:r>
+              <a:rPr lang="de-CH" dirty="0" err="1"/>
+              <a:t>Ophthalmology</a:t>
+            </a:r>
+            <a:r>
+              <a:rPr lang="de-CH" dirty="0"/>
+              <a:t> perform </a:t>
+            </a:r>
+            <a:r>
+              <a:rPr lang="de-CH" dirty="0" err="1"/>
+              <a:t>well</a:t>
+            </a:r>
+            <a:r>
+              <a:rPr lang="de-CH" dirty="0"/>
+              <a:t> on all </a:t>
+            </a:r>
+            <a:r>
+              <a:rPr lang="de-CH" dirty="0" err="1"/>
+              <a:t>three</a:t>
+            </a:r>
+            <a:r>
+              <a:rPr lang="de-CH" dirty="0"/>
+              <a:t> </a:t>
+            </a:r>
+            <a:r>
+              <a:rPr lang="de-CH" dirty="0" err="1"/>
+              <a:t>models</a:t>
+            </a:r>
+            <a:endParaRPr lang="de-CH" dirty="0"/>
           </a:p>
           <a:p>
             <a:pPr lvl="1"/>
             <a:r>
               <a:rPr lang="de-CH" dirty="0" err="1"/>
-              <a:t>Reduce</a:t>
+              <a:t>Surgery</a:t>
+            </a:r>
+            <a:r>
+              <a:rPr lang="de-CH" dirty="0"/>
+              <a:t> </a:t>
+            </a:r>
+            <a:r>
+              <a:rPr lang="de-CH" dirty="0" err="1"/>
+              <a:t>is</a:t>
+            </a:r>
+            <a:r>
+              <a:rPr lang="de-CH" dirty="0"/>
+              <a:t> </a:t>
+            </a:r>
+            <a:r>
+              <a:rPr lang="de-CH" dirty="0" err="1"/>
+              <a:t>the</a:t>
+            </a:r>
+            <a:r>
+              <a:rPr lang="de-CH" dirty="0"/>
+              <a:t> </a:t>
+            </a:r>
+            <a:r>
+              <a:rPr lang="de-CH" dirty="0" err="1"/>
+              <a:t>most</a:t>
+            </a:r>
+            <a:r>
+              <a:rPr lang="de-CH" dirty="0"/>
+              <a:t> </a:t>
+            </a:r>
+            <a:r>
+              <a:rPr lang="de-CH" dirty="0" err="1"/>
+              <a:t>common</a:t>
             </a:r>
             <a:r>
               <a:rPr lang="de-CH" dirty="0"/>
@@ -6779,43 +7579,159 @@
             </a:r>
             <a:r>
               <a:rPr lang="de-CH" dirty="0"/>
-              <a:t> </a:t>
-            </a:r>
-            <a:r>
-              <a:rPr lang="de-CH" dirty="0" err="1"/>
-              <a:t>imbalance</a:t>
-            </a:r>
-            <a:r>
-              <a:rPr lang="de-CH" dirty="0"/>
-              <a:t> </a:t>
-            </a:r>
-            <a:r>
-              <a:rPr lang="de-CH" dirty="0" err="1"/>
-              <a:t>either</a:t>
-            </a:r>
-            <a:r>
-              <a:rPr lang="de-CH" dirty="0"/>
-              <a:t> </a:t>
-            </a:r>
-            <a:r>
-              <a:rPr lang="de-CH" dirty="0" err="1"/>
-              <a:t>by</a:t>
-            </a:r>
-            <a:r>
-              <a:rPr lang="de-CH" dirty="0"/>
-              <a:t> </a:t>
-            </a:r>
-            <a:r>
-              <a:rPr lang="de-CH" dirty="0" err="1"/>
-              <a:t>weighted</a:t>
-            </a:r>
-            <a:r>
-              <a:rPr lang="de-CH" dirty="0"/>
-              <a:t> </a:t>
-            </a:r>
-            <a:r>
-              <a:rPr lang="de-CH" dirty="0" err="1"/>
-              <a:t>loss</a:t>
+              <a:t> (1088 </a:t>
+            </a:r>
+            <a:r>
+              <a:rPr lang="de-CH" dirty="0" err="1"/>
+              <a:t>samples</a:t>
+            </a:r>
+            <a:r>
+              <a:rPr lang="de-CH" dirty="0"/>
+              <a:t>), </a:t>
+            </a:r>
+            <a:r>
+              <a:rPr lang="de-CH" dirty="0" err="1"/>
+              <a:t>however</a:t>
+            </a:r>
+            <a:r>
+              <a:rPr lang="de-CH" dirty="0"/>
+              <a:t> </a:t>
+            </a:r>
+            <a:r>
+              <a:rPr lang="de-CH" dirty="0" err="1"/>
+              <a:t>Dentistry</a:t>
+            </a:r>
+            <a:r>
+              <a:rPr lang="de-CH" dirty="0"/>
+              <a:t> </a:t>
+            </a:r>
+            <a:r>
+              <a:rPr lang="de-CH" dirty="0" err="1"/>
+              <a:t>has</a:t>
+            </a:r>
+            <a:r>
+              <a:rPr lang="de-CH" dirty="0"/>
+              <a:t> </a:t>
+            </a:r>
+            <a:r>
+              <a:rPr lang="de-CH" dirty="0" err="1"/>
+              <a:t>only</a:t>
+            </a:r>
+            <a:r>
+              <a:rPr lang="de-CH" dirty="0"/>
+              <a:t> 27 </a:t>
+            </a:r>
+            <a:r>
+              <a:rPr lang="de-CH" dirty="0" err="1"/>
+              <a:t>samples</a:t>
+            </a:r>
+            <a:r>
+              <a:rPr lang="de-CH" dirty="0"/>
+              <a:t>, </a:t>
+            </a:r>
+            <a:r>
+              <a:rPr lang="de-CH" dirty="0" err="1"/>
+              <a:t>Ophthalmology</a:t>
+            </a:r>
+            <a:r>
+              <a:rPr lang="de-CH" dirty="0"/>
+              <a:t> </a:t>
+            </a:r>
+            <a:r>
+              <a:rPr lang="de-CH" dirty="0" err="1"/>
+              <a:t>has</a:t>
+            </a:r>
+            <a:r>
+              <a:rPr lang="de-CH" dirty="0"/>
+              <a:t> 83 </a:t>
+            </a:r>
+            <a:r>
+              <a:rPr lang="de-CH" dirty="0" err="1"/>
+              <a:t>samples</a:t>
+            </a:r>
+            <a:endParaRPr lang="de-CH" dirty="0"/>
+          </a:p>
+          <a:p>
+            <a:pPr lvl="1"/>
+            <a:r>
+              <a:rPr lang="de-CH" dirty="0"/>
+              <a:t>Texts </a:t>
+            </a:r>
+            <a:r>
+              <a:rPr lang="de-CH" dirty="0" err="1"/>
+              <a:t>for</a:t>
+            </a:r>
+            <a:r>
+              <a:rPr lang="de-CH" dirty="0"/>
+              <a:t> </a:t>
+            </a:r>
+            <a:r>
+              <a:rPr lang="de-CH" dirty="0" err="1"/>
+              <a:t>Dentistry</a:t>
+            </a:r>
+            <a:r>
+              <a:rPr lang="de-CH" dirty="0"/>
+              <a:t> and </a:t>
+            </a:r>
+            <a:r>
+              <a:rPr lang="de-CH" dirty="0" err="1"/>
+              <a:t>Ophthalmology</a:t>
+            </a:r>
+            <a:r>
+              <a:rPr lang="de-CH" dirty="0"/>
+              <a:t> </a:t>
+            </a:r>
+            <a:r>
+              <a:rPr lang="de-CH" dirty="0" err="1"/>
+              <a:t>might</a:t>
+            </a:r>
+            <a:r>
+              <a:rPr lang="de-CH" dirty="0"/>
+              <a:t> </a:t>
+            </a:r>
+            <a:r>
+              <a:rPr lang="de-CH" dirty="0" err="1"/>
+              <a:t>consist</a:t>
+            </a:r>
+            <a:r>
+              <a:rPr lang="de-CH" dirty="0"/>
+              <a:t> </a:t>
+            </a:r>
+            <a:r>
+              <a:rPr lang="de-CH" dirty="0" err="1"/>
+              <a:t>of</a:t>
+            </a:r>
+            <a:r>
+              <a:rPr lang="de-CH" dirty="0"/>
+              <a:t> </a:t>
+            </a:r>
+            <a:r>
+              <a:rPr lang="de-CH" dirty="0" err="1"/>
+              <a:t>some</a:t>
+            </a:r>
+            <a:r>
+              <a:rPr lang="de-CH" dirty="0"/>
+              <a:t> </a:t>
+            </a:r>
+            <a:r>
+              <a:rPr lang="de-CH" dirty="0" err="1"/>
+              <a:t>specific</a:t>
+            </a:r>
+            <a:r>
+              <a:rPr lang="de-CH" dirty="0"/>
+              <a:t> and </a:t>
+            </a:r>
+            <a:r>
+              <a:rPr lang="de-CH" dirty="0" err="1"/>
+              <a:t>unique</a:t>
+            </a:r>
+            <a:r>
+              <a:rPr lang="de-CH" dirty="0"/>
+              <a:t> </a:t>
+            </a:r>
+            <a:r>
+              <a:rPr lang="de-CH" dirty="0" err="1"/>
+              <a:t>words</a:t>
             </a:r>
             <a:r>
               <a:rPr lang="de-CH" dirty="0"/>
@@ -6831,23 +7747,239 @@
             </a:r>
             <a:r>
               <a:rPr lang="de-CH" dirty="0" err="1"/>
-              <a:t>upsampling</a:t>
+              <a:t>token</a:t>
+            </a:r>
+            <a:r>
+              <a:rPr lang="de-CH" dirty="0"/>
+              <a:t> </a:t>
+            </a:r>
+            <a:r>
+              <a:rPr lang="de-CH" dirty="0" err="1"/>
+              <a:t>combinations</a:t>
+            </a:r>
+            <a:r>
+              <a:rPr lang="de-CH" dirty="0"/>
+              <a:t> </a:t>
+            </a:r>
+            <a:r>
+              <a:rPr lang="de-CH" dirty="0" err="1"/>
+              <a:t>for</a:t>
+            </a:r>
+            <a:r>
+              <a:rPr lang="de-CH" dirty="0"/>
+              <a:t> </a:t>
+            </a:r>
+            <a:r>
+              <a:rPr lang="de-CH" dirty="0" err="1"/>
+              <a:t>their</a:t>
+            </a:r>
+            <a:r>
+              <a:rPr lang="de-CH" dirty="0"/>
+              <a:t> </a:t>
+            </a:r>
+            <a:r>
+              <a:rPr lang="de-CH" dirty="0" err="1"/>
+              <a:t>subject</a:t>
             </a:r>
             <a:endParaRPr lang="de-CH" dirty="0"/>
           </a:p>
           <a:p>
+            <a:r>
+              <a:rPr lang="de-CH" dirty="0"/>
+              <a:t>Regular </a:t>
+            </a:r>
+            <a:r>
+              <a:rPr lang="de-CH" dirty="0" err="1"/>
+              <a:t>bert</a:t>
+            </a:r>
+            <a:r>
+              <a:rPr lang="de-CH" dirty="0"/>
+              <a:t>-base-</a:t>
+            </a:r>
+            <a:r>
+              <a:rPr lang="de-CH" dirty="0" err="1"/>
+              <a:t>uncased</a:t>
+            </a:r>
+            <a:r>
+              <a:rPr lang="de-CH" dirty="0"/>
+              <a:t> </a:t>
+            </a:r>
+            <a:r>
+              <a:rPr lang="de-CH" dirty="0" err="1"/>
+              <a:t>performs</a:t>
+            </a:r>
+            <a:r>
+              <a:rPr lang="de-CH" dirty="0"/>
+              <a:t> </a:t>
+            </a:r>
+            <a:r>
+              <a:rPr lang="de-CH" dirty="0" err="1"/>
+              <a:t>good</a:t>
+            </a:r>
+            <a:endParaRPr lang="de-CH" dirty="0"/>
+          </a:p>
+          <a:p>
+            <a:r>
+              <a:rPr lang="de-CH" dirty="0"/>
+              <a:t>Medical </a:t>
+            </a:r>
+            <a:r>
+              <a:rPr lang="de-CH" dirty="0" err="1"/>
+              <a:t>adaption</a:t>
+            </a:r>
+            <a:r>
+              <a:rPr lang="de-CH" dirty="0"/>
+              <a:t> </a:t>
+            </a:r>
+            <a:r>
+              <a:rPr lang="de-CH" dirty="0" err="1"/>
+              <a:t>BioBERT</a:t>
+            </a:r>
+            <a:r>
+              <a:rPr lang="de-CH" dirty="0"/>
+              <a:t> </a:t>
+            </a:r>
+            <a:r>
+              <a:rPr lang="de-CH" dirty="0" err="1"/>
+              <a:t>is</a:t>
+            </a:r>
+            <a:r>
+              <a:rPr lang="de-CH" dirty="0"/>
+              <a:t> </a:t>
+            </a:r>
+            <a:r>
+              <a:rPr lang="de-CH" dirty="0" err="1"/>
+              <a:t>slightly</a:t>
+            </a:r>
+            <a:r>
+              <a:rPr lang="de-CH" dirty="0"/>
+              <a:t> </a:t>
+            </a:r>
+            <a:r>
+              <a:rPr lang="de-CH" dirty="0" err="1"/>
+              <a:t>better</a:t>
+            </a:r>
+            <a:endParaRPr lang="de-CH" dirty="0"/>
+          </a:p>
+          <a:p>
             <a:pPr lvl="1"/>
             <a:r>
               <a:rPr lang="de-CH" dirty="0" err="1"/>
-              <a:t>Increase</a:t>
-            </a:r>
-            <a:r>
-              <a:rPr lang="de-CH" dirty="0"/>
-              <a:t> </a:t>
-            </a:r>
-            <a:r>
-              <a:rPr lang="de-CH" dirty="0" err="1"/>
-              <a:t>number</a:t>
+              <a:t>might</a:t>
+            </a:r>
+            <a:r>
+              <a:rPr lang="de-CH" dirty="0"/>
+              <a:t> </a:t>
+            </a:r>
+            <a:r>
+              <a:rPr lang="de-CH" dirty="0" err="1"/>
+              <a:t>be</a:t>
+            </a:r>
+            <a:r>
+              <a:rPr lang="de-CH" dirty="0"/>
+              <a:t> due </a:t>
+            </a:r>
+            <a:r>
+              <a:rPr lang="de-CH" dirty="0" err="1"/>
+              <a:t>to</a:t>
+            </a:r>
+            <a:r>
+              <a:rPr lang="de-CH" dirty="0"/>
+              <a:t> </a:t>
+            </a:r>
+            <a:r>
+              <a:rPr lang="de-CH" dirty="0" err="1"/>
+              <a:t>refined</a:t>
+            </a:r>
+            <a:r>
+              <a:rPr lang="de-CH" dirty="0"/>
+              <a:t> </a:t>
+            </a:r>
+            <a:r>
+              <a:rPr lang="de-CH" dirty="0" err="1"/>
+              <a:t>embeddings</a:t>
+            </a:r>
+            <a:r>
+              <a:rPr lang="de-CH" dirty="0"/>
+              <a:t> </a:t>
+            </a:r>
+            <a:r>
+              <a:rPr lang="de-CH" dirty="0" err="1"/>
+              <a:t>for</a:t>
+            </a:r>
+            <a:r>
+              <a:rPr lang="de-CH" dirty="0"/>
+              <a:t> </a:t>
+            </a:r>
+            <a:r>
+              <a:rPr lang="de-CH" dirty="0" err="1"/>
+              <a:t>medical</a:t>
+            </a:r>
+            <a:r>
+              <a:rPr lang="de-CH" dirty="0"/>
+              <a:t> </a:t>
+            </a:r>
+            <a:r>
+              <a:rPr lang="de-CH" dirty="0" err="1"/>
+              <a:t>vocabulary</a:t>
+            </a:r>
+            <a:r>
+              <a:rPr lang="de-CH" dirty="0"/>
+              <a:t> </a:t>
+            </a:r>
+            <a:r>
+              <a:rPr lang="de-CH" dirty="0" err="1"/>
+              <a:t>during</a:t>
+            </a:r>
+            <a:r>
+              <a:rPr lang="de-CH" dirty="0"/>
+              <a:t> </a:t>
+            </a:r>
+            <a:r>
+              <a:rPr lang="de-CH" dirty="0" err="1"/>
+              <a:t>pre</a:t>
+            </a:r>
+            <a:r>
+              <a:rPr lang="de-CH" dirty="0"/>
+              <a:t>-training</a:t>
+            </a:r>
+          </a:p>
+          <a:p>
+            <a:r>
+              <a:rPr lang="de-CH" dirty="0" err="1"/>
+              <a:t>ClinicalBERT</a:t>
+            </a:r>
+            <a:r>
+              <a:rPr lang="de-CH" dirty="0"/>
+              <a:t> </a:t>
+            </a:r>
+            <a:r>
+              <a:rPr lang="de-CH" dirty="0" err="1"/>
+              <a:t>has</a:t>
+            </a:r>
+            <a:r>
+              <a:rPr lang="de-CH" dirty="0"/>
+              <a:t> </a:t>
+            </a:r>
+            <a:r>
+              <a:rPr lang="de-CH" dirty="0" err="1"/>
+              <a:t>the</a:t>
+            </a:r>
+            <a:r>
+              <a:rPr lang="de-CH" dirty="0"/>
+              <a:t> </a:t>
+            </a:r>
+            <a:r>
+              <a:rPr lang="de-CH" dirty="0" err="1"/>
+              <a:t>lowest</a:t>
+            </a:r>
+            <a:r>
+              <a:rPr lang="de-CH" dirty="0"/>
+              <a:t> </a:t>
+            </a:r>
+            <a:r>
+              <a:rPr lang="de-CH" dirty="0" err="1"/>
+              <a:t>metrics</a:t>
             </a:r>
             <a:r>
               <a:rPr lang="de-CH" dirty="0"/>
@@ -6859,46 +7991,31 @@
             </a:r>
             <a:r>
               <a:rPr lang="de-CH" dirty="0"/>
-              <a:t> </a:t>
-            </a:r>
-            <a:r>
-              <a:rPr lang="de-CH" dirty="0" err="1"/>
-              <a:t>training</a:t>
-            </a:r>
-            <a:r>
-              <a:rPr lang="de-CH" dirty="0"/>
-              <a:t> </a:t>
-            </a:r>
-            <a:r>
-              <a:rPr lang="de-CH" dirty="0" err="1"/>
-              <a:t>epoch</a:t>
-            </a:r>
-            <a:r>
-              <a:rPr lang="de-CH" dirty="0"/>
-              <a:t> </a:t>
-            </a:r>
+              <a:t> all BERT </a:t>
+            </a:r>
+            <a:r>
+              <a:rPr lang="de-CH" dirty="0" err="1"/>
+              <a:t>models</a:t>
+            </a:r>
+            <a:endParaRPr lang="de-CH" dirty="0"/>
           </a:p>
           <a:p>
             <a:pPr lvl="1"/>
             <a:r>
-              <a:rPr lang="de-CH" dirty="0"/>
-              <a:t>Use 5-fold </a:t>
-            </a:r>
-            <a:r>
-              <a:rPr lang="de-CH" dirty="0" err="1"/>
-              <a:t>cross</a:t>
-            </a:r>
-            <a:r>
-              <a:rPr lang="de-CH" dirty="0"/>
-              <a:t> </a:t>
-            </a:r>
-            <a:r>
-              <a:rPr lang="de-CH" dirty="0" err="1"/>
-              <a:t>validation</a:t>
-            </a:r>
-            <a:r>
-              <a:rPr lang="de-CH" dirty="0"/>
-              <a:t> </a:t>
+              <a:rPr lang="de-CH" dirty="0" err="1"/>
+              <a:t>might</a:t>
+            </a:r>
+            <a:r>
+              <a:rPr lang="de-CH" dirty="0"/>
+              <a:t> </a:t>
+            </a:r>
+            <a:r>
+              <a:rPr lang="de-CH" dirty="0" err="1"/>
+              <a:t>be</a:t>
+            </a:r>
+            <a:r>
+              <a:rPr lang="de-CH" dirty="0"/>
+              <a:t> due </a:t>
             </a:r>
             <a:r>
               <a:rPr lang="de-CH" dirty="0" err="1"/>
@@ -6910,38 +8027,344 @@
             </a:r>
             <a:r>
               <a:rPr lang="de-CH" dirty="0" err="1"/>
-              <a:t>increase</a:t>
-            </a:r>
-            <a:r>
-              <a:rPr lang="de-CH" dirty="0"/>
-              <a:t> </a:t>
-            </a:r>
-            <a:r>
-              <a:rPr lang="de-CH" dirty="0" err="1"/>
-              <a:t>training</a:t>
-            </a:r>
-            <a:r>
-              <a:rPr lang="de-CH" dirty="0"/>
-              <a:t> </a:t>
-            </a:r>
-            <a:r>
-              <a:rPr lang="de-CH" dirty="0" err="1"/>
-              <a:t>set</a:t>
-            </a:r>
-            <a:r>
-              <a:rPr lang="de-CH" dirty="0"/>
-              <a:t> </a:t>
-            </a:r>
-            <a:r>
-              <a:rPr lang="de-CH" dirty="0" err="1"/>
-              <a:t>size</a:t>
+              <a:t>the</a:t>
+            </a:r>
+            <a:r>
+              <a:rPr lang="de-CH" dirty="0"/>
+              <a:t> </a:t>
+            </a:r>
+            <a:r>
+              <a:rPr lang="de-CH" dirty="0" err="1"/>
+              <a:t>lower</a:t>
+            </a:r>
+            <a:r>
+              <a:rPr lang="de-CH" dirty="0"/>
+              <a:t> </a:t>
+            </a:r>
+            <a:r>
+              <a:rPr lang="de-CH" dirty="0" err="1"/>
+              <a:t>accuracy</a:t>
+            </a:r>
+            <a:r>
+              <a:rPr lang="de-CH" dirty="0"/>
+              <a:t> </a:t>
+            </a:r>
+            <a:r>
+              <a:rPr lang="de-CH" dirty="0" err="1"/>
+              <a:t>of</a:t>
+            </a:r>
+            <a:r>
+              <a:rPr lang="de-CH" dirty="0"/>
+              <a:t> </a:t>
+            </a:r>
+            <a:r>
+              <a:rPr lang="de-CH" dirty="0" err="1"/>
+              <a:t>DistilBERT</a:t>
+            </a:r>
+            <a:r>
+              <a:rPr lang="de-CH" dirty="0"/>
+              <a:t> </a:t>
+            </a:r>
+            <a:r>
+              <a:rPr lang="de-CH" dirty="0" err="1"/>
+              <a:t>models</a:t>
+            </a:r>
+            <a:r>
+              <a:rPr lang="de-CH" dirty="0"/>
+              <a:t> in </a:t>
+            </a:r>
+            <a:r>
+              <a:rPr lang="de-CH" dirty="0" err="1"/>
+              <a:t>general</a:t>
+            </a:r>
+            <a:r>
+              <a:rPr lang="de-CH" dirty="0"/>
+              <a:t> (</a:t>
+            </a:r>
+            <a:r>
+              <a:rPr lang="de-CH" dirty="0" err="1"/>
+              <a:t>has</a:t>
+            </a:r>
+            <a:r>
+              <a:rPr lang="de-CH" dirty="0"/>
+              <a:t> </a:t>
+            </a:r>
+            <a:r>
+              <a:rPr lang="de-CH" dirty="0" err="1"/>
+              <a:t>fewer</a:t>
+            </a:r>
+            <a:r>
+              <a:rPr lang="de-CH" dirty="0"/>
+              <a:t> </a:t>
+            </a:r>
+            <a:r>
+              <a:rPr lang="de-CH" dirty="0" err="1"/>
+              <a:t>parameters</a:t>
+            </a:r>
+            <a:r>
+              <a:rPr lang="de-CH" dirty="0"/>
+              <a:t> </a:t>
+            </a:r>
+            <a:r>
+              <a:rPr lang="de-CH" dirty="0" err="1"/>
+              <a:t>than</a:t>
+            </a:r>
+            <a:r>
+              <a:rPr lang="de-CH" dirty="0"/>
+              <a:t> BERT)</a:t>
+            </a:r>
+          </a:p>
+          <a:p>
+            <a:r>
+              <a:rPr lang="de-CH" dirty="0"/>
+              <a:t>In </a:t>
+            </a:r>
+            <a:r>
+              <a:rPr lang="de-CH" dirty="0" err="1"/>
+              <a:t>general</a:t>
+            </a:r>
+            <a:r>
+              <a:rPr lang="de-CH" dirty="0"/>
+              <a:t>: BERT </a:t>
+            </a:r>
+            <a:r>
+              <a:rPr lang="de-CH" dirty="0" err="1"/>
+              <a:t>models</a:t>
+            </a:r>
+            <a:r>
+              <a:rPr lang="de-CH" dirty="0"/>
+              <a:t> </a:t>
+            </a:r>
+            <a:r>
+              <a:rPr lang="de-CH" dirty="0" err="1"/>
+              <a:t>achieve</a:t>
+            </a:r>
+            <a:r>
+              <a:rPr lang="de-CH" dirty="0"/>
+              <a:t> </a:t>
+            </a:r>
+            <a:r>
+              <a:rPr lang="de-CH" dirty="0" err="1"/>
+              <a:t>higher</a:t>
+            </a:r>
+            <a:r>
+              <a:rPr lang="de-CH" dirty="0"/>
+              <a:t> </a:t>
+            </a:r>
+            <a:r>
+              <a:rPr lang="de-CH" dirty="0" err="1"/>
+              <a:t>scores</a:t>
+            </a:r>
+            <a:r>
+              <a:rPr lang="de-CH" dirty="0"/>
+              <a:t> </a:t>
+            </a:r>
+            <a:r>
+              <a:rPr lang="de-CH" dirty="0" err="1"/>
+              <a:t>for</a:t>
+            </a:r>
+            <a:r>
+              <a:rPr lang="de-CH" dirty="0"/>
+              <a:t> </a:t>
+            </a:r>
+            <a:r>
+              <a:rPr lang="de-CH" dirty="0" err="1"/>
+              <a:t>classes</a:t>
+            </a:r>
+            <a:r>
+              <a:rPr lang="de-CH" dirty="0"/>
+              <a:t> </a:t>
+            </a:r>
+            <a:r>
+              <a:rPr lang="de-CH" dirty="0" err="1"/>
+              <a:t>with</a:t>
+            </a:r>
+            <a:r>
+              <a:rPr lang="de-CH" dirty="0"/>
+              <a:t> </a:t>
+            </a:r>
+            <a:r>
+              <a:rPr lang="de-CH" dirty="0" err="1"/>
+              <a:t>fewer</a:t>
+            </a:r>
+            <a:r>
+              <a:rPr lang="de-CH" dirty="0"/>
+              <a:t> </a:t>
+            </a:r>
+            <a:r>
+              <a:rPr lang="de-CH" dirty="0" err="1"/>
+              <a:t>samples</a:t>
             </a:r>
             <a:endParaRPr lang="de-CH" dirty="0"/>
           </a:p>
           <a:p>
-            <a:pPr marL="324000" lvl="1" indent="0">
-              <a:buNone/>
-            </a:pPr>
+            <a:pPr lvl="1"/>
+            <a:r>
+              <a:rPr lang="de-CH" dirty="0" err="1"/>
+              <a:t>might</a:t>
+            </a:r>
+            <a:r>
+              <a:rPr lang="de-CH" dirty="0"/>
+              <a:t> </a:t>
+            </a:r>
+            <a:r>
+              <a:rPr lang="de-CH" dirty="0" err="1"/>
+              <a:t>be</a:t>
+            </a:r>
+            <a:r>
+              <a:rPr lang="de-CH" dirty="0"/>
+              <a:t> due </a:t>
+            </a:r>
+            <a:r>
+              <a:rPr lang="de-CH" dirty="0" err="1"/>
+              <a:t>to</a:t>
+            </a:r>
+            <a:r>
+              <a:rPr lang="de-CH" dirty="0"/>
+              <a:t> </a:t>
+            </a:r>
+            <a:r>
+              <a:rPr lang="de-CH" dirty="0" err="1"/>
+              <a:t>the</a:t>
+            </a:r>
+            <a:r>
+              <a:rPr lang="de-CH" dirty="0"/>
+              <a:t> </a:t>
+            </a:r>
+            <a:r>
+              <a:rPr lang="de-CH" dirty="0" err="1"/>
+              <a:t>knowledge</a:t>
+            </a:r>
+            <a:r>
+              <a:rPr lang="de-CH" dirty="0"/>
+              <a:t> </a:t>
+            </a:r>
+            <a:r>
+              <a:rPr lang="de-CH" dirty="0" err="1"/>
+              <a:t>existing</a:t>
+            </a:r>
+            <a:r>
+              <a:rPr lang="de-CH" dirty="0"/>
+              <a:t> in </a:t>
+            </a:r>
+            <a:r>
+              <a:rPr lang="de-CH" dirty="0" err="1"/>
+              <a:t>the</a:t>
+            </a:r>
+            <a:r>
+              <a:rPr lang="de-CH" dirty="0"/>
+              <a:t> </a:t>
+            </a:r>
+            <a:r>
+              <a:rPr lang="de-CH" dirty="0" err="1"/>
+              <a:t>pre-trained</a:t>
+            </a:r>
+            <a:r>
+              <a:rPr lang="de-CH" dirty="0"/>
+              <a:t> </a:t>
+            </a:r>
+            <a:r>
+              <a:rPr lang="de-CH" dirty="0" err="1"/>
+              <a:t>models</a:t>
+            </a:r>
+            <a:endParaRPr lang="de-CH" dirty="0"/>
+          </a:p>
+          <a:p>
+            <a:r>
+              <a:rPr lang="de-CH" dirty="0" err="1"/>
+              <a:t>Uncertainties</a:t>
+            </a:r>
+            <a:r>
+              <a:rPr lang="de-CH" dirty="0"/>
+              <a:t> </a:t>
+            </a:r>
+            <a:r>
+              <a:rPr lang="de-CH" dirty="0" err="1"/>
+              <a:t>vary</a:t>
+            </a:r>
+            <a:r>
+              <a:rPr lang="de-CH" dirty="0"/>
+              <a:t> </a:t>
+            </a:r>
+            <a:r>
+              <a:rPr lang="de-CH" dirty="0" err="1"/>
+              <a:t>greatly</a:t>
+            </a:r>
+            <a:r>
+              <a:rPr lang="de-CH" dirty="0"/>
+              <a:t> </a:t>
+            </a:r>
+            <a:r>
+              <a:rPr lang="de-CH" dirty="0" err="1"/>
+              <a:t>across</a:t>
+            </a:r>
+            <a:r>
+              <a:rPr lang="de-CH" dirty="0"/>
+              <a:t> </a:t>
+            </a:r>
+            <a:r>
+              <a:rPr lang="de-CH" dirty="0" err="1"/>
+              <a:t>classes</a:t>
+            </a:r>
+            <a:endParaRPr lang="de-CH" dirty="0"/>
+          </a:p>
+          <a:p>
+            <a:r>
+              <a:rPr lang="de-CH" dirty="0"/>
+              <a:t>Quality </a:t>
+            </a:r>
+            <a:r>
+              <a:rPr lang="de-CH" dirty="0" err="1"/>
+              <a:t>might</a:t>
+            </a:r>
+            <a:r>
+              <a:rPr lang="de-CH" dirty="0"/>
+              <a:t> </a:t>
+            </a:r>
+            <a:r>
+              <a:rPr lang="de-CH" dirty="0" err="1"/>
+              <a:t>improve</a:t>
+            </a:r>
+            <a:r>
+              <a:rPr lang="de-CH" dirty="0"/>
+              <a:t> </a:t>
+            </a:r>
+            <a:r>
+              <a:rPr lang="de-CH" dirty="0" err="1"/>
+              <a:t>when</a:t>
+            </a:r>
+            <a:r>
+              <a:rPr lang="de-CH" dirty="0"/>
+              <a:t> </a:t>
+            </a:r>
+            <a:r>
+              <a:rPr lang="de-CH" dirty="0" err="1"/>
+              <a:t>using</a:t>
+            </a:r>
+            <a:r>
+              <a:rPr lang="de-CH" dirty="0"/>
+              <a:t> 512 </a:t>
+            </a:r>
+            <a:r>
+              <a:rPr lang="de-CH" dirty="0" err="1"/>
+              <a:t>instead</a:t>
+            </a:r>
+            <a:r>
+              <a:rPr lang="de-CH" dirty="0"/>
+              <a:t> </a:t>
+            </a:r>
+            <a:r>
+              <a:rPr lang="de-CH" dirty="0" err="1"/>
+              <a:t>of</a:t>
+            </a:r>
+            <a:r>
+              <a:rPr lang="de-CH" dirty="0"/>
+              <a:t> 256 </a:t>
+            </a:r>
+            <a:r>
+              <a:rPr lang="de-CH" dirty="0" err="1"/>
+              <a:t>tokens</a:t>
+            </a:r>
             <a:endParaRPr lang="de-CH" dirty="0"/>
           </a:p>
         </p:txBody>
@@ -6959,7 +8382,7 @@
 </p:sld>
 </file>
 
-<file path=ppt/slides/slide16.xml><?xml version="1.0" encoding="utf-8"?>
+<file path=ppt/slides/slide18.xml><?xml version="1.0" encoding="utf-8"?>
 <p:sld xmlns:a="http://schemas.openxmlformats.org/drawingml/2006/main" xmlns:r="http://schemas.openxmlformats.org/officeDocument/2006/relationships" xmlns:p="http://schemas.openxmlformats.org/presentationml/2006/main">
   <p:cSld>
     <p:bg>
@@ -7138,7 +8561,7 @@
                   <a:srgbClr val="FFFFFF"/>
                 </a:solidFill>
               </a:rPr>
-              <a:t>ADVANCED Models </a:t>
+              <a:t>GPT</a:t>
             </a:r>
           </a:p>
         </p:txBody>
@@ -7161,49 +8584,403 @@
         </p:nvSpPr>
         <p:spPr>
           <a:xfrm>
-            <a:off x="5155905" y="1113764"/>
-            <a:ext cx="6108179" cy="4624327"/>
+            <a:off x="5155905" y="485678"/>
+            <a:ext cx="6108179" cy="6059310"/>
           </a:xfrm>
         </p:spPr>
         <p:txBody>
           <a:bodyPr anchor="ctr">
-            <a:normAutofit/>
+            <a:normAutofit fontScale="85000" lnSpcReduction="20000"/>
           </a:bodyPr>
           <a:lstStyle/>
           <a:p>
             <a:r>
-              <a:rPr lang="de-CH" dirty="0"/>
-              <a:t>GPT </a:t>
+              <a:rPr lang="de-CH" dirty="0" err="1"/>
+              <a:t>Tried</a:t>
+            </a:r>
+            <a:r>
+              <a:rPr lang="de-CH" dirty="0"/>
+              <a:t> different </a:t>
+            </a:r>
+            <a:r>
+              <a:rPr lang="de-CH" dirty="0" err="1"/>
+              <a:t>pre-trained</a:t>
+            </a:r>
+            <a:r>
+              <a:rPr lang="de-CH" dirty="0"/>
+              <a:t> </a:t>
+            </a:r>
+            <a:r>
+              <a:rPr lang="de-CH" dirty="0" err="1"/>
+              <a:t>Llama</a:t>
+            </a:r>
+            <a:r>
+              <a:rPr lang="de-CH" dirty="0"/>
+              <a:t> 2 </a:t>
+            </a:r>
+            <a:r>
+              <a:rPr lang="de-CH" dirty="0" err="1"/>
+              <a:t>variants</a:t>
+            </a:r>
+            <a:r>
+              <a:rPr lang="de-CH" dirty="0"/>
+              <a:t> (</a:t>
+            </a:r>
+            <a:r>
+              <a:rPr lang="de-CH" dirty="0" err="1"/>
+              <a:t>without</a:t>
+            </a:r>
+            <a:r>
+              <a:rPr lang="de-CH" dirty="0"/>
+              <a:t> </a:t>
+            </a:r>
+            <a:r>
+              <a:rPr lang="de-CH" dirty="0" err="1"/>
+              <a:t>finetuning</a:t>
+            </a:r>
+            <a:r>
+              <a:rPr lang="de-CH" dirty="0"/>
+              <a:t>)</a:t>
             </a:r>
           </a:p>
           <a:p>
             <a:pPr lvl="1"/>
             <a:r>
-              <a:rPr lang="en-US" dirty="0"/>
-              <a:t>GPT Models: Implementing llama2 and </a:t>
-            </a:r>
-            <a:r>
-              <a:rPr lang="en-US" dirty="0" err="1"/>
-              <a:t>meditron</a:t>
-            </a:r>
-            <a:r>
-              <a:rPr lang="en-US" dirty="0"/>
-              <a:t> for comprehensive label prediction.</a:t>
-            </a:r>
-          </a:p>
-          <a:p>
-            <a:pPr lvl="2"/>
-            <a:r>
-              <a:rPr lang="en-US" dirty="0"/>
-              <a:t>Llama2 can be used for pre-annotations – automated data labeling </a:t>
+              <a:rPr lang="de-CH" dirty="0"/>
+              <a:t>meta-</a:t>
+            </a:r>
+            <a:r>
+              <a:rPr lang="de-CH" dirty="0" err="1"/>
+              <a:t>llama</a:t>
+            </a:r>
+            <a:r>
+              <a:rPr lang="de-CH" dirty="0"/>
+              <a:t>/Llama-2-7b-chat-hf</a:t>
+            </a:r>
+          </a:p>
+          <a:p>
+            <a:pPr lvl="1"/>
+            <a:r>
+              <a:rPr lang="de-CH" dirty="0"/>
+              <a:t>meta-</a:t>
+            </a:r>
+            <a:r>
+              <a:rPr lang="de-CH" dirty="0" err="1"/>
+              <a:t>llama</a:t>
+            </a:r>
+            <a:r>
+              <a:rPr lang="de-CH" dirty="0"/>
+              <a:t>/Llama-2-13b-chat-hf</a:t>
+            </a:r>
+          </a:p>
+          <a:p>
+            <a:pPr lvl="1"/>
+            <a:r>
+              <a:rPr lang="de-CH" dirty="0"/>
+              <a:t>meta-</a:t>
+            </a:r>
+            <a:r>
+              <a:rPr lang="de-CH" dirty="0" err="1"/>
+              <a:t>llama</a:t>
+            </a:r>
+            <a:r>
+              <a:rPr lang="de-CH" dirty="0"/>
+              <a:t>/Llama-2-70b-chat-hf</a:t>
+            </a:r>
+          </a:p>
+          <a:p>
+            <a:pPr lvl="1"/>
+            <a:r>
+              <a:rPr lang="de-CH" dirty="0" err="1"/>
+              <a:t>epfl-llm</a:t>
+            </a:r>
+            <a:r>
+              <a:rPr lang="de-CH" dirty="0"/>
+              <a:t>/meditron-7b</a:t>
+            </a:r>
+          </a:p>
+          <a:p>
+            <a:pPr lvl="1"/>
+            <a:r>
+              <a:rPr lang="de-CH" dirty="0" err="1"/>
+              <a:t>TheBloke</a:t>
+            </a:r>
+            <a:r>
+              <a:rPr lang="de-CH" dirty="0"/>
+              <a:t>/meditron-7B-chat-AWQ</a:t>
+            </a:r>
+          </a:p>
+          <a:p>
+            <a:pPr lvl="1"/>
+            <a:r>
+              <a:rPr lang="de-CH" dirty="0" err="1"/>
+              <a:t>mistralai</a:t>
+            </a:r>
+            <a:r>
+              <a:rPr lang="de-CH" dirty="0"/>
+              <a:t>/Mistral-7B-Instruct-v0.2</a:t>
+            </a:r>
+          </a:p>
+          <a:p>
+            <a:r>
+              <a:rPr lang="de-CH" dirty="0" err="1"/>
+              <a:t>Asked</a:t>
+            </a:r>
+            <a:r>
+              <a:rPr lang="de-CH" dirty="0"/>
+              <a:t> </a:t>
+            </a:r>
+            <a:r>
+              <a:rPr lang="de-CH" dirty="0" err="1"/>
+              <a:t>models</a:t>
+            </a:r>
+            <a:r>
+              <a:rPr lang="de-CH" dirty="0"/>
+              <a:t> </a:t>
+            </a:r>
+            <a:r>
+              <a:rPr lang="de-CH" dirty="0" err="1"/>
+              <a:t>whether</a:t>
+            </a:r>
+            <a:r>
+              <a:rPr lang="de-CH" dirty="0"/>
+              <a:t> </a:t>
+            </a:r>
+            <a:r>
+              <a:rPr lang="de-CH" dirty="0" err="1"/>
+              <a:t>text</a:t>
+            </a:r>
+            <a:r>
+              <a:rPr lang="de-CH" dirty="0"/>
+              <a:t> </a:t>
+            </a:r>
+            <a:r>
+              <a:rPr lang="de-CH" dirty="0" err="1"/>
+              <a:t>belongs</a:t>
+            </a:r>
+            <a:r>
+              <a:rPr lang="de-CH" dirty="0"/>
+              <a:t> </a:t>
+            </a:r>
+            <a:r>
+              <a:rPr lang="de-CH" dirty="0" err="1"/>
+              <a:t>to</a:t>
+            </a:r>
+            <a:r>
+              <a:rPr lang="de-CH" dirty="0"/>
+              <a:t> a </a:t>
+            </a:r>
+            <a:r>
+              <a:rPr lang="de-CH" dirty="0" err="1"/>
+              <a:t>single</a:t>
+            </a:r>
+            <a:r>
+              <a:rPr lang="de-CH" dirty="0"/>
+              <a:t> </a:t>
+            </a:r>
+            <a:r>
+              <a:rPr lang="de-CH" dirty="0" err="1"/>
+              <a:t>class</a:t>
+            </a:r>
+            <a:r>
+              <a:rPr lang="de-CH" dirty="0"/>
+              <a:t> </a:t>
+            </a:r>
+          </a:p>
+          <a:p>
+            <a:pPr lvl="1"/>
+            <a:r>
+              <a:rPr lang="de-CH" dirty="0" err="1"/>
+              <a:t>resulted</a:t>
+            </a:r>
+            <a:r>
+              <a:rPr lang="de-CH" dirty="0"/>
+              <a:t> in 2357*40 </a:t>
+            </a:r>
+            <a:r>
+              <a:rPr lang="de-CH" dirty="0" err="1"/>
+              <a:t>prompts</a:t>
             </a:r>
             <a:endParaRPr lang="de-CH" dirty="0"/>
           </a:p>
           <a:p>
-            <a:pPr lvl="2"/>
-            <a:r>
-              <a:rPr lang="de-CH" dirty="0"/>
-              <a:t>Experiment </a:t>
+            <a:pPr lvl="1"/>
+            <a:r>
+              <a:rPr lang="de-CH" dirty="0" err="1"/>
+              <a:t>single</a:t>
+            </a:r>
+            <a:r>
+              <a:rPr lang="de-CH" dirty="0"/>
+              <a:t> prompt </a:t>
+            </a:r>
+            <a:r>
+              <a:rPr lang="de-CH" dirty="0" err="1"/>
+              <a:t>asking</a:t>
+            </a:r>
+            <a:r>
+              <a:rPr lang="de-CH" dirty="0"/>
+              <a:t> </a:t>
+            </a:r>
+            <a:r>
+              <a:rPr lang="de-CH" dirty="0" err="1"/>
+              <a:t>for</a:t>
+            </a:r>
+            <a:r>
+              <a:rPr lang="de-CH" dirty="0"/>
+              <a:t> all 40 </a:t>
+            </a:r>
+            <a:r>
+              <a:rPr lang="de-CH" dirty="0" err="1"/>
+              <a:t>classes</a:t>
+            </a:r>
+            <a:r>
+              <a:rPr lang="de-CH" dirty="0"/>
+              <a:t> per </a:t>
+            </a:r>
+            <a:r>
+              <a:rPr lang="de-CH" dirty="0" err="1"/>
+              <a:t>text</a:t>
+            </a:r>
+            <a:r>
+              <a:rPr lang="de-CH" dirty="0"/>
+              <a:t> </a:t>
+            </a:r>
+            <a:r>
+              <a:rPr lang="de-CH" dirty="0" err="1"/>
+              <a:t>perfomed</a:t>
+            </a:r>
+            <a:r>
+              <a:rPr lang="de-CH" dirty="0"/>
+              <a:t> </a:t>
+            </a:r>
+            <a:r>
+              <a:rPr lang="de-CH" dirty="0" err="1"/>
+              <a:t>poorly</a:t>
+            </a:r>
+            <a:endParaRPr lang="de-CH" dirty="0"/>
+          </a:p>
+          <a:p>
+            <a:r>
+              <a:rPr lang="de-CH" dirty="0" err="1"/>
+              <a:t>Testing</a:t>
+            </a:r>
+            <a:r>
+              <a:rPr lang="de-CH" dirty="0"/>
+              <a:t> different </a:t>
+            </a:r>
+            <a:r>
+              <a:rPr lang="de-CH" dirty="0" err="1"/>
+              <a:t>prompts</a:t>
+            </a:r>
+            <a:endParaRPr lang="de-CH" dirty="0"/>
+          </a:p>
+          <a:p>
+            <a:pPr lvl="1"/>
+            <a:r>
+              <a:rPr lang="de-CH" dirty="0"/>
+              <a:t>Zero-Shot</a:t>
+            </a:r>
+          </a:p>
+          <a:p>
+            <a:pPr lvl="1"/>
+            <a:r>
+              <a:rPr lang="de-CH" dirty="0" err="1"/>
+              <a:t>Few</a:t>
+            </a:r>
+            <a:r>
+              <a:rPr lang="de-CH" dirty="0"/>
+              <a:t>-Shot </a:t>
+            </a:r>
+            <a:r>
+              <a:rPr lang="de-CH" dirty="0" err="1"/>
+              <a:t>using</a:t>
+            </a:r>
+            <a:r>
+              <a:rPr lang="de-CH" dirty="0"/>
+              <a:t> different </a:t>
+            </a:r>
+            <a:r>
+              <a:rPr lang="de-CH" dirty="0" err="1"/>
+              <a:t>text</a:t>
+            </a:r>
+            <a:r>
+              <a:rPr lang="de-CH" dirty="0"/>
+              <a:t> </a:t>
+            </a:r>
+            <a:r>
+              <a:rPr lang="de-CH" dirty="0" err="1"/>
+              <a:t>of</a:t>
+            </a:r>
+            <a:r>
+              <a:rPr lang="de-CH" dirty="0"/>
+              <a:t> </a:t>
+            </a:r>
+            <a:r>
+              <a:rPr lang="de-CH" dirty="0" err="1"/>
+              <a:t>prompted</a:t>
+            </a:r>
+            <a:r>
+              <a:rPr lang="de-CH" dirty="0"/>
+              <a:t> </a:t>
+            </a:r>
+            <a:r>
+              <a:rPr lang="de-CH" dirty="0" err="1"/>
+              <a:t>classes</a:t>
+            </a:r>
+            <a:endParaRPr lang="de-CH" dirty="0"/>
+          </a:p>
+          <a:p>
+            <a:r>
+              <a:rPr lang="de-CH" dirty="0"/>
+              <a:t>Set </a:t>
+            </a:r>
+            <a:r>
+              <a:rPr lang="de-CH" dirty="0" err="1"/>
+              <a:t>low</a:t>
+            </a:r>
+            <a:r>
+              <a:rPr lang="de-CH" dirty="0"/>
+              <a:t> </a:t>
+            </a:r>
+            <a:r>
+              <a:rPr lang="de-CH" dirty="0" err="1"/>
+              <a:t>temperature</a:t>
+            </a:r>
+            <a:r>
+              <a:rPr lang="de-CH" dirty="0"/>
+              <a:t> (0.01) </a:t>
+            </a:r>
+            <a:r>
+              <a:rPr lang="de-CH" dirty="0" err="1"/>
+              <a:t>for</a:t>
+            </a:r>
+            <a:r>
+              <a:rPr lang="de-CH" dirty="0"/>
+              <a:t> </a:t>
+            </a:r>
+            <a:r>
+              <a:rPr lang="de-CH" dirty="0" err="1"/>
+              <a:t>mostly</a:t>
+            </a:r>
+            <a:r>
+              <a:rPr lang="de-CH" dirty="0"/>
+              <a:t> </a:t>
+            </a:r>
+            <a:r>
+              <a:rPr lang="de-CH" dirty="0" err="1"/>
+              <a:t>deterministic</a:t>
+            </a:r>
+            <a:r>
+              <a:rPr lang="de-CH" dirty="0"/>
+              <a:t> </a:t>
+            </a:r>
+            <a:r>
+              <a:rPr lang="de-CH" dirty="0" err="1"/>
+              <a:t>responses</a:t>
+            </a:r>
+            <a:r>
+              <a:rPr lang="de-CH" dirty="0"/>
+              <a:t> </a:t>
             </a:r>
             <a:r>
               <a:rPr lang="de-CH" dirty="0" err="1"/>
@@ -7211,63 +8988,279 @@
             </a:r>
             <a:r>
               <a:rPr lang="de-CH" dirty="0"/>
-              <a:t> MEDITRON </a:t>
-            </a:r>
-          </a:p>
-          <a:p>
-            <a:pPr lvl="1"/>
-            <a:r>
-              <a:rPr lang="de-CH" dirty="0" err="1"/>
-              <a:t>Testing</a:t>
-            </a:r>
-            <a:r>
-              <a:rPr lang="de-CH" dirty="0"/>
-              <a:t> different </a:t>
+              <a:t> </a:t>
+            </a:r>
+            <a:r>
+              <a:rPr lang="de-CH" dirty="0" err="1"/>
+              <a:t>few</a:t>
+            </a:r>
+            <a:r>
+              <a:rPr lang="de-CH" dirty="0"/>
+              <a:t> </a:t>
+            </a:r>
+            <a:r>
+              <a:rPr lang="de-CH" dirty="0" err="1"/>
+              <a:t>hallucinations</a:t>
+            </a:r>
+            <a:endParaRPr lang="de-CH" dirty="0"/>
+          </a:p>
+          <a:p>
+            <a:r>
+              <a:rPr lang="de-CH" dirty="0" err="1"/>
+              <a:t>Asking</a:t>
+            </a:r>
+            <a:r>
+              <a:rPr lang="de-CH" dirty="0"/>
+              <a:t> </a:t>
+            </a:r>
+            <a:r>
+              <a:rPr lang="de-CH" dirty="0" err="1"/>
+              <a:t>model</a:t>
+            </a:r>
+            <a:r>
+              <a:rPr lang="de-CH" dirty="0"/>
+              <a:t> </a:t>
+            </a:r>
+            <a:r>
+              <a:rPr lang="de-CH" dirty="0" err="1"/>
+              <a:t>to</a:t>
+            </a:r>
+            <a:r>
+              <a:rPr lang="de-CH" dirty="0"/>
+              <a:t> </a:t>
+            </a:r>
+            <a:r>
+              <a:rPr lang="de-CH" dirty="0" err="1"/>
+              <a:t>answer</a:t>
+            </a:r>
+            <a:r>
+              <a:rPr lang="de-CH" dirty="0"/>
+              <a:t> </a:t>
+            </a:r>
+            <a:r>
+              <a:rPr lang="de-CH" dirty="0" err="1"/>
+              <a:t>with</a:t>
+            </a:r>
+            <a:r>
+              <a:rPr lang="de-CH" dirty="0"/>
+              <a:t> </a:t>
+            </a:r>
+            <a:r>
+              <a:rPr lang="de-CH" dirty="0" err="1"/>
+              <a:t>yes</a:t>
+            </a:r>
+            <a:r>
+              <a:rPr lang="de-CH" dirty="0"/>
+              <a:t> </a:t>
+            </a:r>
+            <a:r>
+              <a:rPr lang="de-CH" dirty="0" err="1"/>
+              <a:t>or</a:t>
+            </a:r>
+            <a:r>
+              <a:rPr lang="de-CH" dirty="0"/>
+              <a:t> </a:t>
+            </a:r>
+            <a:r>
+              <a:rPr lang="de-CH" dirty="0" err="1"/>
+              <a:t>no</a:t>
+            </a:r>
+            <a:endParaRPr lang="de-CH" dirty="0"/>
+          </a:p>
+          <a:p>
+            <a:r>
+              <a:rPr lang="de-CH" dirty="0" err="1"/>
+              <a:t>Determining</a:t>
+            </a:r>
+            <a:r>
+              <a:rPr lang="de-CH" dirty="0"/>
+              <a:t> </a:t>
+            </a:r>
+            <a:r>
+              <a:rPr lang="de-CH" dirty="0" err="1"/>
+              <a:t>binary</a:t>
+            </a:r>
+            <a:r>
+              <a:rPr lang="de-CH" dirty="0"/>
+              <a:t> </a:t>
+            </a:r>
+            <a:r>
+              <a:rPr lang="de-CH" dirty="0" err="1"/>
+              <a:t>response</a:t>
+            </a:r>
+            <a:r>
+              <a:rPr lang="de-CH" dirty="0"/>
+              <a:t> </a:t>
+            </a:r>
+            <a:r>
+              <a:rPr lang="de-CH" dirty="0" err="1"/>
+              <a:t>by</a:t>
+            </a:r>
+            <a:r>
+              <a:rPr lang="de-CH" dirty="0"/>
+              <a:t> </a:t>
+            </a:r>
+            <a:r>
+              <a:rPr lang="de-CH" dirty="0" err="1"/>
+              <a:t>counting</a:t>
+            </a:r>
+            <a:r>
+              <a:rPr lang="de-CH" dirty="0"/>
+              <a:t> </a:t>
+            </a:r>
+            <a:r>
+              <a:rPr lang="de-CH" dirty="0" err="1"/>
+              <a:t>occurences</a:t>
+            </a:r>
+            <a:r>
+              <a:rPr lang="de-CH" dirty="0"/>
+              <a:t> </a:t>
+            </a:r>
+            <a:r>
+              <a:rPr lang="de-CH" dirty="0" err="1"/>
+              <a:t>of</a:t>
+            </a:r>
+            <a:r>
+              <a:rPr lang="de-CH" dirty="0"/>
+              <a:t> </a:t>
+            </a:r>
+            <a:r>
+              <a:rPr lang="de-CH" dirty="0" err="1"/>
+              <a:t>yes</a:t>
+            </a:r>
+            <a:r>
+              <a:rPr lang="de-CH" dirty="0"/>
+              <a:t> and </a:t>
+            </a:r>
+            <a:r>
+              <a:rPr lang="de-CH" dirty="0" err="1"/>
+              <a:t>no</a:t>
+            </a:r>
+            <a:r>
+              <a:rPr lang="de-CH" dirty="0"/>
+              <a:t> in </a:t>
+            </a:r>
+            <a:r>
+              <a:rPr lang="de-CH" dirty="0" err="1"/>
+              <a:t>text</a:t>
+            </a:r>
+            <a:r>
+              <a:rPr lang="de-CH" dirty="0"/>
+              <a:t> </a:t>
+            </a:r>
+            <a:r>
+              <a:rPr lang="de-CH" dirty="0" err="1"/>
+              <a:t>reponse</a:t>
+            </a:r>
+            <a:r>
+              <a:rPr lang="de-CH" dirty="0"/>
+              <a:t> </a:t>
+            </a:r>
+            <a:r>
+              <a:rPr lang="de-CH" dirty="0" err="1"/>
+              <a:t>by</a:t>
+            </a:r>
+            <a:r>
+              <a:rPr lang="de-CH" dirty="0"/>
+              <a:t> </a:t>
+            </a:r>
+            <a:r>
+              <a:rPr lang="de-CH" dirty="0" err="1"/>
+              <a:t>model</a:t>
+            </a:r>
+            <a:endParaRPr lang="de-CH" dirty="0"/>
+          </a:p>
+          <a:p>
+            <a:r>
+              <a:rPr lang="de-CH" dirty="0" err="1"/>
+              <a:t>Difficulties</a:t>
+            </a:r>
+            <a:r>
+              <a:rPr lang="de-CH" dirty="0"/>
+              <a:t> </a:t>
+            </a:r>
+            <a:r>
+              <a:rPr lang="de-CH" dirty="0" err="1"/>
+              <a:t>with</a:t>
+            </a:r>
+            <a:r>
+              <a:rPr lang="de-CH" dirty="0"/>
+              <a:t> </a:t>
+            </a:r>
+            <a:r>
+              <a:rPr lang="de-CH" dirty="0" err="1"/>
+              <a:t>some</a:t>
+            </a:r>
+            <a:r>
+              <a:rPr lang="de-CH" dirty="0"/>
+              <a:t> </a:t>
+            </a:r>
+            <a:r>
+              <a:rPr lang="de-CH" dirty="0" err="1"/>
+              <a:t>models</a:t>
+            </a:r>
+            <a:r>
+              <a:rPr lang="de-CH" dirty="0"/>
+              <a:t> and </a:t>
             </a:r>
             <a:r>
               <a:rPr lang="de-CH" dirty="0" err="1"/>
               <a:t>prompts</a:t>
             </a:r>
-            <a:r>
-              <a:rPr lang="de-CH" dirty="0"/>
-              <a:t>:</a:t>
-            </a:r>
-          </a:p>
-          <a:p>
-            <a:pPr lvl="2"/>
-            <a:r>
-              <a:rPr lang="de-CH" dirty="0"/>
-              <a:t>Zero-Shot</a:t>
-            </a:r>
-          </a:p>
-          <a:p>
-            <a:pPr lvl="2"/>
-            <a:r>
-              <a:rPr lang="de-CH" dirty="0" err="1"/>
-              <a:t>Few</a:t>
-            </a:r>
-            <a:r>
-              <a:rPr lang="de-CH" dirty="0"/>
-              <a:t>-Shot</a:t>
-            </a:r>
-          </a:p>
-          <a:p>
-            <a:pPr lvl="2"/>
-            <a:r>
-              <a:rPr lang="de-CH" dirty="0"/>
-              <a:t>Chain-</a:t>
-            </a:r>
-            <a:r>
-              <a:rPr lang="de-CH" dirty="0" err="1"/>
-              <a:t>of</a:t>
-            </a:r>
-            <a:r>
-              <a:rPr lang="de-CH" dirty="0"/>
-              <a:t>-</a:t>
-            </a:r>
-            <a:r>
-              <a:rPr lang="de-CH" dirty="0" err="1"/>
-              <a:t>Thought</a:t>
+            <a:endParaRPr lang="de-CH" dirty="0"/>
+          </a:p>
+          <a:p>
+            <a:r>
+              <a:rPr lang="de-CH" dirty="0" err="1"/>
+              <a:t>No</a:t>
+            </a:r>
+            <a:r>
+              <a:rPr lang="de-CH" dirty="0"/>
+              <a:t> </a:t>
+            </a:r>
+            <a:r>
+              <a:rPr lang="de-CH" dirty="0" err="1"/>
+              <a:t>cross</a:t>
+            </a:r>
+            <a:r>
+              <a:rPr lang="de-CH" dirty="0"/>
+              <a:t>-validation </a:t>
+            </a:r>
+            <a:r>
+              <a:rPr lang="de-CH" dirty="0" err="1"/>
+              <a:t>as</a:t>
+            </a:r>
+            <a:r>
+              <a:rPr lang="de-CH" dirty="0"/>
+              <a:t> </a:t>
+            </a:r>
+            <a:r>
+              <a:rPr lang="de-CH" dirty="0" err="1"/>
+              <a:t>no</a:t>
+            </a:r>
+            <a:r>
+              <a:rPr lang="de-CH" dirty="0"/>
+              <a:t> </a:t>
+            </a:r>
+            <a:r>
+              <a:rPr lang="de-CH" dirty="0" err="1"/>
+              <a:t>training</a:t>
+            </a:r>
+            <a:r>
+              <a:rPr lang="de-CH" dirty="0"/>
+              <a:t> </a:t>
+            </a:r>
+            <a:r>
+              <a:rPr lang="de-CH" dirty="0" err="1"/>
+              <a:t>data</a:t>
+            </a:r>
+            <a:r>
+              <a:rPr lang="de-CH" dirty="0"/>
+              <a:t> was </a:t>
+            </a:r>
+            <a:r>
+              <a:rPr lang="de-CH" dirty="0" err="1"/>
+              <a:t>needed</a:t>
             </a:r>
             <a:endParaRPr lang="de-CH" dirty="0"/>
           </a:p>
@@ -7286,7 +9279,7 @@
 </p:sld>
 </file>
 
-<file path=ppt/slides/slide17.xml><?xml version="1.0" encoding="utf-8"?>
+<file path=ppt/slides/slide19.xml><?xml version="1.0" encoding="utf-8"?>
 <p:sld xmlns:a="http://schemas.openxmlformats.org/drawingml/2006/main" xmlns:r="http://schemas.openxmlformats.org/officeDocument/2006/relationships" xmlns:p="http://schemas.openxmlformats.org/presentationml/2006/main">
   <p:cSld>
     <p:spTree>
@@ -7305,10 +9298,10 @@
       </p:grpSpPr>
       <p:sp>
         <p:nvSpPr>
-          <p:cNvPr id="2" name="Title 1">
+          <p:cNvPr id="2" name="Titel 1">
             <a:extLst>
               <a:ext uri="{FF2B5EF4-FFF2-40B4-BE49-F238E27FC236}">
-                <a16:creationId xmlns:a16="http://schemas.microsoft.com/office/drawing/2014/main" id="{F0A1C071-7104-5551-7EBD-B5083028EA74}"/>
+                <a16:creationId xmlns:a16="http://schemas.microsoft.com/office/drawing/2014/main" id="{30E8CDA7-46A4-831B-2A0D-BC23D6995353}"/>
               </a:ext>
             </a:extLst>
           </p:cNvPr>
@@ -7316,7 +9309,7 @@
             <a:spLocks noGrp="1"/>
           </p:cNvSpPr>
           <p:nvPr>
-            <p:ph type="ctrTitle"/>
+            <p:ph type="title"/>
           </p:nvPr>
         </p:nvSpPr>
         <p:spPr/>
@@ -7325,18 +9318,18 @@
           <a:lstStyle/>
           <a:p>
             <a:r>
-              <a:rPr lang="en-CH" dirty="0"/>
-              <a:t>Thank you</a:t>
+              <a:rPr lang="de-CH" dirty="0"/>
+              <a:t>zero-Shot Prompt</a:t>
             </a:r>
           </a:p>
         </p:txBody>
       </p:sp>
       <p:sp>
         <p:nvSpPr>
-          <p:cNvPr id="3" name="Subtitle 2">
+          <p:cNvPr id="7" name="Content Placeholder 6">
             <a:extLst>
               <a:ext uri="{FF2B5EF4-FFF2-40B4-BE49-F238E27FC236}">
-                <a16:creationId xmlns:a16="http://schemas.microsoft.com/office/drawing/2014/main" id="{AEA71244-91AA-9BCD-C993-40F718ED9820}"/>
+                <a16:creationId xmlns:a16="http://schemas.microsoft.com/office/drawing/2014/main" id="{CFB2F496-A838-A19C-67BD-77B84DFE2A66}"/>
               </a:ext>
             </a:extLst>
           </p:cNvPr>
@@ -7344,29 +9337,95 @@
             <a:spLocks noGrp="1"/>
           </p:cNvSpPr>
           <p:nvPr>
-            <p:ph type="subTitle" idx="1"/>
+            <p:ph idx="1"/>
           </p:nvPr>
         </p:nvSpPr>
-        <p:spPr/>
+        <p:spPr>
+          <a:xfrm>
+            <a:off x="581192" y="2180496"/>
+            <a:ext cx="11029615" cy="3975348"/>
+          </a:xfrm>
+        </p:spPr>
         <p:txBody>
-          <a:bodyPr/>
+          <a:bodyPr>
+            <a:normAutofit/>
+          </a:bodyPr>
           <a:lstStyle/>
           <a:p>
-            <a:r>
-              <a:rPr lang="de-CH" dirty="0" err="1">
+            <a:pPr marL="0" indent="0">
+              <a:buNone/>
+            </a:pPr>
+            <a:r>
+              <a:rPr lang="en-GB" dirty="0">
                 <a:solidFill>
-                  <a:schemeClr val="accent2"/>
+                  <a:schemeClr val="accent1">
+                    <a:lumMod val="60000"/>
+                    <a:lumOff val="40000"/>
+                  </a:schemeClr>
                 </a:solidFill>
               </a:rPr>
-              <a:t>Rebecka</a:t>
-            </a:r>
-            <a:r>
-              <a:rPr lang="de-CH" dirty="0">
+              <a:t>System:  You are a helpful assistant responding to the user's classification requests. Answer in a single word: yes or no.</a:t>
+            </a:r>
+          </a:p>
+          <a:p>
+            <a:pPr marL="0" indent="0">
+              <a:buNone/>
+            </a:pPr>
+            <a:br>
+              <a:rPr lang="en-GB" dirty="0"/>
+            </a:br>
+            <a:r>
+              <a:rPr lang="en-GB" dirty="0">
                 <a:solidFill>
-                  <a:schemeClr val="accent2"/>
+                  <a:schemeClr val="accent6">
+                    <a:lumMod val="50000"/>
+                  </a:schemeClr>
                 </a:solidFill>
               </a:rPr>
-              <a:t> Fahrni,   Joseph Weibel</a:t>
+              <a:t>User: Do you think the following text can be classified as "{category}"? Answer yes or no.</a:t>
+            </a:r>
+          </a:p>
+          <a:p>
+            <a:pPr marL="0" indent="0">
+              <a:buNone/>
+            </a:pPr>
+            <a:br>
+              <a:rPr lang="en-GB" dirty="0">
+                <a:solidFill>
+                  <a:schemeClr val="accent6">
+                    <a:lumMod val="50000"/>
+                  </a:schemeClr>
+                </a:solidFill>
+              </a:rPr>
+            </a:br>
+            <a:r>
+              <a:rPr lang="en-GB" dirty="0">
+                <a:solidFill>
+                  <a:schemeClr val="accent6">
+                    <a:lumMod val="50000"/>
+                  </a:schemeClr>
+                </a:solidFill>
+              </a:rPr>
+              <a:t>{text}</a:t>
+            </a:r>
+          </a:p>
+          <a:p>
+            <a:pPr marL="0" indent="0">
+              <a:buNone/>
+            </a:pPr>
+            <a:endParaRPr lang="en-CH" dirty="0"/>
+          </a:p>
+          <a:p>
+            <a:pPr marL="0" indent="0">
+              <a:buNone/>
+            </a:pPr>
+            <a:r>
+              <a:rPr lang="en-CH" dirty="0">
+                <a:solidFill>
+                  <a:srgbClr val="C00000"/>
+                </a:solidFill>
+              </a:rPr>
+              <a:t>Assistant: </a:t>
             </a:r>
           </a:p>
         </p:txBody>
@@ -7374,7 +9433,7 @@
     </p:spTree>
     <p:extLst>
       <p:ext uri="{BB962C8B-B14F-4D97-AF65-F5344CB8AC3E}">
-        <p14:creationId xmlns:p14="http://schemas.microsoft.com/office/powerpoint/2010/main" val="2558601773"/>
+        <p14:creationId xmlns:p14="http://schemas.microsoft.com/office/powerpoint/2010/main" val="1733813470"/>
       </p:ext>
     </p:extLst>
   </p:cSld>
@@ -7597,12 +9656,42 @@
           <a:lstStyle/>
           <a:p>
             <a:r>
+              <a:rPr lang="de-CH" dirty="0"/>
+              <a:t>Short </a:t>
+            </a:r>
+            <a:r>
               <a:rPr lang="de-CH" dirty="0" err="1"/>
               <a:t>Recap</a:t>
             </a:r>
             <a:r>
               <a:rPr lang="de-CH" dirty="0"/>
-              <a:t> Project Goal </a:t>
+              <a:t> </a:t>
+            </a:r>
+            <a:r>
+              <a:rPr lang="de-CH" dirty="0" err="1"/>
+              <a:t>of</a:t>
+            </a:r>
+            <a:r>
+              <a:rPr lang="de-CH" dirty="0"/>
+              <a:t> Task 2</a:t>
+            </a:r>
+          </a:p>
+          <a:p>
+            <a:r>
+              <a:rPr lang="de-CH" dirty="0" err="1"/>
+              <a:t>Recap</a:t>
+            </a:r>
+            <a:r>
+              <a:rPr lang="de-CH" dirty="0"/>
+              <a:t> Goal </a:t>
+            </a:r>
+            <a:r>
+              <a:rPr lang="de-CH" dirty="0" err="1"/>
+              <a:t>for</a:t>
+            </a:r>
+            <a:r>
+              <a:rPr lang="de-CH" dirty="0"/>
+              <a:t> Task 3</a:t>
             </a:r>
           </a:p>
           <a:p>
@@ -7629,8 +9718,12 @@
               <a:t>Metric</a:t>
             </a:r>
             <a:r>
-              <a:rPr lang="de-CH"/>
-              <a:t> of</a:t>
+              <a:rPr lang="de-CH" dirty="0"/>
+              <a:t> </a:t>
+            </a:r>
+            <a:r>
+              <a:rPr lang="de-CH" dirty="0" err="1"/>
+              <a:t>of</a:t>
             </a:r>
             <a:r>
               <a:rPr lang="de-CH" dirty="0"/>
@@ -7667,6 +9760,1908 @@
     <p:extLst>
       <p:ext uri="{BB962C8B-B14F-4D97-AF65-F5344CB8AC3E}">
         <p14:creationId xmlns:p14="http://schemas.microsoft.com/office/powerpoint/2010/main" val="1023557897"/>
+      </p:ext>
+    </p:extLst>
+  </p:cSld>
+  <p:clrMapOvr>
+    <a:masterClrMapping/>
+  </p:clrMapOvr>
+</p:sld>
+</file>
+
+<file path=ppt/slides/slide20.xml><?xml version="1.0" encoding="utf-8"?>
+<p:sld xmlns:a="http://schemas.openxmlformats.org/drawingml/2006/main" xmlns:r="http://schemas.openxmlformats.org/officeDocument/2006/relationships" xmlns:p="http://schemas.openxmlformats.org/presentationml/2006/main">
+  <p:cSld>
+    <p:spTree>
+      <p:nvGrpSpPr>
+        <p:cNvPr id="1" name=""/>
+        <p:cNvGrpSpPr/>
+        <p:nvPr/>
+      </p:nvGrpSpPr>
+      <p:grpSpPr>
+        <a:xfrm>
+          <a:off x="0" y="0"/>
+          <a:ext cx="0" cy="0"/>
+          <a:chOff x="0" y="0"/>
+          <a:chExt cx="0" cy="0"/>
+        </a:xfrm>
+      </p:grpSpPr>
+      <p:sp>
+        <p:nvSpPr>
+          <p:cNvPr id="2" name="Titel 1">
+            <a:extLst>
+              <a:ext uri="{FF2B5EF4-FFF2-40B4-BE49-F238E27FC236}">
+                <a16:creationId xmlns:a16="http://schemas.microsoft.com/office/drawing/2014/main" id="{30E8CDA7-46A4-831B-2A0D-BC23D6995353}"/>
+              </a:ext>
+            </a:extLst>
+          </p:cNvPr>
+          <p:cNvSpPr>
+            <a:spLocks noGrp="1"/>
+          </p:cNvSpPr>
+          <p:nvPr>
+            <p:ph type="title"/>
+          </p:nvPr>
+        </p:nvSpPr>
+        <p:spPr/>
+        <p:txBody>
+          <a:bodyPr/>
+          <a:lstStyle/>
+          <a:p>
+            <a:r>
+              <a:rPr lang="de-CH" dirty="0" err="1"/>
+              <a:t>Few</a:t>
+            </a:r>
+            <a:r>
+              <a:rPr lang="de-CH" dirty="0"/>
+              <a:t>-Shot Prompt </a:t>
+            </a:r>
+            <a:r>
+              <a:rPr lang="de-CH" dirty="0" err="1"/>
+              <a:t>with</a:t>
+            </a:r>
+            <a:r>
+              <a:rPr lang="de-CH" dirty="0"/>
+              <a:t> 1 </a:t>
+            </a:r>
+            <a:r>
+              <a:rPr lang="de-CH" dirty="0" err="1"/>
+              <a:t>example</a:t>
+            </a:r>
+            <a:r>
+              <a:rPr lang="de-CH" dirty="0"/>
+              <a:t> sample</a:t>
+            </a:r>
+          </a:p>
+        </p:txBody>
+      </p:sp>
+      <p:sp>
+        <p:nvSpPr>
+          <p:cNvPr id="7" name="Content Placeholder 6">
+            <a:extLst>
+              <a:ext uri="{FF2B5EF4-FFF2-40B4-BE49-F238E27FC236}">
+                <a16:creationId xmlns:a16="http://schemas.microsoft.com/office/drawing/2014/main" id="{CFB2F496-A838-A19C-67BD-77B84DFE2A66}"/>
+              </a:ext>
+            </a:extLst>
+          </p:cNvPr>
+          <p:cNvSpPr>
+            <a:spLocks noGrp="1"/>
+          </p:cNvSpPr>
+          <p:nvPr>
+            <p:ph idx="1"/>
+          </p:nvPr>
+        </p:nvSpPr>
+        <p:spPr>
+          <a:xfrm>
+            <a:off x="581192" y="2180496"/>
+            <a:ext cx="11029615" cy="3975348"/>
+          </a:xfrm>
+        </p:spPr>
+        <p:txBody>
+          <a:bodyPr>
+            <a:normAutofit fontScale="92500" lnSpcReduction="20000"/>
+          </a:bodyPr>
+          <a:lstStyle/>
+          <a:p>
+            <a:pPr marL="0" indent="0">
+              <a:buNone/>
+            </a:pPr>
+            <a:r>
+              <a:rPr lang="en-GB" dirty="0">
+                <a:solidFill>
+                  <a:schemeClr val="accent1">
+                    <a:lumMod val="60000"/>
+                    <a:lumOff val="40000"/>
+                  </a:schemeClr>
+                </a:solidFill>
+              </a:rPr>
+              <a:t>System:  You are a helpful assistant responding to the user's classification requests. Answer in a single word: yes or no.</a:t>
+            </a:r>
+          </a:p>
+          <a:p>
+            <a:pPr marL="0" indent="0">
+              <a:buNone/>
+            </a:pPr>
+            <a:br>
+              <a:rPr lang="en-GB" dirty="0"/>
+            </a:br>
+            <a:r>
+              <a:rPr lang="en-GB" dirty="0">
+                <a:solidFill>
+                  <a:schemeClr val="accent6">
+                    <a:lumMod val="50000"/>
+                  </a:schemeClr>
+                </a:solidFill>
+              </a:rPr>
+              <a:t>User: Do you think the following text can be classified as "{category}"? Answer yes or no.</a:t>
+            </a:r>
+          </a:p>
+          <a:p>
+            <a:pPr marL="0" indent="0">
+              <a:buNone/>
+            </a:pPr>
+            <a:br>
+              <a:rPr lang="en-GB" dirty="0">
+                <a:solidFill>
+                  <a:schemeClr val="accent6">
+                    <a:lumMod val="50000"/>
+                  </a:schemeClr>
+                </a:solidFill>
+              </a:rPr>
+            </a:br>
+            <a:r>
+              <a:rPr lang="en-GB" dirty="0">
+                <a:solidFill>
+                  <a:schemeClr val="accent6">
+                    <a:lumMod val="50000"/>
+                  </a:schemeClr>
+                </a:solidFill>
+              </a:rPr>
+              <a:t>{</a:t>
+            </a:r>
+            <a:r>
+              <a:rPr lang="en-GB" dirty="0" err="1">
+                <a:solidFill>
+                  <a:schemeClr val="accent6">
+                    <a:lumMod val="50000"/>
+                  </a:schemeClr>
+                </a:solidFill>
+              </a:rPr>
+              <a:t>sample_text</a:t>
+            </a:r>
+            <a:r>
+              <a:rPr lang="en-GB" dirty="0">
+                <a:solidFill>
+                  <a:schemeClr val="accent6">
+                    <a:lumMod val="50000"/>
+                  </a:schemeClr>
+                </a:solidFill>
+              </a:rPr>
+              <a:t>}</a:t>
+            </a:r>
+          </a:p>
+          <a:p>
+            <a:pPr marL="0" indent="0">
+              <a:buNone/>
+            </a:pPr>
+            <a:endParaRPr lang="en-CH" dirty="0"/>
+          </a:p>
+          <a:p>
+            <a:pPr marL="0" indent="0">
+              <a:buNone/>
+            </a:pPr>
+            <a:r>
+              <a:rPr lang="en-CH" dirty="0">
+                <a:solidFill>
+                  <a:srgbClr val="C00000"/>
+                </a:solidFill>
+              </a:rPr>
+              <a:t>Assistant: Yes</a:t>
+            </a:r>
+          </a:p>
+          <a:p>
+            <a:pPr marL="0" indent="0">
+              <a:buNone/>
+            </a:pPr>
+            <a:endParaRPr lang="en-CH" dirty="0">
+              <a:solidFill>
+                <a:srgbClr val="C00000"/>
+              </a:solidFill>
+            </a:endParaRPr>
+          </a:p>
+          <a:p>
+            <a:pPr marL="0" indent="0">
+              <a:buNone/>
+            </a:pPr>
+            <a:r>
+              <a:rPr lang="en-GB" dirty="0">
+                <a:solidFill>
+                  <a:schemeClr val="accent6">
+                    <a:lumMod val="50000"/>
+                  </a:schemeClr>
+                </a:solidFill>
+              </a:rPr>
+              <a:t>User: Do you think the following text can be classified as "{category}"? Answer yes or no.</a:t>
+            </a:r>
+          </a:p>
+          <a:p>
+            <a:pPr marL="0" indent="0">
+              <a:buNone/>
+            </a:pPr>
+            <a:br>
+              <a:rPr lang="en-GB" dirty="0">
+                <a:solidFill>
+                  <a:schemeClr val="accent6">
+                    <a:lumMod val="50000"/>
+                  </a:schemeClr>
+                </a:solidFill>
+              </a:rPr>
+            </a:br>
+            <a:r>
+              <a:rPr lang="en-GB" dirty="0">
+                <a:solidFill>
+                  <a:schemeClr val="accent6">
+                    <a:lumMod val="50000"/>
+                  </a:schemeClr>
+                </a:solidFill>
+              </a:rPr>
+              <a:t>{text}</a:t>
+            </a:r>
+          </a:p>
+          <a:p>
+            <a:pPr marL="0" indent="0">
+              <a:buNone/>
+            </a:pPr>
+            <a:endParaRPr lang="en-CH" dirty="0">
+              <a:solidFill>
+                <a:srgbClr val="C00000"/>
+              </a:solidFill>
+            </a:endParaRPr>
+          </a:p>
+          <a:p>
+            <a:pPr marL="0" indent="0">
+              <a:buNone/>
+            </a:pPr>
+            <a:r>
+              <a:rPr lang="en-CH" dirty="0">
+                <a:solidFill>
+                  <a:srgbClr val="C00000"/>
+                </a:solidFill>
+              </a:rPr>
+              <a:t>Assistant: </a:t>
+            </a:r>
+          </a:p>
+        </p:txBody>
+      </p:sp>
+    </p:spTree>
+    <p:extLst>
+      <p:ext uri="{BB962C8B-B14F-4D97-AF65-F5344CB8AC3E}">
+        <p14:creationId xmlns:p14="http://schemas.microsoft.com/office/powerpoint/2010/main" val="1465192621"/>
+      </p:ext>
+    </p:extLst>
+  </p:cSld>
+  <p:clrMapOvr>
+    <a:masterClrMapping/>
+  </p:clrMapOvr>
+</p:sld>
+</file>
+
+<file path=ppt/slides/slide21.xml><?xml version="1.0" encoding="utf-8"?>
+<p:sld xmlns:a="http://schemas.openxmlformats.org/drawingml/2006/main" xmlns:r="http://schemas.openxmlformats.org/officeDocument/2006/relationships" xmlns:p="http://schemas.openxmlformats.org/presentationml/2006/main">
+  <p:cSld>
+    <p:spTree>
+      <p:nvGrpSpPr>
+        <p:cNvPr id="1" name=""/>
+        <p:cNvGrpSpPr/>
+        <p:nvPr/>
+      </p:nvGrpSpPr>
+      <p:grpSpPr>
+        <a:xfrm>
+          <a:off x="0" y="0"/>
+          <a:ext cx="0" cy="0"/>
+          <a:chOff x="0" y="0"/>
+          <a:chExt cx="0" cy="0"/>
+        </a:xfrm>
+      </p:grpSpPr>
+      <p:sp>
+        <p:nvSpPr>
+          <p:cNvPr id="2" name="Titel 1">
+            <a:extLst>
+              <a:ext uri="{FF2B5EF4-FFF2-40B4-BE49-F238E27FC236}">
+                <a16:creationId xmlns:a16="http://schemas.microsoft.com/office/drawing/2014/main" id="{30E8CDA7-46A4-831B-2A0D-BC23D6995353}"/>
+              </a:ext>
+            </a:extLst>
+          </p:cNvPr>
+          <p:cNvSpPr>
+            <a:spLocks noGrp="1"/>
+          </p:cNvSpPr>
+          <p:nvPr>
+            <p:ph type="title"/>
+          </p:nvPr>
+        </p:nvSpPr>
+        <p:spPr/>
+        <p:txBody>
+          <a:bodyPr/>
+          <a:lstStyle/>
+          <a:p>
+            <a:r>
+              <a:rPr lang="de-CH" dirty="0"/>
+              <a:t>zero-Shot Prompt </a:t>
+            </a:r>
+            <a:r>
+              <a:rPr lang="de-CH" dirty="0" err="1"/>
+              <a:t>For</a:t>
+            </a:r>
+            <a:r>
+              <a:rPr lang="de-CH" dirty="0"/>
+              <a:t> </a:t>
+            </a:r>
+            <a:r>
+              <a:rPr lang="de-CH" dirty="0" err="1"/>
+              <a:t>Meditron</a:t>
+            </a:r>
+            <a:r>
+              <a:rPr lang="de-CH" dirty="0"/>
+              <a:t> </a:t>
+            </a:r>
+            <a:r>
+              <a:rPr lang="de-CH" sz="1800" dirty="0"/>
+              <a:t>(Not </a:t>
+            </a:r>
+            <a:r>
+              <a:rPr lang="de-CH" sz="1800" dirty="0" err="1"/>
+              <a:t>instruction-finetuned</a:t>
+            </a:r>
+            <a:r>
+              <a:rPr lang="de-CH" sz="1800" dirty="0"/>
+              <a:t> Variant)</a:t>
+            </a:r>
+            <a:endParaRPr lang="de-CH" dirty="0"/>
+          </a:p>
+        </p:txBody>
+      </p:sp>
+      <p:sp>
+        <p:nvSpPr>
+          <p:cNvPr id="4" name="Content Placeholder 3">
+            <a:extLst>
+              <a:ext uri="{FF2B5EF4-FFF2-40B4-BE49-F238E27FC236}">
+                <a16:creationId xmlns:a16="http://schemas.microsoft.com/office/drawing/2014/main" id="{6D80C59D-781C-9A40-B5BB-ADF312F09536}"/>
+              </a:ext>
+            </a:extLst>
+          </p:cNvPr>
+          <p:cNvSpPr>
+            <a:spLocks noGrp="1"/>
+          </p:cNvSpPr>
+          <p:nvPr>
+            <p:ph idx="1"/>
+          </p:nvPr>
+        </p:nvSpPr>
+        <p:spPr/>
+        <p:txBody>
+          <a:bodyPr/>
+          <a:lstStyle/>
+          <a:p>
+            <a:pPr marL="0" indent="0">
+              <a:buNone/>
+            </a:pPr>
+            <a:r>
+              <a:rPr lang="en-GB" dirty="0"/>
+              <a:t>Answer in a single word: yes or no. Do you think the following text can be classified as "{category}"? Answer yes or no.</a:t>
+            </a:r>
+          </a:p>
+          <a:p>
+            <a:pPr marL="0" indent="0">
+              <a:buNone/>
+            </a:pPr>
+            <a:endParaRPr lang="en-GB" dirty="0"/>
+          </a:p>
+          <a:p>
+            <a:pPr marL="0" indent="0">
+              <a:buNone/>
+            </a:pPr>
+            <a:r>
+              <a:rPr lang="en-GB" dirty="0"/>
+              <a:t>{text}</a:t>
+            </a:r>
+          </a:p>
+          <a:p>
+            <a:pPr marL="0" indent="0">
+              <a:buNone/>
+            </a:pPr>
+            <a:endParaRPr lang="en-GB" dirty="0"/>
+          </a:p>
+          <a:p>
+            <a:pPr marL="0" indent="0">
+              <a:buNone/>
+            </a:pPr>
+            <a:r>
+              <a:rPr lang="en-GB" dirty="0"/>
+              <a:t>Answer: </a:t>
+            </a:r>
+            <a:endParaRPr lang="en-CH" dirty="0"/>
+          </a:p>
+        </p:txBody>
+      </p:sp>
+    </p:spTree>
+    <p:extLst>
+      <p:ext uri="{BB962C8B-B14F-4D97-AF65-F5344CB8AC3E}">
+        <p14:creationId xmlns:p14="http://schemas.microsoft.com/office/powerpoint/2010/main" val="1555354134"/>
+      </p:ext>
+    </p:extLst>
+  </p:cSld>
+  <p:clrMapOvr>
+    <a:masterClrMapping/>
+  </p:clrMapOvr>
+</p:sld>
+</file>
+
+<file path=ppt/slides/slide22.xml><?xml version="1.0" encoding="utf-8"?>
+<p:sld xmlns:a="http://schemas.openxmlformats.org/drawingml/2006/main" xmlns:r="http://schemas.openxmlformats.org/officeDocument/2006/relationships" xmlns:p="http://schemas.openxmlformats.org/presentationml/2006/main">
+  <p:cSld>
+    <p:spTree>
+      <p:nvGrpSpPr>
+        <p:cNvPr id="1" name=""/>
+        <p:cNvGrpSpPr/>
+        <p:nvPr/>
+      </p:nvGrpSpPr>
+      <p:grpSpPr>
+        <a:xfrm>
+          <a:off x="0" y="0"/>
+          <a:ext cx="0" cy="0"/>
+          <a:chOff x="0" y="0"/>
+          <a:chExt cx="0" cy="0"/>
+        </a:xfrm>
+      </p:grpSpPr>
+      <p:sp>
+        <p:nvSpPr>
+          <p:cNvPr id="2" name="Titel 1">
+            <a:extLst>
+              <a:ext uri="{FF2B5EF4-FFF2-40B4-BE49-F238E27FC236}">
+                <a16:creationId xmlns:a16="http://schemas.microsoft.com/office/drawing/2014/main" id="{30E8CDA7-46A4-831B-2A0D-BC23D6995353}"/>
+              </a:ext>
+            </a:extLst>
+          </p:cNvPr>
+          <p:cNvSpPr>
+            <a:spLocks noGrp="1"/>
+          </p:cNvSpPr>
+          <p:nvPr>
+            <p:ph type="title"/>
+          </p:nvPr>
+        </p:nvSpPr>
+        <p:spPr/>
+        <p:txBody>
+          <a:bodyPr/>
+          <a:lstStyle/>
+          <a:p>
+            <a:r>
+              <a:rPr lang="de-CH" dirty="0"/>
+              <a:t>zero-Shot Prompt </a:t>
+            </a:r>
+            <a:r>
+              <a:rPr lang="de-CH" dirty="0" err="1"/>
+              <a:t>For</a:t>
+            </a:r>
+            <a:r>
+              <a:rPr lang="de-CH" dirty="0"/>
+              <a:t> Mistral </a:t>
+            </a:r>
+            <a:r>
+              <a:rPr lang="de-CH" sz="1800" dirty="0"/>
+              <a:t>(</a:t>
+            </a:r>
+            <a:r>
+              <a:rPr lang="de-CH" sz="1800" dirty="0" err="1"/>
+              <a:t>no</a:t>
+            </a:r>
+            <a:r>
+              <a:rPr lang="de-CH" sz="1800" dirty="0"/>
+              <a:t> </a:t>
+            </a:r>
+            <a:r>
+              <a:rPr lang="de-CH" sz="1800" dirty="0" err="1"/>
+              <a:t>system</a:t>
+            </a:r>
+            <a:r>
+              <a:rPr lang="de-CH" sz="1800" dirty="0"/>
+              <a:t> </a:t>
+            </a:r>
+            <a:r>
+              <a:rPr lang="de-CH" sz="1800" dirty="0" err="1"/>
+              <a:t>messages</a:t>
+            </a:r>
+            <a:r>
+              <a:rPr lang="de-CH" sz="1800" dirty="0"/>
+              <a:t>)</a:t>
+            </a:r>
+            <a:endParaRPr lang="de-CH" dirty="0"/>
+          </a:p>
+        </p:txBody>
+      </p:sp>
+      <p:sp>
+        <p:nvSpPr>
+          <p:cNvPr id="7" name="Content Placeholder 6">
+            <a:extLst>
+              <a:ext uri="{FF2B5EF4-FFF2-40B4-BE49-F238E27FC236}">
+                <a16:creationId xmlns:a16="http://schemas.microsoft.com/office/drawing/2014/main" id="{CFB2F496-A838-A19C-67BD-77B84DFE2A66}"/>
+              </a:ext>
+            </a:extLst>
+          </p:cNvPr>
+          <p:cNvSpPr>
+            <a:spLocks noGrp="1"/>
+          </p:cNvSpPr>
+          <p:nvPr>
+            <p:ph idx="1"/>
+          </p:nvPr>
+        </p:nvSpPr>
+        <p:spPr>
+          <a:xfrm>
+            <a:off x="581192" y="2180496"/>
+            <a:ext cx="11029615" cy="3975348"/>
+          </a:xfrm>
+        </p:spPr>
+        <p:txBody>
+          <a:bodyPr>
+            <a:normAutofit/>
+          </a:bodyPr>
+          <a:lstStyle/>
+          <a:p>
+            <a:pPr marL="0" indent="0">
+              <a:buNone/>
+            </a:pPr>
+            <a:r>
+              <a:rPr lang="en-GB" dirty="0">
+                <a:solidFill>
+                  <a:schemeClr val="accent6">
+                    <a:lumMod val="50000"/>
+                  </a:schemeClr>
+                </a:solidFill>
+              </a:rPr>
+              <a:t>User: Do you think the following text can be classified as "{category}"? Answer in a single word: yes or no.</a:t>
+            </a:r>
+          </a:p>
+          <a:p>
+            <a:pPr marL="0" indent="0">
+              <a:buNone/>
+            </a:pPr>
+            <a:br>
+              <a:rPr lang="en-GB" dirty="0">
+                <a:solidFill>
+                  <a:schemeClr val="accent6">
+                    <a:lumMod val="50000"/>
+                  </a:schemeClr>
+                </a:solidFill>
+              </a:rPr>
+            </a:br>
+            <a:r>
+              <a:rPr lang="en-GB" dirty="0">
+                <a:solidFill>
+                  <a:schemeClr val="accent6">
+                    <a:lumMod val="50000"/>
+                  </a:schemeClr>
+                </a:solidFill>
+              </a:rPr>
+              <a:t>{text}</a:t>
+            </a:r>
+          </a:p>
+          <a:p>
+            <a:pPr marL="0" indent="0">
+              <a:buNone/>
+            </a:pPr>
+            <a:endParaRPr lang="en-CH" dirty="0"/>
+          </a:p>
+          <a:p>
+            <a:pPr marL="0" indent="0">
+              <a:buNone/>
+            </a:pPr>
+            <a:r>
+              <a:rPr lang="en-CH" dirty="0">
+                <a:solidFill>
+                  <a:srgbClr val="C00000"/>
+                </a:solidFill>
+              </a:rPr>
+              <a:t>Assistant: </a:t>
+            </a:r>
+          </a:p>
+        </p:txBody>
+      </p:sp>
+    </p:spTree>
+    <p:extLst>
+      <p:ext uri="{BB962C8B-B14F-4D97-AF65-F5344CB8AC3E}">
+        <p14:creationId xmlns:p14="http://schemas.microsoft.com/office/powerpoint/2010/main" val="2953814295"/>
+      </p:ext>
+    </p:extLst>
+  </p:cSld>
+  <p:clrMapOvr>
+    <a:masterClrMapping/>
+  </p:clrMapOvr>
+</p:sld>
+</file>
+
+<file path=ppt/slides/slide23.xml><?xml version="1.0" encoding="utf-8"?>
+<p:sld xmlns:a="http://schemas.openxmlformats.org/drawingml/2006/main" xmlns:r="http://schemas.openxmlformats.org/officeDocument/2006/relationships" xmlns:p="http://schemas.openxmlformats.org/presentationml/2006/main">
+  <p:cSld>
+    <p:spTree>
+      <p:nvGrpSpPr>
+        <p:cNvPr id="1" name=""/>
+        <p:cNvGrpSpPr/>
+        <p:nvPr/>
+      </p:nvGrpSpPr>
+      <p:grpSpPr>
+        <a:xfrm>
+          <a:off x="0" y="0"/>
+          <a:ext cx="0" cy="0"/>
+          <a:chOff x="0" y="0"/>
+          <a:chExt cx="0" cy="0"/>
+        </a:xfrm>
+      </p:grpSpPr>
+      <p:sp>
+        <p:nvSpPr>
+          <p:cNvPr id="2" name="Title 1">
+            <a:extLst>
+              <a:ext uri="{FF2B5EF4-FFF2-40B4-BE49-F238E27FC236}">
+                <a16:creationId xmlns:a16="http://schemas.microsoft.com/office/drawing/2014/main" id="{999A5364-F62A-6458-2F58-5246FF296F77}"/>
+              </a:ext>
+            </a:extLst>
+          </p:cNvPr>
+          <p:cNvSpPr>
+            <a:spLocks noGrp="1"/>
+          </p:cNvSpPr>
+          <p:nvPr>
+            <p:ph type="title"/>
+          </p:nvPr>
+        </p:nvSpPr>
+        <p:spPr/>
+        <p:txBody>
+          <a:bodyPr/>
+          <a:lstStyle/>
+          <a:p>
+            <a:r>
+              <a:rPr lang="en-CH" dirty="0"/>
+              <a:t>Issues</a:t>
+            </a:r>
+          </a:p>
+        </p:txBody>
+      </p:sp>
+      <p:sp>
+        <p:nvSpPr>
+          <p:cNvPr id="3" name="Content Placeholder 2">
+            <a:extLst>
+              <a:ext uri="{FF2B5EF4-FFF2-40B4-BE49-F238E27FC236}">
+                <a16:creationId xmlns:a16="http://schemas.microsoft.com/office/drawing/2014/main" id="{34EADF3A-5372-5EDC-6A23-2408C00E1F30}"/>
+              </a:ext>
+            </a:extLst>
+          </p:cNvPr>
+          <p:cNvSpPr>
+            <a:spLocks noGrp="1"/>
+          </p:cNvSpPr>
+          <p:nvPr>
+            <p:ph idx="1"/>
+          </p:nvPr>
+        </p:nvSpPr>
+        <p:spPr>
+          <a:xfrm>
+            <a:off x="581192" y="2180496"/>
+            <a:ext cx="8295179" cy="4276060"/>
+          </a:xfrm>
+        </p:spPr>
+        <p:txBody>
+          <a:bodyPr>
+            <a:normAutofit fontScale="85000" lnSpcReduction="20000"/>
+          </a:bodyPr>
+          <a:lstStyle/>
+          <a:p>
+            <a:r>
+              <a:rPr lang="en-CH" dirty="0"/>
+              <a:t>Llama 2 model with 70B parameters is too large for used infrastructure</a:t>
+            </a:r>
+          </a:p>
+          <a:p>
+            <a:pPr lvl="1"/>
+            <a:r>
+              <a:rPr lang="en-CH" dirty="0"/>
+              <a:t>could be loaded on four GPUs, but inference took too long (several days for all prompts)</a:t>
+            </a:r>
+          </a:p>
+          <a:p>
+            <a:r>
+              <a:rPr lang="en-CH" dirty="0"/>
+              <a:t>Few-shot prompt has too many tokens and could not be tested</a:t>
+            </a:r>
+          </a:p>
+          <a:p>
+            <a:pPr lvl="1"/>
+            <a:r>
+              <a:rPr lang="en-CH" dirty="0"/>
+              <a:t>(tried with Llama 2 7B and 13B) inference took too long (several days for all prompts)</a:t>
+            </a:r>
+          </a:p>
+          <a:p>
+            <a:r>
+              <a:rPr lang="en-CH" dirty="0"/>
+              <a:t>Chain-of-Thought prompt could not be tested</a:t>
+            </a:r>
+          </a:p>
+          <a:p>
+            <a:pPr lvl="1"/>
+            <a:r>
+              <a:rPr lang="en-CH" dirty="0"/>
+              <a:t>inference would have taken too long as well</a:t>
+            </a:r>
+          </a:p>
+          <a:p>
+            <a:r>
+              <a:rPr lang="en-CH" dirty="0"/>
+              <a:t>Mistral model could not be loaded</a:t>
+            </a:r>
+          </a:p>
+          <a:p>
+            <a:pPr lvl="1"/>
+            <a:r>
+              <a:rPr lang="en-CH" dirty="0"/>
+              <a:t>because of issues with transformers package</a:t>
+            </a:r>
+          </a:p>
+          <a:p>
+            <a:r>
+              <a:rPr lang="en-CH" dirty="0"/>
+              <a:t>Meditron models produced unusable results</a:t>
+            </a:r>
+          </a:p>
+          <a:p>
+            <a:pPr lvl="1"/>
+            <a:r>
+              <a:rPr lang="en-CH" dirty="0"/>
+              <a:t>we tried multiple prompts</a:t>
+            </a:r>
+          </a:p>
+          <a:p>
+            <a:pPr lvl="1"/>
+            <a:r>
+              <a:rPr lang="en-CH" dirty="0"/>
+              <a:t>model generated text endlessly and generated many answers for the questions</a:t>
+            </a:r>
+          </a:p>
+          <a:p>
+            <a:pPr lvl="1"/>
+            <a:r>
+              <a:rPr lang="en-CH" dirty="0"/>
+              <a:t>might first need finetuning on a downstream task</a:t>
+            </a:r>
+          </a:p>
+          <a:p>
+            <a:endParaRPr lang="en-CH" dirty="0"/>
+          </a:p>
+          <a:p>
+            <a:pPr marL="0" indent="0">
+              <a:buNone/>
+            </a:pPr>
+            <a:r>
+              <a:rPr lang="en-CH" dirty="0"/>
+              <a:t>However, zero-shot prompt with Llama 2 7B and 13B did work </a:t>
+            </a:r>
+            <a:r>
+              <a:rPr lang="en-CH" dirty="0">
+                <a:sym typeface="Wingdings" pitchFamily="2" charset="2"/>
+              </a:rPr>
+              <a:t></a:t>
+            </a:r>
+            <a:endParaRPr lang="en-CH" dirty="0"/>
+          </a:p>
+        </p:txBody>
+      </p:sp>
+      <p:pic>
+        <p:nvPicPr>
+          <p:cNvPr id="4" name="Picture 3">
+            <a:extLst>
+              <a:ext uri="{FF2B5EF4-FFF2-40B4-BE49-F238E27FC236}">
+                <a16:creationId xmlns:a16="http://schemas.microsoft.com/office/drawing/2014/main" id="{2038AB04-ED14-6E43-F21A-A80BDAF77AB8}"/>
+              </a:ext>
+            </a:extLst>
+          </p:cNvPr>
+          <p:cNvPicPr>
+            <a:picLocks noChangeAspect="1"/>
+          </p:cNvPicPr>
+          <p:nvPr/>
+        </p:nvPicPr>
+        <p:blipFill>
+          <a:blip r:embed="rId2"/>
+          <a:stretch>
+            <a:fillRect/>
+          </a:stretch>
+        </p:blipFill>
+        <p:spPr>
+          <a:xfrm>
+            <a:off x="9127757" y="2180496"/>
+            <a:ext cx="585762" cy="4276060"/>
+          </a:xfrm>
+          <a:prstGeom prst="rect">
+            <a:avLst/>
+          </a:prstGeom>
+        </p:spPr>
+      </p:pic>
+      <p:cxnSp>
+        <p:nvCxnSpPr>
+          <p:cNvPr id="6" name="Straight Arrow Connector 5">
+            <a:extLst>
+              <a:ext uri="{FF2B5EF4-FFF2-40B4-BE49-F238E27FC236}">
+                <a16:creationId xmlns:a16="http://schemas.microsoft.com/office/drawing/2014/main" id="{4FAA1536-4B0E-282F-8F6A-993F650EA40C}"/>
+              </a:ext>
+            </a:extLst>
+          </p:cNvPr>
+          <p:cNvCxnSpPr>
+            <a:cxnSpLocks/>
+          </p:cNvCxnSpPr>
+          <p:nvPr/>
+        </p:nvCxnSpPr>
+        <p:spPr>
+          <a:xfrm flipV="1">
+            <a:off x="7047571" y="5142045"/>
+            <a:ext cx="1940312" cy="199389"/>
+          </a:xfrm>
+          <a:prstGeom prst="straightConnector1">
+            <a:avLst/>
+          </a:prstGeom>
+          <a:ln>
+            <a:tailEnd type="triangle"/>
+          </a:ln>
+        </p:spPr>
+        <p:style>
+          <a:lnRef idx="1">
+            <a:schemeClr val="accent1"/>
+          </a:lnRef>
+          <a:fillRef idx="0">
+            <a:schemeClr val="accent1"/>
+          </a:fillRef>
+          <a:effectRef idx="0">
+            <a:schemeClr val="accent1"/>
+          </a:effectRef>
+          <a:fontRef idx="minor">
+            <a:schemeClr val="tx1"/>
+          </a:fontRef>
+        </p:style>
+      </p:cxnSp>
+    </p:spTree>
+    <p:extLst>
+      <p:ext uri="{BB962C8B-B14F-4D97-AF65-F5344CB8AC3E}">
+        <p14:creationId xmlns:p14="http://schemas.microsoft.com/office/powerpoint/2010/main" val="3900677714"/>
+      </p:ext>
+    </p:extLst>
+  </p:cSld>
+  <p:clrMapOvr>
+    <a:masterClrMapping/>
+  </p:clrMapOvr>
+</p:sld>
+</file>
+
+<file path=ppt/slides/slide24.xml><?xml version="1.0" encoding="utf-8"?>
+<p:sld xmlns:a="http://schemas.openxmlformats.org/drawingml/2006/main" xmlns:r="http://schemas.openxmlformats.org/officeDocument/2006/relationships" xmlns:p="http://schemas.openxmlformats.org/presentationml/2006/main">
+  <p:cSld>
+    <p:spTree>
+      <p:nvGrpSpPr>
+        <p:cNvPr id="1" name=""/>
+        <p:cNvGrpSpPr/>
+        <p:nvPr/>
+      </p:nvGrpSpPr>
+      <p:grpSpPr>
+        <a:xfrm>
+          <a:off x="0" y="0"/>
+          <a:ext cx="0" cy="0"/>
+          <a:chOff x="0" y="0"/>
+          <a:chExt cx="0" cy="0"/>
+        </a:xfrm>
+      </p:grpSpPr>
+      <p:sp>
+        <p:nvSpPr>
+          <p:cNvPr id="2" name="Title 1">
+            <a:extLst>
+              <a:ext uri="{FF2B5EF4-FFF2-40B4-BE49-F238E27FC236}">
+                <a16:creationId xmlns:a16="http://schemas.microsoft.com/office/drawing/2014/main" id="{6C423650-44A0-4193-B6AC-1B58DB1F3118}"/>
+              </a:ext>
+            </a:extLst>
+          </p:cNvPr>
+          <p:cNvSpPr>
+            <a:spLocks noGrp="1"/>
+          </p:cNvSpPr>
+          <p:nvPr>
+            <p:ph type="title"/>
+          </p:nvPr>
+        </p:nvSpPr>
+        <p:spPr/>
+        <p:txBody>
+          <a:bodyPr/>
+          <a:lstStyle/>
+          <a:p>
+            <a:r>
+              <a:rPr lang="en-CH" dirty="0"/>
+              <a:t>Statistics for generated responses</a:t>
+            </a:r>
+          </a:p>
+        </p:txBody>
+      </p:sp>
+      <p:sp>
+        <p:nvSpPr>
+          <p:cNvPr id="3" name="Content Placeholder 2">
+            <a:extLst>
+              <a:ext uri="{FF2B5EF4-FFF2-40B4-BE49-F238E27FC236}">
+                <a16:creationId xmlns:a16="http://schemas.microsoft.com/office/drawing/2014/main" id="{EC845E5F-B2A1-95D4-3B22-4515334AAB58}"/>
+              </a:ext>
+            </a:extLst>
+          </p:cNvPr>
+          <p:cNvSpPr>
+            <a:spLocks noGrp="1"/>
+          </p:cNvSpPr>
+          <p:nvPr>
+            <p:ph idx="1"/>
+          </p:nvPr>
+        </p:nvSpPr>
+        <p:spPr>
+          <a:xfrm>
+            <a:off x="6858000" y="2180496"/>
+            <a:ext cx="4752808" cy="4142245"/>
+          </a:xfrm>
+        </p:spPr>
+        <p:txBody>
+          <a:bodyPr>
+            <a:normAutofit lnSpcReduction="10000"/>
+          </a:bodyPr>
+          <a:lstStyle/>
+          <a:p>
+            <a:r>
+              <a:rPr lang="en-CH" dirty="0"/>
+              <a:t>Most responses (7B: 64%, 13B: 63%) consisted only of either “yes” or “no”</a:t>
+            </a:r>
+          </a:p>
+          <a:p>
+            <a:r>
+              <a:rPr lang="en-CH" dirty="0"/>
+              <a:t>Counting yes and no in response and deciding whether the model predicts yes or no</a:t>
+            </a:r>
+          </a:p>
+          <a:p>
+            <a:r>
+              <a:rPr lang="en-CH" dirty="0"/>
+              <a:t>7B model concludes way more often with yes than 13B model</a:t>
+            </a:r>
+          </a:p>
+          <a:p>
+            <a:r>
+              <a:rPr lang="en-CH" dirty="0"/>
+              <a:t>Both models are more optimistic to yes answers than yes answers exist in the ground truth</a:t>
+            </a:r>
+          </a:p>
+          <a:p>
+            <a:r>
+              <a:rPr lang="en-CH" dirty="0"/>
+              <a:t>only a few responses for which no yes or no could be identified (either because the model did not want to decide or it used different words than yes or no)</a:t>
+            </a:r>
+          </a:p>
+        </p:txBody>
+      </p:sp>
+      <p:pic>
+        <p:nvPicPr>
+          <p:cNvPr id="4" name="Picture 3">
+            <a:extLst>
+              <a:ext uri="{FF2B5EF4-FFF2-40B4-BE49-F238E27FC236}">
+                <a16:creationId xmlns:a16="http://schemas.microsoft.com/office/drawing/2014/main" id="{D925555D-DFE2-2CB3-9931-CA1468EBE413}"/>
+              </a:ext>
+            </a:extLst>
+          </p:cNvPr>
+          <p:cNvPicPr>
+            <a:picLocks noChangeAspect="1"/>
+          </p:cNvPicPr>
+          <p:nvPr/>
+        </p:nvPicPr>
+        <p:blipFill>
+          <a:blip r:embed="rId2"/>
+          <a:stretch>
+            <a:fillRect/>
+          </a:stretch>
+        </p:blipFill>
+        <p:spPr>
+          <a:xfrm>
+            <a:off x="504460" y="2273861"/>
+            <a:ext cx="5985550" cy="3491571"/>
+          </a:xfrm>
+          <a:prstGeom prst="rect">
+            <a:avLst/>
+          </a:prstGeom>
+        </p:spPr>
+      </p:pic>
+    </p:spTree>
+    <p:extLst>
+      <p:ext uri="{BB962C8B-B14F-4D97-AF65-F5344CB8AC3E}">
+        <p14:creationId xmlns:p14="http://schemas.microsoft.com/office/powerpoint/2010/main" val="521206518"/>
+      </p:ext>
+    </p:extLst>
+  </p:cSld>
+  <p:clrMapOvr>
+    <a:masterClrMapping/>
+  </p:clrMapOvr>
+</p:sld>
+</file>
+
+<file path=ppt/slides/slide25.xml><?xml version="1.0" encoding="utf-8"?>
+<p:sld xmlns:a="http://schemas.openxmlformats.org/drawingml/2006/main" xmlns:r="http://schemas.openxmlformats.org/officeDocument/2006/relationships" xmlns:p="http://schemas.openxmlformats.org/presentationml/2006/main">
+  <p:cSld>
+    <p:spTree>
+      <p:nvGrpSpPr>
+        <p:cNvPr id="1" name=""/>
+        <p:cNvGrpSpPr/>
+        <p:nvPr/>
+      </p:nvGrpSpPr>
+      <p:grpSpPr>
+        <a:xfrm>
+          <a:off x="0" y="0"/>
+          <a:ext cx="0" cy="0"/>
+          <a:chOff x="0" y="0"/>
+          <a:chExt cx="0" cy="0"/>
+        </a:xfrm>
+      </p:grpSpPr>
+      <p:sp>
+        <p:nvSpPr>
+          <p:cNvPr id="2" name="Title 1">
+            <a:extLst>
+              <a:ext uri="{FF2B5EF4-FFF2-40B4-BE49-F238E27FC236}">
+                <a16:creationId xmlns:a16="http://schemas.microsoft.com/office/drawing/2014/main" id="{EE689BED-3695-45AB-DC04-BC61735365F0}"/>
+              </a:ext>
+            </a:extLst>
+          </p:cNvPr>
+          <p:cNvSpPr>
+            <a:spLocks noGrp="1"/>
+          </p:cNvSpPr>
+          <p:nvPr>
+            <p:ph type="title"/>
+          </p:nvPr>
+        </p:nvSpPr>
+        <p:spPr/>
+        <p:txBody>
+          <a:bodyPr/>
+          <a:lstStyle/>
+          <a:p>
+            <a:r>
+              <a:rPr lang="en-CH" dirty="0"/>
+              <a:t>F1-Scores for Llama 2 Models</a:t>
+            </a:r>
+          </a:p>
+        </p:txBody>
+      </p:sp>
+      <p:sp>
+        <p:nvSpPr>
+          <p:cNvPr id="3" name="Content Placeholder 2">
+            <a:extLst>
+              <a:ext uri="{FF2B5EF4-FFF2-40B4-BE49-F238E27FC236}">
+                <a16:creationId xmlns:a16="http://schemas.microsoft.com/office/drawing/2014/main" id="{18C8B075-63A1-EFEC-949A-E18B8C7DE17B}"/>
+              </a:ext>
+            </a:extLst>
+          </p:cNvPr>
+          <p:cNvSpPr>
+            <a:spLocks noGrp="1"/>
+          </p:cNvSpPr>
+          <p:nvPr>
+            <p:ph idx="1"/>
+          </p:nvPr>
+        </p:nvSpPr>
+        <p:spPr>
+          <a:xfrm>
+            <a:off x="5620215" y="2180496"/>
+            <a:ext cx="5990592" cy="3678303"/>
+          </a:xfrm>
+        </p:spPr>
+        <p:txBody>
+          <a:bodyPr/>
+          <a:lstStyle/>
+          <a:p>
+            <a:r>
+              <a:rPr lang="en-CH" dirty="0"/>
+              <a:t>In general: scores worse than for BERT models (mostly lower than 0.5)</a:t>
+            </a:r>
+          </a:p>
+          <a:p>
+            <a:r>
+              <a:rPr lang="en-CH" dirty="0"/>
+              <a:t>For most classes model with 13B params performs better than with 7B</a:t>
+            </a:r>
+          </a:p>
+          <a:p>
+            <a:r>
+              <a:rPr lang="en-CH" dirty="0"/>
+              <a:t>Many classes perform very poorly with both models</a:t>
+            </a:r>
+          </a:p>
+        </p:txBody>
+      </p:sp>
+      <p:pic>
+        <p:nvPicPr>
+          <p:cNvPr id="4" name="Picture 3">
+            <a:extLst>
+              <a:ext uri="{FF2B5EF4-FFF2-40B4-BE49-F238E27FC236}">
+                <a16:creationId xmlns:a16="http://schemas.microsoft.com/office/drawing/2014/main" id="{C9C86EC1-D88D-ACBF-E3BB-D231C45F717D}"/>
+              </a:ext>
+            </a:extLst>
+          </p:cNvPr>
+          <p:cNvPicPr>
+            <a:picLocks noChangeAspect="1"/>
+          </p:cNvPicPr>
+          <p:nvPr/>
+        </p:nvPicPr>
+        <p:blipFill>
+          <a:blip r:embed="rId2"/>
+          <a:stretch>
+            <a:fillRect/>
+          </a:stretch>
+        </p:blipFill>
+        <p:spPr>
+          <a:xfrm>
+            <a:off x="498397" y="2054203"/>
+            <a:ext cx="4809583" cy="4678114"/>
+          </a:xfrm>
+          <a:prstGeom prst="rect">
+            <a:avLst/>
+          </a:prstGeom>
+        </p:spPr>
+      </p:pic>
+    </p:spTree>
+    <p:extLst>
+      <p:ext uri="{BB962C8B-B14F-4D97-AF65-F5344CB8AC3E}">
+        <p14:creationId xmlns:p14="http://schemas.microsoft.com/office/powerpoint/2010/main" val="2912893737"/>
+      </p:ext>
+    </p:extLst>
+  </p:cSld>
+  <p:clrMapOvr>
+    <a:masterClrMapping/>
+  </p:clrMapOvr>
+</p:sld>
+</file>
+
+<file path=ppt/slides/slide26.xml><?xml version="1.0" encoding="utf-8"?>
+<p:sld xmlns:a="http://schemas.openxmlformats.org/drawingml/2006/main" xmlns:r="http://schemas.openxmlformats.org/officeDocument/2006/relationships" xmlns:p="http://schemas.openxmlformats.org/presentationml/2006/main">
+  <p:cSld>
+    <p:spTree>
+      <p:nvGrpSpPr>
+        <p:cNvPr id="1" name=""/>
+        <p:cNvGrpSpPr/>
+        <p:nvPr/>
+      </p:nvGrpSpPr>
+      <p:grpSpPr>
+        <a:xfrm>
+          <a:off x="0" y="0"/>
+          <a:ext cx="0" cy="0"/>
+          <a:chOff x="0" y="0"/>
+          <a:chExt cx="0" cy="0"/>
+        </a:xfrm>
+      </p:grpSpPr>
+      <p:sp>
+        <p:nvSpPr>
+          <p:cNvPr id="2" name="Title 1">
+            <a:extLst>
+              <a:ext uri="{FF2B5EF4-FFF2-40B4-BE49-F238E27FC236}">
+                <a16:creationId xmlns:a16="http://schemas.microsoft.com/office/drawing/2014/main" id="{2D7FE3C2-13B2-6AEE-A4C4-2333B118EE22}"/>
+              </a:ext>
+            </a:extLst>
+          </p:cNvPr>
+          <p:cNvSpPr>
+            <a:spLocks noGrp="1"/>
+          </p:cNvSpPr>
+          <p:nvPr>
+            <p:ph type="title"/>
+          </p:nvPr>
+        </p:nvSpPr>
+        <p:spPr/>
+        <p:txBody>
+          <a:bodyPr/>
+          <a:lstStyle/>
+          <a:p>
+            <a:r>
+              <a:rPr lang="en-CH" dirty="0"/>
+              <a:t>F1-Scores for Llama 2 Models</a:t>
+            </a:r>
+          </a:p>
+        </p:txBody>
+      </p:sp>
+      <p:sp>
+        <p:nvSpPr>
+          <p:cNvPr id="3" name="Content Placeholder 2">
+            <a:extLst>
+              <a:ext uri="{FF2B5EF4-FFF2-40B4-BE49-F238E27FC236}">
+                <a16:creationId xmlns:a16="http://schemas.microsoft.com/office/drawing/2014/main" id="{73B38390-CFAF-40FD-75E7-172B6D3AD8E9}"/>
+              </a:ext>
+            </a:extLst>
+          </p:cNvPr>
+          <p:cNvSpPr>
+            <a:spLocks noGrp="1"/>
+          </p:cNvSpPr>
+          <p:nvPr>
+            <p:ph idx="1"/>
+          </p:nvPr>
+        </p:nvSpPr>
+        <p:spPr>
+          <a:xfrm>
+            <a:off x="6266985" y="2037111"/>
+            <a:ext cx="5343822" cy="4307933"/>
+          </a:xfrm>
+        </p:spPr>
+        <p:txBody>
+          <a:bodyPr>
+            <a:normAutofit/>
+          </a:bodyPr>
+          <a:lstStyle/>
+          <a:p>
+            <a:r>
+              <a:rPr lang="en-CH" dirty="0"/>
+              <a:t>There seems to be a dependency between number of samples per class and F1-score of both models</a:t>
+            </a:r>
+          </a:p>
+          <a:p>
+            <a:r>
+              <a:rPr lang="en-CH" dirty="0"/>
+              <a:t>More samples result in higher scores</a:t>
+            </a:r>
+          </a:p>
+          <a:p>
+            <a:r>
+              <a:rPr lang="en-CH" dirty="0"/>
+              <a:t>This is interesting as each sample was queries separately and no training with that data happened</a:t>
+            </a:r>
+          </a:p>
+          <a:p>
+            <a:pPr lvl="1"/>
+            <a:r>
+              <a:rPr lang="en-CH" dirty="0"/>
+              <a:t>As the dataset is public data, the model might have been pre-trained using that data</a:t>
+            </a:r>
+          </a:p>
+          <a:p>
+            <a:pPr lvl="1"/>
+            <a:r>
+              <a:rPr lang="en-CH" dirty="0"/>
+              <a:t>If Llama 2 is asked whether it knows the </a:t>
+            </a:r>
+            <a:r>
+              <a:rPr lang="en-GB" dirty="0" err="1"/>
+              <a:t>argilla</a:t>
+            </a:r>
+            <a:r>
+              <a:rPr lang="en-GB" dirty="0"/>
+              <a:t>/medical-domain dataset, it confirms and lists some characteristics of the dataset</a:t>
+            </a:r>
+          </a:p>
+          <a:p>
+            <a:pPr lvl="1"/>
+            <a:r>
+              <a:rPr lang="en-CH" dirty="0"/>
+              <a:t>In that case, achieved scores can not be transferred to unseen data</a:t>
+            </a:r>
+          </a:p>
+        </p:txBody>
+      </p:sp>
+      <p:pic>
+        <p:nvPicPr>
+          <p:cNvPr id="6" name="Picture 5">
+            <a:extLst>
+              <a:ext uri="{FF2B5EF4-FFF2-40B4-BE49-F238E27FC236}">
+                <a16:creationId xmlns:a16="http://schemas.microsoft.com/office/drawing/2014/main" id="{2EDEE7B3-3BA7-7435-E9B1-F293BFB5FE06}"/>
+              </a:ext>
+            </a:extLst>
+          </p:cNvPr>
+          <p:cNvPicPr>
+            <a:picLocks noChangeAspect="1"/>
+          </p:cNvPicPr>
+          <p:nvPr/>
+        </p:nvPicPr>
+        <p:blipFill>
+          <a:blip r:embed="rId2"/>
+          <a:stretch>
+            <a:fillRect/>
+          </a:stretch>
+        </p:blipFill>
+        <p:spPr>
+          <a:xfrm>
+            <a:off x="402780" y="2237832"/>
+            <a:ext cx="5522236" cy="3761523"/>
+          </a:xfrm>
+          <a:prstGeom prst="rect">
+            <a:avLst/>
+          </a:prstGeom>
+        </p:spPr>
+      </p:pic>
+    </p:spTree>
+    <p:extLst>
+      <p:ext uri="{BB962C8B-B14F-4D97-AF65-F5344CB8AC3E}">
+        <p14:creationId xmlns:p14="http://schemas.microsoft.com/office/powerpoint/2010/main" val="1443607140"/>
+      </p:ext>
+    </p:extLst>
+  </p:cSld>
+  <p:clrMapOvr>
+    <a:masterClrMapping/>
+  </p:clrMapOvr>
+</p:sld>
+</file>
+
+<file path=ppt/slides/slide27.xml><?xml version="1.0" encoding="utf-8"?>
+<p:sld xmlns:a="http://schemas.openxmlformats.org/drawingml/2006/main" xmlns:r="http://schemas.openxmlformats.org/officeDocument/2006/relationships" xmlns:p="http://schemas.openxmlformats.org/presentationml/2006/main">
+  <p:cSld>
+    <p:bg>
+      <p:bgPr>
+        <a:solidFill>
+          <a:schemeClr val="bg1"/>
+        </a:solidFill>
+        <a:effectLst/>
+      </p:bgPr>
+    </p:bg>
+    <p:spTree>
+      <p:nvGrpSpPr>
+        <p:cNvPr id="1" name=""/>
+        <p:cNvGrpSpPr/>
+        <p:nvPr/>
+      </p:nvGrpSpPr>
+      <p:grpSpPr>
+        <a:xfrm>
+          <a:off x="0" y="0"/>
+          <a:ext cx="0" cy="0"/>
+          <a:chOff x="0" y="0"/>
+          <a:chExt cx="0" cy="0"/>
+        </a:xfrm>
+      </p:grpSpPr>
+      <p:sp useBgFill="1">
+        <p:nvSpPr>
+          <p:cNvPr id="8" name="Rectangle 7">
+            <a:extLst>
+              <a:ext uri="{FF2B5EF4-FFF2-40B4-BE49-F238E27FC236}">
+                <a16:creationId xmlns:a16="http://schemas.microsoft.com/office/drawing/2014/main" id="{B373F125-DEF3-41D6-9918-AB21A2ACC37A}"/>
+              </a:ext>
+              <a:ext uri="{C183D7F6-B498-43B3-948B-1728B52AA6E4}">
+                <adec:decorative xmlns:adec="http://schemas.microsoft.com/office/drawing/2017/decorative" val="1"/>
+              </a:ext>
+            </a:extLst>
+          </p:cNvPr>
+          <p:cNvSpPr>
+            <a:spLocks noGrp="1" noRot="1" noChangeAspect="1" noMove="1" noResize="1" noEditPoints="1" noAdjustHandles="1" noChangeArrowheads="1" noChangeShapeType="1" noTextEdit="1"/>
+          </p:cNvSpPr>
+          <p:nvPr>
+            <p:extLst>
+              <p:ext uri="{386F3935-93C4-4BCD-93E2-E3B085C9AB24}">
+                <p16:designElem xmlns:p16="http://schemas.microsoft.com/office/powerpoint/2015/main" val="1"/>
+              </p:ext>
+            </p:extLst>
+          </p:nvPr>
+        </p:nvSpPr>
+        <p:spPr>
+          <a:xfrm>
+            <a:off x="0" y="0"/>
+            <a:ext cx="12192000" cy="6858000"/>
+          </a:xfrm>
+          <a:prstGeom prst="rect">
+            <a:avLst/>
+          </a:prstGeom>
+          <a:ln>
+            <a:noFill/>
+          </a:ln>
+        </p:spPr>
+        <p:style>
+          <a:lnRef idx="2">
+            <a:schemeClr val="accent1">
+              <a:shade val="50000"/>
+            </a:schemeClr>
+          </a:lnRef>
+          <a:fillRef idx="1">
+            <a:schemeClr val="accent1"/>
+          </a:fillRef>
+          <a:effectRef idx="0">
+            <a:schemeClr val="accent1"/>
+          </a:effectRef>
+          <a:fontRef idx="minor">
+            <a:schemeClr val="lt1"/>
+          </a:fontRef>
+        </p:style>
+        <p:txBody>
+          <a:bodyPr rtlCol="0" anchor="ctr"/>
+          <a:lstStyle/>
+          <a:p>
+            <a:pPr algn="ctr"/>
+            <a:endParaRPr lang="en-US"/>
+          </a:p>
+        </p:txBody>
+      </p:sp>
+      <p:sp>
+        <p:nvSpPr>
+          <p:cNvPr id="10" name="Rectangle 9">
+            <a:extLst>
+              <a:ext uri="{FF2B5EF4-FFF2-40B4-BE49-F238E27FC236}">
+                <a16:creationId xmlns:a16="http://schemas.microsoft.com/office/drawing/2014/main" id="{71E9F226-EB6E-48C9-ADDA-636DE4BF4EBE}"/>
+              </a:ext>
+              <a:ext uri="{C183D7F6-B498-43B3-948B-1728B52AA6E4}">
+                <adec:decorative xmlns:adec="http://schemas.microsoft.com/office/drawing/2017/decorative" val="1"/>
+              </a:ext>
+            </a:extLst>
+          </p:cNvPr>
+          <p:cNvSpPr>
+            <a:spLocks noGrp="1" noRot="1" noChangeAspect="1" noMove="1" noResize="1" noEditPoints="1" noAdjustHandles="1" noChangeArrowheads="1" noChangeShapeType="1" noTextEdit="1"/>
+          </p:cNvSpPr>
+          <p:nvPr>
+            <p:extLst>
+              <p:ext uri="{386F3935-93C4-4BCD-93E2-E3B085C9AB24}">
+                <p16:designElem xmlns:p16="http://schemas.microsoft.com/office/powerpoint/2015/main" val="1"/>
+              </p:ext>
+            </p:extLst>
+          </p:nvPr>
+        </p:nvSpPr>
+        <p:spPr>
+          <a:xfrm>
+            <a:off x="490581" y="485678"/>
+            <a:ext cx="4174743" cy="5888772"/>
+          </a:xfrm>
+          <a:prstGeom prst="rect">
+            <a:avLst/>
+          </a:prstGeom>
+          <a:ln>
+            <a:noFill/>
+          </a:ln>
+        </p:spPr>
+        <p:style>
+          <a:lnRef idx="2">
+            <a:schemeClr val="accent1">
+              <a:shade val="50000"/>
+            </a:schemeClr>
+          </a:lnRef>
+          <a:fillRef idx="1">
+            <a:schemeClr val="accent1"/>
+          </a:fillRef>
+          <a:effectRef idx="0">
+            <a:schemeClr val="accent1"/>
+          </a:effectRef>
+          <a:fontRef idx="minor">
+            <a:schemeClr val="lt1"/>
+          </a:fontRef>
+        </p:style>
+        <p:txBody>
+          <a:bodyPr rtlCol="0" anchor="ctr"/>
+          <a:lstStyle/>
+          <a:p>
+            <a:pPr algn="ctr"/>
+            <a:endParaRPr lang="en-US"/>
+          </a:p>
+        </p:txBody>
+      </p:sp>
+      <p:sp>
+        <p:nvSpPr>
+          <p:cNvPr id="2" name="Titel 1">
+            <a:extLst>
+              <a:ext uri="{FF2B5EF4-FFF2-40B4-BE49-F238E27FC236}">
+                <a16:creationId xmlns:a16="http://schemas.microsoft.com/office/drawing/2014/main" id="{92BEEEEE-DC54-315F-1A1C-93DCDCC7C300}"/>
+              </a:ext>
+            </a:extLst>
+          </p:cNvPr>
+          <p:cNvSpPr>
+            <a:spLocks noGrp="1"/>
+          </p:cNvSpPr>
+          <p:nvPr>
+            <p:ph type="title"/>
+          </p:nvPr>
+        </p:nvSpPr>
+        <p:spPr>
+          <a:xfrm>
+            <a:off x="959157" y="1113764"/>
+            <a:ext cx="3269749" cy="4624327"/>
+          </a:xfrm>
+        </p:spPr>
+        <p:txBody>
+          <a:bodyPr anchor="ctr">
+            <a:normAutofit/>
+          </a:bodyPr>
+          <a:lstStyle/>
+          <a:p>
+            <a:r>
+              <a:rPr lang="de-CH" sz="3200" dirty="0" err="1">
+                <a:solidFill>
+                  <a:srgbClr val="FFFFFF"/>
+                </a:solidFill>
+              </a:rPr>
+              <a:t>Conclusion</a:t>
+            </a:r>
+            <a:endParaRPr lang="de-CH" sz="3200" dirty="0">
+              <a:solidFill>
+                <a:srgbClr val="FFFFFF"/>
+              </a:solidFill>
+            </a:endParaRPr>
+          </a:p>
+        </p:txBody>
+      </p:sp>
+      <p:sp>
+        <p:nvSpPr>
+          <p:cNvPr id="3" name="Inhaltsplatzhalter 2">
+            <a:extLst>
+              <a:ext uri="{FF2B5EF4-FFF2-40B4-BE49-F238E27FC236}">
+                <a16:creationId xmlns:a16="http://schemas.microsoft.com/office/drawing/2014/main" id="{8C12E06B-C46A-CF75-1011-3E87516803FA}"/>
+              </a:ext>
+            </a:extLst>
+          </p:cNvPr>
+          <p:cNvSpPr>
+            <a:spLocks noGrp="1"/>
+          </p:cNvSpPr>
+          <p:nvPr>
+            <p:ph idx="1"/>
+          </p:nvPr>
+        </p:nvSpPr>
+        <p:spPr>
+          <a:xfrm>
+            <a:off x="5155905" y="485678"/>
+            <a:ext cx="6108179" cy="6059310"/>
+          </a:xfrm>
+        </p:spPr>
+        <p:txBody>
+          <a:bodyPr anchor="ctr">
+            <a:normAutofit/>
+          </a:bodyPr>
+          <a:lstStyle/>
+          <a:p>
+            <a:r>
+              <a:rPr lang="de-CH" dirty="0" err="1"/>
+              <a:t>Comparison</a:t>
+            </a:r>
+            <a:r>
+              <a:rPr lang="de-CH" dirty="0"/>
+              <a:t> </a:t>
+            </a:r>
+            <a:r>
+              <a:rPr lang="de-CH" dirty="0" err="1"/>
+              <a:t>between</a:t>
+            </a:r>
+            <a:r>
+              <a:rPr lang="de-CH" dirty="0"/>
+              <a:t> </a:t>
+            </a:r>
+            <a:r>
+              <a:rPr lang="de-CH" dirty="0" err="1"/>
+              <a:t>baseline</a:t>
+            </a:r>
+            <a:r>
+              <a:rPr lang="de-CH" dirty="0"/>
+              <a:t>, BERT and GPT </a:t>
+            </a:r>
+            <a:r>
+              <a:rPr lang="de-CH" dirty="0" err="1"/>
+              <a:t>models</a:t>
+            </a:r>
+            <a:endParaRPr lang="de-CH" dirty="0"/>
+          </a:p>
+          <a:p>
+            <a:r>
+              <a:rPr lang="de-CH" dirty="0" err="1"/>
+              <a:t>Using</a:t>
+            </a:r>
+            <a:r>
+              <a:rPr lang="de-CH" dirty="0"/>
+              <a:t> </a:t>
+            </a:r>
+            <a:r>
+              <a:rPr lang="de-CH" dirty="0" err="1"/>
+              <a:t>precision</a:t>
+            </a:r>
+            <a:r>
+              <a:rPr lang="de-CH" dirty="0"/>
+              <a:t> and </a:t>
+            </a:r>
+            <a:r>
+              <a:rPr lang="de-CH" dirty="0" err="1"/>
+              <a:t>recall</a:t>
+            </a:r>
+            <a:r>
+              <a:rPr lang="de-CH" dirty="0"/>
+              <a:t> (</a:t>
+            </a:r>
+            <a:r>
+              <a:rPr lang="de-CH" dirty="0" err="1"/>
+              <a:t>decide</a:t>
+            </a:r>
+            <a:r>
+              <a:rPr lang="de-CH" dirty="0"/>
+              <a:t> </a:t>
+            </a:r>
+            <a:r>
+              <a:rPr lang="de-CH" dirty="0" err="1"/>
+              <a:t>metric</a:t>
+            </a:r>
+            <a:r>
+              <a:rPr lang="de-CH" dirty="0"/>
+              <a:t> on </a:t>
+            </a:r>
+            <a:r>
+              <a:rPr lang="de-CH" dirty="0" err="1"/>
+              <a:t>use</a:t>
+            </a:r>
+            <a:r>
+              <a:rPr lang="de-CH" dirty="0"/>
+              <a:t> </a:t>
+            </a:r>
+            <a:r>
+              <a:rPr lang="de-CH" dirty="0" err="1"/>
+              <a:t>case</a:t>
+            </a:r>
+            <a:r>
+              <a:rPr lang="de-CH" dirty="0"/>
+              <a:t>)</a:t>
+            </a:r>
+          </a:p>
+        </p:txBody>
+      </p:sp>
+    </p:spTree>
+    <p:extLst>
+      <p:ext uri="{BB962C8B-B14F-4D97-AF65-F5344CB8AC3E}">
+        <p14:creationId xmlns:p14="http://schemas.microsoft.com/office/powerpoint/2010/main" val="1879545234"/>
+      </p:ext>
+    </p:extLst>
+  </p:cSld>
+  <p:clrMapOvr>
+    <a:masterClrMapping/>
+  </p:clrMapOvr>
+</p:sld>
+</file>
+
+<file path=ppt/slides/slide28.xml><?xml version="1.0" encoding="utf-8"?>
+<p:sld xmlns:a="http://schemas.openxmlformats.org/drawingml/2006/main" xmlns:r="http://schemas.openxmlformats.org/officeDocument/2006/relationships" xmlns:p="http://schemas.openxmlformats.org/presentationml/2006/main">
+  <p:cSld>
+    <p:spTree>
+      <p:nvGrpSpPr>
+        <p:cNvPr id="1" name=""/>
+        <p:cNvGrpSpPr/>
+        <p:nvPr/>
+      </p:nvGrpSpPr>
+      <p:grpSpPr>
+        <a:xfrm>
+          <a:off x="0" y="0"/>
+          <a:ext cx="0" cy="0"/>
+          <a:chOff x="0" y="0"/>
+          <a:chExt cx="0" cy="0"/>
+        </a:xfrm>
+      </p:grpSpPr>
+      <p:sp>
+        <p:nvSpPr>
+          <p:cNvPr id="2" name="Title 1">
+            <a:extLst>
+              <a:ext uri="{FF2B5EF4-FFF2-40B4-BE49-F238E27FC236}">
+                <a16:creationId xmlns:a16="http://schemas.microsoft.com/office/drawing/2014/main" id="{5ED5711F-6462-BB8C-323E-F74ED2280D2C}"/>
+              </a:ext>
+            </a:extLst>
+          </p:cNvPr>
+          <p:cNvSpPr>
+            <a:spLocks noGrp="1"/>
+          </p:cNvSpPr>
+          <p:nvPr>
+            <p:ph type="title"/>
+          </p:nvPr>
+        </p:nvSpPr>
+        <p:spPr/>
+        <p:txBody>
+          <a:bodyPr/>
+          <a:lstStyle/>
+          <a:p>
+            <a:r>
+              <a:rPr lang="en-CH" dirty="0"/>
+              <a:t>Overall Scores for all Models</a:t>
+            </a:r>
+          </a:p>
+        </p:txBody>
+      </p:sp>
+      <p:pic>
+        <p:nvPicPr>
+          <p:cNvPr id="4" name="Picture 3">
+            <a:extLst>
+              <a:ext uri="{FF2B5EF4-FFF2-40B4-BE49-F238E27FC236}">
+                <a16:creationId xmlns:a16="http://schemas.microsoft.com/office/drawing/2014/main" id="{A704E86F-BC9C-90DF-8C51-026F07D66723}"/>
+              </a:ext>
+            </a:extLst>
+          </p:cNvPr>
+          <p:cNvPicPr>
+            <a:picLocks noChangeAspect="1"/>
+          </p:cNvPicPr>
+          <p:nvPr/>
+        </p:nvPicPr>
+        <p:blipFill>
+          <a:blip r:embed="rId2"/>
+          <a:stretch>
+            <a:fillRect/>
+          </a:stretch>
+        </p:blipFill>
+        <p:spPr>
+          <a:xfrm>
+            <a:off x="1805567" y="2003410"/>
+            <a:ext cx="7895993" cy="4482025"/>
+          </a:xfrm>
+          <a:prstGeom prst="rect">
+            <a:avLst/>
+          </a:prstGeom>
+        </p:spPr>
+      </p:pic>
+    </p:spTree>
+    <p:extLst>
+      <p:ext uri="{BB962C8B-B14F-4D97-AF65-F5344CB8AC3E}">
+        <p14:creationId xmlns:p14="http://schemas.microsoft.com/office/powerpoint/2010/main" val="2031000592"/>
+      </p:ext>
+    </p:extLst>
+  </p:cSld>
+  <p:clrMapOvr>
+    <a:masterClrMapping/>
+  </p:clrMapOvr>
+</p:sld>
+</file>
+
+<file path=ppt/slides/slide29.xml><?xml version="1.0" encoding="utf-8"?>
+<p:sld xmlns:a="http://schemas.openxmlformats.org/drawingml/2006/main" xmlns:r="http://schemas.openxmlformats.org/officeDocument/2006/relationships" xmlns:p="http://schemas.openxmlformats.org/presentationml/2006/main">
+  <p:cSld>
+    <p:spTree>
+      <p:nvGrpSpPr>
+        <p:cNvPr id="1" name=""/>
+        <p:cNvGrpSpPr/>
+        <p:nvPr/>
+      </p:nvGrpSpPr>
+      <p:grpSpPr>
+        <a:xfrm>
+          <a:off x="0" y="0"/>
+          <a:ext cx="0" cy="0"/>
+          <a:chOff x="0" y="0"/>
+          <a:chExt cx="0" cy="0"/>
+        </a:xfrm>
+      </p:grpSpPr>
+      <p:sp>
+        <p:nvSpPr>
+          <p:cNvPr id="2" name="Title 1">
+            <a:extLst>
+              <a:ext uri="{FF2B5EF4-FFF2-40B4-BE49-F238E27FC236}">
+                <a16:creationId xmlns:a16="http://schemas.microsoft.com/office/drawing/2014/main" id="{DCEF6613-6C89-4142-4794-A685CD709188}"/>
+              </a:ext>
+            </a:extLst>
+          </p:cNvPr>
+          <p:cNvSpPr>
+            <a:spLocks noGrp="1"/>
+          </p:cNvSpPr>
+          <p:nvPr>
+            <p:ph type="title"/>
+          </p:nvPr>
+        </p:nvSpPr>
+        <p:spPr/>
+        <p:txBody>
+          <a:bodyPr/>
+          <a:lstStyle/>
+          <a:p>
+            <a:r>
+              <a:rPr lang="en-CH" dirty="0"/>
+              <a:t>Conclusions</a:t>
+            </a:r>
+          </a:p>
+        </p:txBody>
+      </p:sp>
+      <p:sp>
+        <p:nvSpPr>
+          <p:cNvPr id="3" name="Content Placeholder 2">
+            <a:extLst>
+              <a:ext uri="{FF2B5EF4-FFF2-40B4-BE49-F238E27FC236}">
+                <a16:creationId xmlns:a16="http://schemas.microsoft.com/office/drawing/2014/main" id="{737BCF8A-4BF1-D3B5-522A-877A3FD5FF30}"/>
+              </a:ext>
+            </a:extLst>
+          </p:cNvPr>
+          <p:cNvSpPr>
+            <a:spLocks noGrp="1"/>
+          </p:cNvSpPr>
+          <p:nvPr>
+            <p:ph idx="1"/>
+          </p:nvPr>
+        </p:nvSpPr>
+        <p:spPr>
+          <a:xfrm>
+            <a:off x="581192" y="2007220"/>
+            <a:ext cx="11029615" cy="4672360"/>
+          </a:xfrm>
+        </p:spPr>
+        <p:txBody>
+          <a:bodyPr>
+            <a:normAutofit/>
+          </a:bodyPr>
+          <a:lstStyle/>
+          <a:p>
+            <a:r>
+              <a:rPr lang="en-CH" dirty="0"/>
+              <a:t>Precision and recall are very similar for each baseline model</a:t>
+            </a:r>
+          </a:p>
+          <a:p>
+            <a:pPr lvl="1"/>
+            <a:r>
+              <a:rPr lang="en-CH" dirty="0"/>
+              <a:t>Seem to have a good balance</a:t>
+            </a:r>
+          </a:p>
+          <a:p>
+            <a:r>
+              <a:rPr lang="en-CH" dirty="0"/>
+              <a:t>Finetuned BERT models perform equally well when comparing precision </a:t>
+            </a:r>
+          </a:p>
+          <a:p>
+            <a:r>
+              <a:rPr lang="en-CH" dirty="0"/>
+              <a:t>Llama 2 models perform worse than all other models, including baseline models.</a:t>
+            </a:r>
+          </a:p>
+          <a:p>
+            <a:pPr lvl="1"/>
+            <a:r>
+              <a:rPr lang="en-CH" dirty="0"/>
+              <a:t>Finetuning (regularly, LoRA or QLoRA) might improve the results</a:t>
+            </a:r>
+          </a:p>
+          <a:p>
+            <a:pPr lvl="1"/>
+            <a:r>
+              <a:rPr lang="en-CH" dirty="0"/>
+              <a:t>Few-shot prompt might improve predictions </a:t>
+            </a:r>
+            <a:r>
+              <a:rPr lang="en-CH" dirty="0">
+                <a:sym typeface="Wingdings" pitchFamily="2" charset="2"/>
+              </a:rPr>
+              <a:t> increases required compuation resources</a:t>
+            </a:r>
+            <a:endParaRPr lang="en-CH" dirty="0"/>
+          </a:p>
+          <a:p>
+            <a:r>
+              <a:rPr lang="en-CH" dirty="0"/>
+              <a:t>Recall of Llama 7B is very high; however, recall is very low</a:t>
+            </a:r>
+          </a:p>
+          <a:p>
+            <a:pPr lvl="1"/>
+            <a:r>
+              <a:rPr lang="en-CH" dirty="0"/>
+              <a:t>Bec</a:t>
+            </a:r>
+            <a:r>
+              <a:rPr lang="en-GB" dirty="0"/>
+              <a:t>au</a:t>
+            </a:r>
+            <a:r>
+              <a:rPr lang="en-CH" dirty="0"/>
+              <a:t>se it mostly predicts yes</a:t>
+            </a:r>
+          </a:p>
+          <a:p>
+            <a:r>
+              <a:rPr lang="en-CH" dirty="0"/>
+              <a:t>Uncertainty between folds is relatively low for all models</a:t>
+            </a:r>
+          </a:p>
+          <a:p>
+            <a:r>
+              <a:rPr lang="en-CH" dirty="0"/>
+              <a:t>SVM model offers a good balance between quality and computational costs</a:t>
+            </a:r>
+          </a:p>
+          <a:p>
+            <a:r>
+              <a:rPr lang="en-CH" dirty="0"/>
+              <a:t>Quality varies greatly betwe</a:t>
+            </a:r>
+            <a:r>
+              <a:rPr lang="en-GB" dirty="0"/>
+              <a:t>e</a:t>
+            </a:r>
+            <a:r>
+              <a:rPr lang="en-CH" dirty="0"/>
+              <a:t>n the classes</a:t>
+            </a:r>
+          </a:p>
+          <a:p>
+            <a:pPr lvl="1"/>
+            <a:r>
+              <a:rPr lang="en-CH" dirty="0"/>
+              <a:t>more training data for underrepresented classes needed</a:t>
+            </a:r>
+          </a:p>
+        </p:txBody>
+      </p:sp>
+    </p:spTree>
+    <p:extLst>
+      <p:ext uri="{BB962C8B-B14F-4D97-AF65-F5344CB8AC3E}">
+        <p14:creationId xmlns:p14="http://schemas.microsoft.com/office/powerpoint/2010/main" val="820144520"/>
       </p:ext>
     </p:extLst>
   </p:cSld>
@@ -7701,6 +11696,741 @@
           <a:chExt cx="0" cy="0"/>
         </a:xfrm>
       </p:grpSpPr>
+      <p:sp useBgFill="1">
+        <p:nvSpPr>
+          <p:cNvPr id="8" name="Rectangle 7">
+            <a:extLst>
+              <a:ext uri="{FF2B5EF4-FFF2-40B4-BE49-F238E27FC236}">
+                <a16:creationId xmlns:a16="http://schemas.microsoft.com/office/drawing/2014/main" id="{B373F125-DEF3-41D6-9918-AB21A2ACC37A}"/>
+              </a:ext>
+              <a:ext uri="{C183D7F6-B498-43B3-948B-1728B52AA6E4}">
+                <adec:decorative xmlns:adec="http://schemas.microsoft.com/office/drawing/2017/decorative" val="1"/>
+              </a:ext>
+            </a:extLst>
+          </p:cNvPr>
+          <p:cNvSpPr>
+            <a:spLocks noGrp="1" noRot="1" noChangeAspect="1" noMove="1" noResize="1" noEditPoints="1" noAdjustHandles="1" noChangeArrowheads="1" noChangeShapeType="1" noTextEdit="1"/>
+          </p:cNvSpPr>
+          <p:nvPr>
+            <p:extLst>
+              <p:ext uri="{386F3935-93C4-4BCD-93E2-E3B085C9AB24}">
+                <p16:designElem xmlns:p16="http://schemas.microsoft.com/office/powerpoint/2015/main" val="1"/>
+              </p:ext>
+            </p:extLst>
+          </p:nvPr>
+        </p:nvSpPr>
+        <p:spPr>
+          <a:xfrm>
+            <a:off x="0" y="0"/>
+            <a:ext cx="12192000" cy="6858000"/>
+          </a:xfrm>
+          <a:prstGeom prst="rect">
+            <a:avLst/>
+          </a:prstGeom>
+          <a:ln>
+            <a:noFill/>
+          </a:ln>
+        </p:spPr>
+        <p:style>
+          <a:lnRef idx="2">
+            <a:schemeClr val="accent1">
+              <a:shade val="50000"/>
+            </a:schemeClr>
+          </a:lnRef>
+          <a:fillRef idx="1">
+            <a:schemeClr val="accent1"/>
+          </a:fillRef>
+          <a:effectRef idx="0">
+            <a:schemeClr val="accent1"/>
+          </a:effectRef>
+          <a:fontRef idx="minor">
+            <a:schemeClr val="lt1"/>
+          </a:fontRef>
+        </p:style>
+        <p:txBody>
+          <a:bodyPr rtlCol="0" anchor="ctr"/>
+          <a:lstStyle/>
+          <a:p>
+            <a:pPr algn="ctr"/>
+            <a:endParaRPr lang="en-US"/>
+          </a:p>
+        </p:txBody>
+      </p:sp>
+      <p:sp>
+        <p:nvSpPr>
+          <p:cNvPr id="10" name="Rectangle 9">
+            <a:extLst>
+              <a:ext uri="{FF2B5EF4-FFF2-40B4-BE49-F238E27FC236}">
+                <a16:creationId xmlns:a16="http://schemas.microsoft.com/office/drawing/2014/main" id="{71E9F226-EB6E-48C9-ADDA-636DE4BF4EBE}"/>
+              </a:ext>
+              <a:ext uri="{C183D7F6-B498-43B3-948B-1728B52AA6E4}">
+                <adec:decorative xmlns:adec="http://schemas.microsoft.com/office/drawing/2017/decorative" val="1"/>
+              </a:ext>
+            </a:extLst>
+          </p:cNvPr>
+          <p:cNvSpPr>
+            <a:spLocks noGrp="1" noRot="1" noChangeAspect="1" noMove="1" noResize="1" noEditPoints="1" noAdjustHandles="1" noChangeArrowheads="1" noChangeShapeType="1" noTextEdit="1"/>
+          </p:cNvSpPr>
+          <p:nvPr>
+            <p:extLst>
+              <p:ext uri="{386F3935-93C4-4BCD-93E2-E3B085C9AB24}">
+                <p16:designElem xmlns:p16="http://schemas.microsoft.com/office/powerpoint/2015/main" val="1"/>
+              </p:ext>
+            </p:extLst>
+          </p:nvPr>
+        </p:nvSpPr>
+        <p:spPr>
+          <a:xfrm>
+            <a:off x="490581" y="485678"/>
+            <a:ext cx="4174743" cy="5888772"/>
+          </a:xfrm>
+          <a:prstGeom prst="rect">
+            <a:avLst/>
+          </a:prstGeom>
+          <a:ln>
+            <a:noFill/>
+          </a:ln>
+        </p:spPr>
+        <p:style>
+          <a:lnRef idx="2">
+            <a:schemeClr val="accent1">
+              <a:shade val="50000"/>
+            </a:schemeClr>
+          </a:lnRef>
+          <a:fillRef idx="1">
+            <a:schemeClr val="accent1"/>
+          </a:fillRef>
+          <a:effectRef idx="0">
+            <a:schemeClr val="accent1"/>
+          </a:effectRef>
+          <a:fontRef idx="minor">
+            <a:schemeClr val="lt1"/>
+          </a:fontRef>
+        </p:style>
+        <p:txBody>
+          <a:bodyPr rtlCol="0" anchor="ctr"/>
+          <a:lstStyle/>
+          <a:p>
+            <a:pPr algn="ctr"/>
+            <a:endParaRPr lang="en-US"/>
+          </a:p>
+        </p:txBody>
+      </p:sp>
+      <p:sp>
+        <p:nvSpPr>
+          <p:cNvPr id="2" name="Titel 1">
+            <a:extLst>
+              <a:ext uri="{FF2B5EF4-FFF2-40B4-BE49-F238E27FC236}">
+                <a16:creationId xmlns:a16="http://schemas.microsoft.com/office/drawing/2014/main" id="{AF27532C-F8EA-BCCD-F43E-7C95722C728D}"/>
+              </a:ext>
+            </a:extLst>
+          </p:cNvPr>
+          <p:cNvSpPr>
+            <a:spLocks noGrp="1"/>
+          </p:cNvSpPr>
+          <p:nvPr>
+            <p:ph type="title"/>
+          </p:nvPr>
+        </p:nvSpPr>
+        <p:spPr>
+          <a:xfrm>
+            <a:off x="959157" y="1113764"/>
+            <a:ext cx="3269749" cy="4624327"/>
+          </a:xfrm>
+        </p:spPr>
+        <p:txBody>
+          <a:bodyPr anchor="ctr">
+            <a:normAutofit/>
+          </a:bodyPr>
+          <a:lstStyle/>
+          <a:p>
+            <a:r>
+              <a:rPr lang="de-CH" sz="3200" dirty="0">
+                <a:solidFill>
+                  <a:srgbClr val="FFFFFF"/>
+                </a:solidFill>
+              </a:rPr>
+              <a:t>Task 2</a:t>
+            </a:r>
+          </a:p>
+        </p:txBody>
+      </p:sp>
+      <p:pic>
+        <p:nvPicPr>
+          <p:cNvPr id="6" name="Picture 5">
+            <a:extLst>
+              <a:ext uri="{FF2B5EF4-FFF2-40B4-BE49-F238E27FC236}">
+                <a16:creationId xmlns:a16="http://schemas.microsoft.com/office/drawing/2014/main" id="{091ECD32-69E7-8D68-7E94-5F593A4E1298}"/>
+              </a:ext>
+            </a:extLst>
+          </p:cNvPr>
+          <p:cNvPicPr>
+            <a:picLocks noChangeAspect="1"/>
+          </p:cNvPicPr>
+          <p:nvPr/>
+        </p:nvPicPr>
+        <p:blipFill>
+          <a:blip r:embed="rId2"/>
+          <a:stretch>
+            <a:fillRect/>
+          </a:stretch>
+        </p:blipFill>
+        <p:spPr>
+          <a:xfrm>
+            <a:off x="4951374" y="4689332"/>
+            <a:ext cx="4835589" cy="1551038"/>
+          </a:xfrm>
+          <a:prstGeom prst="rect">
+            <a:avLst/>
+          </a:prstGeom>
+        </p:spPr>
+      </p:pic>
+      <p:pic>
+        <p:nvPicPr>
+          <p:cNvPr id="7" name="Picture 6">
+            <a:extLst>
+              <a:ext uri="{FF2B5EF4-FFF2-40B4-BE49-F238E27FC236}">
+                <a16:creationId xmlns:a16="http://schemas.microsoft.com/office/drawing/2014/main" id="{8673DC10-BA6D-BD51-0EB3-B1B840A5214B}"/>
+              </a:ext>
+            </a:extLst>
+          </p:cNvPr>
+          <p:cNvPicPr>
+            <a:picLocks noChangeAspect="1"/>
+          </p:cNvPicPr>
+          <p:nvPr/>
+        </p:nvPicPr>
+        <p:blipFill>
+          <a:blip r:embed="rId3"/>
+          <a:stretch>
+            <a:fillRect/>
+          </a:stretch>
+        </p:blipFill>
+        <p:spPr>
+          <a:xfrm>
+            <a:off x="4951374" y="930023"/>
+            <a:ext cx="5287227" cy="3218908"/>
+          </a:xfrm>
+          <a:prstGeom prst="rect">
+            <a:avLst/>
+          </a:prstGeom>
+        </p:spPr>
+      </p:pic>
+      <p:sp>
+        <p:nvSpPr>
+          <p:cNvPr id="11" name="Inhaltsplatzhalter 2">
+            <a:extLst>
+              <a:ext uri="{FF2B5EF4-FFF2-40B4-BE49-F238E27FC236}">
+                <a16:creationId xmlns:a16="http://schemas.microsoft.com/office/drawing/2014/main" id="{6D9CE43D-98A3-BC87-294C-9315279A5772}"/>
+              </a:ext>
+            </a:extLst>
+          </p:cNvPr>
+          <p:cNvSpPr>
+            <a:spLocks noGrp="1"/>
+          </p:cNvSpPr>
+          <p:nvPr>
+            <p:ph idx="1"/>
+          </p:nvPr>
+        </p:nvSpPr>
+        <p:spPr>
+          <a:xfrm>
+            <a:off x="4951374" y="389622"/>
+            <a:ext cx="3679670" cy="540401"/>
+          </a:xfrm>
+        </p:spPr>
+        <p:txBody>
+          <a:bodyPr>
+            <a:normAutofit/>
+          </a:bodyPr>
+          <a:lstStyle/>
+          <a:p>
+            <a:pPr marL="0" indent="0">
+              <a:buNone/>
+            </a:pPr>
+            <a:r>
+              <a:rPr lang="de-CH" sz="2000" dirty="0" err="1"/>
+              <a:t>Results</a:t>
+            </a:r>
+            <a:r>
+              <a:rPr lang="de-CH" sz="2000" dirty="0"/>
+              <a:t> </a:t>
+            </a:r>
+            <a:r>
+              <a:rPr lang="de-CH" sz="2000" dirty="0" err="1"/>
+              <a:t>for</a:t>
+            </a:r>
+            <a:r>
+              <a:rPr lang="de-CH" sz="2000" dirty="0"/>
+              <a:t> </a:t>
+            </a:r>
+            <a:r>
+              <a:rPr lang="de-CH" sz="2000" dirty="0" err="1"/>
+              <a:t>default</a:t>
+            </a:r>
+            <a:r>
+              <a:rPr lang="de-CH" sz="2000" dirty="0"/>
+              <a:t> </a:t>
+            </a:r>
+            <a:r>
+              <a:rPr lang="de-CH" sz="2000" dirty="0" err="1"/>
+              <a:t>spaCy</a:t>
+            </a:r>
+            <a:r>
+              <a:rPr lang="de-CH" sz="2000" dirty="0"/>
+              <a:t> NER:</a:t>
+            </a:r>
+          </a:p>
+        </p:txBody>
+      </p:sp>
+      <p:sp>
+        <p:nvSpPr>
+          <p:cNvPr id="12" name="Inhaltsplatzhalter 2">
+            <a:extLst>
+              <a:ext uri="{FF2B5EF4-FFF2-40B4-BE49-F238E27FC236}">
+                <a16:creationId xmlns:a16="http://schemas.microsoft.com/office/drawing/2014/main" id="{1DE7198F-971B-AD24-942C-F0C72A846B10}"/>
+              </a:ext>
+            </a:extLst>
+          </p:cNvPr>
+          <p:cNvSpPr txBox="1">
+            <a:spLocks/>
+          </p:cNvSpPr>
+          <p:nvPr/>
+        </p:nvSpPr>
+        <p:spPr>
+          <a:xfrm>
+            <a:off x="4951374" y="4148931"/>
+            <a:ext cx="3679670" cy="540401"/>
+          </a:xfrm>
+          <a:prstGeom prst="rect">
+            <a:avLst/>
+          </a:prstGeom>
+        </p:spPr>
+        <p:txBody>
+          <a:bodyPr vert="horz" lIns="91440" tIns="45720" rIns="91440" bIns="45720" rtlCol="0" anchor="ctr">
+            <a:normAutofit/>
+          </a:bodyPr>
+          <a:lstStyle>
+            <a:lvl1pPr marL="306000" indent="-306000" algn="l" defTabSz="457200" rtl="0" eaLnBrk="1" latinLnBrk="0" hangingPunct="1">
+              <a:spcBef>
+                <a:spcPct val="20000"/>
+              </a:spcBef>
+              <a:spcAft>
+                <a:spcPts val="600"/>
+              </a:spcAft>
+              <a:buClr>
+                <a:schemeClr val="accent2"/>
+              </a:buClr>
+              <a:buSzPct val="92000"/>
+              <a:buFont typeface="Wingdings 2" panose="05020102010507070707" pitchFamily="18" charset="2"/>
+              <a:buChar char=""/>
+              <a:defRPr sz="1800" kern="1200">
+                <a:solidFill>
+                  <a:schemeClr val="tx2"/>
+                </a:solidFill>
+                <a:latin typeface="+mn-lt"/>
+                <a:ea typeface="+mn-ea"/>
+                <a:cs typeface="+mn-cs"/>
+              </a:defRPr>
+            </a:lvl1pPr>
+            <a:lvl2pPr marL="630000" indent="-306000" algn="l" defTabSz="457200" rtl="0" eaLnBrk="1" latinLnBrk="0" hangingPunct="1">
+              <a:spcBef>
+                <a:spcPct val="20000"/>
+              </a:spcBef>
+              <a:spcAft>
+                <a:spcPts val="600"/>
+              </a:spcAft>
+              <a:buClr>
+                <a:schemeClr val="accent2"/>
+              </a:buClr>
+              <a:buSzPct val="92000"/>
+              <a:buFont typeface="Wingdings 2" panose="05020102010507070707" pitchFamily="18" charset="2"/>
+              <a:buChar char=""/>
+              <a:defRPr sz="1600" kern="1200">
+                <a:solidFill>
+                  <a:schemeClr val="tx2"/>
+                </a:solidFill>
+                <a:latin typeface="+mn-lt"/>
+                <a:ea typeface="+mn-ea"/>
+                <a:cs typeface="+mn-cs"/>
+              </a:defRPr>
+            </a:lvl2pPr>
+            <a:lvl3pPr marL="900000" indent="-270000" algn="l" defTabSz="457200" rtl="0" eaLnBrk="1" latinLnBrk="0" hangingPunct="1">
+              <a:spcBef>
+                <a:spcPct val="20000"/>
+              </a:spcBef>
+              <a:spcAft>
+                <a:spcPts val="600"/>
+              </a:spcAft>
+              <a:buClr>
+                <a:schemeClr val="accent2"/>
+              </a:buClr>
+              <a:buSzPct val="92000"/>
+              <a:buFont typeface="Wingdings 2" panose="05020102010507070707" pitchFamily="18" charset="2"/>
+              <a:buChar char=""/>
+              <a:defRPr sz="1400" kern="1200">
+                <a:solidFill>
+                  <a:schemeClr val="tx2"/>
+                </a:solidFill>
+                <a:latin typeface="+mn-lt"/>
+                <a:ea typeface="+mn-ea"/>
+                <a:cs typeface="+mn-cs"/>
+              </a:defRPr>
+            </a:lvl3pPr>
+            <a:lvl4pPr marL="1242000" indent="-234000" algn="l" defTabSz="457200" rtl="0" eaLnBrk="1" latinLnBrk="0" hangingPunct="1">
+              <a:spcBef>
+                <a:spcPct val="20000"/>
+              </a:spcBef>
+              <a:spcAft>
+                <a:spcPts val="600"/>
+              </a:spcAft>
+              <a:buClr>
+                <a:schemeClr val="accent2"/>
+              </a:buClr>
+              <a:buSzPct val="92000"/>
+              <a:buFont typeface="Wingdings 2" panose="05020102010507070707" pitchFamily="18" charset="2"/>
+              <a:buChar char=""/>
+              <a:defRPr sz="1200" kern="1200">
+                <a:solidFill>
+                  <a:schemeClr val="tx2"/>
+                </a:solidFill>
+                <a:latin typeface="+mn-lt"/>
+                <a:ea typeface="+mn-ea"/>
+                <a:cs typeface="+mn-cs"/>
+              </a:defRPr>
+            </a:lvl4pPr>
+            <a:lvl5pPr marL="1602000" indent="-234000" algn="l" defTabSz="457200" rtl="0" eaLnBrk="1" latinLnBrk="0" hangingPunct="1">
+              <a:spcBef>
+                <a:spcPct val="20000"/>
+              </a:spcBef>
+              <a:spcAft>
+                <a:spcPts val="600"/>
+              </a:spcAft>
+              <a:buClr>
+                <a:schemeClr val="accent2"/>
+              </a:buClr>
+              <a:buSzPct val="92000"/>
+              <a:buFont typeface="Wingdings 2" panose="05020102010507070707" pitchFamily="18" charset="2"/>
+              <a:buChar char=""/>
+              <a:defRPr sz="1200" kern="1200">
+                <a:solidFill>
+                  <a:schemeClr val="tx2"/>
+                </a:solidFill>
+                <a:latin typeface="+mn-lt"/>
+                <a:ea typeface="+mn-ea"/>
+                <a:cs typeface="+mn-cs"/>
+              </a:defRPr>
+            </a:lvl5pPr>
+            <a:lvl6pPr marL="1900000" indent="-228600" algn="l" defTabSz="457200" rtl="0" eaLnBrk="1" latinLnBrk="0" hangingPunct="1">
+              <a:spcBef>
+                <a:spcPct val="20000"/>
+              </a:spcBef>
+              <a:spcAft>
+                <a:spcPts val="600"/>
+              </a:spcAft>
+              <a:buClr>
+                <a:schemeClr val="accent2"/>
+              </a:buClr>
+              <a:buSzPct val="92000"/>
+              <a:buFont typeface="Wingdings 2" panose="05020102010507070707" pitchFamily="18" charset="2"/>
+              <a:buChar char=""/>
+              <a:defRPr sz="1200" kern="1200">
+                <a:solidFill>
+                  <a:schemeClr val="tx2"/>
+                </a:solidFill>
+                <a:latin typeface="+mn-lt"/>
+                <a:ea typeface="+mn-ea"/>
+                <a:cs typeface="+mn-cs"/>
+              </a:defRPr>
+            </a:lvl6pPr>
+            <a:lvl7pPr marL="2200000" indent="-228600" algn="l" defTabSz="457200" rtl="0" eaLnBrk="1" latinLnBrk="0" hangingPunct="1">
+              <a:spcBef>
+                <a:spcPct val="20000"/>
+              </a:spcBef>
+              <a:spcAft>
+                <a:spcPts val="600"/>
+              </a:spcAft>
+              <a:buClr>
+                <a:schemeClr val="accent2"/>
+              </a:buClr>
+              <a:buSzPct val="92000"/>
+              <a:buFont typeface="Wingdings 2" panose="05020102010507070707" pitchFamily="18" charset="2"/>
+              <a:buChar char=""/>
+              <a:defRPr sz="1200" kern="1200">
+                <a:solidFill>
+                  <a:schemeClr val="tx2"/>
+                </a:solidFill>
+                <a:latin typeface="+mn-lt"/>
+                <a:ea typeface="+mn-ea"/>
+                <a:cs typeface="+mn-cs"/>
+              </a:defRPr>
+            </a:lvl7pPr>
+            <a:lvl8pPr marL="2500000" indent="-228600" algn="l" defTabSz="457200" rtl="0" eaLnBrk="1" latinLnBrk="0" hangingPunct="1">
+              <a:spcBef>
+                <a:spcPct val="20000"/>
+              </a:spcBef>
+              <a:spcAft>
+                <a:spcPts val="600"/>
+              </a:spcAft>
+              <a:buClr>
+                <a:schemeClr val="accent2"/>
+              </a:buClr>
+              <a:buSzPct val="92000"/>
+              <a:buFont typeface="Wingdings 2" panose="05020102010507070707" pitchFamily="18" charset="2"/>
+              <a:buChar char=""/>
+              <a:defRPr sz="1200" kern="1200">
+                <a:solidFill>
+                  <a:schemeClr val="tx2"/>
+                </a:solidFill>
+                <a:latin typeface="+mn-lt"/>
+                <a:ea typeface="+mn-ea"/>
+                <a:cs typeface="+mn-cs"/>
+              </a:defRPr>
+            </a:lvl8pPr>
+            <a:lvl9pPr marL="2800000" indent="-228600" algn="l" defTabSz="457200" rtl="0" eaLnBrk="1" latinLnBrk="0" hangingPunct="1">
+              <a:spcBef>
+                <a:spcPct val="20000"/>
+              </a:spcBef>
+              <a:spcAft>
+                <a:spcPts val="600"/>
+              </a:spcAft>
+              <a:buClr>
+                <a:schemeClr val="accent2"/>
+              </a:buClr>
+              <a:buSzPct val="92000"/>
+              <a:buFont typeface="Wingdings 2" panose="05020102010507070707" pitchFamily="18" charset="2"/>
+              <a:buChar char=""/>
+              <a:defRPr sz="1200" kern="1200">
+                <a:solidFill>
+                  <a:schemeClr val="tx2"/>
+                </a:solidFill>
+                <a:latin typeface="+mn-lt"/>
+                <a:ea typeface="+mn-ea"/>
+                <a:cs typeface="+mn-cs"/>
+              </a:defRPr>
+            </a:lvl9pPr>
+          </a:lstStyle>
+          <a:p>
+            <a:pPr marL="0" indent="0">
+              <a:buFont typeface="Wingdings 2" panose="05020102010507070707" pitchFamily="18" charset="2"/>
+              <a:buNone/>
+            </a:pPr>
+            <a:r>
+              <a:rPr lang="de-CH" sz="2000" dirty="0" err="1"/>
+              <a:t>Results</a:t>
+            </a:r>
+            <a:r>
+              <a:rPr lang="de-CH" sz="2000" dirty="0"/>
+              <a:t> </a:t>
+            </a:r>
+            <a:r>
+              <a:rPr lang="de-CH" sz="2000" dirty="0" err="1"/>
+              <a:t>for</a:t>
+            </a:r>
+            <a:r>
+              <a:rPr lang="de-CH" sz="2000" dirty="0"/>
+              <a:t> own </a:t>
+            </a:r>
+            <a:r>
+              <a:rPr lang="de-CH" sz="2000" dirty="0" err="1"/>
+              <a:t>label</a:t>
+            </a:r>
+            <a:r>
+              <a:rPr lang="de-CH" sz="2000" dirty="0"/>
+              <a:t> «</a:t>
+            </a:r>
+            <a:r>
+              <a:rPr lang="de-CH" sz="2000" dirty="0" err="1"/>
+              <a:t>drug</a:t>
+            </a:r>
+            <a:r>
+              <a:rPr lang="de-CH" sz="2000" dirty="0"/>
+              <a:t>»:</a:t>
+            </a:r>
+          </a:p>
+        </p:txBody>
+      </p:sp>
+    </p:spTree>
+    <p:extLst>
+      <p:ext uri="{BB962C8B-B14F-4D97-AF65-F5344CB8AC3E}">
+        <p14:creationId xmlns:p14="http://schemas.microsoft.com/office/powerpoint/2010/main" val="2186464419"/>
+      </p:ext>
+    </p:extLst>
+  </p:cSld>
+  <p:clrMapOvr>
+    <a:masterClrMapping/>
+  </p:clrMapOvr>
+</p:sld>
+</file>
+
+<file path=ppt/slides/slide30.xml><?xml version="1.0" encoding="utf-8"?>
+<p:sld xmlns:a="http://schemas.openxmlformats.org/drawingml/2006/main" xmlns:r="http://schemas.openxmlformats.org/officeDocument/2006/relationships" xmlns:p="http://schemas.openxmlformats.org/presentationml/2006/main">
+  <p:cSld>
+    <p:spTree>
+      <p:nvGrpSpPr>
+        <p:cNvPr id="1" name=""/>
+        <p:cNvGrpSpPr/>
+        <p:nvPr/>
+      </p:nvGrpSpPr>
+      <p:grpSpPr>
+        <a:xfrm>
+          <a:off x="0" y="0"/>
+          <a:ext cx="0" cy="0"/>
+          <a:chOff x="0" y="0"/>
+          <a:chExt cx="0" cy="0"/>
+        </a:xfrm>
+      </p:grpSpPr>
+      <p:sp>
+        <p:nvSpPr>
+          <p:cNvPr id="2" name="Title 1">
+            <a:extLst>
+              <a:ext uri="{FF2B5EF4-FFF2-40B4-BE49-F238E27FC236}">
+                <a16:creationId xmlns:a16="http://schemas.microsoft.com/office/drawing/2014/main" id="{F0A1C071-7104-5551-7EBD-B5083028EA74}"/>
+              </a:ext>
+            </a:extLst>
+          </p:cNvPr>
+          <p:cNvSpPr>
+            <a:spLocks noGrp="1"/>
+          </p:cNvSpPr>
+          <p:nvPr>
+            <p:ph type="ctrTitle"/>
+          </p:nvPr>
+        </p:nvSpPr>
+        <p:spPr>
+          <a:xfrm>
+            <a:off x="581191" y="1020431"/>
+            <a:ext cx="10993549" cy="1299023"/>
+          </a:xfrm>
+        </p:spPr>
+        <p:txBody>
+          <a:bodyPr/>
+          <a:lstStyle/>
+          <a:p>
+            <a:r>
+              <a:rPr lang="en-CH" dirty="0"/>
+              <a:t>Thank you</a:t>
+            </a:r>
+          </a:p>
+        </p:txBody>
+      </p:sp>
+      <p:sp>
+        <p:nvSpPr>
+          <p:cNvPr id="3" name="Subtitle 2">
+            <a:extLst>
+              <a:ext uri="{FF2B5EF4-FFF2-40B4-BE49-F238E27FC236}">
+                <a16:creationId xmlns:a16="http://schemas.microsoft.com/office/drawing/2014/main" id="{AEA71244-91AA-9BCD-C993-40F718ED9820}"/>
+              </a:ext>
+            </a:extLst>
+          </p:cNvPr>
+          <p:cNvSpPr>
+            <a:spLocks noGrp="1"/>
+          </p:cNvSpPr>
+          <p:nvPr>
+            <p:ph type="subTitle" idx="1"/>
+          </p:nvPr>
+        </p:nvSpPr>
+        <p:spPr>
+          <a:xfrm>
+            <a:off x="581194" y="2319455"/>
+            <a:ext cx="10993546" cy="766312"/>
+          </a:xfrm>
+        </p:spPr>
+        <p:txBody>
+          <a:bodyPr>
+            <a:normAutofit/>
+          </a:bodyPr>
+          <a:lstStyle/>
+          <a:p>
+            <a:r>
+              <a:rPr lang="de-CH" dirty="0" err="1">
+                <a:solidFill>
+                  <a:schemeClr val="accent2"/>
+                </a:solidFill>
+              </a:rPr>
+              <a:t>Rebecka</a:t>
+            </a:r>
+            <a:r>
+              <a:rPr lang="de-CH" dirty="0">
+                <a:solidFill>
+                  <a:schemeClr val="accent2"/>
+                </a:solidFill>
+              </a:rPr>
+              <a:t> Fahrni,   Joseph Weibel</a:t>
+            </a:r>
+          </a:p>
+          <a:p>
+            <a:r>
+              <a:rPr lang="de-CH" dirty="0" err="1"/>
+              <a:t>For</a:t>
+            </a:r>
+            <a:r>
+              <a:rPr lang="de-CH" dirty="0"/>
+              <a:t> Details, </a:t>
+            </a:r>
+            <a:r>
+              <a:rPr lang="de-CH" dirty="0" err="1"/>
+              <a:t>see</a:t>
+            </a:r>
+            <a:r>
+              <a:rPr lang="de-CH" dirty="0"/>
+              <a:t> code in </a:t>
+            </a:r>
+            <a:r>
+              <a:rPr lang="de-CH" dirty="0" err="1"/>
+              <a:t>Github</a:t>
+            </a:r>
+            <a:r>
+              <a:rPr lang="de-CH" dirty="0"/>
+              <a:t> </a:t>
+            </a:r>
+            <a:r>
+              <a:rPr lang="de-CH" dirty="0" err="1"/>
+              <a:t>repositories</a:t>
+            </a:r>
+            <a:endParaRPr lang="de-CH" dirty="0">
+              <a:solidFill>
+                <a:schemeClr val="accent2"/>
+              </a:solidFill>
+            </a:endParaRPr>
+          </a:p>
+        </p:txBody>
+      </p:sp>
+    </p:spTree>
+    <p:extLst>
+      <p:ext uri="{BB962C8B-B14F-4D97-AF65-F5344CB8AC3E}">
+        <p14:creationId xmlns:p14="http://schemas.microsoft.com/office/powerpoint/2010/main" val="2558601773"/>
+      </p:ext>
+    </p:extLst>
+  </p:cSld>
+  <p:clrMapOvr>
+    <a:masterClrMapping/>
+  </p:clrMapOvr>
+</p:sld>
+</file>
+
+<file path=ppt/slides/slide4.xml><?xml version="1.0" encoding="utf-8"?>
+<p:sld xmlns:a="http://schemas.openxmlformats.org/drawingml/2006/main" xmlns:r="http://schemas.openxmlformats.org/officeDocument/2006/relationships" xmlns:p="http://schemas.openxmlformats.org/presentationml/2006/main">
+  <p:cSld>
+    <p:bg>
+      <p:bgPr>
+        <a:solidFill>
+          <a:schemeClr val="bg1"/>
+        </a:solidFill>
+        <a:effectLst/>
+      </p:bgPr>
+    </p:bg>
+    <p:spTree>
+      <p:nvGrpSpPr>
+        <p:cNvPr id="1" name=""/>
+        <p:cNvGrpSpPr/>
+        <p:nvPr/>
+      </p:nvGrpSpPr>
+      <p:grpSpPr>
+        <a:xfrm>
+          <a:off x="0" y="0"/>
+          <a:ext cx="0" cy="0"/>
+          <a:chOff x="0" y="0"/>
+          <a:chExt cx="0" cy="0"/>
+        </a:xfrm>
+      </p:grpSpPr>
       <p:sp>
         <p:nvSpPr>
           <p:cNvPr id="2" name="Titel 1">
@@ -7735,15 +12465,15 @@
             </a:r>
             <a:r>
               <a:rPr lang="de-CH" dirty="0"/>
-              <a:t> </a:t>
-            </a:r>
-            <a:r>
-              <a:rPr lang="de-CH" dirty="0" err="1"/>
-              <a:t>Project’s</a:t>
-            </a:r>
-            <a:r>
-              <a:rPr lang="de-CH" dirty="0"/>
               <a:t> Goal </a:t>
+            </a:r>
+            <a:r>
+              <a:rPr lang="de-CH" dirty="0" err="1"/>
+              <a:t>for</a:t>
+            </a:r>
+            <a:r>
+              <a:rPr lang="de-CH" dirty="0"/>
+              <a:t> Task 3</a:t>
             </a:r>
           </a:p>
         </p:txBody>
@@ -7948,7 +12678,7 @@
 </p:sld>
 </file>
 
-<file path=ppt/slides/slide4.xml><?xml version="1.0" encoding="utf-8"?>
+<file path=ppt/slides/slide5.xml><?xml version="1.0" encoding="utf-8"?>
 <p:sld xmlns:a="http://schemas.openxmlformats.org/drawingml/2006/main" xmlns:r="http://schemas.openxmlformats.org/officeDocument/2006/relationships" xmlns:p="http://schemas.openxmlformats.org/presentationml/2006/main">
   <p:cSld>
     <p:bg>
@@ -8290,7 +13020,7 @@
 </p:sld>
 </file>
 
-<file path=ppt/slides/slide5.xml><?xml version="1.0" encoding="utf-8"?>
+<file path=ppt/slides/slide6.xml><?xml version="1.0" encoding="utf-8"?>
 <p:sld xmlns:a="http://schemas.openxmlformats.org/drawingml/2006/main" xmlns:r="http://schemas.openxmlformats.org/officeDocument/2006/relationships" xmlns:p="http://schemas.openxmlformats.org/presentationml/2006/main">
   <p:cSld>
     <p:bg>
@@ -8476,13 +13206,13 @@
         </p:nvSpPr>
         <p:spPr>
           <a:xfrm>
-            <a:off x="6335805" y="2180496"/>
-            <a:ext cx="5275001" cy="4045683"/>
+            <a:off x="6335807" y="1998592"/>
+            <a:ext cx="5275001" cy="4409490"/>
           </a:xfrm>
         </p:spPr>
         <p:txBody>
           <a:bodyPr>
-            <a:normAutofit fontScale="92500" lnSpcReduction="10000"/>
+            <a:normAutofit fontScale="92500" lnSpcReduction="20000"/>
           </a:bodyPr>
           <a:lstStyle/>
           <a:p>
@@ -8504,7 +13234,7 @@
             </a:r>
             <a:r>
               <a:rPr lang="de-CH" dirty="0"/>
-              <a:t>: 3-fold </a:t>
+              <a:t>: 5-fold </a:t>
             </a:r>
             <a:r>
               <a:rPr lang="de-CH" dirty="0" err="1"/>
@@ -8710,6 +13440,56 @@
             <a:r>
               <a:rPr lang="en-US" dirty="0"/>
               <a:t>Low F1 score: model trouble striking balance</a:t>
+            </a:r>
+          </a:p>
+          <a:p>
+            <a:r>
+              <a:rPr lang="de-CH" dirty="0"/>
+              <a:t>Precision and Recall </a:t>
+            </a:r>
+            <a:r>
+              <a:rPr lang="de-CH" dirty="0" err="1"/>
+              <a:t>for</a:t>
+            </a:r>
+            <a:r>
+              <a:rPr lang="de-CH" dirty="0"/>
+              <a:t> </a:t>
+            </a:r>
+            <a:r>
+              <a:rPr lang="de-CH" dirty="0" err="1"/>
+              <a:t>better</a:t>
+            </a:r>
+            <a:r>
+              <a:rPr lang="de-CH" dirty="0"/>
+              <a:t> </a:t>
+            </a:r>
+            <a:r>
+              <a:rPr lang="de-CH" dirty="0" err="1"/>
+              <a:t>understanding</a:t>
+            </a:r>
+            <a:r>
+              <a:rPr lang="de-CH" dirty="0"/>
+              <a:t> </a:t>
+            </a:r>
+            <a:r>
+              <a:rPr lang="de-CH" dirty="0" err="1"/>
+              <a:t>of</a:t>
+            </a:r>
+            <a:r>
+              <a:rPr lang="de-CH" dirty="0"/>
+              <a:t> </a:t>
+            </a:r>
+            <a:r>
+              <a:rPr lang="de-CH" dirty="0" err="1"/>
+              <a:t>the</a:t>
+            </a:r>
+            <a:r>
+              <a:rPr lang="de-CH" dirty="0"/>
+              <a:t> </a:t>
+            </a:r>
+            <a:r>
+              <a:rPr lang="de-CH" dirty="0" err="1"/>
+              <a:t>predictions</a:t>
             </a:r>
             <a:endParaRPr lang="de-CH" dirty="0"/>
           </a:p>
@@ -8728,7 +13508,7 @@
 </p:sld>
 </file>
 
-<file path=ppt/slides/slide6.xml><?xml version="1.0" encoding="utf-8"?>
+<file path=ppt/slides/slide7.xml><?xml version="1.0" encoding="utf-8"?>
 <p:sld xmlns:a="http://schemas.openxmlformats.org/drawingml/2006/main" xmlns:r="http://schemas.openxmlformats.org/officeDocument/2006/relationships" xmlns:p="http://schemas.openxmlformats.org/presentationml/2006/main">
   <p:cSld>
     <p:bg>
@@ -9128,7 +13908,7 @@
             </a:r>
             <a:r>
               <a:rPr lang="de-DE" dirty="0"/>
-              <a:t> 20 </a:t>
+              <a:t> 25 </a:t>
             </a:r>
             <a:r>
               <a:rPr lang="de-DE" dirty="0" err="1"/>
@@ -9300,255 +14080,6 @@
     <p:extLst>
       <p:ext uri="{BB962C8B-B14F-4D97-AF65-F5344CB8AC3E}">
         <p14:creationId xmlns:p14="http://schemas.microsoft.com/office/powerpoint/2010/main" val="2117154243"/>
-      </p:ext>
-    </p:extLst>
-  </p:cSld>
-  <p:clrMapOvr>
-    <a:masterClrMapping/>
-  </p:clrMapOvr>
-</p:sld>
-</file>
-
-<file path=ppt/slides/slide7.xml><?xml version="1.0" encoding="utf-8"?>
-<p:sld xmlns:a="http://schemas.openxmlformats.org/drawingml/2006/main" xmlns:r="http://schemas.openxmlformats.org/officeDocument/2006/relationships" xmlns:p="http://schemas.openxmlformats.org/presentationml/2006/main">
-  <p:cSld>
-    <p:spTree>
-      <p:nvGrpSpPr>
-        <p:cNvPr id="1" name=""/>
-        <p:cNvGrpSpPr/>
-        <p:nvPr/>
-      </p:nvGrpSpPr>
-      <p:grpSpPr>
-        <a:xfrm>
-          <a:off x="0" y="0"/>
-          <a:ext cx="0" cy="0"/>
-          <a:chOff x="0" y="0"/>
-          <a:chExt cx="0" cy="0"/>
-        </a:xfrm>
-      </p:grpSpPr>
-      <p:sp>
-        <p:nvSpPr>
-          <p:cNvPr id="2" name="Titel 1">
-            <a:extLst>
-              <a:ext uri="{FF2B5EF4-FFF2-40B4-BE49-F238E27FC236}">
-                <a16:creationId xmlns:a16="http://schemas.microsoft.com/office/drawing/2014/main" id="{368C69C6-D44F-7EFE-369F-A17E00AFBD28}"/>
-              </a:ext>
-            </a:extLst>
-          </p:cNvPr>
-          <p:cNvSpPr>
-            <a:spLocks noGrp="1"/>
-          </p:cNvSpPr>
-          <p:nvPr>
-            <p:ph type="title"/>
-          </p:nvPr>
-        </p:nvSpPr>
-        <p:spPr/>
-        <p:txBody>
-          <a:bodyPr/>
-          <a:lstStyle/>
-          <a:p>
-            <a:r>
-              <a:rPr lang="de-CH" dirty="0"/>
-              <a:t>F1-Scores </a:t>
-            </a:r>
-            <a:r>
-              <a:rPr lang="de-CH" dirty="0" err="1"/>
-              <a:t>for</a:t>
-            </a:r>
-            <a:r>
-              <a:rPr lang="de-CH" dirty="0"/>
-              <a:t> Baseline Model - </a:t>
-            </a:r>
-            <a:r>
-              <a:rPr lang="de-CH" dirty="0" err="1"/>
-              <a:t>sVM</a:t>
-            </a:r>
-            <a:endParaRPr lang="de-CH" dirty="0"/>
-          </a:p>
-        </p:txBody>
-      </p:sp>
-      <p:sp>
-        <p:nvSpPr>
-          <p:cNvPr id="6" name="Textfeld 5">
-            <a:extLst>
-              <a:ext uri="{FF2B5EF4-FFF2-40B4-BE49-F238E27FC236}">
-                <a16:creationId xmlns:a16="http://schemas.microsoft.com/office/drawing/2014/main" id="{C7AAAE31-5A78-F298-EDB0-E52C41ABBBC7}"/>
-              </a:ext>
-            </a:extLst>
-          </p:cNvPr>
-          <p:cNvSpPr txBox="1"/>
-          <p:nvPr/>
-        </p:nvSpPr>
-        <p:spPr>
-          <a:xfrm>
-            <a:off x="371475" y="1943100"/>
-            <a:ext cx="5286375" cy="369332"/>
-          </a:xfrm>
-          <a:prstGeom prst="rect">
-            <a:avLst/>
-          </a:prstGeom>
-          <a:noFill/>
-        </p:spPr>
-        <p:txBody>
-          <a:bodyPr wrap="square" rtlCol="0">
-            <a:spAutoFit/>
-          </a:bodyPr>
-          <a:lstStyle/>
-          <a:p>
-            <a:r>
-              <a:rPr lang="de-CH" dirty="0"/>
-              <a:t>SVM – </a:t>
-            </a:r>
-            <a:r>
-              <a:rPr lang="de-CH" dirty="0" err="1"/>
-              <a:t>unbalanced</a:t>
-            </a:r>
-            <a:r>
-              <a:rPr lang="de-CH" dirty="0"/>
-              <a:t> </a:t>
-            </a:r>
-            <a:r>
-              <a:rPr lang="de-CH" dirty="0" err="1"/>
-              <a:t>class</a:t>
-            </a:r>
-            <a:r>
-              <a:rPr lang="de-CH" dirty="0"/>
-              <a:t> </a:t>
-            </a:r>
-            <a:r>
-              <a:rPr lang="de-CH" dirty="0" err="1"/>
-              <a:t>weights</a:t>
-            </a:r>
-            <a:r>
-              <a:rPr lang="de-CH" dirty="0"/>
-              <a:t> </a:t>
-            </a:r>
-          </a:p>
-        </p:txBody>
-      </p:sp>
-      <p:sp>
-        <p:nvSpPr>
-          <p:cNvPr id="7" name="Textfeld 6">
-            <a:extLst>
-              <a:ext uri="{FF2B5EF4-FFF2-40B4-BE49-F238E27FC236}">
-                <a16:creationId xmlns:a16="http://schemas.microsoft.com/office/drawing/2014/main" id="{AEBBC55A-36B0-9E4B-0B83-C37CBA559EB6}"/>
-              </a:ext>
-            </a:extLst>
-          </p:cNvPr>
-          <p:cNvSpPr txBox="1"/>
-          <p:nvPr/>
-        </p:nvSpPr>
-        <p:spPr>
-          <a:xfrm>
-            <a:off x="6534153" y="1943100"/>
-            <a:ext cx="4991098" cy="369332"/>
-          </a:xfrm>
-          <a:prstGeom prst="rect">
-            <a:avLst/>
-          </a:prstGeom>
-          <a:noFill/>
-        </p:spPr>
-        <p:txBody>
-          <a:bodyPr wrap="square" rtlCol="0">
-            <a:spAutoFit/>
-          </a:bodyPr>
-          <a:lstStyle/>
-          <a:p>
-            <a:r>
-              <a:rPr lang="de-CH" dirty="0"/>
-              <a:t>SVM – </a:t>
-            </a:r>
-            <a:r>
-              <a:rPr lang="de-CH" dirty="0" err="1"/>
-              <a:t>balanced</a:t>
-            </a:r>
-            <a:r>
-              <a:rPr lang="de-CH" dirty="0"/>
-              <a:t> </a:t>
-            </a:r>
-            <a:r>
-              <a:rPr lang="de-CH" dirty="0" err="1"/>
-              <a:t>class</a:t>
-            </a:r>
-            <a:r>
-              <a:rPr lang="de-CH" dirty="0"/>
-              <a:t> </a:t>
-            </a:r>
-            <a:r>
-              <a:rPr lang="de-CH" dirty="0" err="1"/>
-              <a:t>weights</a:t>
-            </a:r>
-            <a:r>
-              <a:rPr lang="de-CH" dirty="0"/>
-              <a:t> </a:t>
-            </a:r>
-          </a:p>
-        </p:txBody>
-      </p:sp>
-      <p:pic>
-        <p:nvPicPr>
-          <p:cNvPr id="9" name="Grafik 8">
-            <a:extLst>
-              <a:ext uri="{FF2B5EF4-FFF2-40B4-BE49-F238E27FC236}">
-                <a16:creationId xmlns:a16="http://schemas.microsoft.com/office/drawing/2014/main" id="{19AD4DC7-4969-5833-7C89-8F6028B1E5FC}"/>
-              </a:ext>
-            </a:extLst>
-          </p:cNvPr>
-          <p:cNvPicPr>
-            <a:picLocks noChangeAspect="1"/>
-          </p:cNvPicPr>
-          <p:nvPr/>
-        </p:nvPicPr>
-        <p:blipFill>
-          <a:blip r:embed="rId2"/>
-          <a:stretch>
-            <a:fillRect/>
-          </a:stretch>
-        </p:blipFill>
-        <p:spPr>
-          <a:xfrm>
-            <a:off x="6457950" y="2343111"/>
-            <a:ext cx="5370820" cy="3812733"/>
-          </a:xfrm>
-          <a:prstGeom prst="rect">
-            <a:avLst/>
-          </a:prstGeom>
-        </p:spPr>
-      </p:pic>
-      <p:pic>
-        <p:nvPicPr>
-          <p:cNvPr id="11" name="Grafik 10">
-            <a:extLst>
-              <a:ext uri="{FF2B5EF4-FFF2-40B4-BE49-F238E27FC236}">
-                <a16:creationId xmlns:a16="http://schemas.microsoft.com/office/drawing/2014/main" id="{C58A494D-290A-3FFA-0185-2BB1EC437809}"/>
-              </a:ext>
-            </a:extLst>
-          </p:cNvPr>
-          <p:cNvPicPr>
-            <a:picLocks noChangeAspect="1"/>
-          </p:cNvPicPr>
-          <p:nvPr/>
-        </p:nvPicPr>
-        <p:blipFill>
-          <a:blip r:embed="rId3"/>
-          <a:stretch>
-            <a:fillRect/>
-          </a:stretch>
-        </p:blipFill>
-        <p:spPr>
-          <a:xfrm>
-            <a:off x="210949" y="2343111"/>
-            <a:ext cx="5599889" cy="3975348"/>
-          </a:xfrm>
-          <a:prstGeom prst="rect">
-            <a:avLst/>
-          </a:prstGeom>
-        </p:spPr>
-      </p:pic>
-    </p:spTree>
-    <p:extLst>
-      <p:ext uri="{BB962C8B-B14F-4D97-AF65-F5344CB8AC3E}">
-        <p14:creationId xmlns:p14="http://schemas.microsoft.com/office/powerpoint/2010/main" val="178666799"/>
       </p:ext>
     </p:extLst>
   </p:cSld>
@@ -9580,7 +14111,7 @@
           <p:cNvPr id="2" name="Titel 1">
             <a:extLst>
               <a:ext uri="{FF2B5EF4-FFF2-40B4-BE49-F238E27FC236}">
-                <a16:creationId xmlns:a16="http://schemas.microsoft.com/office/drawing/2014/main" id="{50FDFC3C-7B96-F3DB-7958-45FA83152159}"/>
+                <a16:creationId xmlns:a16="http://schemas.microsoft.com/office/drawing/2014/main" id="{368C69C6-D44F-7EFE-369F-A17E00AFBD28}"/>
               </a:ext>
             </a:extLst>
           </p:cNvPr>
@@ -9606,17 +14137,22 @@
             </a:r>
             <a:r>
               <a:rPr lang="de-CH" dirty="0"/>
-              <a:t> Baseline Model - Naive Bayes </a:t>
-            </a:r>
+              <a:t> Baseline Model - </a:t>
+            </a:r>
+            <a:r>
+              <a:rPr lang="de-CH" dirty="0" err="1"/>
+              <a:t>sVM</a:t>
+            </a:r>
+            <a:endParaRPr lang="de-CH" dirty="0"/>
           </a:p>
         </p:txBody>
       </p:sp>
       <p:sp>
         <p:nvSpPr>
-          <p:cNvPr id="5" name="Textfeld 4">
+          <p:cNvPr id="6" name="Textfeld 5">
             <a:extLst>
               <a:ext uri="{FF2B5EF4-FFF2-40B4-BE49-F238E27FC236}">
-                <a16:creationId xmlns:a16="http://schemas.microsoft.com/office/drawing/2014/main" id="{9DA58C8F-6915-18E7-A1E6-17402BE53BA3}"/>
+                <a16:creationId xmlns:a16="http://schemas.microsoft.com/office/drawing/2014/main" id="{C7AAAE31-5A78-F298-EDB0-E52C41ABBBC7}"/>
               </a:ext>
             </a:extLst>
           </p:cNvPr>
@@ -9625,8 +14161,8 @@
         </p:nvSpPr>
         <p:spPr>
           <a:xfrm>
-            <a:off x="438150" y="1990725"/>
-            <a:ext cx="4533900" cy="371475"/>
+            <a:off x="371475" y="1943100"/>
+            <a:ext cx="5286375" cy="369332"/>
           </a:xfrm>
           <a:prstGeom prst="rect">
             <a:avLst/>
@@ -9641,7 +14177,7 @@
           <a:p>
             <a:r>
               <a:rPr lang="de-CH" dirty="0"/>
-              <a:t>NB - </a:t>
+              <a:t>SVM – </a:t>
             </a:r>
             <a:r>
               <a:rPr lang="de-CH" dirty="0" err="1"/>
@@ -9667,15 +14203,111 @@
               <a:rPr lang="de-CH" dirty="0"/>
               <a:t> </a:t>
             </a:r>
+          </a:p>
+        </p:txBody>
+      </p:sp>
+      <p:sp>
+        <p:nvSpPr>
+          <p:cNvPr id="7" name="Textfeld 6">
+            <a:extLst>
+              <a:ext uri="{FF2B5EF4-FFF2-40B4-BE49-F238E27FC236}">
+                <a16:creationId xmlns:a16="http://schemas.microsoft.com/office/drawing/2014/main" id="{AEBBC55A-36B0-9E4B-0B83-C37CBA559EB6}"/>
+              </a:ext>
+            </a:extLst>
+          </p:cNvPr>
+          <p:cNvSpPr txBox="1"/>
+          <p:nvPr/>
+        </p:nvSpPr>
+        <p:spPr>
+          <a:xfrm>
+            <a:off x="6096000" y="1943100"/>
+            <a:ext cx="4991098" cy="369332"/>
+          </a:xfrm>
+          <a:prstGeom prst="rect">
+            <a:avLst/>
+          </a:prstGeom>
+          <a:noFill/>
+        </p:spPr>
+        <p:txBody>
+          <a:bodyPr wrap="square" rtlCol="0">
+            <a:spAutoFit/>
+          </a:bodyPr>
+          <a:lstStyle/>
+          <a:p>
+            <a:r>
+              <a:rPr lang="de-CH" dirty="0"/>
+              <a:t>SVM – </a:t>
+            </a:r>
+            <a:r>
+              <a:rPr lang="de-CH" dirty="0" err="1"/>
+              <a:t>balanced</a:t>
+            </a:r>
+            <a:r>
+              <a:rPr lang="de-CH" dirty="0"/>
+              <a:t> </a:t>
+            </a:r>
+            <a:r>
+              <a:rPr lang="de-CH" dirty="0" err="1"/>
+              <a:t>class</a:t>
+            </a:r>
+            <a:r>
+              <a:rPr lang="de-CH" dirty="0"/>
+              <a:t> </a:t>
+            </a:r>
+            <a:r>
+              <a:rPr lang="de-CH" dirty="0" err="1"/>
+              <a:t>weights</a:t>
+            </a:r>
+            <a:r>
+              <a:rPr lang="de-CH" dirty="0"/>
+              <a:t> </a:t>
+            </a:r>
+            <a:r>
+              <a:rPr lang="de-CH" sz="1200" dirty="0"/>
+              <a:t>(</a:t>
+            </a:r>
+            <a:r>
+              <a:rPr lang="de-CH" sz="1200" dirty="0" err="1"/>
+              <a:t>only</a:t>
+            </a:r>
+            <a:r>
+              <a:rPr lang="de-CH" sz="1200" dirty="0"/>
+              <a:t> </a:t>
+            </a:r>
+            <a:r>
+              <a:rPr lang="de-CH" sz="1200" dirty="0" err="1"/>
+              <a:t>labels</a:t>
+            </a:r>
+            <a:r>
+              <a:rPr lang="de-CH" sz="1200" dirty="0"/>
+              <a:t> </a:t>
+            </a:r>
+            <a:r>
+              <a:rPr lang="de-CH" sz="1200" dirty="0" err="1"/>
+              <a:t>with</a:t>
+            </a:r>
+            <a:r>
+              <a:rPr lang="de-CH" sz="1200" dirty="0"/>
+              <a:t> &gt;25 </a:t>
+            </a:r>
+            <a:r>
+              <a:rPr lang="de-CH" sz="1200" dirty="0" err="1"/>
+              <a:t>samples</a:t>
+            </a:r>
+            <a:r>
+              <a:rPr lang="de-CH" sz="1200" dirty="0"/>
+              <a:t>)</a:t>
+            </a:r>
+            <a:endParaRPr lang="de-CH" dirty="0"/>
           </a:p>
         </p:txBody>
       </p:sp>
       <p:pic>
         <p:nvPicPr>
-          <p:cNvPr id="7" name="Grafik 6">
+          <p:cNvPr id="11" name="Grafik 10">
             <a:extLst>
               <a:ext uri="{FF2B5EF4-FFF2-40B4-BE49-F238E27FC236}">
-                <a16:creationId xmlns:a16="http://schemas.microsoft.com/office/drawing/2014/main" id="{1A65BAB9-3265-C8DB-E420-54FBFDF81530}"/>
+                <a16:creationId xmlns:a16="http://schemas.microsoft.com/office/drawing/2014/main" id="{C58A494D-290A-3FFA-0185-2BB1EC437809}"/>
               </a:ext>
             </a:extLst>
           </p:cNvPr>
@@ -9692,54 +14324,48 @@
         </p:blipFill>
         <p:spPr>
           <a:xfrm>
-            <a:off x="438150" y="2360057"/>
-            <a:ext cx="5152267" cy="3624593"/>
+            <a:off x="210949" y="2343111"/>
+            <a:ext cx="5599889" cy="3975348"/>
           </a:xfrm>
           <a:prstGeom prst="rect">
             <a:avLst/>
           </a:prstGeom>
         </p:spPr>
       </p:pic>
-      <p:sp>
-        <p:nvSpPr>
-          <p:cNvPr id="13" name="Textfeld 12">
+      <p:pic>
+        <p:nvPicPr>
+          <p:cNvPr id="3" name="Picture 2">
             <a:extLst>
               <a:ext uri="{FF2B5EF4-FFF2-40B4-BE49-F238E27FC236}">
-                <a16:creationId xmlns:a16="http://schemas.microsoft.com/office/drawing/2014/main" id="{ED0EB324-1BE0-AC7E-59B8-E8BC5DDBE0D8}"/>
+                <a16:creationId xmlns:a16="http://schemas.microsoft.com/office/drawing/2014/main" id="{1FA4D943-A44E-305D-6D3E-096791684DF1}"/>
               </a:ext>
             </a:extLst>
           </p:cNvPr>
-          <p:cNvSpPr txBox="1"/>
+          <p:cNvPicPr>
+            <a:picLocks noChangeAspect="1"/>
+          </p:cNvPicPr>
           <p:nvPr/>
-        </p:nvSpPr>
+        </p:nvPicPr>
+        <p:blipFill>
+          <a:blip r:embed="rId3"/>
+          <a:stretch>
+            <a:fillRect/>
+          </a:stretch>
+        </p:blipFill>
         <p:spPr>
           <a:xfrm>
-            <a:off x="623004" y="6070078"/>
-            <a:ext cx="11173797" cy="646331"/>
+            <a:off x="6096000" y="2356059"/>
+            <a:ext cx="5575300" cy="3962400"/>
           </a:xfrm>
           <a:prstGeom prst="rect">
             <a:avLst/>
           </a:prstGeom>
-          <a:noFill/>
         </p:spPr>
-        <p:txBody>
-          <a:bodyPr wrap="square" rtlCol="0">
-            <a:spAutoFit/>
-          </a:bodyPr>
-          <a:lstStyle/>
-          <a:p>
-            <a:r>
-              <a:rPr lang="en-US" dirty="0"/>
-              <a:t>Other models can handle imbalanced data better. Random Forests or Gradient Boosting Machines can be more resilient to class imbalance. </a:t>
-            </a:r>
-            <a:endParaRPr lang="de-CH" dirty="0"/>
-          </a:p>
-        </p:txBody>
-      </p:sp>
+      </p:pic>
     </p:spTree>
     <p:extLst>
       <p:ext uri="{BB962C8B-B14F-4D97-AF65-F5344CB8AC3E}">
-        <p14:creationId xmlns:p14="http://schemas.microsoft.com/office/powerpoint/2010/main" val="2714113064"/>
+        <p14:creationId xmlns:p14="http://schemas.microsoft.com/office/powerpoint/2010/main" val="178666799"/>
       </p:ext>
     </p:extLst>
   </p:cSld>
@@ -9797,7 +14423,7 @@
             </a:r>
             <a:r>
               <a:rPr lang="de-CH" dirty="0"/>
-              <a:t> Baseline Model – Random Forest</a:t>
+              <a:t> Baseline Model - Naive Bayes </a:t>
             </a:r>
           </a:p>
         </p:txBody>
@@ -9816,8 +14442,8 @@
         </p:nvSpPr>
         <p:spPr>
           <a:xfrm>
-            <a:off x="438150" y="1990725"/>
-            <a:ext cx="4533900" cy="371475"/>
+            <a:off x="3097266" y="2129413"/>
+            <a:ext cx="5815505" cy="369332"/>
           </a:xfrm>
           <a:prstGeom prst="rect">
             <a:avLst/>
@@ -9832,7 +14458,7 @@
           <a:p>
             <a:r>
               <a:rPr lang="de-CH" dirty="0"/>
-              <a:t>RF- </a:t>
+              <a:t>NB - </a:t>
             </a:r>
             <a:r>
               <a:rPr lang="de-CH" dirty="0" err="1"/>
@@ -9855,6 +14481,168 @@
               <a:t>weights</a:t>
             </a:r>
             <a:r>
+              <a:rPr kumimoji="0" lang="de-CH" sz="1800" b="0" i="0" u="none" strike="noStrike" kern="1200" cap="none" spc="0" normalizeH="0" baseline="0" noProof="0" dirty="0">
+                <a:ln>
+                  <a:noFill/>
+                </a:ln>
+                <a:solidFill>
+                  <a:prstClr val="black"/>
+                </a:solidFill>
+                <a:effectLst/>
+                <a:uLnTx/>
+                <a:uFillTx/>
+                <a:latin typeface="Gill Sans MT" panose="020B0502020104020203"/>
+                <a:ea typeface="+mn-ea"/>
+                <a:cs typeface="+mn-cs"/>
+              </a:rPr>
+              <a:t> </a:t>
+            </a:r>
+            <a:r>
+              <a:rPr lang="de-CH" sz="1200" dirty="0">
+                <a:solidFill>
+                  <a:prstClr val="black"/>
+                </a:solidFill>
+                <a:latin typeface="Gill Sans MT" panose="020B0502020104020203"/>
+              </a:rPr>
+              <a:t>(</a:t>
+            </a:r>
+            <a:r>
+              <a:rPr kumimoji="0" lang="de-CH" sz="1200" b="0" i="0" u="none" strike="noStrike" kern="1200" cap="none" spc="0" normalizeH="0" baseline="0" noProof="0" dirty="0" err="1">
+                <a:ln>
+                  <a:noFill/>
+                </a:ln>
+                <a:solidFill>
+                  <a:prstClr val="black"/>
+                </a:solidFill>
+                <a:effectLst/>
+                <a:uLnTx/>
+                <a:uFillTx/>
+                <a:latin typeface="Gill Sans MT" panose="020B0502020104020203"/>
+                <a:ea typeface="+mn-ea"/>
+                <a:cs typeface="+mn-cs"/>
+              </a:rPr>
+              <a:t>only</a:t>
+            </a:r>
+            <a:r>
+              <a:rPr kumimoji="0" lang="de-CH" sz="1200" b="0" i="0" u="none" strike="noStrike" kern="1200" cap="none" spc="0" normalizeH="0" baseline="0" noProof="0" dirty="0">
+                <a:ln>
+                  <a:noFill/>
+                </a:ln>
+                <a:solidFill>
+                  <a:prstClr val="black"/>
+                </a:solidFill>
+                <a:effectLst/>
+                <a:uLnTx/>
+                <a:uFillTx/>
+                <a:latin typeface="Gill Sans MT" panose="020B0502020104020203"/>
+                <a:ea typeface="+mn-ea"/>
+                <a:cs typeface="+mn-cs"/>
+              </a:rPr>
+              <a:t> </a:t>
+            </a:r>
+            <a:r>
+              <a:rPr kumimoji="0" lang="de-CH" sz="1200" b="0" i="0" u="none" strike="noStrike" kern="1200" cap="none" spc="0" normalizeH="0" baseline="0" noProof="0" dirty="0" err="1">
+                <a:ln>
+                  <a:noFill/>
+                </a:ln>
+                <a:solidFill>
+                  <a:prstClr val="black"/>
+                </a:solidFill>
+                <a:effectLst/>
+                <a:uLnTx/>
+                <a:uFillTx/>
+                <a:latin typeface="Gill Sans MT" panose="020B0502020104020203"/>
+                <a:ea typeface="+mn-ea"/>
+                <a:cs typeface="+mn-cs"/>
+              </a:rPr>
+              <a:t>labels</a:t>
+            </a:r>
+            <a:r>
+              <a:rPr kumimoji="0" lang="de-CH" sz="1200" b="0" i="0" u="none" strike="noStrike" kern="1200" cap="none" spc="0" normalizeH="0" baseline="0" noProof="0" dirty="0">
+                <a:ln>
+                  <a:noFill/>
+                </a:ln>
+                <a:solidFill>
+                  <a:prstClr val="black"/>
+                </a:solidFill>
+                <a:effectLst/>
+                <a:uLnTx/>
+                <a:uFillTx/>
+                <a:latin typeface="Gill Sans MT" panose="020B0502020104020203"/>
+                <a:ea typeface="+mn-ea"/>
+                <a:cs typeface="+mn-cs"/>
+              </a:rPr>
+              <a:t> </a:t>
+            </a:r>
+            <a:r>
+              <a:rPr kumimoji="0" lang="de-CH" sz="1200" b="0" i="0" u="none" strike="noStrike" kern="1200" cap="none" spc="0" normalizeH="0" baseline="0" noProof="0" dirty="0" err="1">
+                <a:ln>
+                  <a:noFill/>
+                </a:ln>
+                <a:solidFill>
+                  <a:prstClr val="black"/>
+                </a:solidFill>
+                <a:effectLst/>
+                <a:uLnTx/>
+                <a:uFillTx/>
+                <a:latin typeface="Gill Sans MT" panose="020B0502020104020203"/>
+                <a:ea typeface="+mn-ea"/>
+                <a:cs typeface="+mn-cs"/>
+              </a:rPr>
+              <a:t>with</a:t>
+            </a:r>
+            <a:r>
+              <a:rPr kumimoji="0" lang="de-CH" sz="1200" b="0" i="0" u="none" strike="noStrike" kern="1200" cap="none" spc="0" normalizeH="0" baseline="0" noProof="0" dirty="0">
+                <a:ln>
+                  <a:noFill/>
+                </a:ln>
+                <a:solidFill>
+                  <a:prstClr val="black"/>
+                </a:solidFill>
+                <a:effectLst/>
+                <a:uLnTx/>
+                <a:uFillTx/>
+                <a:latin typeface="Gill Sans MT" panose="020B0502020104020203"/>
+                <a:ea typeface="+mn-ea"/>
+                <a:cs typeface="+mn-cs"/>
+              </a:rPr>
+              <a:t> &gt;25 </a:t>
+            </a:r>
+            <a:r>
+              <a:rPr kumimoji="0" lang="de-CH" sz="1200" b="0" i="0" u="none" strike="noStrike" kern="1200" cap="none" spc="0" normalizeH="0" baseline="0" noProof="0" dirty="0" err="1">
+                <a:ln>
+                  <a:noFill/>
+                </a:ln>
+                <a:solidFill>
+                  <a:prstClr val="black"/>
+                </a:solidFill>
+                <a:effectLst/>
+                <a:uLnTx/>
+                <a:uFillTx/>
+                <a:latin typeface="Gill Sans MT" panose="020B0502020104020203"/>
+                <a:ea typeface="+mn-ea"/>
+                <a:cs typeface="+mn-cs"/>
+              </a:rPr>
+              <a:t>samples</a:t>
+            </a:r>
+            <a:r>
+              <a:rPr kumimoji="0" lang="de-CH" sz="1200" b="0" i="0" u="none" strike="noStrike" kern="1200" cap="none" spc="0" normalizeH="0" baseline="0" noProof="0" dirty="0">
+                <a:ln>
+                  <a:noFill/>
+                </a:ln>
+                <a:solidFill>
+                  <a:prstClr val="black"/>
+                </a:solidFill>
+                <a:effectLst/>
+                <a:uLnTx/>
+                <a:uFillTx/>
+                <a:latin typeface="Gill Sans MT" panose="020B0502020104020203"/>
+                <a:ea typeface="+mn-ea"/>
+                <a:cs typeface="+mn-cs"/>
+              </a:rPr>
+              <a:t>)</a:t>
+            </a:r>
+            <a:r>
               <a:rPr lang="de-CH" dirty="0"/>
               <a:t> </a:t>
             </a:r>
@@ -9863,10 +14651,10 @@
       </p:sp>
       <p:sp>
         <p:nvSpPr>
-          <p:cNvPr id="12" name="Textfeld 11">
+          <p:cNvPr id="13" name="Textfeld 12">
             <a:extLst>
               <a:ext uri="{FF2B5EF4-FFF2-40B4-BE49-F238E27FC236}">
-                <a16:creationId xmlns:a16="http://schemas.microsoft.com/office/drawing/2014/main" id="{12F04AFB-86C5-13EE-B2B3-34BA8C15B44F}"/>
+                <a16:creationId xmlns:a16="http://schemas.microsoft.com/office/drawing/2014/main" id="{ED0EB324-1BE0-AC7E-59B8-E8BC5DDBE0D8}"/>
               </a:ext>
             </a:extLst>
           </p:cNvPr>
@@ -9875,8 +14663,8 @@
         </p:nvSpPr>
         <p:spPr>
           <a:xfrm>
-            <a:off x="6353175" y="1990725"/>
-            <a:ext cx="5257633" cy="369332"/>
+            <a:off x="623004" y="6070078"/>
+            <a:ext cx="11173797" cy="646331"/>
           </a:xfrm>
           <a:prstGeom prst="rect">
             <a:avLst/>
@@ -9890,42 +14678,19 @@
           <a:lstStyle/>
           <a:p>
             <a:r>
-              <a:rPr lang="de-CH" dirty="0"/>
-              <a:t>RF - </a:t>
-            </a:r>
-            <a:r>
-              <a:rPr lang="de-CH" dirty="0" err="1"/>
-              <a:t>balanced</a:t>
-            </a:r>
-            <a:r>
-              <a:rPr lang="de-CH" dirty="0"/>
-              <a:t> </a:t>
-            </a:r>
-            <a:r>
-              <a:rPr lang="de-CH" dirty="0" err="1"/>
-              <a:t>class</a:t>
-            </a:r>
-            <a:r>
-              <a:rPr lang="de-CH" dirty="0"/>
-              <a:t> </a:t>
-            </a:r>
-            <a:r>
-              <a:rPr lang="de-CH" dirty="0" err="1"/>
-              <a:t>weights</a:t>
-            </a:r>
-            <a:r>
-              <a:rPr lang="de-CH" dirty="0"/>
-              <a:t> </a:t>
-            </a:r>
+              <a:rPr lang="en-US" dirty="0"/>
+              <a:t>Other models can handle imbalanced data better. Random Forests or Gradient Boosting Machines can be more resilient to class imbalance. </a:t>
+            </a:r>
+            <a:endParaRPr lang="de-CH" dirty="0"/>
           </a:p>
         </p:txBody>
       </p:sp>
       <p:pic>
         <p:nvPicPr>
-          <p:cNvPr id="4" name="Grafik 3">
+          <p:cNvPr id="3" name="Picture 2">
             <a:extLst>
               <a:ext uri="{FF2B5EF4-FFF2-40B4-BE49-F238E27FC236}">
-                <a16:creationId xmlns:a16="http://schemas.microsoft.com/office/drawing/2014/main" id="{31C0DC1B-B3BF-DAA7-86BA-78730E315A64}"/>
+                <a16:creationId xmlns:a16="http://schemas.microsoft.com/office/drawing/2014/main" id="{425502D7-1FE5-A115-7A00-C7B47F309823}"/>
               </a:ext>
             </a:extLst>
           </p:cNvPr>
@@ -9942,38 +14707,8 @@
         </p:blipFill>
         <p:spPr>
           <a:xfrm>
-            <a:off x="6027964" y="2360057"/>
-            <a:ext cx="5725886" cy="4064793"/>
-          </a:xfrm>
-          <a:prstGeom prst="rect">
-            <a:avLst/>
-          </a:prstGeom>
-        </p:spPr>
-      </p:pic>
-      <p:pic>
-        <p:nvPicPr>
-          <p:cNvPr id="8" name="Grafik 7">
-            <a:extLst>
-              <a:ext uri="{FF2B5EF4-FFF2-40B4-BE49-F238E27FC236}">
-                <a16:creationId xmlns:a16="http://schemas.microsoft.com/office/drawing/2014/main" id="{41D01C4E-A1E5-D6F7-5EF0-4B7D8BF5DF46}"/>
-              </a:ext>
-            </a:extLst>
-          </p:cNvPr>
-          <p:cNvPicPr>
-            <a:picLocks noChangeAspect="1"/>
-          </p:cNvPicPr>
-          <p:nvPr/>
-        </p:nvPicPr>
-        <p:blipFill>
-          <a:blip r:embed="rId3"/>
-          <a:stretch>
-            <a:fillRect/>
-          </a:stretch>
-        </p:blipFill>
-        <p:spPr>
-          <a:xfrm>
-            <a:off x="370113" y="2360056"/>
-            <a:ext cx="5725887" cy="4064793"/>
+            <a:off x="3141717" y="2500888"/>
+            <a:ext cx="5056352" cy="3569190"/>
           </a:xfrm>
           <a:prstGeom prst="rect">
             <a:avLst/>
@@ -9983,7 +14718,7 @@
     </p:spTree>
     <p:extLst>
       <p:ext uri="{BB962C8B-B14F-4D97-AF65-F5344CB8AC3E}">
-        <p14:creationId xmlns:p14="http://schemas.microsoft.com/office/powerpoint/2010/main" val="3007869225"/>
+        <p14:creationId xmlns:p14="http://schemas.microsoft.com/office/powerpoint/2010/main" val="2714113064"/>
       </p:ext>
     </p:extLst>
   </p:cSld>
